--- a/reti_informatiche/materiale/lezione_1_reti_introduzione.pptx
+++ b/reti_informatiche/materiale/lezione_1_reti_introduzione.pptx
@@ -5,38 +5,44 @@
     <p:sldMasterId id="2147483659" r:id="rId1"/>
   </p:sldMasterIdLst>
   <p:notesMasterIdLst>
-    <p:notesMasterId r:id="rId16"/>
+    <p:notesMasterId r:id="rId22"/>
   </p:notesMasterIdLst>
   <p:sldIdLst>
     <p:sldId id="256" r:id="rId2"/>
     <p:sldId id="257" r:id="rId3"/>
     <p:sldId id="258" r:id="rId4"/>
-    <p:sldId id="259" r:id="rId5"/>
-    <p:sldId id="260" r:id="rId6"/>
-    <p:sldId id="261" r:id="rId7"/>
-    <p:sldId id="269" r:id="rId8"/>
-    <p:sldId id="262" r:id="rId9"/>
-    <p:sldId id="263" r:id="rId10"/>
-    <p:sldId id="264" r:id="rId11"/>
-    <p:sldId id="265" r:id="rId12"/>
-    <p:sldId id="266" r:id="rId13"/>
-    <p:sldId id="267" r:id="rId14"/>
-    <p:sldId id="268" r:id="rId15"/>
+    <p:sldId id="271" r:id="rId5"/>
+    <p:sldId id="270" r:id="rId6"/>
+    <p:sldId id="272" r:id="rId7"/>
+    <p:sldId id="274" r:id="rId8"/>
+    <p:sldId id="276" r:id="rId9"/>
+    <p:sldId id="277" r:id="rId10"/>
+    <p:sldId id="278" r:id="rId11"/>
+    <p:sldId id="262" r:id="rId12"/>
+    <p:sldId id="279" r:id="rId13"/>
+    <p:sldId id="261" r:id="rId14"/>
+    <p:sldId id="269" r:id="rId15"/>
+    <p:sldId id="263" r:id="rId16"/>
+    <p:sldId id="264" r:id="rId17"/>
+    <p:sldId id="265" r:id="rId18"/>
+    <p:sldId id="266" r:id="rId19"/>
+    <p:sldId id="267" r:id="rId20"/>
+    <p:sldId id="268" r:id="rId21"/>
   </p:sldIdLst>
   <p:sldSz cx="9144000" cy="5143500" type="screen16x9"/>
   <p:notesSz cx="6858000" cy="9144000"/>
   <p:embeddedFontLst>
     <p:embeddedFont>
-      <p:font typeface="PT Sans Narrow" charset="0"/>
-      <p:regular r:id="rId17"/>
-      <p:bold r:id="rId18"/>
+      <p:font typeface="Open Sans" panose="020B0606030504020204" pitchFamily="34" charset="0"/>
+      <p:regular r:id="rId23"/>
+      <p:bold r:id="rId24"/>
+      <p:italic r:id="rId25"/>
+      <p:boldItalic r:id="rId26"/>
     </p:embeddedFont>
     <p:embeddedFont>
-      <p:font typeface="Open Sans" charset="0"/>
-      <p:regular r:id="rId19"/>
-      <p:bold r:id="rId20"/>
-      <p:italic r:id="rId21"/>
-      <p:boldItalic r:id="rId22"/>
+      <p:font typeface="PT Sans Narrow" panose="020B0506020203020204" pitchFamily="34" charset="0"/>
+      <p:regular r:id="rId27"/>
+      <p:bold r:id="rId28"/>
     </p:embeddedFont>
   </p:embeddedFontLst>
   <p:defaultTextStyle>
@@ -270,7 +276,7 @@
   </p:defaultTextStyle>
   <p:extLst>
     <p:ext uri="{EFAFB233-063F-42B5-8137-9DF3F51BA10A}">
-      <p15:sldGuideLst xmlns:ahyp="http://schemas.microsoft.com/office/drawing/2018/hyperlinkcolor" xmlns:p15="http://schemas.microsoft.com/office/powerpoint/2012/main" xmlns:p14="http://schemas.microsoft.com/office/powerpoint/2010/main" xmlns:com="http://schemas.openxmlformats.org/drawingml/2006/compatibility" xmlns:pvml="urn:schemas-microsoft-com:office:powerpoint" xmlns:v="urn:schemas-microsoft-com:vml" xmlns:o="urn:schemas-microsoft-com:office:office" xmlns:dgm="http://schemas.openxmlformats.org/drawingml/2006/diagram" xmlns:c="http://schemas.openxmlformats.org/drawingml/2006/chart" xmlns:mv="urn:schemas-microsoft-com:mac:vml" xmlns:mc="http://schemas.openxmlformats.org/markup-compatibility/2006" xmlns="">
+      <p15:sldGuideLst xmlns:p15="http://schemas.microsoft.com/office/powerpoint/2012/main">
         <p15:guide id="1" orient="horz" pos="1620">
           <p15:clr>
             <a:srgbClr val="A4A3A4"/>
@@ -757,8 +763,8 @@
         </p:nvSpPr>
         <p:spPr>
           <a:xfrm>
-            <a:off x="381300" y="685800"/>
-            <a:ext cx="6096075" cy="3429000"/>
+            <a:off x="381000" y="685800"/>
+            <a:ext cx="6096000" cy="3429000"/>
           </a:xfrm>
           <a:custGeom>
             <a:avLst/>
@@ -833,6 +839,640 @@
 </file>
 
 <file path=ppt/notesSlides/notesSlide10.xml><?xml version="1.0" encoding="utf-8"?>
+<p:notes xmlns:a="http://schemas.openxmlformats.org/drawingml/2006/main" xmlns:r="http://schemas.openxmlformats.org/officeDocument/2006/relationships" xmlns:p="http://schemas.openxmlformats.org/presentationml/2006/main" showMasterSp="0" showMasterPhAnim="0">
+  <p:cSld>
+    <p:spTree>
+      <p:nvGrpSpPr>
+        <p:cNvPr id="1" name="Shape 74"/>
+        <p:cNvGrpSpPr/>
+        <p:nvPr/>
+      </p:nvGrpSpPr>
+      <p:grpSpPr>
+        <a:xfrm>
+          <a:off x="0" y="0"/>
+          <a:ext cx="0" cy="0"/>
+          <a:chOff x="0" y="0"/>
+          <a:chExt cx="0" cy="0"/>
+        </a:xfrm>
+      </p:grpSpPr>
+      <p:sp>
+        <p:nvSpPr>
+          <p:cNvPr id="75" name="Google Shape;75;g169263f8374_0_35:notes"/>
+          <p:cNvSpPr>
+            <a:spLocks noGrp="1" noRot="1" noChangeAspect="1"/>
+          </p:cNvSpPr>
+          <p:nvPr>
+            <p:ph type="sldImg" idx="2"/>
+          </p:nvPr>
+        </p:nvSpPr>
+        <p:spPr>
+          <a:xfrm>
+            <a:off x="381000" y="685800"/>
+            <a:ext cx="6096000" cy="3429000"/>
+          </a:xfrm>
+          <a:custGeom>
+            <a:avLst/>
+            <a:gdLst/>
+            <a:ahLst/>
+            <a:cxnLst/>
+            <a:rect l="l" t="t" r="r" b="b"/>
+            <a:pathLst>
+              <a:path w="120000" h="120000" extrusionOk="0">
+                <a:moveTo>
+                  <a:pt x="0" y="0"/>
+                </a:moveTo>
+                <a:lnTo>
+                  <a:pt x="120000" y="0"/>
+                </a:lnTo>
+                <a:lnTo>
+                  <a:pt x="120000" y="120000"/>
+                </a:lnTo>
+                <a:lnTo>
+                  <a:pt x="0" y="120000"/>
+                </a:lnTo>
+                <a:close/>
+              </a:path>
+            </a:pathLst>
+          </a:custGeom>
+        </p:spPr>
+      </p:sp>
+      <p:sp>
+        <p:nvSpPr>
+          <p:cNvPr id="76" name="Google Shape;76;g169263f8374_0_35:notes"/>
+          <p:cNvSpPr txBox="1">
+            <a:spLocks noGrp="1"/>
+          </p:cNvSpPr>
+          <p:nvPr>
+            <p:ph type="body" idx="1"/>
+          </p:nvPr>
+        </p:nvSpPr>
+        <p:spPr>
+          <a:xfrm>
+            <a:off x="685800" y="4343400"/>
+            <a:ext cx="5486400" cy="4114800"/>
+          </a:xfrm>
+          <a:prstGeom prst="rect">
+            <a:avLst/>
+          </a:prstGeom>
+        </p:spPr>
+        <p:txBody>
+          <a:bodyPr spcFirstLastPara="1" wrap="square" lIns="91425" tIns="91425" rIns="91425" bIns="91425" anchor="t" anchorCtr="0">
+            <a:noAutofit/>
+          </a:bodyPr>
+          <a:lstStyle/>
+          <a:p>
+            <a:pPr marL="0" lvl="0" indent="0" algn="l" rtl="0">
+              <a:spcBef>
+                <a:spcPts val="0"/>
+              </a:spcBef>
+              <a:spcAft>
+                <a:spcPts val="0"/>
+              </a:spcAft>
+              <a:buNone/>
+            </a:pPr>
+            <a:endParaRPr/>
+          </a:p>
+        </p:txBody>
+      </p:sp>
+    </p:spTree>
+    <p:extLst>
+      <p:ext uri="{BB962C8B-B14F-4D97-AF65-F5344CB8AC3E}">
+        <p14:creationId xmlns:p14="http://schemas.microsoft.com/office/powerpoint/2010/main" val="3436239412"/>
+      </p:ext>
+    </p:extLst>
+  </p:cSld>
+  <p:clrMapOvr>
+    <a:masterClrMapping/>
+  </p:clrMapOvr>
+</p:notes>
+</file>
+
+<file path=ppt/notesSlides/notesSlide11.xml><?xml version="1.0" encoding="utf-8"?>
+<p:notes xmlns:a="http://schemas.openxmlformats.org/drawingml/2006/main" xmlns:r="http://schemas.openxmlformats.org/officeDocument/2006/relationships" xmlns:p="http://schemas.openxmlformats.org/presentationml/2006/main" showMasterSp="0" showMasterPhAnim="0">
+  <p:cSld>
+    <p:spTree>
+      <p:nvGrpSpPr>
+        <p:cNvPr id="1" name="Shape 102"/>
+        <p:cNvGrpSpPr/>
+        <p:nvPr/>
+      </p:nvGrpSpPr>
+      <p:grpSpPr>
+        <a:xfrm>
+          <a:off x="0" y="0"/>
+          <a:ext cx="0" cy="0"/>
+          <a:chOff x="0" y="0"/>
+          <a:chExt cx="0" cy="0"/>
+        </a:xfrm>
+      </p:grpSpPr>
+      <p:sp>
+        <p:nvSpPr>
+          <p:cNvPr id="103" name="Google Shape;103;g169263f8374_0_20:notes"/>
+          <p:cNvSpPr>
+            <a:spLocks noGrp="1" noRot="1" noChangeAspect="1"/>
+          </p:cNvSpPr>
+          <p:nvPr>
+            <p:ph type="sldImg" idx="2"/>
+          </p:nvPr>
+        </p:nvSpPr>
+        <p:spPr>
+          <a:xfrm>
+            <a:off x="381000" y="685800"/>
+            <a:ext cx="6096000" cy="3429000"/>
+          </a:xfrm>
+          <a:custGeom>
+            <a:avLst/>
+            <a:gdLst/>
+            <a:ahLst/>
+            <a:cxnLst/>
+            <a:rect l="l" t="t" r="r" b="b"/>
+            <a:pathLst>
+              <a:path w="120000" h="120000" extrusionOk="0">
+                <a:moveTo>
+                  <a:pt x="0" y="0"/>
+                </a:moveTo>
+                <a:lnTo>
+                  <a:pt x="120000" y="0"/>
+                </a:lnTo>
+                <a:lnTo>
+                  <a:pt x="120000" y="120000"/>
+                </a:lnTo>
+                <a:lnTo>
+                  <a:pt x="0" y="120000"/>
+                </a:lnTo>
+                <a:close/>
+              </a:path>
+            </a:pathLst>
+          </a:custGeom>
+        </p:spPr>
+      </p:sp>
+      <p:sp>
+        <p:nvSpPr>
+          <p:cNvPr id="104" name="Google Shape;104;g169263f8374_0_20:notes"/>
+          <p:cNvSpPr txBox="1">
+            <a:spLocks noGrp="1"/>
+          </p:cNvSpPr>
+          <p:nvPr>
+            <p:ph type="body" idx="1"/>
+          </p:nvPr>
+        </p:nvSpPr>
+        <p:spPr>
+          <a:xfrm>
+            <a:off x="685800" y="4343400"/>
+            <a:ext cx="5486400" cy="4114800"/>
+          </a:xfrm>
+          <a:prstGeom prst="rect">
+            <a:avLst/>
+          </a:prstGeom>
+        </p:spPr>
+        <p:txBody>
+          <a:bodyPr spcFirstLastPara="1" wrap="square" lIns="91425" tIns="91425" rIns="91425" bIns="91425" anchor="t" anchorCtr="0">
+            <a:noAutofit/>
+          </a:bodyPr>
+          <a:lstStyle/>
+          <a:p>
+            <a:pPr marL="0" lvl="0" indent="0" algn="l" rtl="0">
+              <a:spcBef>
+                <a:spcPts val="0"/>
+              </a:spcBef>
+              <a:spcAft>
+                <a:spcPts val="0"/>
+              </a:spcAft>
+              <a:buNone/>
+            </a:pPr>
+            <a:endParaRPr/>
+          </a:p>
+        </p:txBody>
+      </p:sp>
+    </p:spTree>
+  </p:cSld>
+  <p:clrMapOvr>
+    <a:masterClrMapping/>
+  </p:clrMapOvr>
+</p:notes>
+</file>
+
+<file path=ppt/notesSlides/notesSlide12.xml><?xml version="1.0" encoding="utf-8"?>
+<p:notes xmlns:a="http://schemas.openxmlformats.org/drawingml/2006/main" xmlns:r="http://schemas.openxmlformats.org/officeDocument/2006/relationships" xmlns:p="http://schemas.openxmlformats.org/presentationml/2006/main" showMasterSp="0" showMasterPhAnim="0">
+  <p:cSld>
+    <p:spTree>
+      <p:nvGrpSpPr>
+        <p:cNvPr id="1" name="Shape 74"/>
+        <p:cNvGrpSpPr/>
+        <p:nvPr/>
+      </p:nvGrpSpPr>
+      <p:grpSpPr>
+        <a:xfrm>
+          <a:off x="0" y="0"/>
+          <a:ext cx="0" cy="0"/>
+          <a:chOff x="0" y="0"/>
+          <a:chExt cx="0" cy="0"/>
+        </a:xfrm>
+      </p:grpSpPr>
+      <p:sp>
+        <p:nvSpPr>
+          <p:cNvPr id="75" name="Google Shape;75;g169263f8374_0_35:notes"/>
+          <p:cNvSpPr>
+            <a:spLocks noGrp="1" noRot="1" noChangeAspect="1"/>
+          </p:cNvSpPr>
+          <p:nvPr>
+            <p:ph type="sldImg" idx="2"/>
+          </p:nvPr>
+        </p:nvSpPr>
+        <p:spPr>
+          <a:xfrm>
+            <a:off x="381000" y="685800"/>
+            <a:ext cx="6096000" cy="3429000"/>
+          </a:xfrm>
+          <a:custGeom>
+            <a:avLst/>
+            <a:gdLst/>
+            <a:ahLst/>
+            <a:cxnLst/>
+            <a:rect l="l" t="t" r="r" b="b"/>
+            <a:pathLst>
+              <a:path w="120000" h="120000" extrusionOk="0">
+                <a:moveTo>
+                  <a:pt x="0" y="0"/>
+                </a:moveTo>
+                <a:lnTo>
+                  <a:pt x="120000" y="0"/>
+                </a:lnTo>
+                <a:lnTo>
+                  <a:pt x="120000" y="120000"/>
+                </a:lnTo>
+                <a:lnTo>
+                  <a:pt x="0" y="120000"/>
+                </a:lnTo>
+                <a:close/>
+              </a:path>
+            </a:pathLst>
+          </a:custGeom>
+        </p:spPr>
+      </p:sp>
+      <p:sp>
+        <p:nvSpPr>
+          <p:cNvPr id="76" name="Google Shape;76;g169263f8374_0_35:notes"/>
+          <p:cNvSpPr txBox="1">
+            <a:spLocks noGrp="1"/>
+          </p:cNvSpPr>
+          <p:nvPr>
+            <p:ph type="body" idx="1"/>
+          </p:nvPr>
+        </p:nvSpPr>
+        <p:spPr>
+          <a:xfrm>
+            <a:off x="685800" y="4343400"/>
+            <a:ext cx="5486400" cy="4114800"/>
+          </a:xfrm>
+          <a:prstGeom prst="rect">
+            <a:avLst/>
+          </a:prstGeom>
+        </p:spPr>
+        <p:txBody>
+          <a:bodyPr spcFirstLastPara="1" wrap="square" lIns="91425" tIns="91425" rIns="91425" bIns="91425" anchor="t" anchorCtr="0">
+            <a:noAutofit/>
+          </a:bodyPr>
+          <a:lstStyle/>
+          <a:p>
+            <a:pPr marL="0" lvl="0" indent="0" algn="l" rtl="0">
+              <a:spcBef>
+                <a:spcPts val="0"/>
+              </a:spcBef>
+              <a:spcAft>
+                <a:spcPts val="0"/>
+              </a:spcAft>
+              <a:buNone/>
+            </a:pPr>
+            <a:endParaRPr/>
+          </a:p>
+        </p:txBody>
+      </p:sp>
+    </p:spTree>
+    <p:extLst>
+      <p:ext uri="{BB962C8B-B14F-4D97-AF65-F5344CB8AC3E}">
+        <p14:creationId xmlns:p14="http://schemas.microsoft.com/office/powerpoint/2010/main" val="2598611126"/>
+      </p:ext>
+    </p:extLst>
+  </p:cSld>
+  <p:clrMapOvr>
+    <a:masterClrMapping/>
+  </p:clrMapOvr>
+</p:notes>
+</file>
+
+<file path=ppt/notesSlides/notesSlide13.xml><?xml version="1.0" encoding="utf-8"?>
+<p:notes xmlns:a="http://schemas.openxmlformats.org/drawingml/2006/main" xmlns:r="http://schemas.openxmlformats.org/officeDocument/2006/relationships" xmlns:p="http://schemas.openxmlformats.org/presentationml/2006/main" showMasterSp="0" showMasterPhAnim="0">
+  <p:cSld>
+    <p:spTree>
+      <p:nvGrpSpPr>
+        <p:cNvPr id="1" name="Shape 96"/>
+        <p:cNvGrpSpPr/>
+        <p:nvPr/>
+      </p:nvGrpSpPr>
+      <p:grpSpPr>
+        <a:xfrm>
+          <a:off x="0" y="0"/>
+          <a:ext cx="0" cy="0"/>
+          <a:chOff x="0" y="0"/>
+          <a:chExt cx="0" cy="0"/>
+        </a:xfrm>
+      </p:grpSpPr>
+      <p:sp>
+        <p:nvSpPr>
+          <p:cNvPr id="97" name="Google Shape;97;g161796e86f2_0_76:notes"/>
+          <p:cNvSpPr>
+            <a:spLocks noGrp="1" noRot="1" noChangeAspect="1"/>
+          </p:cNvSpPr>
+          <p:nvPr>
+            <p:ph type="sldImg" idx="2"/>
+          </p:nvPr>
+        </p:nvSpPr>
+        <p:spPr>
+          <a:xfrm>
+            <a:off x="381000" y="685800"/>
+            <a:ext cx="6096000" cy="3429000"/>
+          </a:xfrm>
+          <a:custGeom>
+            <a:avLst/>
+            <a:gdLst/>
+            <a:ahLst/>
+            <a:cxnLst/>
+            <a:rect l="l" t="t" r="r" b="b"/>
+            <a:pathLst>
+              <a:path w="120000" h="120000" extrusionOk="0">
+                <a:moveTo>
+                  <a:pt x="0" y="0"/>
+                </a:moveTo>
+                <a:lnTo>
+                  <a:pt x="120000" y="0"/>
+                </a:lnTo>
+                <a:lnTo>
+                  <a:pt x="120000" y="120000"/>
+                </a:lnTo>
+                <a:lnTo>
+                  <a:pt x="0" y="120000"/>
+                </a:lnTo>
+                <a:close/>
+              </a:path>
+            </a:pathLst>
+          </a:custGeom>
+        </p:spPr>
+      </p:sp>
+      <p:sp>
+        <p:nvSpPr>
+          <p:cNvPr id="98" name="Google Shape;98;g161796e86f2_0_76:notes"/>
+          <p:cNvSpPr txBox="1">
+            <a:spLocks noGrp="1"/>
+          </p:cNvSpPr>
+          <p:nvPr>
+            <p:ph type="body" idx="1"/>
+          </p:nvPr>
+        </p:nvSpPr>
+        <p:spPr>
+          <a:xfrm>
+            <a:off x="685800" y="4343400"/>
+            <a:ext cx="5486400" cy="4114800"/>
+          </a:xfrm>
+          <a:prstGeom prst="rect">
+            <a:avLst/>
+          </a:prstGeom>
+        </p:spPr>
+        <p:txBody>
+          <a:bodyPr spcFirstLastPara="1" wrap="square" lIns="91425" tIns="91425" rIns="91425" bIns="91425" anchor="t" anchorCtr="0">
+            <a:noAutofit/>
+          </a:bodyPr>
+          <a:lstStyle/>
+          <a:p>
+            <a:pPr marL="0" lvl="0" indent="0" algn="l" rtl="0">
+              <a:spcBef>
+                <a:spcPts val="0"/>
+              </a:spcBef>
+              <a:spcAft>
+                <a:spcPts val="0"/>
+              </a:spcAft>
+              <a:buNone/>
+            </a:pPr>
+            <a:endParaRPr/>
+          </a:p>
+        </p:txBody>
+      </p:sp>
+    </p:spTree>
+  </p:cSld>
+  <p:clrMapOvr>
+    <a:masterClrMapping/>
+  </p:clrMapOvr>
+</p:notes>
+</file>
+
+<file path=ppt/notesSlides/notesSlide14.xml><?xml version="1.0" encoding="utf-8"?>
+<p:notes xmlns:a="http://schemas.openxmlformats.org/drawingml/2006/main" xmlns:r="http://schemas.openxmlformats.org/officeDocument/2006/relationships" xmlns:p="http://schemas.openxmlformats.org/presentationml/2006/main" showMasterSp="0" showMasterPhAnim="0">
+  <p:cSld>
+    <p:spTree>
+      <p:nvGrpSpPr>
+        <p:cNvPr id="1" name="Shape 96"/>
+        <p:cNvGrpSpPr/>
+        <p:nvPr/>
+      </p:nvGrpSpPr>
+      <p:grpSpPr>
+        <a:xfrm>
+          <a:off x="0" y="0"/>
+          <a:ext cx="0" cy="0"/>
+          <a:chOff x="0" y="0"/>
+          <a:chExt cx="0" cy="0"/>
+        </a:xfrm>
+      </p:grpSpPr>
+      <p:sp>
+        <p:nvSpPr>
+          <p:cNvPr id="97" name="Google Shape;97;g161796e86f2_0_76:notes"/>
+          <p:cNvSpPr>
+            <a:spLocks noGrp="1" noRot="1" noChangeAspect="1"/>
+          </p:cNvSpPr>
+          <p:nvPr>
+            <p:ph type="sldImg" idx="2"/>
+          </p:nvPr>
+        </p:nvSpPr>
+        <p:spPr>
+          <a:xfrm>
+            <a:off x="381000" y="685800"/>
+            <a:ext cx="6096000" cy="3429000"/>
+          </a:xfrm>
+          <a:custGeom>
+            <a:avLst/>
+            <a:gdLst/>
+            <a:ahLst/>
+            <a:cxnLst/>
+            <a:rect l="l" t="t" r="r" b="b"/>
+            <a:pathLst>
+              <a:path w="120000" h="120000" extrusionOk="0">
+                <a:moveTo>
+                  <a:pt x="0" y="0"/>
+                </a:moveTo>
+                <a:lnTo>
+                  <a:pt x="120000" y="0"/>
+                </a:lnTo>
+                <a:lnTo>
+                  <a:pt x="120000" y="120000"/>
+                </a:lnTo>
+                <a:lnTo>
+                  <a:pt x="0" y="120000"/>
+                </a:lnTo>
+                <a:close/>
+              </a:path>
+            </a:pathLst>
+          </a:custGeom>
+        </p:spPr>
+      </p:sp>
+      <p:sp>
+        <p:nvSpPr>
+          <p:cNvPr id="98" name="Google Shape;98;g161796e86f2_0_76:notes"/>
+          <p:cNvSpPr txBox="1">
+            <a:spLocks noGrp="1"/>
+          </p:cNvSpPr>
+          <p:nvPr>
+            <p:ph type="body" idx="1"/>
+          </p:nvPr>
+        </p:nvSpPr>
+        <p:spPr>
+          <a:xfrm>
+            <a:off x="685800" y="4343400"/>
+            <a:ext cx="5486400" cy="4114800"/>
+          </a:xfrm>
+          <a:prstGeom prst="rect">
+            <a:avLst/>
+          </a:prstGeom>
+        </p:spPr>
+        <p:txBody>
+          <a:bodyPr spcFirstLastPara="1" wrap="square" lIns="91425" tIns="91425" rIns="91425" bIns="91425" anchor="t" anchorCtr="0">
+            <a:noAutofit/>
+          </a:bodyPr>
+          <a:lstStyle/>
+          <a:p>
+            <a:pPr marL="0" lvl="0" indent="0" algn="l" rtl="0">
+              <a:spcBef>
+                <a:spcPts val="0"/>
+              </a:spcBef>
+              <a:spcAft>
+                <a:spcPts val="0"/>
+              </a:spcAft>
+              <a:buNone/>
+            </a:pPr>
+            <a:endParaRPr/>
+          </a:p>
+        </p:txBody>
+      </p:sp>
+    </p:spTree>
+  </p:cSld>
+  <p:clrMapOvr>
+    <a:masterClrMapping/>
+  </p:clrMapOvr>
+</p:notes>
+</file>
+
+<file path=ppt/notesSlides/notesSlide15.xml><?xml version="1.0" encoding="utf-8"?>
+<p:notes xmlns:a="http://schemas.openxmlformats.org/drawingml/2006/main" xmlns:r="http://schemas.openxmlformats.org/officeDocument/2006/relationships" xmlns:p="http://schemas.openxmlformats.org/presentationml/2006/main" showMasterSp="0" showMasterPhAnim="0">
+  <p:cSld>
+    <p:spTree>
+      <p:nvGrpSpPr>
+        <p:cNvPr id="1" name="Shape 108"/>
+        <p:cNvGrpSpPr/>
+        <p:nvPr/>
+      </p:nvGrpSpPr>
+      <p:grpSpPr>
+        <a:xfrm>
+          <a:off x="0" y="0"/>
+          <a:ext cx="0" cy="0"/>
+          <a:chOff x="0" y="0"/>
+          <a:chExt cx="0" cy="0"/>
+        </a:xfrm>
+      </p:grpSpPr>
+      <p:sp>
+        <p:nvSpPr>
+          <p:cNvPr id="109" name="Google Shape;109;g1696a3a717b_0_33:notes"/>
+          <p:cNvSpPr>
+            <a:spLocks noGrp="1" noRot="1" noChangeAspect="1"/>
+          </p:cNvSpPr>
+          <p:nvPr>
+            <p:ph type="sldImg" idx="2"/>
+          </p:nvPr>
+        </p:nvSpPr>
+        <p:spPr>
+          <a:xfrm>
+            <a:off x="381000" y="685800"/>
+            <a:ext cx="6096000" cy="3429000"/>
+          </a:xfrm>
+          <a:custGeom>
+            <a:avLst/>
+            <a:gdLst/>
+            <a:ahLst/>
+            <a:cxnLst/>
+            <a:rect l="l" t="t" r="r" b="b"/>
+            <a:pathLst>
+              <a:path w="120000" h="120000" extrusionOk="0">
+                <a:moveTo>
+                  <a:pt x="0" y="0"/>
+                </a:moveTo>
+                <a:lnTo>
+                  <a:pt x="120000" y="0"/>
+                </a:lnTo>
+                <a:lnTo>
+                  <a:pt x="120000" y="120000"/>
+                </a:lnTo>
+                <a:lnTo>
+                  <a:pt x="0" y="120000"/>
+                </a:lnTo>
+                <a:close/>
+              </a:path>
+            </a:pathLst>
+          </a:custGeom>
+        </p:spPr>
+      </p:sp>
+      <p:sp>
+        <p:nvSpPr>
+          <p:cNvPr id="110" name="Google Shape;110;g1696a3a717b_0_33:notes"/>
+          <p:cNvSpPr txBox="1">
+            <a:spLocks noGrp="1"/>
+          </p:cNvSpPr>
+          <p:nvPr>
+            <p:ph type="body" idx="1"/>
+          </p:nvPr>
+        </p:nvSpPr>
+        <p:spPr>
+          <a:xfrm>
+            <a:off x="685800" y="4343400"/>
+            <a:ext cx="5486400" cy="4114800"/>
+          </a:xfrm>
+          <a:prstGeom prst="rect">
+            <a:avLst/>
+          </a:prstGeom>
+        </p:spPr>
+        <p:txBody>
+          <a:bodyPr spcFirstLastPara="1" wrap="square" lIns="91425" tIns="91425" rIns="91425" bIns="91425" anchor="t" anchorCtr="0">
+            <a:noAutofit/>
+          </a:bodyPr>
+          <a:lstStyle/>
+          <a:p>
+            <a:pPr marL="0" lvl="0" indent="0" algn="l" rtl="0">
+              <a:spcBef>
+                <a:spcPts val="0"/>
+              </a:spcBef>
+              <a:spcAft>
+                <a:spcPts val="0"/>
+              </a:spcAft>
+              <a:buNone/>
+            </a:pPr>
+            <a:endParaRPr/>
+          </a:p>
+        </p:txBody>
+      </p:sp>
+    </p:spTree>
+  </p:cSld>
+  <p:clrMapOvr>
+    <a:masterClrMapping/>
+  </p:clrMapOvr>
+</p:notes>
+</file>
+
+<file path=ppt/notesSlides/notesSlide16.xml><?xml version="1.0" encoding="utf-8"?>
 <p:notes xmlns:a="http://schemas.openxmlformats.org/drawingml/2006/main" xmlns:r="http://schemas.openxmlformats.org/officeDocument/2006/relationships" xmlns:p="http://schemas.openxmlformats.org/presentationml/2006/main" showMasterSp="0" showMasterPhAnim="0">
   <p:cSld>
     <p:spTree>
@@ -936,7 +1576,7 @@
 </p:notes>
 </file>
 
-<file path=ppt/notesSlides/notesSlide11.xml><?xml version="1.0" encoding="utf-8"?>
+<file path=ppt/notesSlides/notesSlide17.xml><?xml version="1.0" encoding="utf-8"?>
 <p:notes xmlns:a="http://schemas.openxmlformats.org/drawingml/2006/main" xmlns:r="http://schemas.openxmlformats.org/officeDocument/2006/relationships" xmlns:p="http://schemas.openxmlformats.org/presentationml/2006/main" showMasterSp="0" showMasterPhAnim="0">
   <p:cSld>
     <p:spTree>
@@ -1040,7 +1680,7 @@
 </p:notes>
 </file>
 
-<file path=ppt/notesSlides/notesSlide12.xml><?xml version="1.0" encoding="utf-8"?>
+<file path=ppt/notesSlides/notesSlide18.xml><?xml version="1.0" encoding="utf-8"?>
 <p:notes xmlns:a="http://schemas.openxmlformats.org/drawingml/2006/main" xmlns:r="http://schemas.openxmlformats.org/officeDocument/2006/relationships" xmlns:p="http://schemas.openxmlformats.org/presentationml/2006/main" showMasterSp="0" showMasterPhAnim="0">
   <p:cSld>
     <p:spTree>
@@ -1144,7 +1784,7 @@
 </p:notes>
 </file>
 
-<file path=ppt/notesSlides/notesSlide13.xml><?xml version="1.0" encoding="utf-8"?>
+<file path=ppt/notesSlides/notesSlide19.xml><?xml version="1.0" encoding="utf-8"?>
 <p:notes xmlns:a="http://schemas.openxmlformats.org/drawingml/2006/main" xmlns:r="http://schemas.openxmlformats.org/officeDocument/2006/relationships" xmlns:p="http://schemas.openxmlformats.org/presentationml/2006/main" showMasterSp="0" showMasterPhAnim="0">
   <p:cSld>
     <p:spTree>
@@ -1205,110 +1845,6 @@
       <p:sp>
         <p:nvSpPr>
           <p:cNvPr id="142" name="Google Shape;142;g169263f8374_0_58:notes"/>
-          <p:cNvSpPr txBox="1">
-            <a:spLocks noGrp="1"/>
-          </p:cNvSpPr>
-          <p:nvPr>
-            <p:ph type="body" idx="1"/>
-          </p:nvPr>
-        </p:nvSpPr>
-        <p:spPr>
-          <a:xfrm>
-            <a:off x="685800" y="4343400"/>
-            <a:ext cx="5486400" cy="4114800"/>
-          </a:xfrm>
-          <a:prstGeom prst="rect">
-            <a:avLst/>
-          </a:prstGeom>
-        </p:spPr>
-        <p:txBody>
-          <a:bodyPr spcFirstLastPara="1" wrap="square" lIns="91425" tIns="91425" rIns="91425" bIns="91425" anchor="t" anchorCtr="0">
-            <a:noAutofit/>
-          </a:bodyPr>
-          <a:lstStyle/>
-          <a:p>
-            <a:pPr marL="0" lvl="0" indent="0" algn="l" rtl="0">
-              <a:spcBef>
-                <a:spcPts val="0"/>
-              </a:spcBef>
-              <a:spcAft>
-                <a:spcPts val="0"/>
-              </a:spcAft>
-              <a:buNone/>
-            </a:pPr>
-            <a:endParaRPr/>
-          </a:p>
-        </p:txBody>
-      </p:sp>
-    </p:spTree>
-  </p:cSld>
-  <p:clrMapOvr>
-    <a:masterClrMapping/>
-  </p:clrMapOvr>
-</p:notes>
-</file>
-
-<file path=ppt/notesSlides/notesSlide14.xml><?xml version="1.0" encoding="utf-8"?>
-<p:notes xmlns:a="http://schemas.openxmlformats.org/drawingml/2006/main" xmlns:r="http://schemas.openxmlformats.org/officeDocument/2006/relationships" xmlns:p="http://schemas.openxmlformats.org/presentationml/2006/main" showMasterSp="0" showMasterPhAnim="0">
-  <p:cSld>
-    <p:spTree>
-      <p:nvGrpSpPr>
-        <p:cNvPr id="1" name="Shape 147"/>
-        <p:cNvGrpSpPr/>
-        <p:nvPr/>
-      </p:nvGrpSpPr>
-      <p:grpSpPr>
-        <a:xfrm>
-          <a:off x="0" y="0"/>
-          <a:ext cx="0" cy="0"/>
-          <a:chOff x="0" y="0"/>
-          <a:chExt cx="0" cy="0"/>
-        </a:xfrm>
-      </p:grpSpPr>
-      <p:sp>
-        <p:nvSpPr>
-          <p:cNvPr id="148" name="Google Shape;148;g169263f8374_0_64:notes"/>
-          <p:cNvSpPr>
-            <a:spLocks noGrp="1" noRot="1" noChangeAspect="1"/>
-          </p:cNvSpPr>
-          <p:nvPr>
-            <p:ph type="sldImg" idx="2"/>
-          </p:nvPr>
-        </p:nvSpPr>
-        <p:spPr>
-          <a:xfrm>
-            <a:off x="381300" y="685800"/>
-            <a:ext cx="6096000" cy="3429000"/>
-          </a:xfrm>
-          <a:custGeom>
-            <a:avLst/>
-            <a:gdLst/>
-            <a:ahLst/>
-            <a:cxnLst/>
-            <a:rect l="l" t="t" r="r" b="b"/>
-            <a:pathLst>
-              <a:path w="120000" h="120000" extrusionOk="0">
-                <a:moveTo>
-                  <a:pt x="0" y="0"/>
-                </a:moveTo>
-                <a:lnTo>
-                  <a:pt x="120000" y="0"/>
-                </a:lnTo>
-                <a:lnTo>
-                  <a:pt x="120000" y="120000"/>
-                </a:lnTo>
-                <a:lnTo>
-                  <a:pt x="0" y="120000"/>
-                </a:lnTo>
-                <a:close/>
-              </a:path>
-            </a:pathLst>
-          </a:custGeom>
-        </p:spPr>
-      </p:sp>
-      <p:sp>
-        <p:nvSpPr>
-          <p:cNvPr id="149" name="Google Shape;149;g169263f8374_0_64:notes"/>
           <p:cNvSpPr txBox="1">
             <a:spLocks noGrp="1"/>
           </p:cNvSpPr>
@@ -1381,7 +1917,7 @@
         </p:nvSpPr>
         <p:spPr>
           <a:xfrm>
-            <a:off x="381300" y="685800"/>
+            <a:off x="381000" y="685800"/>
             <a:ext cx="6096000" cy="3429000"/>
           </a:xfrm>
           <a:custGeom>
@@ -1413,6 +1949,110 @@
       <p:sp>
         <p:nvSpPr>
           <p:cNvPr id="70" name="Google Shape;70;g161796e86f2_0_57:notes"/>
+          <p:cNvSpPr txBox="1">
+            <a:spLocks noGrp="1"/>
+          </p:cNvSpPr>
+          <p:nvPr>
+            <p:ph type="body" idx="1"/>
+          </p:nvPr>
+        </p:nvSpPr>
+        <p:spPr>
+          <a:xfrm>
+            <a:off x="685800" y="4343400"/>
+            <a:ext cx="5486400" cy="4114800"/>
+          </a:xfrm>
+          <a:prstGeom prst="rect">
+            <a:avLst/>
+          </a:prstGeom>
+        </p:spPr>
+        <p:txBody>
+          <a:bodyPr spcFirstLastPara="1" wrap="square" lIns="91425" tIns="91425" rIns="91425" bIns="91425" anchor="t" anchorCtr="0">
+            <a:noAutofit/>
+          </a:bodyPr>
+          <a:lstStyle/>
+          <a:p>
+            <a:pPr marL="0" lvl="0" indent="0" algn="l" rtl="0">
+              <a:spcBef>
+                <a:spcPts val="0"/>
+              </a:spcBef>
+              <a:spcAft>
+                <a:spcPts val="0"/>
+              </a:spcAft>
+              <a:buNone/>
+            </a:pPr>
+            <a:endParaRPr/>
+          </a:p>
+        </p:txBody>
+      </p:sp>
+    </p:spTree>
+  </p:cSld>
+  <p:clrMapOvr>
+    <a:masterClrMapping/>
+  </p:clrMapOvr>
+</p:notes>
+</file>
+
+<file path=ppt/notesSlides/notesSlide20.xml><?xml version="1.0" encoding="utf-8"?>
+<p:notes xmlns:a="http://schemas.openxmlformats.org/drawingml/2006/main" xmlns:r="http://schemas.openxmlformats.org/officeDocument/2006/relationships" xmlns:p="http://schemas.openxmlformats.org/presentationml/2006/main" showMasterSp="0" showMasterPhAnim="0">
+  <p:cSld>
+    <p:spTree>
+      <p:nvGrpSpPr>
+        <p:cNvPr id="1" name="Shape 147"/>
+        <p:cNvGrpSpPr/>
+        <p:nvPr/>
+      </p:nvGrpSpPr>
+      <p:grpSpPr>
+        <a:xfrm>
+          <a:off x="0" y="0"/>
+          <a:ext cx="0" cy="0"/>
+          <a:chOff x="0" y="0"/>
+          <a:chExt cx="0" cy="0"/>
+        </a:xfrm>
+      </p:grpSpPr>
+      <p:sp>
+        <p:nvSpPr>
+          <p:cNvPr id="148" name="Google Shape;148;g169263f8374_0_64:notes"/>
+          <p:cNvSpPr>
+            <a:spLocks noGrp="1" noRot="1" noChangeAspect="1"/>
+          </p:cNvSpPr>
+          <p:nvPr>
+            <p:ph type="sldImg" idx="2"/>
+          </p:nvPr>
+        </p:nvSpPr>
+        <p:spPr>
+          <a:xfrm>
+            <a:off x="381300" y="685800"/>
+            <a:ext cx="6096000" cy="3429000"/>
+          </a:xfrm>
+          <a:custGeom>
+            <a:avLst/>
+            <a:gdLst/>
+            <a:ahLst/>
+            <a:cxnLst/>
+            <a:rect l="l" t="t" r="r" b="b"/>
+            <a:pathLst>
+              <a:path w="120000" h="120000" extrusionOk="0">
+                <a:moveTo>
+                  <a:pt x="0" y="0"/>
+                </a:moveTo>
+                <a:lnTo>
+                  <a:pt x="120000" y="0"/>
+                </a:lnTo>
+                <a:lnTo>
+                  <a:pt x="120000" y="120000"/>
+                </a:lnTo>
+                <a:lnTo>
+                  <a:pt x="0" y="120000"/>
+                </a:lnTo>
+                <a:close/>
+              </a:path>
+            </a:pathLst>
+          </a:custGeom>
+        </p:spPr>
+      </p:sp>
+      <p:sp>
+        <p:nvSpPr>
+          <p:cNvPr id="149" name="Google Shape;149;g169263f8374_0_64:notes"/>
           <p:cNvSpPr txBox="1">
             <a:spLocks noGrp="1"/>
           </p:cNvSpPr>
@@ -1485,7 +2125,7 @@
         </p:nvSpPr>
         <p:spPr>
           <a:xfrm>
-            <a:off x="381300" y="685800"/>
+            <a:off x="381000" y="685800"/>
             <a:ext cx="6096000" cy="3429000"/>
           </a:xfrm>
           <a:custGeom>
@@ -1589,7 +2229,7 @@
         </p:nvSpPr>
         <p:spPr>
           <a:xfrm>
-            <a:off x="381300" y="685800"/>
+            <a:off x="381000" y="685800"/>
             <a:ext cx="6096000" cy="3429000"/>
           </a:xfrm>
           <a:custGeom>
@@ -1657,6 +2297,11 @@
         </p:txBody>
       </p:sp>
     </p:spTree>
+    <p:extLst>
+      <p:ext uri="{BB962C8B-B14F-4D97-AF65-F5344CB8AC3E}">
+        <p14:creationId xmlns:p14="http://schemas.microsoft.com/office/powerpoint/2010/main" val="4050610394"/>
+      </p:ext>
+    </p:extLst>
   </p:cSld>
   <p:clrMapOvr>
     <a:masterClrMapping/>
@@ -1669,7 +2314,7 @@
   <p:cSld>
     <p:spTree>
       <p:nvGrpSpPr>
-        <p:cNvPr id="1" name="Shape 89"/>
+        <p:cNvPr id="1" name="Shape 82"/>
         <p:cNvGrpSpPr/>
         <p:nvPr/>
       </p:nvGrpSpPr>
@@ -1683,7 +2328,7 @@
       </p:grpSpPr>
       <p:sp>
         <p:nvSpPr>
-          <p:cNvPr id="90" name="Google Shape;90;g169263f8374_0_2:notes"/>
+          <p:cNvPr id="83" name="Google Shape;83;g161796e86f2_0_85:notes"/>
           <p:cNvSpPr>
             <a:spLocks noGrp="1" noRot="1" noChangeAspect="1"/>
           </p:cNvSpPr>
@@ -1693,7 +2338,7 @@
         </p:nvSpPr>
         <p:spPr>
           <a:xfrm>
-            <a:off x="381300" y="685800"/>
+            <a:off x="381000" y="685800"/>
             <a:ext cx="6096000" cy="3429000"/>
           </a:xfrm>
           <a:custGeom>
@@ -1724,7 +2369,7 @@
       </p:sp>
       <p:sp>
         <p:nvSpPr>
-          <p:cNvPr id="91" name="Google Shape;91;g169263f8374_0_2:notes"/>
+          <p:cNvPr id="84" name="Google Shape;84;g161796e86f2_0_85:notes"/>
           <p:cNvSpPr txBox="1">
             <a:spLocks noGrp="1"/>
           </p:cNvSpPr>
@@ -1761,6 +2406,11 @@
         </p:txBody>
       </p:sp>
     </p:spTree>
+    <p:extLst>
+      <p:ext uri="{BB962C8B-B14F-4D97-AF65-F5344CB8AC3E}">
+        <p14:creationId xmlns:p14="http://schemas.microsoft.com/office/powerpoint/2010/main" val="582588244"/>
+      </p:ext>
+    </p:extLst>
   </p:cSld>
   <p:clrMapOvr>
     <a:masterClrMapping/>
@@ -1773,7 +2423,7 @@
   <p:cSld>
     <p:spTree>
       <p:nvGrpSpPr>
-        <p:cNvPr id="1" name="Shape 96"/>
+        <p:cNvPr id="1" name="Shape 82"/>
         <p:cNvGrpSpPr/>
         <p:nvPr/>
       </p:nvGrpSpPr>
@@ -1787,7 +2437,7 @@
       </p:grpSpPr>
       <p:sp>
         <p:nvSpPr>
-          <p:cNvPr id="97" name="Google Shape;97;g161796e86f2_0_76:notes"/>
+          <p:cNvPr id="83" name="Google Shape;83;g161796e86f2_0_85:notes"/>
           <p:cNvSpPr>
             <a:spLocks noGrp="1" noRot="1" noChangeAspect="1"/>
           </p:cNvSpPr>
@@ -1797,7 +2447,7 @@
         </p:nvSpPr>
         <p:spPr>
           <a:xfrm>
-            <a:off x="381300" y="685800"/>
+            <a:off x="381000" y="685800"/>
             <a:ext cx="6096000" cy="3429000"/>
           </a:xfrm>
           <a:custGeom>
@@ -1828,7 +2478,7 @@
       </p:sp>
       <p:sp>
         <p:nvSpPr>
-          <p:cNvPr id="98" name="Google Shape;98;g161796e86f2_0_76:notes"/>
+          <p:cNvPr id="84" name="Google Shape;84;g161796e86f2_0_85:notes"/>
           <p:cNvSpPr txBox="1">
             <a:spLocks noGrp="1"/>
           </p:cNvSpPr>
@@ -1865,6 +2515,11 @@
         </p:txBody>
       </p:sp>
     </p:spTree>
+    <p:extLst>
+      <p:ext uri="{BB962C8B-B14F-4D97-AF65-F5344CB8AC3E}">
+        <p14:creationId xmlns:p14="http://schemas.microsoft.com/office/powerpoint/2010/main" val="1596445784"/>
+      </p:ext>
+    </p:extLst>
   </p:cSld>
   <p:clrMapOvr>
     <a:masterClrMapping/>
@@ -1877,7 +2532,7 @@
   <p:cSld>
     <p:spTree>
       <p:nvGrpSpPr>
-        <p:cNvPr id="1" name="Shape 96"/>
+        <p:cNvPr id="1" name="Shape 82"/>
         <p:cNvGrpSpPr/>
         <p:nvPr/>
       </p:nvGrpSpPr>
@@ -1891,7 +2546,7 @@
       </p:grpSpPr>
       <p:sp>
         <p:nvSpPr>
-          <p:cNvPr id="97" name="Google Shape;97;g161796e86f2_0_76:notes"/>
+          <p:cNvPr id="83" name="Google Shape;83;g161796e86f2_0_85:notes"/>
           <p:cNvSpPr>
             <a:spLocks noGrp="1" noRot="1" noChangeAspect="1"/>
           </p:cNvSpPr>
@@ -1932,7 +2587,7 @@
       </p:sp>
       <p:sp>
         <p:nvSpPr>
-          <p:cNvPr id="98" name="Google Shape;98;g161796e86f2_0_76:notes"/>
+          <p:cNvPr id="84" name="Google Shape;84;g161796e86f2_0_85:notes"/>
           <p:cNvSpPr txBox="1">
             <a:spLocks noGrp="1"/>
           </p:cNvSpPr>
@@ -1969,6 +2624,11 @@
         </p:txBody>
       </p:sp>
     </p:spTree>
+    <p:extLst>
+      <p:ext uri="{BB962C8B-B14F-4D97-AF65-F5344CB8AC3E}">
+        <p14:creationId xmlns:p14="http://schemas.microsoft.com/office/powerpoint/2010/main" val="1811945863"/>
+      </p:ext>
+    </p:extLst>
   </p:cSld>
   <p:clrMapOvr>
     <a:masterClrMapping/>
@@ -1981,7 +2641,7 @@
   <p:cSld>
     <p:spTree>
       <p:nvGrpSpPr>
-        <p:cNvPr id="1" name="Shape 102"/>
+        <p:cNvPr id="1" name="Shape 82"/>
         <p:cNvGrpSpPr/>
         <p:nvPr/>
       </p:nvGrpSpPr>
@@ -1995,7 +2655,7 @@
       </p:grpSpPr>
       <p:sp>
         <p:nvSpPr>
-          <p:cNvPr id="103" name="Google Shape;103;g169263f8374_0_20:notes"/>
+          <p:cNvPr id="83" name="Google Shape;83;g161796e86f2_0_85:notes"/>
           <p:cNvSpPr>
             <a:spLocks noGrp="1" noRot="1" noChangeAspect="1"/>
           </p:cNvSpPr>
@@ -2005,7 +2665,7 @@
         </p:nvSpPr>
         <p:spPr>
           <a:xfrm>
-            <a:off x="381300" y="685800"/>
+            <a:off x="381000" y="685800"/>
             <a:ext cx="6096000" cy="3429000"/>
           </a:xfrm>
           <a:custGeom>
@@ -2036,7 +2696,7 @@
       </p:sp>
       <p:sp>
         <p:nvSpPr>
-          <p:cNvPr id="104" name="Google Shape;104;g169263f8374_0_20:notes"/>
+          <p:cNvPr id="84" name="Google Shape;84;g161796e86f2_0_85:notes"/>
           <p:cNvSpPr txBox="1">
             <a:spLocks noGrp="1"/>
           </p:cNvSpPr>
@@ -2073,6 +2733,11 @@
         </p:txBody>
       </p:sp>
     </p:spTree>
+    <p:extLst>
+      <p:ext uri="{BB962C8B-B14F-4D97-AF65-F5344CB8AC3E}">
+        <p14:creationId xmlns:p14="http://schemas.microsoft.com/office/powerpoint/2010/main" val="1933559172"/>
+      </p:ext>
+    </p:extLst>
   </p:cSld>
   <p:clrMapOvr>
     <a:masterClrMapping/>
@@ -2085,7 +2750,7 @@
   <p:cSld>
     <p:spTree>
       <p:nvGrpSpPr>
-        <p:cNvPr id="1" name="Shape 108"/>
+        <p:cNvPr id="1" name="Shape 82"/>
         <p:cNvGrpSpPr/>
         <p:nvPr/>
       </p:nvGrpSpPr>
@@ -2099,7 +2764,7 @@
       </p:grpSpPr>
       <p:sp>
         <p:nvSpPr>
-          <p:cNvPr id="109" name="Google Shape;109;g1696a3a717b_0_33:notes"/>
+          <p:cNvPr id="83" name="Google Shape;83;g161796e86f2_0_85:notes"/>
           <p:cNvSpPr>
             <a:spLocks noGrp="1" noRot="1" noChangeAspect="1"/>
           </p:cNvSpPr>
@@ -2109,7 +2774,7 @@
         </p:nvSpPr>
         <p:spPr>
           <a:xfrm>
-            <a:off x="381300" y="685800"/>
+            <a:off x="381000" y="685800"/>
             <a:ext cx="6096000" cy="3429000"/>
           </a:xfrm>
           <a:custGeom>
@@ -2140,7 +2805,7 @@
       </p:sp>
       <p:sp>
         <p:nvSpPr>
-          <p:cNvPr id="110" name="Google Shape;110;g1696a3a717b_0_33:notes"/>
+          <p:cNvPr id="84" name="Google Shape;84;g161796e86f2_0_85:notes"/>
           <p:cNvSpPr txBox="1">
             <a:spLocks noGrp="1"/>
           </p:cNvSpPr>
@@ -2177,6 +2842,11 @@
         </p:txBody>
       </p:sp>
     </p:spTree>
+    <p:extLst>
+      <p:ext uri="{BB962C8B-B14F-4D97-AF65-F5344CB8AC3E}">
+        <p14:creationId xmlns:p14="http://schemas.microsoft.com/office/powerpoint/2010/main" val="630448766"/>
+      </p:ext>
+    </p:extLst>
   </p:cSld>
   <p:clrMapOvr>
     <a:masterClrMapping/>
@@ -7854,7 +8524,7 @@
         </p:spPr>
         <p:txBody>
           <a:bodyPr spcFirstLastPara="1" wrap="square" lIns="91425" tIns="91425" rIns="91425" bIns="91425" anchor="t" anchorCtr="0">
-            <a:normAutofit/>
+            <a:normAutofit fontScale="92500"/>
           </a:bodyPr>
           <a:lstStyle/>
           <a:p>
@@ -7880,17 +8550,2982 @@
   <p:clrMapOvr>
     <a:masterClrMapping/>
   </p:clrMapOvr>
-  <p:timing>
-    <p:tnLst>
-      <p:par>
-        <p:cTn id="1" dur="indefinite" restart="never" nodeType="tmRoot"/>
-      </p:par>
-    </p:tnLst>
-  </p:timing>
 </p:sld>
 </file>
 
 <file path=ppt/slides/slide10.xml><?xml version="1.0" encoding="utf-8"?>
+<p:sld xmlns:a="http://schemas.openxmlformats.org/drawingml/2006/main" xmlns:r="http://schemas.openxmlformats.org/officeDocument/2006/relationships" xmlns:p="http://schemas.openxmlformats.org/presentationml/2006/main">
+  <p:cSld>
+    <p:spTree>
+      <p:nvGrpSpPr>
+        <p:cNvPr id="1" name="Shape 77"/>
+        <p:cNvGrpSpPr/>
+        <p:nvPr/>
+      </p:nvGrpSpPr>
+      <p:grpSpPr>
+        <a:xfrm>
+          <a:off x="0" y="0"/>
+          <a:ext cx="0" cy="0"/>
+          <a:chOff x="0" y="0"/>
+          <a:chExt cx="0" cy="0"/>
+        </a:xfrm>
+      </p:grpSpPr>
+      <p:sp>
+        <p:nvSpPr>
+          <p:cNvPr id="78" name="Google Shape;78;p15"/>
+          <p:cNvSpPr txBox="1">
+            <a:spLocks noGrp="1"/>
+          </p:cNvSpPr>
+          <p:nvPr>
+            <p:ph type="title"/>
+          </p:nvPr>
+        </p:nvSpPr>
+        <p:spPr>
+          <a:xfrm>
+            <a:off x="265500" y="1039675"/>
+            <a:ext cx="4045200" cy="1675800"/>
+          </a:xfrm>
+          <a:prstGeom prst="rect">
+            <a:avLst/>
+          </a:prstGeom>
+        </p:spPr>
+        <p:txBody>
+          <a:bodyPr spcFirstLastPara="1" wrap="square" lIns="91425" tIns="91425" rIns="91425" bIns="91425" anchor="b" anchorCtr="0">
+            <a:normAutofit/>
+          </a:bodyPr>
+          <a:lstStyle/>
+          <a:p>
+            <a:pPr marL="0" lvl="0" indent="0" algn="ctr" rtl="0">
+              <a:spcBef>
+                <a:spcPts val="0"/>
+              </a:spcBef>
+              <a:spcAft>
+                <a:spcPts val="0"/>
+              </a:spcAft>
+              <a:buNone/>
+            </a:pPr>
+            <a:r>
+              <a:rPr lang="it" dirty="0"/>
+              <a:t>TRASMISSIONE DATI</a:t>
+            </a:r>
+            <a:endParaRPr dirty="0"/>
+          </a:p>
+        </p:txBody>
+      </p:sp>
+      <p:sp>
+        <p:nvSpPr>
+          <p:cNvPr id="79" name="Google Shape;79;p15"/>
+          <p:cNvSpPr txBox="1">
+            <a:spLocks noGrp="1"/>
+          </p:cNvSpPr>
+          <p:nvPr>
+            <p:ph type="subTitle" idx="1"/>
+          </p:nvPr>
+        </p:nvSpPr>
+        <p:spPr>
+          <a:xfrm>
+            <a:off x="265500" y="2726875"/>
+            <a:ext cx="4045200" cy="1235100"/>
+          </a:xfrm>
+          <a:prstGeom prst="rect">
+            <a:avLst/>
+          </a:prstGeom>
+        </p:spPr>
+        <p:txBody>
+          <a:bodyPr spcFirstLastPara="1" wrap="square" lIns="91425" tIns="91425" rIns="91425" bIns="91425" anchor="t" anchorCtr="0">
+            <a:normAutofit/>
+          </a:bodyPr>
+          <a:lstStyle/>
+          <a:p>
+            <a:pPr marL="0" lvl="0" indent="0" algn="ctr" rtl="0">
+              <a:spcBef>
+                <a:spcPts val="0"/>
+              </a:spcBef>
+              <a:spcAft>
+                <a:spcPts val="0"/>
+              </a:spcAft>
+              <a:buNone/>
+            </a:pPr>
+            <a:r>
+              <a:rPr lang="it" dirty="0"/>
+              <a:t>Wireless e Wired</a:t>
+            </a:r>
+            <a:endParaRPr dirty="0"/>
+          </a:p>
+        </p:txBody>
+      </p:sp>
+      <p:pic>
+        <p:nvPicPr>
+          <p:cNvPr id="9" name="Immagine 8" descr="Immagine che contiene nero, oscurità&#10;&#10;Descrizione generata automaticamente">
+            <a:extLst>
+              <a:ext uri="{FF2B5EF4-FFF2-40B4-BE49-F238E27FC236}">
+                <a16:creationId xmlns:a16="http://schemas.microsoft.com/office/drawing/2014/main" id="{69DBF855-1C63-4DCC-0F1B-CE8DC6D57304}"/>
+              </a:ext>
+            </a:extLst>
+          </p:cNvPr>
+          <p:cNvPicPr>
+            <a:picLocks noChangeAspect="1"/>
+          </p:cNvPicPr>
+          <p:nvPr/>
+        </p:nvPicPr>
+        <p:blipFill>
+          <a:blip r:embed="rId3"/>
+          <a:srcRect l="29061" t="21180" r="29423" b="20096"/>
+          <a:stretch/>
+        </p:blipFill>
+        <p:spPr>
+          <a:xfrm>
+            <a:off x="5006410" y="876206"/>
+            <a:ext cx="3872090" cy="3080837"/>
+          </a:xfrm>
+          <a:prstGeom prst="rect">
+            <a:avLst/>
+          </a:prstGeom>
+        </p:spPr>
+      </p:pic>
+    </p:spTree>
+    <p:extLst>
+      <p:ext uri="{BB962C8B-B14F-4D97-AF65-F5344CB8AC3E}">
+        <p14:creationId xmlns:p14="http://schemas.microsoft.com/office/powerpoint/2010/main" val="2330983002"/>
+      </p:ext>
+    </p:extLst>
+  </p:cSld>
+  <p:clrMapOvr>
+    <a:masterClrMapping/>
+  </p:clrMapOvr>
+</p:sld>
+</file>
+
+<file path=ppt/slides/slide11.xml><?xml version="1.0" encoding="utf-8"?>
+<p:sld xmlns:a="http://schemas.openxmlformats.org/drawingml/2006/main" xmlns:r="http://schemas.openxmlformats.org/officeDocument/2006/relationships" xmlns:p="http://schemas.openxmlformats.org/presentationml/2006/main">
+  <p:cSld>
+    <p:spTree>
+      <p:nvGrpSpPr>
+        <p:cNvPr id="1" name="Shape 105"/>
+        <p:cNvGrpSpPr/>
+        <p:nvPr/>
+      </p:nvGrpSpPr>
+      <p:grpSpPr>
+        <a:xfrm>
+          <a:off x="0" y="0"/>
+          <a:ext cx="0" cy="0"/>
+          <a:chOff x="0" y="0"/>
+          <a:chExt cx="0" cy="0"/>
+        </a:xfrm>
+      </p:grpSpPr>
+      <p:sp>
+        <p:nvSpPr>
+          <p:cNvPr id="106" name="Google Shape;106;p19"/>
+          <p:cNvSpPr txBox="1">
+            <a:spLocks noGrp="1"/>
+          </p:cNvSpPr>
+          <p:nvPr>
+            <p:ph type="title"/>
+          </p:nvPr>
+        </p:nvSpPr>
+        <p:spPr>
+          <a:xfrm>
+            <a:off x="311700" y="445025"/>
+            <a:ext cx="8520600" cy="707400"/>
+          </a:xfrm>
+          <a:prstGeom prst="rect">
+            <a:avLst/>
+          </a:prstGeom>
+        </p:spPr>
+        <p:txBody>
+          <a:bodyPr spcFirstLastPara="1" wrap="square" lIns="91425" tIns="91425" rIns="91425" bIns="91425" anchor="t" anchorCtr="0">
+            <a:normAutofit fontScale="90000"/>
+          </a:bodyPr>
+          <a:lstStyle/>
+          <a:p>
+            <a:pPr marL="0" lvl="0" indent="0" algn="l" rtl="0">
+              <a:spcBef>
+                <a:spcPts val="0"/>
+              </a:spcBef>
+              <a:spcAft>
+                <a:spcPts val="0"/>
+              </a:spcAft>
+              <a:buNone/>
+            </a:pPr>
+            <a:r>
+              <a:rPr lang="it" dirty="0"/>
+              <a:t>MEZZI DI TRASMISSIONE DATI</a:t>
+            </a:r>
+            <a:endParaRPr dirty="0"/>
+          </a:p>
+        </p:txBody>
+      </p:sp>
+      <p:graphicFrame>
+        <p:nvGraphicFramePr>
+          <p:cNvPr id="107" name="Google Shape;107;p19"/>
+          <p:cNvGraphicFramePr/>
+          <p:nvPr>
+            <p:extLst>
+              <p:ext uri="{D42A27DB-BD31-4B8C-83A1-F6EECF244321}">
+                <p14:modId xmlns:p14="http://schemas.microsoft.com/office/powerpoint/2010/main" val="211527398"/>
+              </p:ext>
+            </p:extLst>
+          </p:nvPr>
+        </p:nvGraphicFramePr>
+        <p:xfrm>
+          <a:off x="311700" y="1157474"/>
+          <a:ext cx="8520604" cy="3541001"/>
+        </p:xfrm>
+        <a:graphic>
+          <a:graphicData uri="http://schemas.openxmlformats.org/drawingml/2006/table">
+            <a:tbl>
+              <a:tblPr bandRow="1">
+                <a:tableStyleId>{D03447BB-5D67-496B-8E87-E561075AD55C}</a:tableStyleId>
+              </a:tblPr>
+              <a:tblGrid>
+                <a:gridCol w="2130151">
+                  <a:extLst>
+                    <a:ext uri="{9D8B030D-6E8A-4147-A177-3AD203B41FA5}">
+                      <a16:colId xmlns:a16="http://schemas.microsoft.com/office/drawing/2014/main" val="20000"/>
+                    </a:ext>
+                  </a:extLst>
+                </a:gridCol>
+                <a:gridCol w="2130151">
+                  <a:extLst>
+                    <a:ext uri="{9D8B030D-6E8A-4147-A177-3AD203B41FA5}">
+                      <a16:colId xmlns:a16="http://schemas.microsoft.com/office/drawing/2014/main" val="20001"/>
+                    </a:ext>
+                  </a:extLst>
+                </a:gridCol>
+                <a:gridCol w="2130151">
+                  <a:extLst>
+                    <a:ext uri="{9D8B030D-6E8A-4147-A177-3AD203B41FA5}">
+                      <a16:colId xmlns:a16="http://schemas.microsoft.com/office/drawing/2014/main" val="2552841481"/>
+                    </a:ext>
+                  </a:extLst>
+                </a:gridCol>
+                <a:gridCol w="2130151">
+                  <a:extLst>
+                    <a:ext uri="{9D8B030D-6E8A-4147-A177-3AD203B41FA5}">
+                      <a16:colId xmlns:a16="http://schemas.microsoft.com/office/drawing/2014/main" val="1165579361"/>
+                    </a:ext>
+                  </a:extLst>
+                </a:gridCol>
+              </a:tblGrid>
+              <a:tr h="522930">
+                <a:tc>
+                  <a:txBody>
+                    <a:bodyPr/>
+                    <a:lstStyle/>
+                    <a:p>
+                      <a:pPr marL="0" lvl="0" indent="0" algn="ctr" rtl="0">
+                        <a:lnSpc>
+                          <a:spcPct val="115000"/>
+                        </a:lnSpc>
+                        <a:spcBef>
+                          <a:spcPts val="1200"/>
+                        </a:spcBef>
+                        <a:spcAft>
+                          <a:spcPts val="1200"/>
+                        </a:spcAft>
+                        <a:buNone/>
+                      </a:pPr>
+                      <a:r>
+                        <a:rPr lang="it" sz="1600" b="1" dirty="0">
+                          <a:solidFill>
+                            <a:schemeClr val="bg2">
+                              <a:lumMod val="50000"/>
+                            </a:schemeClr>
+                          </a:solidFill>
+                        </a:rPr>
+                        <a:t>WIRED</a:t>
+                      </a:r>
+                      <a:endParaRPr sz="1600" b="1" dirty="0">
+                        <a:solidFill>
+                          <a:schemeClr val="bg2">
+                            <a:lumMod val="50000"/>
+                          </a:schemeClr>
+                        </a:solidFill>
+                      </a:endParaRPr>
+                    </a:p>
+                  </a:txBody>
+                  <a:tcPr marL="91425" marR="91425" marT="91425" marB="91425" anchor="ctr">
+                    <a:lnL w="12700" cap="flat" cmpd="sng" algn="ctr">
+                      <a:solidFill>
+                        <a:schemeClr val="tx1"/>
+                      </a:solidFill>
+                      <a:prstDash val="solid"/>
+                      <a:round/>
+                      <a:headEnd type="none" w="med" len="med"/>
+                      <a:tailEnd type="none" w="med" len="med"/>
+                    </a:lnL>
+                    <a:lnR w="12700" cap="flat" cmpd="sng" algn="ctr">
+                      <a:solidFill>
+                        <a:schemeClr val="tx1"/>
+                      </a:solidFill>
+                      <a:prstDash val="solid"/>
+                      <a:round/>
+                      <a:headEnd type="none" w="med" len="med"/>
+                      <a:tailEnd type="none" w="med" len="med"/>
+                    </a:lnR>
+                    <a:lnT w="12700" cap="flat" cmpd="sng" algn="ctr">
+                      <a:solidFill>
+                        <a:schemeClr val="tx1"/>
+                      </a:solidFill>
+                      <a:prstDash val="solid"/>
+                      <a:round/>
+                      <a:headEnd type="none" w="med" len="med"/>
+                      <a:tailEnd type="none" w="med" len="med"/>
+                    </a:lnT>
+                    <a:lnB w="12700" cap="flat" cmpd="sng" algn="ctr">
+                      <a:solidFill>
+                        <a:schemeClr val="tx1"/>
+                      </a:solidFill>
+                      <a:prstDash val="solid"/>
+                      <a:round/>
+                      <a:headEnd type="none" w="med" len="med"/>
+                      <a:tailEnd type="none" w="med" len="med"/>
+                    </a:lnB>
+                  </a:tcPr>
+                </a:tc>
+                <a:tc>
+                  <a:txBody>
+                    <a:bodyPr/>
+                    <a:lstStyle/>
+                    <a:p>
+                      <a:pPr marL="0" lvl="0" indent="0" algn="ctr" rtl="0">
+                        <a:lnSpc>
+                          <a:spcPct val="115000"/>
+                        </a:lnSpc>
+                        <a:spcBef>
+                          <a:spcPts val="1200"/>
+                        </a:spcBef>
+                        <a:spcAft>
+                          <a:spcPts val="1200"/>
+                        </a:spcAft>
+                        <a:buNone/>
+                      </a:pPr>
+                      <a:r>
+                        <a:rPr lang="it-IT" sz="1600" b="1" dirty="0">
+                          <a:solidFill>
+                            <a:schemeClr val="bg2">
+                              <a:lumMod val="50000"/>
+                            </a:schemeClr>
+                          </a:solidFill>
+                        </a:rPr>
+                        <a:t>VELOCITÀ MEDIA</a:t>
+                      </a:r>
+                    </a:p>
+                  </a:txBody>
+                  <a:tcPr marL="91425" marR="91425" marT="91425" marB="91425" anchor="ctr">
+                    <a:lnL w="12700" cap="flat" cmpd="sng" algn="ctr">
+                      <a:solidFill>
+                        <a:schemeClr val="tx1"/>
+                      </a:solidFill>
+                      <a:prstDash val="solid"/>
+                      <a:round/>
+                      <a:headEnd type="none" w="med" len="med"/>
+                      <a:tailEnd type="none" w="med" len="med"/>
+                    </a:lnL>
+                    <a:lnR w="12700" cap="flat" cmpd="sng" algn="ctr">
+                      <a:solidFill>
+                        <a:schemeClr val="tx1"/>
+                      </a:solidFill>
+                      <a:prstDash val="solid"/>
+                      <a:round/>
+                      <a:headEnd type="none" w="med" len="med"/>
+                      <a:tailEnd type="none" w="med" len="med"/>
+                    </a:lnR>
+                    <a:lnT w="12700" cap="flat" cmpd="sng" algn="ctr">
+                      <a:solidFill>
+                        <a:schemeClr val="tx1"/>
+                      </a:solidFill>
+                      <a:prstDash val="solid"/>
+                      <a:round/>
+                      <a:headEnd type="none" w="med" len="med"/>
+                      <a:tailEnd type="none" w="med" len="med"/>
+                    </a:lnT>
+                    <a:lnB w="12700" cap="flat" cmpd="sng" algn="ctr">
+                      <a:solidFill>
+                        <a:schemeClr val="tx1"/>
+                      </a:solidFill>
+                      <a:prstDash val="solid"/>
+                      <a:round/>
+                      <a:headEnd type="none" w="med" len="med"/>
+                      <a:tailEnd type="none" w="med" len="med"/>
+                    </a:lnB>
+                  </a:tcPr>
+                </a:tc>
+                <a:tc>
+                  <a:txBody>
+                    <a:bodyPr/>
+                    <a:lstStyle/>
+                    <a:p>
+                      <a:pPr marL="0" marR="0" lvl="0" indent="0" algn="ctr" defTabSz="914400" rtl="0" eaLnBrk="1" fontAlgn="auto" latinLnBrk="0" hangingPunct="1">
+                        <a:lnSpc>
+                          <a:spcPct val="115000"/>
+                        </a:lnSpc>
+                        <a:spcBef>
+                          <a:spcPts val="1200"/>
+                        </a:spcBef>
+                        <a:spcAft>
+                          <a:spcPts val="1200"/>
+                        </a:spcAft>
+                        <a:buClr>
+                          <a:srgbClr val="000000"/>
+                        </a:buClr>
+                        <a:buSzTx/>
+                        <a:buFont typeface="Arial"/>
+                        <a:buNone/>
+                        <a:tabLst/>
+                        <a:defRPr/>
+                      </a:pPr>
+                      <a:r>
+                        <a:rPr lang="it-IT" sz="1600" b="1" dirty="0">
+                          <a:solidFill>
+                            <a:schemeClr val="bg2">
+                              <a:lumMod val="50000"/>
+                            </a:schemeClr>
+                          </a:solidFill>
+                        </a:rPr>
+                        <a:t>WIRELESS</a:t>
+                      </a:r>
+                    </a:p>
+                  </a:txBody>
+                  <a:tcPr marL="91425" marR="91425" marT="91425" marB="91425" anchor="ctr">
+                    <a:lnL w="12700" cap="flat" cmpd="sng" algn="ctr">
+                      <a:solidFill>
+                        <a:schemeClr val="tx1"/>
+                      </a:solidFill>
+                      <a:prstDash val="solid"/>
+                      <a:round/>
+                      <a:headEnd type="none" w="med" len="med"/>
+                      <a:tailEnd type="none" w="med" len="med"/>
+                    </a:lnL>
+                    <a:lnR w="12700" cap="flat" cmpd="sng" algn="ctr">
+                      <a:solidFill>
+                        <a:schemeClr val="tx1"/>
+                      </a:solidFill>
+                      <a:prstDash val="solid"/>
+                      <a:round/>
+                      <a:headEnd type="none" w="med" len="med"/>
+                      <a:tailEnd type="none" w="med" len="med"/>
+                    </a:lnR>
+                    <a:lnT w="12700" cap="flat" cmpd="sng" algn="ctr">
+                      <a:solidFill>
+                        <a:schemeClr val="tx1"/>
+                      </a:solidFill>
+                      <a:prstDash val="solid"/>
+                      <a:round/>
+                      <a:headEnd type="none" w="med" len="med"/>
+                      <a:tailEnd type="none" w="med" len="med"/>
+                    </a:lnT>
+                    <a:lnB w="12700" cap="flat" cmpd="sng" algn="ctr">
+                      <a:solidFill>
+                        <a:schemeClr val="tx1"/>
+                      </a:solidFill>
+                      <a:prstDash val="solid"/>
+                      <a:round/>
+                      <a:headEnd type="none" w="med" len="med"/>
+                      <a:tailEnd type="none" w="med" len="med"/>
+                    </a:lnB>
+                  </a:tcPr>
+                </a:tc>
+                <a:tc>
+                  <a:txBody>
+                    <a:bodyPr/>
+                    <a:lstStyle/>
+                    <a:p>
+                      <a:pPr marL="0" lvl="0" indent="0" algn="ctr" rtl="0">
+                        <a:lnSpc>
+                          <a:spcPct val="115000"/>
+                        </a:lnSpc>
+                        <a:spcBef>
+                          <a:spcPts val="1200"/>
+                        </a:spcBef>
+                        <a:spcAft>
+                          <a:spcPts val="1200"/>
+                        </a:spcAft>
+                        <a:buNone/>
+                      </a:pPr>
+                      <a:r>
+                        <a:rPr lang="it-IT" sz="1600" b="1" dirty="0">
+                          <a:solidFill>
+                            <a:schemeClr val="bg2">
+                              <a:lumMod val="50000"/>
+                            </a:schemeClr>
+                          </a:solidFill>
+                        </a:rPr>
+                        <a:t>VELOCITÀ MEDIA</a:t>
+                      </a:r>
+                    </a:p>
+                  </a:txBody>
+                  <a:tcPr marL="91425" marR="91425" marT="91425" marB="91425" anchor="ctr">
+                    <a:lnL w="12700" cap="flat" cmpd="sng" algn="ctr">
+                      <a:solidFill>
+                        <a:schemeClr val="tx1"/>
+                      </a:solidFill>
+                      <a:prstDash val="solid"/>
+                      <a:round/>
+                      <a:headEnd type="none" w="med" len="med"/>
+                      <a:tailEnd type="none" w="med" len="med"/>
+                    </a:lnL>
+                    <a:lnR w="12700" cap="flat" cmpd="sng" algn="ctr">
+                      <a:solidFill>
+                        <a:schemeClr val="tx1"/>
+                      </a:solidFill>
+                      <a:prstDash val="solid"/>
+                      <a:round/>
+                      <a:headEnd type="none" w="med" len="med"/>
+                      <a:tailEnd type="none" w="med" len="med"/>
+                    </a:lnR>
+                    <a:lnT w="12700" cap="flat" cmpd="sng" algn="ctr">
+                      <a:solidFill>
+                        <a:schemeClr val="tx1"/>
+                      </a:solidFill>
+                      <a:prstDash val="solid"/>
+                      <a:round/>
+                      <a:headEnd type="none" w="med" len="med"/>
+                      <a:tailEnd type="none" w="med" len="med"/>
+                    </a:lnT>
+                    <a:lnB w="12700" cap="flat" cmpd="sng" algn="ctr">
+                      <a:solidFill>
+                        <a:schemeClr val="tx1"/>
+                      </a:solidFill>
+                      <a:prstDash val="solid"/>
+                      <a:round/>
+                      <a:headEnd type="none" w="med" len="med"/>
+                      <a:tailEnd type="none" w="med" len="med"/>
+                    </a:lnB>
+                  </a:tcPr>
+                </a:tc>
+                <a:extLst>
+                  <a:ext uri="{0D108BD9-81ED-4DB2-BD59-A6C34878D82A}">
+                    <a16:rowId xmlns:a16="http://schemas.microsoft.com/office/drawing/2014/main" val="10000"/>
+                  </a:ext>
+                </a:extLst>
+              </a:tr>
+              <a:tr h="311547">
+                <a:tc>
+                  <a:txBody>
+                    <a:bodyPr/>
+                    <a:lstStyle/>
+                    <a:p>
+                      <a:pPr marL="0" lvl="0" indent="0" algn="ctr" rtl="0">
+                        <a:lnSpc>
+                          <a:spcPct val="115000"/>
+                        </a:lnSpc>
+                        <a:spcBef>
+                          <a:spcPts val="1200"/>
+                        </a:spcBef>
+                        <a:spcAft>
+                          <a:spcPts val="1200"/>
+                        </a:spcAft>
+                        <a:buNone/>
+                      </a:pPr>
+                      <a:r>
+                        <a:rPr lang="it-IT" sz="1400" b="1" dirty="0">
+                          <a:solidFill>
+                            <a:schemeClr val="bg2">
+                              <a:lumMod val="50000"/>
+                            </a:schemeClr>
+                          </a:solidFill>
+                        </a:rPr>
+                        <a:t>ADSL</a:t>
+                      </a:r>
+                      <a:endParaRPr sz="1400" b="1" dirty="0">
+                        <a:solidFill>
+                          <a:schemeClr val="bg2">
+                            <a:lumMod val="50000"/>
+                          </a:schemeClr>
+                        </a:solidFill>
+                      </a:endParaRPr>
+                    </a:p>
+                  </a:txBody>
+                  <a:tcPr marL="91425" marR="91425" marT="91425" marB="91425" anchor="ctr">
+                    <a:lnL w="12700" cap="flat" cmpd="sng" algn="ctr">
+                      <a:solidFill>
+                        <a:schemeClr val="tx1"/>
+                      </a:solidFill>
+                      <a:prstDash val="solid"/>
+                      <a:round/>
+                      <a:headEnd type="none" w="med" len="med"/>
+                      <a:tailEnd type="none" w="med" len="med"/>
+                    </a:lnL>
+                    <a:lnR w="12700" cap="flat" cmpd="sng" algn="ctr">
+                      <a:solidFill>
+                        <a:schemeClr val="tx1"/>
+                      </a:solidFill>
+                      <a:prstDash val="solid"/>
+                      <a:round/>
+                      <a:headEnd type="none" w="med" len="med"/>
+                      <a:tailEnd type="none" w="med" len="med"/>
+                    </a:lnR>
+                    <a:lnT w="12700" cap="flat" cmpd="sng" algn="ctr">
+                      <a:solidFill>
+                        <a:schemeClr val="tx1"/>
+                      </a:solidFill>
+                      <a:prstDash val="solid"/>
+                      <a:round/>
+                      <a:headEnd type="none" w="med" len="med"/>
+                      <a:tailEnd type="none" w="med" len="med"/>
+                    </a:lnT>
+                    <a:lnB w="12700" cap="flat" cmpd="sng" algn="ctr">
+                      <a:solidFill>
+                        <a:schemeClr val="tx1"/>
+                      </a:solidFill>
+                      <a:prstDash val="solid"/>
+                      <a:round/>
+                      <a:headEnd type="none" w="med" len="med"/>
+                      <a:tailEnd type="none" w="med" len="med"/>
+                    </a:lnB>
+                  </a:tcPr>
+                </a:tc>
+                <a:tc>
+                  <a:txBody>
+                    <a:bodyPr/>
+                    <a:lstStyle/>
+                    <a:p>
+                      <a:pPr marL="0" lvl="0" indent="0" algn="ctr" rtl="0">
+                        <a:lnSpc>
+                          <a:spcPct val="115000"/>
+                        </a:lnSpc>
+                        <a:spcBef>
+                          <a:spcPts val="1200"/>
+                        </a:spcBef>
+                        <a:spcAft>
+                          <a:spcPts val="1200"/>
+                        </a:spcAft>
+                        <a:buNone/>
+                      </a:pPr>
+                      <a:r>
+                        <a:rPr lang="it-IT" sz="1400" dirty="0">
+                          <a:solidFill>
+                            <a:schemeClr val="bg2">
+                              <a:lumMod val="50000"/>
+                            </a:schemeClr>
+                          </a:solidFill>
+                        </a:rPr>
+                        <a:t>0,5 Mbps – 100 Mbps</a:t>
+                      </a:r>
+                      <a:endParaRPr sz="1400" dirty="0">
+                        <a:solidFill>
+                          <a:schemeClr val="bg2">
+                            <a:lumMod val="50000"/>
+                          </a:schemeClr>
+                        </a:solidFill>
+                      </a:endParaRPr>
+                    </a:p>
+                  </a:txBody>
+                  <a:tcPr marL="91425" marR="91425" marT="91425" marB="91425" anchor="ctr">
+                    <a:lnL w="12700" cap="flat" cmpd="sng" algn="ctr">
+                      <a:solidFill>
+                        <a:schemeClr val="tx1"/>
+                      </a:solidFill>
+                      <a:prstDash val="solid"/>
+                      <a:round/>
+                      <a:headEnd type="none" w="med" len="med"/>
+                      <a:tailEnd type="none" w="med" len="med"/>
+                    </a:lnL>
+                    <a:lnR w="12700" cap="flat" cmpd="sng" algn="ctr">
+                      <a:solidFill>
+                        <a:schemeClr val="tx1"/>
+                      </a:solidFill>
+                      <a:prstDash val="solid"/>
+                      <a:round/>
+                      <a:headEnd type="none" w="med" len="med"/>
+                      <a:tailEnd type="none" w="med" len="med"/>
+                    </a:lnR>
+                    <a:lnT w="12700" cap="flat" cmpd="sng" algn="ctr">
+                      <a:solidFill>
+                        <a:schemeClr val="tx1"/>
+                      </a:solidFill>
+                      <a:prstDash val="solid"/>
+                      <a:round/>
+                      <a:headEnd type="none" w="med" len="med"/>
+                      <a:tailEnd type="none" w="med" len="med"/>
+                    </a:lnT>
+                    <a:lnB w="12700" cap="flat" cmpd="sng" algn="ctr">
+                      <a:solidFill>
+                        <a:schemeClr val="tx1"/>
+                      </a:solidFill>
+                      <a:prstDash val="solid"/>
+                      <a:round/>
+                      <a:headEnd type="none" w="med" len="med"/>
+                      <a:tailEnd type="none" w="med" len="med"/>
+                    </a:lnB>
+                  </a:tcPr>
+                </a:tc>
+                <a:tc>
+                  <a:txBody>
+                    <a:bodyPr/>
+                    <a:lstStyle/>
+                    <a:p>
+                      <a:pPr marL="0" lvl="0" indent="0" algn="ctr" rtl="0">
+                        <a:lnSpc>
+                          <a:spcPct val="115000"/>
+                        </a:lnSpc>
+                        <a:spcBef>
+                          <a:spcPts val="1200"/>
+                        </a:spcBef>
+                        <a:spcAft>
+                          <a:spcPts val="1200"/>
+                        </a:spcAft>
+                        <a:buNone/>
+                      </a:pPr>
+                      <a:r>
+                        <a:rPr lang="it-IT" sz="1400" b="1" dirty="0">
+                          <a:solidFill>
+                            <a:schemeClr val="bg2">
+                              <a:lumMod val="50000"/>
+                            </a:schemeClr>
+                          </a:solidFill>
+                        </a:rPr>
+                        <a:t>Bluetooth</a:t>
+                      </a:r>
+                      <a:endParaRPr sz="1400" b="1" dirty="0">
+                        <a:solidFill>
+                          <a:schemeClr val="bg2">
+                            <a:lumMod val="50000"/>
+                          </a:schemeClr>
+                        </a:solidFill>
+                      </a:endParaRPr>
+                    </a:p>
+                  </a:txBody>
+                  <a:tcPr marL="91425" marR="91425" marT="91425" marB="91425" anchor="ctr">
+                    <a:lnL w="12700" cap="flat" cmpd="sng" algn="ctr">
+                      <a:solidFill>
+                        <a:schemeClr val="tx1"/>
+                      </a:solidFill>
+                      <a:prstDash val="solid"/>
+                      <a:round/>
+                      <a:headEnd type="none" w="med" len="med"/>
+                      <a:tailEnd type="none" w="med" len="med"/>
+                    </a:lnL>
+                    <a:lnR w="12700" cap="flat" cmpd="sng" algn="ctr">
+                      <a:solidFill>
+                        <a:schemeClr val="tx1"/>
+                      </a:solidFill>
+                      <a:prstDash val="solid"/>
+                      <a:round/>
+                      <a:headEnd type="none" w="med" len="med"/>
+                      <a:tailEnd type="none" w="med" len="med"/>
+                    </a:lnR>
+                    <a:lnT w="12700" cap="flat" cmpd="sng" algn="ctr">
+                      <a:solidFill>
+                        <a:schemeClr val="tx1"/>
+                      </a:solidFill>
+                      <a:prstDash val="solid"/>
+                      <a:round/>
+                      <a:headEnd type="none" w="med" len="med"/>
+                      <a:tailEnd type="none" w="med" len="med"/>
+                    </a:lnT>
+                    <a:lnB w="12700" cap="flat" cmpd="sng" algn="ctr">
+                      <a:solidFill>
+                        <a:schemeClr val="tx1"/>
+                      </a:solidFill>
+                      <a:prstDash val="solid"/>
+                      <a:round/>
+                      <a:headEnd type="none" w="med" len="med"/>
+                      <a:tailEnd type="none" w="med" len="med"/>
+                    </a:lnB>
+                  </a:tcPr>
+                </a:tc>
+                <a:tc>
+                  <a:txBody>
+                    <a:bodyPr/>
+                    <a:lstStyle/>
+                    <a:p>
+                      <a:pPr marL="0" lvl="0" indent="0" algn="ctr" rtl="0">
+                        <a:lnSpc>
+                          <a:spcPct val="115000"/>
+                        </a:lnSpc>
+                        <a:spcBef>
+                          <a:spcPts val="1200"/>
+                        </a:spcBef>
+                        <a:spcAft>
+                          <a:spcPts val="1200"/>
+                        </a:spcAft>
+                        <a:buNone/>
+                      </a:pPr>
+                      <a:r>
+                        <a:rPr lang="it-IT" sz="1400" dirty="0">
+                          <a:solidFill>
+                            <a:schemeClr val="bg2">
+                              <a:lumMod val="50000"/>
+                            </a:schemeClr>
+                          </a:solidFill>
+                        </a:rPr>
+                        <a:t>720 Kbps – 2 Mbps</a:t>
+                      </a:r>
+                      <a:endParaRPr sz="1400" dirty="0">
+                        <a:solidFill>
+                          <a:schemeClr val="bg2">
+                            <a:lumMod val="50000"/>
+                          </a:schemeClr>
+                        </a:solidFill>
+                      </a:endParaRPr>
+                    </a:p>
+                  </a:txBody>
+                  <a:tcPr marL="91425" marR="91425" marT="91425" marB="91425" anchor="ctr">
+                    <a:lnL w="12700" cap="flat" cmpd="sng" algn="ctr">
+                      <a:solidFill>
+                        <a:schemeClr val="tx1"/>
+                      </a:solidFill>
+                      <a:prstDash val="solid"/>
+                      <a:round/>
+                      <a:headEnd type="none" w="med" len="med"/>
+                      <a:tailEnd type="none" w="med" len="med"/>
+                    </a:lnL>
+                    <a:lnR w="12700" cap="flat" cmpd="sng" algn="ctr">
+                      <a:solidFill>
+                        <a:schemeClr val="tx1"/>
+                      </a:solidFill>
+                      <a:prstDash val="solid"/>
+                      <a:round/>
+                      <a:headEnd type="none" w="med" len="med"/>
+                      <a:tailEnd type="none" w="med" len="med"/>
+                    </a:lnR>
+                    <a:lnT w="12700" cap="flat" cmpd="sng" algn="ctr">
+                      <a:solidFill>
+                        <a:schemeClr val="tx1"/>
+                      </a:solidFill>
+                      <a:prstDash val="solid"/>
+                      <a:round/>
+                      <a:headEnd type="none" w="med" len="med"/>
+                      <a:tailEnd type="none" w="med" len="med"/>
+                    </a:lnT>
+                    <a:lnB w="12700" cap="flat" cmpd="sng" algn="ctr">
+                      <a:solidFill>
+                        <a:schemeClr val="tx1"/>
+                      </a:solidFill>
+                      <a:prstDash val="solid"/>
+                      <a:round/>
+                      <a:headEnd type="none" w="med" len="med"/>
+                      <a:tailEnd type="none" w="med" len="med"/>
+                    </a:lnB>
+                  </a:tcPr>
+                </a:tc>
+                <a:extLst>
+                  <a:ext uri="{0D108BD9-81ED-4DB2-BD59-A6C34878D82A}">
+                    <a16:rowId xmlns:a16="http://schemas.microsoft.com/office/drawing/2014/main" val="278952734"/>
+                  </a:ext>
+                </a:extLst>
+              </a:tr>
+              <a:tr h="311547">
+                <a:tc>
+                  <a:txBody>
+                    <a:bodyPr/>
+                    <a:lstStyle/>
+                    <a:p>
+                      <a:pPr marL="0" lvl="0" indent="0" algn="ctr" rtl="0">
+                        <a:lnSpc>
+                          <a:spcPct val="115000"/>
+                        </a:lnSpc>
+                        <a:spcBef>
+                          <a:spcPts val="1200"/>
+                        </a:spcBef>
+                        <a:spcAft>
+                          <a:spcPts val="1200"/>
+                        </a:spcAft>
+                        <a:buNone/>
+                      </a:pPr>
+                      <a:r>
+                        <a:rPr lang="it-IT" sz="1400" b="1" dirty="0">
+                          <a:solidFill>
+                            <a:schemeClr val="bg2">
+                              <a:lumMod val="50000"/>
+                            </a:schemeClr>
+                          </a:solidFill>
+                        </a:rPr>
+                        <a:t>Cavo Ethernet (Cat5e – Cat6)</a:t>
+                      </a:r>
+                      <a:endParaRPr sz="1400" b="1" dirty="0">
+                        <a:solidFill>
+                          <a:schemeClr val="bg2">
+                            <a:lumMod val="50000"/>
+                          </a:schemeClr>
+                        </a:solidFill>
+                      </a:endParaRPr>
+                    </a:p>
+                  </a:txBody>
+                  <a:tcPr marL="91425" marR="91425" marT="91425" marB="91425" anchor="ctr">
+                    <a:lnL w="12700" cap="flat" cmpd="sng" algn="ctr">
+                      <a:solidFill>
+                        <a:schemeClr val="tx1"/>
+                      </a:solidFill>
+                      <a:prstDash val="solid"/>
+                      <a:round/>
+                      <a:headEnd type="none" w="med" len="med"/>
+                      <a:tailEnd type="none" w="med" len="med"/>
+                    </a:lnL>
+                    <a:lnR w="12700" cap="flat" cmpd="sng" algn="ctr">
+                      <a:solidFill>
+                        <a:schemeClr val="tx1"/>
+                      </a:solidFill>
+                      <a:prstDash val="solid"/>
+                      <a:round/>
+                      <a:headEnd type="none" w="med" len="med"/>
+                      <a:tailEnd type="none" w="med" len="med"/>
+                    </a:lnR>
+                    <a:lnT w="12700" cap="flat" cmpd="sng" algn="ctr">
+                      <a:solidFill>
+                        <a:schemeClr val="tx1"/>
+                      </a:solidFill>
+                      <a:prstDash val="solid"/>
+                      <a:round/>
+                      <a:headEnd type="none" w="med" len="med"/>
+                      <a:tailEnd type="none" w="med" len="med"/>
+                    </a:lnT>
+                    <a:lnB w="12700" cap="flat" cmpd="sng" algn="ctr">
+                      <a:solidFill>
+                        <a:schemeClr val="tx1"/>
+                      </a:solidFill>
+                      <a:prstDash val="solid"/>
+                      <a:round/>
+                      <a:headEnd type="none" w="med" len="med"/>
+                      <a:tailEnd type="none" w="med" len="med"/>
+                    </a:lnB>
+                  </a:tcPr>
+                </a:tc>
+                <a:tc>
+                  <a:txBody>
+                    <a:bodyPr/>
+                    <a:lstStyle/>
+                    <a:p>
+                      <a:pPr marL="0" lvl="0" indent="0" algn="ctr" rtl="0">
+                        <a:lnSpc>
+                          <a:spcPct val="115000"/>
+                        </a:lnSpc>
+                        <a:spcBef>
+                          <a:spcPts val="1200"/>
+                        </a:spcBef>
+                        <a:spcAft>
+                          <a:spcPts val="1200"/>
+                        </a:spcAft>
+                        <a:buNone/>
+                      </a:pPr>
+                      <a:r>
+                        <a:rPr lang="it-IT" sz="1400" b="0" dirty="0">
+                          <a:solidFill>
+                            <a:schemeClr val="bg2">
+                              <a:lumMod val="50000"/>
+                            </a:schemeClr>
+                          </a:solidFill>
+                        </a:rPr>
+                        <a:t>10 Mbps – 1 Gbps</a:t>
+                      </a:r>
+                      <a:endParaRPr sz="1400" b="0" dirty="0">
+                        <a:solidFill>
+                          <a:schemeClr val="bg2">
+                            <a:lumMod val="50000"/>
+                          </a:schemeClr>
+                        </a:solidFill>
+                      </a:endParaRPr>
+                    </a:p>
+                  </a:txBody>
+                  <a:tcPr marL="91425" marR="91425" marT="91425" marB="91425" anchor="ctr">
+                    <a:lnL w="12700" cap="flat" cmpd="sng" algn="ctr">
+                      <a:solidFill>
+                        <a:schemeClr val="tx1"/>
+                      </a:solidFill>
+                      <a:prstDash val="solid"/>
+                      <a:round/>
+                      <a:headEnd type="none" w="med" len="med"/>
+                      <a:tailEnd type="none" w="med" len="med"/>
+                    </a:lnL>
+                    <a:lnR w="12700" cap="flat" cmpd="sng" algn="ctr">
+                      <a:solidFill>
+                        <a:schemeClr val="tx1"/>
+                      </a:solidFill>
+                      <a:prstDash val="solid"/>
+                      <a:round/>
+                      <a:headEnd type="none" w="med" len="med"/>
+                      <a:tailEnd type="none" w="med" len="med"/>
+                    </a:lnR>
+                    <a:lnT w="12700" cap="flat" cmpd="sng" algn="ctr">
+                      <a:solidFill>
+                        <a:schemeClr val="tx1"/>
+                      </a:solidFill>
+                      <a:prstDash val="solid"/>
+                      <a:round/>
+                      <a:headEnd type="none" w="med" len="med"/>
+                      <a:tailEnd type="none" w="med" len="med"/>
+                    </a:lnT>
+                    <a:lnB w="12700" cap="flat" cmpd="sng" algn="ctr">
+                      <a:solidFill>
+                        <a:schemeClr val="tx1"/>
+                      </a:solidFill>
+                      <a:prstDash val="solid"/>
+                      <a:round/>
+                      <a:headEnd type="none" w="med" len="med"/>
+                      <a:tailEnd type="none" w="med" len="med"/>
+                    </a:lnB>
+                  </a:tcPr>
+                </a:tc>
+                <a:tc>
+                  <a:txBody>
+                    <a:bodyPr/>
+                    <a:lstStyle/>
+                    <a:p>
+                      <a:pPr marL="0" lvl="0" indent="0" algn="ctr" rtl="0">
+                        <a:lnSpc>
+                          <a:spcPct val="115000"/>
+                        </a:lnSpc>
+                        <a:spcBef>
+                          <a:spcPts val="1200"/>
+                        </a:spcBef>
+                        <a:spcAft>
+                          <a:spcPts val="1200"/>
+                        </a:spcAft>
+                        <a:buNone/>
+                      </a:pPr>
+                      <a:r>
+                        <a:rPr lang="it-IT" sz="1400" b="1" dirty="0">
+                          <a:solidFill>
+                            <a:schemeClr val="bg2">
+                              <a:lumMod val="50000"/>
+                            </a:schemeClr>
+                          </a:solidFill>
+                        </a:rPr>
+                        <a:t>Satellite (Starlink)</a:t>
+                      </a:r>
+                      <a:endParaRPr sz="1400" b="1" dirty="0">
+                        <a:solidFill>
+                          <a:schemeClr val="bg2">
+                            <a:lumMod val="50000"/>
+                          </a:schemeClr>
+                        </a:solidFill>
+                      </a:endParaRPr>
+                    </a:p>
+                  </a:txBody>
+                  <a:tcPr marL="91425" marR="91425" marT="91425" marB="91425" anchor="ctr">
+                    <a:lnL w="12700" cap="flat" cmpd="sng" algn="ctr">
+                      <a:solidFill>
+                        <a:schemeClr val="tx1"/>
+                      </a:solidFill>
+                      <a:prstDash val="solid"/>
+                      <a:round/>
+                      <a:headEnd type="none" w="med" len="med"/>
+                      <a:tailEnd type="none" w="med" len="med"/>
+                    </a:lnL>
+                    <a:lnR w="12700" cap="flat" cmpd="sng" algn="ctr">
+                      <a:solidFill>
+                        <a:schemeClr val="tx1"/>
+                      </a:solidFill>
+                      <a:prstDash val="solid"/>
+                      <a:round/>
+                      <a:headEnd type="none" w="med" len="med"/>
+                      <a:tailEnd type="none" w="med" len="med"/>
+                    </a:lnR>
+                    <a:lnT w="12700" cap="flat" cmpd="sng" algn="ctr">
+                      <a:solidFill>
+                        <a:schemeClr val="tx1"/>
+                      </a:solidFill>
+                      <a:prstDash val="solid"/>
+                      <a:round/>
+                      <a:headEnd type="none" w="med" len="med"/>
+                      <a:tailEnd type="none" w="med" len="med"/>
+                    </a:lnT>
+                    <a:lnB w="12700" cap="flat" cmpd="sng" algn="ctr">
+                      <a:solidFill>
+                        <a:schemeClr val="tx1"/>
+                      </a:solidFill>
+                      <a:prstDash val="solid"/>
+                      <a:round/>
+                      <a:headEnd type="none" w="med" len="med"/>
+                      <a:tailEnd type="none" w="med" len="med"/>
+                    </a:lnB>
+                  </a:tcPr>
+                </a:tc>
+                <a:tc>
+                  <a:txBody>
+                    <a:bodyPr/>
+                    <a:lstStyle/>
+                    <a:p>
+                      <a:pPr marL="0" lvl="0" indent="0" algn="ctr" rtl="0">
+                        <a:lnSpc>
+                          <a:spcPct val="115000"/>
+                        </a:lnSpc>
+                        <a:spcBef>
+                          <a:spcPts val="1200"/>
+                        </a:spcBef>
+                        <a:spcAft>
+                          <a:spcPts val="1200"/>
+                        </a:spcAft>
+                        <a:buNone/>
+                      </a:pPr>
+                      <a:r>
+                        <a:rPr lang="it-IT" sz="1400" dirty="0">
+                          <a:solidFill>
+                            <a:schemeClr val="bg2">
+                              <a:lumMod val="50000"/>
+                            </a:schemeClr>
+                          </a:solidFill>
+                        </a:rPr>
+                        <a:t>50 Mbps – 500 Mbps</a:t>
+                      </a:r>
+                      <a:endParaRPr sz="1400" dirty="0">
+                        <a:solidFill>
+                          <a:schemeClr val="bg2">
+                            <a:lumMod val="50000"/>
+                          </a:schemeClr>
+                        </a:solidFill>
+                      </a:endParaRPr>
+                    </a:p>
+                  </a:txBody>
+                  <a:tcPr marL="91425" marR="91425" marT="91425" marB="91425" anchor="ctr">
+                    <a:lnL w="12700" cap="flat" cmpd="sng" algn="ctr">
+                      <a:solidFill>
+                        <a:schemeClr val="tx1"/>
+                      </a:solidFill>
+                      <a:prstDash val="solid"/>
+                      <a:round/>
+                      <a:headEnd type="none" w="med" len="med"/>
+                      <a:tailEnd type="none" w="med" len="med"/>
+                    </a:lnL>
+                    <a:lnR w="12700" cap="flat" cmpd="sng" algn="ctr">
+                      <a:solidFill>
+                        <a:schemeClr val="tx1"/>
+                      </a:solidFill>
+                      <a:prstDash val="solid"/>
+                      <a:round/>
+                      <a:headEnd type="none" w="med" len="med"/>
+                      <a:tailEnd type="none" w="med" len="med"/>
+                    </a:lnR>
+                    <a:lnT w="12700" cap="flat" cmpd="sng" algn="ctr">
+                      <a:solidFill>
+                        <a:schemeClr val="tx1"/>
+                      </a:solidFill>
+                      <a:prstDash val="solid"/>
+                      <a:round/>
+                      <a:headEnd type="none" w="med" len="med"/>
+                      <a:tailEnd type="none" w="med" len="med"/>
+                    </a:lnT>
+                    <a:lnB w="12700" cap="flat" cmpd="sng" algn="ctr">
+                      <a:solidFill>
+                        <a:schemeClr val="tx1"/>
+                      </a:solidFill>
+                      <a:prstDash val="solid"/>
+                      <a:round/>
+                      <a:headEnd type="none" w="med" len="med"/>
+                      <a:tailEnd type="none" w="med" len="med"/>
+                    </a:lnB>
+                  </a:tcPr>
+                </a:tc>
+                <a:extLst>
+                  <a:ext uri="{0D108BD9-81ED-4DB2-BD59-A6C34878D82A}">
+                    <a16:rowId xmlns:a16="http://schemas.microsoft.com/office/drawing/2014/main" val="10002"/>
+                  </a:ext>
+                </a:extLst>
+              </a:tr>
+              <a:tr h="474169">
+                <a:tc>
+                  <a:txBody>
+                    <a:bodyPr/>
+                    <a:lstStyle/>
+                    <a:p>
+                      <a:pPr marL="0" lvl="0" indent="0" algn="ctr" rtl="0">
+                        <a:lnSpc>
+                          <a:spcPct val="115000"/>
+                        </a:lnSpc>
+                        <a:spcBef>
+                          <a:spcPts val="1200"/>
+                        </a:spcBef>
+                        <a:spcAft>
+                          <a:spcPts val="1200"/>
+                        </a:spcAft>
+                        <a:buNone/>
+                      </a:pPr>
+                      <a:r>
+                        <a:rPr lang="it-IT" sz="1400" b="1" dirty="0">
+                          <a:solidFill>
+                            <a:schemeClr val="bg2">
+                              <a:lumMod val="50000"/>
+                            </a:schemeClr>
+                          </a:solidFill>
+                        </a:rPr>
+                        <a:t>Cavo Ethernet (Cat6a, Cat7, Cat8)</a:t>
+                      </a:r>
+                      <a:endParaRPr sz="1400" b="1" dirty="0">
+                        <a:solidFill>
+                          <a:schemeClr val="bg2">
+                            <a:lumMod val="50000"/>
+                          </a:schemeClr>
+                        </a:solidFill>
+                      </a:endParaRPr>
+                    </a:p>
+                  </a:txBody>
+                  <a:tcPr marL="91425" marR="91425" marT="91425" marB="91425" anchor="ctr">
+                    <a:lnL w="12700" cap="flat" cmpd="sng" algn="ctr">
+                      <a:solidFill>
+                        <a:schemeClr val="tx1"/>
+                      </a:solidFill>
+                      <a:prstDash val="solid"/>
+                      <a:round/>
+                      <a:headEnd type="none" w="med" len="med"/>
+                      <a:tailEnd type="none" w="med" len="med"/>
+                    </a:lnL>
+                    <a:lnR w="12700" cap="flat" cmpd="sng" algn="ctr">
+                      <a:solidFill>
+                        <a:schemeClr val="tx1"/>
+                      </a:solidFill>
+                      <a:prstDash val="solid"/>
+                      <a:round/>
+                      <a:headEnd type="none" w="med" len="med"/>
+                      <a:tailEnd type="none" w="med" len="med"/>
+                    </a:lnR>
+                    <a:lnT w="12700" cap="flat" cmpd="sng" algn="ctr">
+                      <a:solidFill>
+                        <a:schemeClr val="tx1"/>
+                      </a:solidFill>
+                      <a:prstDash val="solid"/>
+                      <a:round/>
+                      <a:headEnd type="none" w="med" len="med"/>
+                      <a:tailEnd type="none" w="med" len="med"/>
+                    </a:lnT>
+                    <a:lnB w="12700" cap="flat" cmpd="sng" algn="ctr">
+                      <a:solidFill>
+                        <a:schemeClr val="tx1"/>
+                      </a:solidFill>
+                      <a:prstDash val="solid"/>
+                      <a:round/>
+                      <a:headEnd type="none" w="med" len="med"/>
+                      <a:tailEnd type="none" w="med" len="med"/>
+                    </a:lnB>
+                  </a:tcPr>
+                </a:tc>
+                <a:tc>
+                  <a:txBody>
+                    <a:bodyPr/>
+                    <a:lstStyle/>
+                    <a:p>
+                      <a:pPr marL="0" lvl="0" indent="0" algn="ctr" rtl="0">
+                        <a:lnSpc>
+                          <a:spcPct val="115000"/>
+                        </a:lnSpc>
+                        <a:spcBef>
+                          <a:spcPts val="1200"/>
+                        </a:spcBef>
+                        <a:spcAft>
+                          <a:spcPts val="1200"/>
+                        </a:spcAft>
+                        <a:buNone/>
+                      </a:pPr>
+                      <a:r>
+                        <a:rPr lang="it-IT" sz="1400" b="0" dirty="0">
+                          <a:solidFill>
+                            <a:schemeClr val="bg2">
+                              <a:lumMod val="50000"/>
+                            </a:schemeClr>
+                          </a:solidFill>
+                        </a:rPr>
+                        <a:t>10 Mbps – 40 Gbps</a:t>
+                      </a:r>
+                      <a:endParaRPr sz="1400" b="0" dirty="0">
+                        <a:solidFill>
+                          <a:schemeClr val="bg2">
+                            <a:lumMod val="50000"/>
+                          </a:schemeClr>
+                        </a:solidFill>
+                      </a:endParaRPr>
+                    </a:p>
+                  </a:txBody>
+                  <a:tcPr marL="91425" marR="91425" marT="91425" marB="91425" anchor="ctr">
+                    <a:lnL w="12700" cap="flat" cmpd="sng" algn="ctr">
+                      <a:solidFill>
+                        <a:schemeClr val="tx1"/>
+                      </a:solidFill>
+                      <a:prstDash val="solid"/>
+                      <a:round/>
+                      <a:headEnd type="none" w="med" len="med"/>
+                      <a:tailEnd type="none" w="med" len="med"/>
+                    </a:lnL>
+                    <a:lnR w="12700" cap="flat" cmpd="sng" algn="ctr">
+                      <a:solidFill>
+                        <a:schemeClr val="tx1"/>
+                      </a:solidFill>
+                      <a:prstDash val="solid"/>
+                      <a:round/>
+                      <a:headEnd type="none" w="med" len="med"/>
+                      <a:tailEnd type="none" w="med" len="med"/>
+                    </a:lnR>
+                    <a:lnT w="12700" cap="flat" cmpd="sng" algn="ctr">
+                      <a:solidFill>
+                        <a:schemeClr val="tx1"/>
+                      </a:solidFill>
+                      <a:prstDash val="solid"/>
+                      <a:round/>
+                      <a:headEnd type="none" w="med" len="med"/>
+                      <a:tailEnd type="none" w="med" len="med"/>
+                    </a:lnT>
+                    <a:lnB w="12700" cap="flat" cmpd="sng" algn="ctr">
+                      <a:solidFill>
+                        <a:schemeClr val="tx1"/>
+                      </a:solidFill>
+                      <a:prstDash val="solid"/>
+                      <a:round/>
+                      <a:headEnd type="none" w="med" len="med"/>
+                      <a:tailEnd type="none" w="med" len="med"/>
+                    </a:lnB>
+                  </a:tcPr>
+                </a:tc>
+                <a:tc>
+                  <a:txBody>
+                    <a:bodyPr/>
+                    <a:lstStyle/>
+                    <a:p>
+                      <a:pPr marL="0" lvl="0" indent="0" algn="ctr" rtl="0">
+                        <a:lnSpc>
+                          <a:spcPct val="115000"/>
+                        </a:lnSpc>
+                        <a:spcBef>
+                          <a:spcPts val="1200"/>
+                        </a:spcBef>
+                        <a:spcAft>
+                          <a:spcPts val="1200"/>
+                        </a:spcAft>
+                        <a:buNone/>
+                      </a:pPr>
+                      <a:r>
+                        <a:rPr lang="it-IT" sz="1400" b="1" dirty="0">
+                          <a:solidFill>
+                            <a:schemeClr val="bg2">
+                              <a:lumMod val="50000"/>
+                            </a:schemeClr>
+                          </a:solidFill>
+                        </a:rPr>
+                        <a:t>4G LTE</a:t>
+                      </a:r>
+                      <a:endParaRPr sz="1400" b="1" dirty="0">
+                        <a:solidFill>
+                          <a:schemeClr val="bg2">
+                            <a:lumMod val="50000"/>
+                          </a:schemeClr>
+                        </a:solidFill>
+                      </a:endParaRPr>
+                    </a:p>
+                  </a:txBody>
+                  <a:tcPr marL="91425" marR="91425" marT="91425" marB="91425" anchor="ctr">
+                    <a:lnL w="12700" cap="flat" cmpd="sng" algn="ctr">
+                      <a:solidFill>
+                        <a:schemeClr val="tx1"/>
+                      </a:solidFill>
+                      <a:prstDash val="solid"/>
+                      <a:round/>
+                      <a:headEnd type="none" w="med" len="med"/>
+                      <a:tailEnd type="none" w="med" len="med"/>
+                    </a:lnL>
+                    <a:lnR w="12700" cap="flat" cmpd="sng" algn="ctr">
+                      <a:solidFill>
+                        <a:schemeClr val="tx1"/>
+                      </a:solidFill>
+                      <a:prstDash val="solid"/>
+                      <a:round/>
+                      <a:headEnd type="none" w="med" len="med"/>
+                      <a:tailEnd type="none" w="med" len="med"/>
+                    </a:lnR>
+                    <a:lnT w="12700" cap="flat" cmpd="sng" algn="ctr">
+                      <a:solidFill>
+                        <a:schemeClr val="tx1"/>
+                      </a:solidFill>
+                      <a:prstDash val="solid"/>
+                      <a:round/>
+                      <a:headEnd type="none" w="med" len="med"/>
+                      <a:tailEnd type="none" w="med" len="med"/>
+                    </a:lnT>
+                    <a:lnB w="12700" cap="flat" cmpd="sng" algn="ctr">
+                      <a:solidFill>
+                        <a:schemeClr val="tx1"/>
+                      </a:solidFill>
+                      <a:prstDash val="solid"/>
+                      <a:round/>
+                      <a:headEnd type="none" w="med" len="med"/>
+                      <a:tailEnd type="none" w="med" len="med"/>
+                    </a:lnB>
+                  </a:tcPr>
+                </a:tc>
+                <a:tc>
+                  <a:txBody>
+                    <a:bodyPr/>
+                    <a:lstStyle/>
+                    <a:p>
+                      <a:pPr marL="0" marR="0" lvl="0" indent="0" algn="ctr" defTabSz="914400" rtl="0" eaLnBrk="1" fontAlgn="auto" latinLnBrk="0" hangingPunct="1">
+                        <a:lnSpc>
+                          <a:spcPct val="115000"/>
+                        </a:lnSpc>
+                        <a:spcBef>
+                          <a:spcPts val="1200"/>
+                        </a:spcBef>
+                        <a:spcAft>
+                          <a:spcPts val="1200"/>
+                        </a:spcAft>
+                        <a:buClr>
+                          <a:srgbClr val="000000"/>
+                        </a:buClr>
+                        <a:buSzTx/>
+                        <a:buFont typeface="Arial"/>
+                        <a:buNone/>
+                        <a:tabLst/>
+                        <a:defRPr/>
+                      </a:pPr>
+                      <a:r>
+                        <a:rPr lang="it-IT" sz="1400" dirty="0">
+                          <a:solidFill>
+                            <a:schemeClr val="bg2">
+                              <a:lumMod val="50000"/>
+                            </a:schemeClr>
+                          </a:solidFill>
+                        </a:rPr>
+                        <a:t>5 Mbps – 1 Gbps</a:t>
+                      </a:r>
+                    </a:p>
+                  </a:txBody>
+                  <a:tcPr marL="91425" marR="91425" marT="91425" marB="91425" anchor="ctr">
+                    <a:lnL w="12700" cap="flat" cmpd="sng" algn="ctr">
+                      <a:solidFill>
+                        <a:schemeClr val="tx1"/>
+                      </a:solidFill>
+                      <a:prstDash val="solid"/>
+                      <a:round/>
+                      <a:headEnd type="none" w="med" len="med"/>
+                      <a:tailEnd type="none" w="med" len="med"/>
+                    </a:lnL>
+                    <a:lnR w="12700" cap="flat" cmpd="sng" algn="ctr">
+                      <a:solidFill>
+                        <a:schemeClr val="tx1"/>
+                      </a:solidFill>
+                      <a:prstDash val="solid"/>
+                      <a:round/>
+                      <a:headEnd type="none" w="med" len="med"/>
+                      <a:tailEnd type="none" w="med" len="med"/>
+                    </a:lnR>
+                    <a:lnT w="12700" cap="flat" cmpd="sng" algn="ctr">
+                      <a:solidFill>
+                        <a:schemeClr val="tx1"/>
+                      </a:solidFill>
+                      <a:prstDash val="solid"/>
+                      <a:round/>
+                      <a:headEnd type="none" w="med" len="med"/>
+                      <a:tailEnd type="none" w="med" len="med"/>
+                    </a:lnT>
+                    <a:lnB w="12700" cap="flat" cmpd="sng" algn="ctr">
+                      <a:solidFill>
+                        <a:schemeClr val="tx1"/>
+                      </a:solidFill>
+                      <a:prstDash val="solid"/>
+                      <a:round/>
+                      <a:headEnd type="none" w="med" len="med"/>
+                      <a:tailEnd type="none" w="med" len="med"/>
+                    </a:lnB>
+                  </a:tcPr>
+                </a:tc>
+                <a:extLst>
+                  <a:ext uri="{0D108BD9-81ED-4DB2-BD59-A6C34878D82A}">
+                    <a16:rowId xmlns:a16="http://schemas.microsoft.com/office/drawing/2014/main" val="10003"/>
+                  </a:ext>
+                </a:extLst>
+              </a:tr>
+              <a:tr h="474169">
+                <a:tc>
+                  <a:txBody>
+                    <a:bodyPr/>
+                    <a:lstStyle/>
+                    <a:p>
+                      <a:pPr marL="0" lvl="0" indent="0" algn="ctr" rtl="0">
+                        <a:lnSpc>
+                          <a:spcPct val="115000"/>
+                        </a:lnSpc>
+                        <a:spcBef>
+                          <a:spcPts val="1200"/>
+                        </a:spcBef>
+                        <a:spcAft>
+                          <a:spcPts val="1200"/>
+                        </a:spcAft>
+                        <a:buNone/>
+                      </a:pPr>
+                      <a:r>
+                        <a:rPr lang="it-IT" sz="1400" b="1" dirty="0">
+                          <a:solidFill>
+                            <a:schemeClr val="bg2">
+                              <a:lumMod val="50000"/>
+                            </a:schemeClr>
+                          </a:solidFill>
+                        </a:rPr>
+                        <a:t>Fibra Ottica FTTC </a:t>
+                      </a:r>
+                      <a:r>
+                        <a:rPr lang="it-IT" sz="1400" b="0" dirty="0">
+                          <a:solidFill>
+                            <a:schemeClr val="bg2">
+                              <a:lumMod val="50000"/>
+                            </a:schemeClr>
+                          </a:solidFill>
+                        </a:rPr>
+                        <a:t>(Cabinet)</a:t>
+                      </a:r>
+                      <a:endParaRPr sz="1400" b="0" dirty="0">
+                        <a:solidFill>
+                          <a:schemeClr val="bg2">
+                            <a:lumMod val="50000"/>
+                          </a:schemeClr>
+                        </a:solidFill>
+                      </a:endParaRPr>
+                    </a:p>
+                  </a:txBody>
+                  <a:tcPr marL="91425" marR="91425" marT="91425" marB="91425" anchor="ctr">
+                    <a:lnL w="12700" cap="flat" cmpd="sng" algn="ctr">
+                      <a:solidFill>
+                        <a:schemeClr val="tx1"/>
+                      </a:solidFill>
+                      <a:prstDash val="solid"/>
+                      <a:round/>
+                      <a:headEnd type="none" w="med" len="med"/>
+                      <a:tailEnd type="none" w="med" len="med"/>
+                    </a:lnL>
+                    <a:lnR w="12700" cap="flat" cmpd="sng" algn="ctr">
+                      <a:solidFill>
+                        <a:schemeClr val="tx1"/>
+                      </a:solidFill>
+                      <a:prstDash val="solid"/>
+                      <a:round/>
+                      <a:headEnd type="none" w="med" len="med"/>
+                      <a:tailEnd type="none" w="med" len="med"/>
+                    </a:lnR>
+                    <a:lnT w="12700" cap="flat" cmpd="sng" algn="ctr">
+                      <a:solidFill>
+                        <a:schemeClr val="tx1"/>
+                      </a:solidFill>
+                      <a:prstDash val="solid"/>
+                      <a:round/>
+                      <a:headEnd type="none" w="med" len="med"/>
+                      <a:tailEnd type="none" w="med" len="med"/>
+                    </a:lnT>
+                    <a:lnB w="12700" cap="flat" cmpd="sng" algn="ctr">
+                      <a:solidFill>
+                        <a:schemeClr val="tx1"/>
+                      </a:solidFill>
+                      <a:prstDash val="solid"/>
+                      <a:round/>
+                      <a:headEnd type="none" w="med" len="med"/>
+                      <a:tailEnd type="none" w="med" len="med"/>
+                    </a:lnB>
+                  </a:tcPr>
+                </a:tc>
+                <a:tc>
+                  <a:txBody>
+                    <a:bodyPr/>
+                    <a:lstStyle/>
+                    <a:p>
+                      <a:pPr marL="0" lvl="0" indent="0" algn="ctr" rtl="0">
+                        <a:lnSpc>
+                          <a:spcPct val="115000"/>
+                        </a:lnSpc>
+                        <a:spcBef>
+                          <a:spcPts val="1200"/>
+                        </a:spcBef>
+                        <a:spcAft>
+                          <a:spcPts val="1200"/>
+                        </a:spcAft>
+                        <a:buNone/>
+                      </a:pPr>
+                      <a:r>
+                        <a:rPr lang="it-IT" sz="1400" b="0" dirty="0">
+                          <a:solidFill>
+                            <a:schemeClr val="bg2">
+                              <a:lumMod val="50000"/>
+                            </a:schemeClr>
+                          </a:solidFill>
+                        </a:rPr>
+                        <a:t>100 Mbps – 300 Mbps</a:t>
+                      </a:r>
+                      <a:endParaRPr sz="1400" b="0" dirty="0">
+                        <a:solidFill>
+                          <a:schemeClr val="bg2">
+                            <a:lumMod val="50000"/>
+                          </a:schemeClr>
+                        </a:solidFill>
+                      </a:endParaRPr>
+                    </a:p>
+                  </a:txBody>
+                  <a:tcPr marL="91425" marR="91425" marT="91425" marB="91425" anchor="ctr">
+                    <a:lnL w="12700" cap="flat" cmpd="sng" algn="ctr">
+                      <a:solidFill>
+                        <a:schemeClr val="tx1"/>
+                      </a:solidFill>
+                      <a:prstDash val="solid"/>
+                      <a:round/>
+                      <a:headEnd type="none" w="med" len="med"/>
+                      <a:tailEnd type="none" w="med" len="med"/>
+                    </a:lnL>
+                    <a:lnR w="12700" cap="flat" cmpd="sng" algn="ctr">
+                      <a:solidFill>
+                        <a:schemeClr val="tx1"/>
+                      </a:solidFill>
+                      <a:prstDash val="solid"/>
+                      <a:round/>
+                      <a:headEnd type="none" w="med" len="med"/>
+                      <a:tailEnd type="none" w="med" len="med"/>
+                    </a:lnR>
+                    <a:lnT w="12700" cap="flat" cmpd="sng" algn="ctr">
+                      <a:solidFill>
+                        <a:schemeClr val="tx1"/>
+                      </a:solidFill>
+                      <a:prstDash val="solid"/>
+                      <a:round/>
+                      <a:headEnd type="none" w="med" len="med"/>
+                      <a:tailEnd type="none" w="med" len="med"/>
+                    </a:lnT>
+                    <a:lnB w="12700" cap="flat" cmpd="sng" algn="ctr">
+                      <a:solidFill>
+                        <a:schemeClr val="tx1"/>
+                      </a:solidFill>
+                      <a:prstDash val="solid"/>
+                      <a:round/>
+                      <a:headEnd type="none" w="med" len="med"/>
+                      <a:tailEnd type="none" w="med" len="med"/>
+                    </a:lnB>
+                  </a:tcPr>
+                </a:tc>
+                <a:tc>
+                  <a:txBody>
+                    <a:bodyPr/>
+                    <a:lstStyle/>
+                    <a:p>
+                      <a:pPr marL="0" lvl="0" indent="0" algn="ctr" rtl="0">
+                        <a:lnSpc>
+                          <a:spcPct val="115000"/>
+                        </a:lnSpc>
+                        <a:spcBef>
+                          <a:spcPts val="1200"/>
+                        </a:spcBef>
+                        <a:spcAft>
+                          <a:spcPts val="1200"/>
+                        </a:spcAft>
+                        <a:buNone/>
+                      </a:pPr>
+                      <a:r>
+                        <a:rPr lang="it-IT" sz="1400" b="1" dirty="0">
+                          <a:solidFill>
+                            <a:schemeClr val="bg2">
+                              <a:lumMod val="50000"/>
+                            </a:schemeClr>
+                          </a:solidFill>
+                        </a:rPr>
+                        <a:t>5G</a:t>
+                      </a:r>
+                      <a:endParaRPr sz="1400" b="1" dirty="0">
+                        <a:solidFill>
+                          <a:schemeClr val="bg2">
+                            <a:lumMod val="50000"/>
+                          </a:schemeClr>
+                        </a:solidFill>
+                      </a:endParaRPr>
+                    </a:p>
+                  </a:txBody>
+                  <a:tcPr marL="91425" marR="91425" marT="91425" marB="91425" anchor="ctr">
+                    <a:lnL w="12700" cap="flat" cmpd="sng" algn="ctr">
+                      <a:solidFill>
+                        <a:schemeClr val="tx1"/>
+                      </a:solidFill>
+                      <a:prstDash val="solid"/>
+                      <a:round/>
+                      <a:headEnd type="none" w="med" len="med"/>
+                      <a:tailEnd type="none" w="med" len="med"/>
+                    </a:lnL>
+                    <a:lnR w="12700" cap="flat" cmpd="sng" algn="ctr">
+                      <a:solidFill>
+                        <a:schemeClr val="tx1"/>
+                      </a:solidFill>
+                      <a:prstDash val="solid"/>
+                      <a:round/>
+                      <a:headEnd type="none" w="med" len="med"/>
+                      <a:tailEnd type="none" w="med" len="med"/>
+                    </a:lnR>
+                    <a:lnT w="12700" cap="flat" cmpd="sng" algn="ctr">
+                      <a:solidFill>
+                        <a:schemeClr val="tx1"/>
+                      </a:solidFill>
+                      <a:prstDash val="solid"/>
+                      <a:round/>
+                      <a:headEnd type="none" w="med" len="med"/>
+                      <a:tailEnd type="none" w="med" len="med"/>
+                    </a:lnT>
+                    <a:lnB w="12700" cap="flat" cmpd="sng" algn="ctr">
+                      <a:solidFill>
+                        <a:schemeClr val="tx1"/>
+                      </a:solidFill>
+                      <a:prstDash val="solid"/>
+                      <a:round/>
+                      <a:headEnd type="none" w="med" len="med"/>
+                      <a:tailEnd type="none" w="med" len="med"/>
+                    </a:lnB>
+                  </a:tcPr>
+                </a:tc>
+                <a:tc>
+                  <a:txBody>
+                    <a:bodyPr/>
+                    <a:lstStyle/>
+                    <a:p>
+                      <a:pPr marL="0" lvl="0" indent="0" algn="ctr" rtl="0">
+                        <a:lnSpc>
+                          <a:spcPct val="115000"/>
+                        </a:lnSpc>
+                        <a:spcBef>
+                          <a:spcPts val="1200"/>
+                        </a:spcBef>
+                        <a:spcAft>
+                          <a:spcPts val="1200"/>
+                        </a:spcAft>
+                        <a:buNone/>
+                      </a:pPr>
+                      <a:r>
+                        <a:rPr lang="it-IT" sz="1400" dirty="0">
+                          <a:solidFill>
+                            <a:schemeClr val="bg2">
+                              <a:lumMod val="50000"/>
+                            </a:schemeClr>
+                          </a:solidFill>
+                        </a:rPr>
+                        <a:t>50 Mbps – 10 Gbps</a:t>
+                      </a:r>
+                      <a:endParaRPr sz="1400" dirty="0">
+                        <a:solidFill>
+                          <a:schemeClr val="bg2">
+                            <a:lumMod val="50000"/>
+                          </a:schemeClr>
+                        </a:solidFill>
+                      </a:endParaRPr>
+                    </a:p>
+                  </a:txBody>
+                  <a:tcPr marL="91425" marR="91425" marT="91425" marB="91425" anchor="ctr">
+                    <a:lnL w="12700" cap="flat" cmpd="sng" algn="ctr">
+                      <a:solidFill>
+                        <a:schemeClr val="tx1"/>
+                      </a:solidFill>
+                      <a:prstDash val="solid"/>
+                      <a:round/>
+                      <a:headEnd type="none" w="med" len="med"/>
+                      <a:tailEnd type="none" w="med" len="med"/>
+                    </a:lnL>
+                    <a:lnR w="12700" cap="flat" cmpd="sng" algn="ctr">
+                      <a:solidFill>
+                        <a:schemeClr val="tx1"/>
+                      </a:solidFill>
+                      <a:prstDash val="solid"/>
+                      <a:round/>
+                      <a:headEnd type="none" w="med" len="med"/>
+                      <a:tailEnd type="none" w="med" len="med"/>
+                    </a:lnR>
+                    <a:lnT w="12700" cap="flat" cmpd="sng" algn="ctr">
+                      <a:solidFill>
+                        <a:schemeClr val="tx1"/>
+                      </a:solidFill>
+                      <a:prstDash val="solid"/>
+                      <a:round/>
+                      <a:headEnd type="none" w="med" len="med"/>
+                      <a:tailEnd type="none" w="med" len="med"/>
+                    </a:lnT>
+                    <a:lnB w="12700" cap="flat" cmpd="sng" algn="ctr">
+                      <a:solidFill>
+                        <a:schemeClr val="tx1"/>
+                      </a:solidFill>
+                      <a:prstDash val="solid"/>
+                      <a:round/>
+                      <a:headEnd type="none" w="med" len="med"/>
+                      <a:tailEnd type="none" w="med" len="med"/>
+                    </a:lnB>
+                  </a:tcPr>
+                </a:tc>
+                <a:extLst>
+                  <a:ext uri="{0D108BD9-81ED-4DB2-BD59-A6C34878D82A}">
+                    <a16:rowId xmlns:a16="http://schemas.microsoft.com/office/drawing/2014/main" val="4188666712"/>
+                  </a:ext>
+                </a:extLst>
+              </a:tr>
+              <a:tr h="311547">
+                <a:tc>
+                  <a:txBody>
+                    <a:bodyPr/>
+                    <a:lstStyle/>
+                    <a:p>
+                      <a:pPr marL="0" lvl="0" indent="0" algn="ctr" rtl="0">
+                        <a:lnSpc>
+                          <a:spcPct val="115000"/>
+                        </a:lnSpc>
+                        <a:spcBef>
+                          <a:spcPts val="1200"/>
+                        </a:spcBef>
+                        <a:spcAft>
+                          <a:spcPts val="1200"/>
+                        </a:spcAft>
+                        <a:buNone/>
+                      </a:pPr>
+                      <a:r>
+                        <a:rPr lang="it-IT" sz="1400" b="1" dirty="0">
+                          <a:solidFill>
+                            <a:schemeClr val="bg2">
+                              <a:lumMod val="50000"/>
+                            </a:schemeClr>
+                          </a:solidFill>
+                        </a:rPr>
+                        <a:t>Fibra Ottica FTTH </a:t>
+                      </a:r>
+                      <a:r>
+                        <a:rPr lang="it-IT" sz="1400" b="0" dirty="0">
+                          <a:solidFill>
+                            <a:schemeClr val="bg2">
+                              <a:lumMod val="50000"/>
+                            </a:schemeClr>
+                          </a:solidFill>
+                        </a:rPr>
+                        <a:t>(Home)</a:t>
+                      </a:r>
+                      <a:endParaRPr sz="1400" b="0" dirty="0">
+                        <a:solidFill>
+                          <a:schemeClr val="bg2">
+                            <a:lumMod val="50000"/>
+                          </a:schemeClr>
+                        </a:solidFill>
+                      </a:endParaRPr>
+                    </a:p>
+                  </a:txBody>
+                  <a:tcPr marL="91425" marR="91425" marT="91425" marB="91425" anchor="ctr">
+                    <a:lnL w="12700" cap="flat" cmpd="sng" algn="ctr">
+                      <a:solidFill>
+                        <a:schemeClr val="tx1"/>
+                      </a:solidFill>
+                      <a:prstDash val="solid"/>
+                      <a:round/>
+                      <a:headEnd type="none" w="med" len="med"/>
+                      <a:tailEnd type="none" w="med" len="med"/>
+                    </a:lnL>
+                    <a:lnR w="12700" cap="flat" cmpd="sng" algn="ctr">
+                      <a:solidFill>
+                        <a:schemeClr val="tx1"/>
+                      </a:solidFill>
+                      <a:prstDash val="solid"/>
+                      <a:round/>
+                      <a:headEnd type="none" w="med" len="med"/>
+                      <a:tailEnd type="none" w="med" len="med"/>
+                    </a:lnR>
+                    <a:lnT w="12700" cap="flat" cmpd="sng" algn="ctr">
+                      <a:solidFill>
+                        <a:schemeClr val="tx1"/>
+                      </a:solidFill>
+                      <a:prstDash val="solid"/>
+                      <a:round/>
+                      <a:headEnd type="none" w="med" len="med"/>
+                      <a:tailEnd type="none" w="med" len="med"/>
+                    </a:lnT>
+                    <a:lnB w="12700" cap="flat" cmpd="sng" algn="ctr">
+                      <a:solidFill>
+                        <a:schemeClr val="tx1"/>
+                      </a:solidFill>
+                      <a:prstDash val="solid"/>
+                      <a:round/>
+                      <a:headEnd type="none" w="med" len="med"/>
+                      <a:tailEnd type="none" w="med" len="med"/>
+                    </a:lnB>
+                  </a:tcPr>
+                </a:tc>
+                <a:tc>
+                  <a:txBody>
+                    <a:bodyPr/>
+                    <a:lstStyle/>
+                    <a:p>
+                      <a:pPr marL="0" marR="0" lvl="0" indent="0" algn="ctr" defTabSz="914400" rtl="0" eaLnBrk="1" fontAlgn="auto" latinLnBrk="0" hangingPunct="1">
+                        <a:lnSpc>
+                          <a:spcPct val="115000"/>
+                        </a:lnSpc>
+                        <a:spcBef>
+                          <a:spcPts val="1200"/>
+                        </a:spcBef>
+                        <a:spcAft>
+                          <a:spcPts val="1200"/>
+                        </a:spcAft>
+                        <a:buClr>
+                          <a:srgbClr val="000000"/>
+                        </a:buClr>
+                        <a:buSzTx/>
+                        <a:buFont typeface="Arial"/>
+                        <a:buNone/>
+                        <a:tabLst/>
+                        <a:defRPr/>
+                      </a:pPr>
+                      <a:r>
+                        <a:rPr lang="it-IT" sz="1400" b="0" dirty="0">
+                          <a:solidFill>
+                            <a:schemeClr val="bg2">
+                              <a:lumMod val="50000"/>
+                            </a:schemeClr>
+                          </a:solidFill>
+                        </a:rPr>
+                        <a:t>1 Gbps – 10 Gbps</a:t>
+                      </a:r>
+                    </a:p>
+                  </a:txBody>
+                  <a:tcPr marL="91425" marR="91425" marT="91425" marB="91425" anchor="ctr">
+                    <a:lnL w="12700" cap="flat" cmpd="sng" algn="ctr">
+                      <a:solidFill>
+                        <a:schemeClr val="tx1"/>
+                      </a:solidFill>
+                      <a:prstDash val="solid"/>
+                      <a:round/>
+                      <a:headEnd type="none" w="med" len="med"/>
+                      <a:tailEnd type="none" w="med" len="med"/>
+                    </a:lnL>
+                    <a:lnR w="12700" cap="flat" cmpd="sng" algn="ctr">
+                      <a:solidFill>
+                        <a:schemeClr val="tx1"/>
+                      </a:solidFill>
+                      <a:prstDash val="solid"/>
+                      <a:round/>
+                      <a:headEnd type="none" w="med" len="med"/>
+                      <a:tailEnd type="none" w="med" len="med"/>
+                    </a:lnR>
+                    <a:lnT w="12700" cap="flat" cmpd="sng" algn="ctr">
+                      <a:solidFill>
+                        <a:schemeClr val="tx1"/>
+                      </a:solidFill>
+                      <a:prstDash val="solid"/>
+                      <a:round/>
+                      <a:headEnd type="none" w="med" len="med"/>
+                      <a:tailEnd type="none" w="med" len="med"/>
+                    </a:lnT>
+                    <a:lnB w="12700" cap="flat" cmpd="sng" algn="ctr">
+                      <a:solidFill>
+                        <a:schemeClr val="tx1"/>
+                      </a:solidFill>
+                      <a:prstDash val="solid"/>
+                      <a:round/>
+                      <a:headEnd type="none" w="med" len="med"/>
+                      <a:tailEnd type="none" w="med" len="med"/>
+                    </a:lnB>
+                  </a:tcPr>
+                </a:tc>
+                <a:tc>
+                  <a:txBody>
+                    <a:bodyPr/>
+                    <a:lstStyle/>
+                    <a:p>
+                      <a:pPr marL="0" lvl="0" indent="0" algn="ctr" rtl="0">
+                        <a:lnSpc>
+                          <a:spcPct val="115000"/>
+                        </a:lnSpc>
+                        <a:spcBef>
+                          <a:spcPts val="1200"/>
+                        </a:spcBef>
+                        <a:spcAft>
+                          <a:spcPts val="1200"/>
+                        </a:spcAft>
+                        <a:buNone/>
+                      </a:pPr>
+                      <a:r>
+                        <a:rPr lang="it-IT" sz="1400" b="1" dirty="0">
+                          <a:solidFill>
+                            <a:schemeClr val="bg2">
+                              <a:lumMod val="50000"/>
+                            </a:schemeClr>
+                          </a:solidFill>
+                        </a:rPr>
+                        <a:t>Wi-Fi (4,5,6)</a:t>
+                      </a:r>
+                      <a:endParaRPr sz="1400" b="1" dirty="0">
+                        <a:solidFill>
+                          <a:schemeClr val="bg2">
+                            <a:lumMod val="50000"/>
+                          </a:schemeClr>
+                        </a:solidFill>
+                      </a:endParaRPr>
+                    </a:p>
+                  </a:txBody>
+                  <a:tcPr marL="91425" marR="91425" marT="91425" marB="91425" anchor="ctr">
+                    <a:lnL w="12700" cap="flat" cmpd="sng" algn="ctr">
+                      <a:solidFill>
+                        <a:schemeClr val="tx1"/>
+                      </a:solidFill>
+                      <a:prstDash val="solid"/>
+                      <a:round/>
+                      <a:headEnd type="none" w="med" len="med"/>
+                      <a:tailEnd type="none" w="med" len="med"/>
+                    </a:lnL>
+                    <a:lnR w="12700" cap="flat" cmpd="sng" algn="ctr">
+                      <a:solidFill>
+                        <a:schemeClr val="tx1"/>
+                      </a:solidFill>
+                      <a:prstDash val="solid"/>
+                      <a:round/>
+                      <a:headEnd type="none" w="med" len="med"/>
+                      <a:tailEnd type="none" w="med" len="med"/>
+                    </a:lnR>
+                    <a:lnT w="12700" cap="flat" cmpd="sng" algn="ctr">
+                      <a:solidFill>
+                        <a:schemeClr val="tx1"/>
+                      </a:solidFill>
+                      <a:prstDash val="solid"/>
+                      <a:round/>
+                      <a:headEnd type="none" w="med" len="med"/>
+                      <a:tailEnd type="none" w="med" len="med"/>
+                    </a:lnT>
+                    <a:lnB w="12700" cap="flat" cmpd="sng" algn="ctr">
+                      <a:solidFill>
+                        <a:schemeClr val="tx1"/>
+                      </a:solidFill>
+                      <a:prstDash val="solid"/>
+                      <a:round/>
+                      <a:headEnd type="none" w="med" len="med"/>
+                      <a:tailEnd type="none" w="med" len="med"/>
+                    </a:lnB>
+                  </a:tcPr>
+                </a:tc>
+                <a:tc>
+                  <a:txBody>
+                    <a:bodyPr/>
+                    <a:lstStyle/>
+                    <a:p>
+                      <a:pPr marL="0" lvl="0" indent="0" algn="ctr" rtl="0">
+                        <a:lnSpc>
+                          <a:spcPct val="115000"/>
+                        </a:lnSpc>
+                        <a:spcBef>
+                          <a:spcPts val="1200"/>
+                        </a:spcBef>
+                        <a:spcAft>
+                          <a:spcPts val="1200"/>
+                        </a:spcAft>
+                        <a:buNone/>
+                      </a:pPr>
+                      <a:r>
+                        <a:rPr lang="it-IT" sz="1400" dirty="0">
+                          <a:solidFill>
+                            <a:schemeClr val="bg2">
+                              <a:lumMod val="50000"/>
+                            </a:schemeClr>
+                          </a:solidFill>
+                        </a:rPr>
+                        <a:t>50 Mbps – 9,6 Gbps </a:t>
+                      </a:r>
+                      <a:endParaRPr sz="1400" dirty="0">
+                        <a:solidFill>
+                          <a:schemeClr val="bg2">
+                            <a:lumMod val="50000"/>
+                          </a:schemeClr>
+                        </a:solidFill>
+                      </a:endParaRPr>
+                    </a:p>
+                  </a:txBody>
+                  <a:tcPr marL="91425" marR="91425" marT="91425" marB="91425" anchor="ctr">
+                    <a:lnL w="12700" cap="flat" cmpd="sng" algn="ctr">
+                      <a:solidFill>
+                        <a:schemeClr val="tx1"/>
+                      </a:solidFill>
+                      <a:prstDash val="solid"/>
+                      <a:round/>
+                      <a:headEnd type="none" w="med" len="med"/>
+                      <a:tailEnd type="none" w="med" len="med"/>
+                    </a:lnL>
+                    <a:lnR w="12700" cap="flat" cmpd="sng" algn="ctr">
+                      <a:solidFill>
+                        <a:schemeClr val="tx1"/>
+                      </a:solidFill>
+                      <a:prstDash val="solid"/>
+                      <a:round/>
+                      <a:headEnd type="none" w="med" len="med"/>
+                      <a:tailEnd type="none" w="med" len="med"/>
+                    </a:lnR>
+                    <a:lnT w="12700" cap="flat" cmpd="sng" algn="ctr">
+                      <a:solidFill>
+                        <a:schemeClr val="tx1"/>
+                      </a:solidFill>
+                      <a:prstDash val="solid"/>
+                      <a:round/>
+                      <a:headEnd type="none" w="med" len="med"/>
+                      <a:tailEnd type="none" w="med" len="med"/>
+                    </a:lnT>
+                    <a:lnB w="12700" cap="flat" cmpd="sng" algn="ctr">
+                      <a:solidFill>
+                        <a:schemeClr val="tx1"/>
+                      </a:solidFill>
+                      <a:prstDash val="solid"/>
+                      <a:round/>
+                      <a:headEnd type="none" w="med" len="med"/>
+                      <a:tailEnd type="none" w="med" len="med"/>
+                    </a:lnB>
+                  </a:tcPr>
+                </a:tc>
+                <a:extLst>
+                  <a:ext uri="{0D108BD9-81ED-4DB2-BD59-A6C34878D82A}">
+                    <a16:rowId xmlns:a16="http://schemas.microsoft.com/office/drawing/2014/main" val="634587574"/>
+                  </a:ext>
+                </a:extLst>
+              </a:tr>
+            </a:tbl>
+          </a:graphicData>
+        </a:graphic>
+      </p:graphicFrame>
+      <p:sp>
+        <p:nvSpPr>
+          <p:cNvPr id="7" name="CasellaDiTesto 6">
+            <a:extLst>
+              <a:ext uri="{FF2B5EF4-FFF2-40B4-BE49-F238E27FC236}">
+                <a16:creationId xmlns:a16="http://schemas.microsoft.com/office/drawing/2014/main" id="{15E1FD62-33F0-8D34-F11D-F28A4D730C41}"/>
+              </a:ext>
+            </a:extLst>
+          </p:cNvPr>
+          <p:cNvSpPr txBox="1"/>
+          <p:nvPr/>
+        </p:nvSpPr>
+        <p:spPr>
+          <a:xfrm>
+            <a:off x="5451595" y="445023"/>
+            <a:ext cx="1886183" cy="646331"/>
+          </a:xfrm>
+          <a:prstGeom prst="rect">
+            <a:avLst/>
+          </a:prstGeom>
+          <a:noFill/>
+        </p:spPr>
+        <p:txBody>
+          <a:bodyPr wrap="square">
+            <a:spAutoFit/>
+          </a:bodyPr>
+          <a:lstStyle/>
+          <a:p>
+            <a:r>
+              <a:rPr lang="it-IT" dirty="0">
+                <a:hlinkClick r:id="rId3"/>
+              </a:rPr>
+              <a:t>record speed</a:t>
+            </a:r>
+            <a:r>
+              <a:rPr lang="it-IT" sz="3600" dirty="0">
+                <a:hlinkClick r:id="rId3"/>
+              </a:rPr>
+              <a:t>🔝</a:t>
+            </a:r>
+            <a:endParaRPr lang="it-IT" sz="3600" dirty="0"/>
+          </a:p>
+        </p:txBody>
+      </p:sp>
+      <p:sp>
+        <p:nvSpPr>
+          <p:cNvPr id="9" name="CasellaDiTesto 8">
+            <a:extLst>
+              <a:ext uri="{FF2B5EF4-FFF2-40B4-BE49-F238E27FC236}">
+                <a16:creationId xmlns:a16="http://schemas.microsoft.com/office/drawing/2014/main" id="{18D21B10-A968-7A82-D7E4-28FB8EF8B13A}"/>
+              </a:ext>
+            </a:extLst>
+          </p:cNvPr>
+          <p:cNvSpPr txBox="1"/>
+          <p:nvPr/>
+        </p:nvSpPr>
+        <p:spPr>
+          <a:xfrm>
+            <a:off x="7202311" y="445024"/>
+            <a:ext cx="1629989" cy="646331"/>
+          </a:xfrm>
+          <a:prstGeom prst="rect">
+            <a:avLst/>
+          </a:prstGeom>
+          <a:noFill/>
+        </p:spPr>
+        <p:txBody>
+          <a:bodyPr wrap="square">
+            <a:spAutoFit/>
+          </a:bodyPr>
+          <a:lstStyle/>
+          <a:p>
+            <a:r>
+              <a:rPr lang="it-IT" dirty="0">
+                <a:hlinkClick r:id="rId4"/>
+              </a:rPr>
+              <a:t>speed test</a:t>
+            </a:r>
+            <a:r>
+              <a:rPr lang="it-IT" sz="3600" dirty="0">
+                <a:hlinkClick r:id="rId4"/>
+              </a:rPr>
+              <a:t>⚡</a:t>
+            </a:r>
+            <a:endParaRPr lang="it-IT" sz="3600" dirty="0"/>
+          </a:p>
+        </p:txBody>
+      </p:sp>
+    </p:spTree>
+  </p:cSld>
+  <p:clrMapOvr>
+    <a:masterClrMapping/>
+  </p:clrMapOvr>
+</p:sld>
+</file>
+
+<file path=ppt/slides/slide12.xml><?xml version="1.0" encoding="utf-8"?>
+<p:sld xmlns:a="http://schemas.openxmlformats.org/drawingml/2006/main" xmlns:r="http://schemas.openxmlformats.org/officeDocument/2006/relationships" xmlns:p="http://schemas.openxmlformats.org/presentationml/2006/main">
+  <p:cSld>
+    <p:spTree>
+      <p:nvGrpSpPr>
+        <p:cNvPr id="1" name="Shape 77"/>
+        <p:cNvGrpSpPr/>
+        <p:nvPr/>
+      </p:nvGrpSpPr>
+      <p:grpSpPr>
+        <a:xfrm>
+          <a:off x="0" y="0"/>
+          <a:ext cx="0" cy="0"/>
+          <a:chOff x="0" y="0"/>
+          <a:chExt cx="0" cy="0"/>
+        </a:xfrm>
+      </p:grpSpPr>
+      <p:sp>
+        <p:nvSpPr>
+          <p:cNvPr id="78" name="Google Shape;78;p15"/>
+          <p:cNvSpPr txBox="1">
+            <a:spLocks noGrp="1"/>
+          </p:cNvSpPr>
+          <p:nvPr>
+            <p:ph type="title"/>
+          </p:nvPr>
+        </p:nvSpPr>
+        <p:spPr>
+          <a:xfrm>
+            <a:off x="265500" y="1039675"/>
+            <a:ext cx="4045200" cy="1675800"/>
+          </a:xfrm>
+          <a:prstGeom prst="rect">
+            <a:avLst/>
+          </a:prstGeom>
+        </p:spPr>
+        <p:txBody>
+          <a:bodyPr spcFirstLastPara="1" wrap="square" lIns="91425" tIns="91425" rIns="91425" bIns="91425" anchor="b" anchorCtr="0">
+            <a:normAutofit/>
+          </a:bodyPr>
+          <a:lstStyle/>
+          <a:p>
+            <a:pPr marL="0" lvl="0" indent="0" algn="ctr" rtl="0">
+              <a:spcBef>
+                <a:spcPts val="0"/>
+              </a:spcBef>
+              <a:spcAft>
+                <a:spcPts val="0"/>
+              </a:spcAft>
+              <a:buNone/>
+            </a:pPr>
+            <a:r>
+              <a:rPr lang="it" dirty="0"/>
+              <a:t>INTERNET PROTOCOL</a:t>
+            </a:r>
+            <a:endParaRPr dirty="0"/>
+          </a:p>
+        </p:txBody>
+      </p:sp>
+      <p:sp>
+        <p:nvSpPr>
+          <p:cNvPr id="79" name="Google Shape;79;p15"/>
+          <p:cNvSpPr txBox="1">
+            <a:spLocks noGrp="1"/>
+          </p:cNvSpPr>
+          <p:nvPr>
+            <p:ph type="subTitle" idx="1"/>
+          </p:nvPr>
+        </p:nvSpPr>
+        <p:spPr>
+          <a:xfrm>
+            <a:off x="265500" y="2726875"/>
+            <a:ext cx="4045200" cy="1235100"/>
+          </a:xfrm>
+          <a:prstGeom prst="rect">
+            <a:avLst/>
+          </a:prstGeom>
+        </p:spPr>
+        <p:txBody>
+          <a:bodyPr spcFirstLastPara="1" wrap="square" lIns="91425" tIns="91425" rIns="91425" bIns="91425" anchor="t" anchorCtr="0">
+            <a:normAutofit/>
+          </a:bodyPr>
+          <a:lstStyle/>
+          <a:p>
+            <a:pPr marL="0" lvl="0" indent="0" algn="ctr" rtl="0">
+              <a:spcBef>
+                <a:spcPts val="0"/>
+              </a:spcBef>
+              <a:spcAft>
+                <a:spcPts val="0"/>
+              </a:spcAft>
+              <a:buNone/>
+            </a:pPr>
+            <a:r>
+              <a:rPr lang="it" dirty="0"/>
+              <a:t>Indirizzi IP</a:t>
+            </a:r>
+            <a:endParaRPr dirty="0"/>
+          </a:p>
+        </p:txBody>
+      </p:sp>
+      <p:pic>
+        <p:nvPicPr>
+          <p:cNvPr id="9" name="Immagine 8" descr="Immagine che contiene nero, oscurità&#10;&#10;Descrizione generata automaticamente">
+            <a:extLst>
+              <a:ext uri="{FF2B5EF4-FFF2-40B4-BE49-F238E27FC236}">
+                <a16:creationId xmlns:a16="http://schemas.microsoft.com/office/drawing/2014/main" id="{69DBF855-1C63-4DCC-0F1B-CE8DC6D57304}"/>
+              </a:ext>
+            </a:extLst>
+          </p:cNvPr>
+          <p:cNvPicPr>
+            <a:picLocks noChangeAspect="1"/>
+          </p:cNvPicPr>
+          <p:nvPr/>
+        </p:nvPicPr>
+        <p:blipFill>
+          <a:blip r:embed="rId3"/>
+          <a:srcRect l="29061" t="21180" r="29423" b="20096"/>
+          <a:stretch/>
+        </p:blipFill>
+        <p:spPr>
+          <a:xfrm>
+            <a:off x="5006410" y="876206"/>
+            <a:ext cx="3872090" cy="3080837"/>
+          </a:xfrm>
+          <a:prstGeom prst="rect">
+            <a:avLst/>
+          </a:prstGeom>
+        </p:spPr>
+      </p:pic>
+    </p:spTree>
+    <p:extLst>
+      <p:ext uri="{BB962C8B-B14F-4D97-AF65-F5344CB8AC3E}">
+        <p14:creationId xmlns:p14="http://schemas.microsoft.com/office/powerpoint/2010/main" val="1455457287"/>
+      </p:ext>
+    </p:extLst>
+  </p:cSld>
+  <p:clrMapOvr>
+    <a:masterClrMapping/>
+  </p:clrMapOvr>
+</p:sld>
+</file>
+
+<file path=ppt/slides/slide13.xml><?xml version="1.0" encoding="utf-8"?>
+<p:sld xmlns:a="http://schemas.openxmlformats.org/drawingml/2006/main" xmlns:r="http://schemas.openxmlformats.org/officeDocument/2006/relationships" xmlns:p="http://schemas.openxmlformats.org/presentationml/2006/main">
+  <p:cSld>
+    <p:spTree>
+      <p:nvGrpSpPr>
+        <p:cNvPr id="1" name="Shape 99"/>
+        <p:cNvGrpSpPr/>
+        <p:nvPr/>
+      </p:nvGrpSpPr>
+      <p:grpSpPr>
+        <a:xfrm>
+          <a:off x="0" y="0"/>
+          <a:ext cx="0" cy="0"/>
+          <a:chOff x="0" y="0"/>
+          <a:chExt cx="0" cy="0"/>
+        </a:xfrm>
+      </p:grpSpPr>
+      <p:sp>
+        <p:nvSpPr>
+          <p:cNvPr id="100" name="Google Shape;100;p18"/>
+          <p:cNvSpPr txBox="1">
+            <a:spLocks noGrp="1"/>
+          </p:cNvSpPr>
+          <p:nvPr>
+            <p:ph type="title"/>
+          </p:nvPr>
+        </p:nvSpPr>
+        <p:spPr>
+          <a:xfrm>
+            <a:off x="311700" y="445025"/>
+            <a:ext cx="8520600" cy="707400"/>
+          </a:xfrm>
+          <a:prstGeom prst="rect">
+            <a:avLst/>
+          </a:prstGeom>
+        </p:spPr>
+        <p:txBody>
+          <a:bodyPr spcFirstLastPara="1" wrap="square" lIns="91425" tIns="91425" rIns="91425" bIns="91425" anchor="t" anchorCtr="0">
+            <a:normAutofit fontScale="90000"/>
+          </a:bodyPr>
+          <a:lstStyle/>
+          <a:p>
+            <a:pPr marL="0" lvl="0" indent="0" algn="l" rtl="0">
+              <a:spcBef>
+                <a:spcPts val="0"/>
+              </a:spcBef>
+              <a:spcAft>
+                <a:spcPts val="0"/>
+              </a:spcAft>
+              <a:buNone/>
+            </a:pPr>
+            <a:r>
+              <a:rPr lang="it"/>
+              <a:t>INDIRIZZO IP (Internet Protocol Address)</a:t>
+            </a:r>
+            <a:endParaRPr/>
+          </a:p>
+        </p:txBody>
+      </p:sp>
+      <p:sp>
+        <p:nvSpPr>
+          <p:cNvPr id="101" name="Google Shape;101;p18"/>
+          <p:cNvSpPr txBox="1">
+            <a:spLocks noGrp="1"/>
+          </p:cNvSpPr>
+          <p:nvPr>
+            <p:ph type="body" idx="1"/>
+          </p:nvPr>
+        </p:nvSpPr>
+        <p:spPr>
+          <a:xfrm>
+            <a:off x="311700" y="1266325"/>
+            <a:ext cx="8520600" cy="3302700"/>
+          </a:xfrm>
+          <a:prstGeom prst="rect">
+            <a:avLst/>
+          </a:prstGeom>
+        </p:spPr>
+        <p:txBody>
+          <a:bodyPr spcFirstLastPara="1" wrap="square" lIns="91425" tIns="91425" rIns="91425" bIns="91425" anchor="t" anchorCtr="0">
+            <a:normAutofit/>
+          </a:bodyPr>
+          <a:lstStyle/>
+          <a:p>
+            <a:pPr marL="0" lvl="0" indent="0" algn="just" rtl="0">
+              <a:spcBef>
+                <a:spcPts val="0"/>
+              </a:spcBef>
+              <a:spcAft>
+                <a:spcPts val="0"/>
+              </a:spcAft>
+              <a:buNone/>
+            </a:pPr>
+            <a:r>
+              <a:rPr lang="it" dirty="0"/>
+              <a:t>Un </a:t>
+            </a:r>
+            <a:r>
+              <a:rPr lang="it" b="1" dirty="0"/>
+              <a:t>indirizzo IP</a:t>
+            </a:r>
+            <a:r>
+              <a:rPr lang="it" dirty="0"/>
+              <a:t> è un numero che identifica univocamente ogni dispositivo (host),</a:t>
+            </a:r>
+            <a:r>
+              <a:rPr lang="it" b="1" dirty="0"/>
+              <a:t> </a:t>
+            </a:r>
+            <a:r>
+              <a:rPr lang="it" dirty="0"/>
+              <a:t>collegato a una rete informatica. L’indirizzo IP viene assegnato ad ogni host di rete che può essere un personal computer, un tablet, uno smartphone, un router o anche un elettrodomestico.</a:t>
+            </a:r>
+            <a:endParaRPr dirty="0"/>
+          </a:p>
+          <a:p>
+            <a:pPr marL="0" lvl="0" indent="0" algn="just" rtl="0">
+              <a:spcBef>
+                <a:spcPts val="1200"/>
+              </a:spcBef>
+              <a:spcAft>
+                <a:spcPts val="0"/>
+              </a:spcAft>
+              <a:buNone/>
+            </a:pPr>
+            <a:r>
+              <a:rPr lang="it" dirty="0"/>
+              <a:t>L’indirizzo </a:t>
+            </a:r>
+            <a:r>
+              <a:rPr lang="it" b="1" dirty="0"/>
+              <a:t>IPv4</a:t>
+            </a:r>
+            <a:r>
+              <a:rPr lang="it" dirty="0"/>
+              <a:t> è formato da 4 cifre comprese tra 0 e 255 separate da un punto.</a:t>
+            </a:r>
+            <a:endParaRPr dirty="0"/>
+          </a:p>
+          <a:p>
+            <a:pPr marL="0" lvl="0" indent="0" algn="just" rtl="0">
+              <a:spcBef>
+                <a:spcPts val="1200"/>
+              </a:spcBef>
+              <a:spcAft>
+                <a:spcPts val="0"/>
+              </a:spcAft>
+              <a:buNone/>
+            </a:pPr>
+            <a:r>
+              <a:rPr lang="it" dirty="0"/>
+              <a:t>Esempio: </a:t>
+            </a:r>
+            <a:r>
+              <a:rPr lang="it" sz="2300" b="1" dirty="0"/>
+              <a:t>97.24.1.89</a:t>
+            </a:r>
+            <a:endParaRPr sz="2300" b="1" dirty="0"/>
+          </a:p>
+          <a:p>
+            <a:pPr marL="0" lvl="0" indent="0" algn="just" rtl="0">
+              <a:spcBef>
+                <a:spcPts val="1200"/>
+              </a:spcBef>
+              <a:spcAft>
+                <a:spcPts val="1200"/>
+              </a:spcAft>
+              <a:buNone/>
+            </a:pPr>
+            <a:endParaRPr dirty="0"/>
+          </a:p>
+        </p:txBody>
+      </p:sp>
+    </p:spTree>
+  </p:cSld>
+  <p:clrMapOvr>
+    <a:masterClrMapping/>
+  </p:clrMapOvr>
+</p:sld>
+</file>
+
+<file path=ppt/slides/slide14.xml><?xml version="1.0" encoding="utf-8"?>
+<p:sld xmlns:a="http://schemas.openxmlformats.org/drawingml/2006/main" xmlns:r="http://schemas.openxmlformats.org/officeDocument/2006/relationships" xmlns:p="http://schemas.openxmlformats.org/presentationml/2006/main">
+  <p:cSld>
+    <p:spTree>
+      <p:nvGrpSpPr>
+        <p:cNvPr id="1" name="Shape 99"/>
+        <p:cNvGrpSpPr/>
+        <p:nvPr/>
+      </p:nvGrpSpPr>
+      <p:grpSpPr>
+        <a:xfrm>
+          <a:off x="0" y="0"/>
+          <a:ext cx="0" cy="0"/>
+          <a:chOff x="0" y="0"/>
+          <a:chExt cx="0" cy="0"/>
+        </a:xfrm>
+      </p:grpSpPr>
+      <p:sp>
+        <p:nvSpPr>
+          <p:cNvPr id="100" name="Google Shape;100;p18"/>
+          <p:cNvSpPr txBox="1">
+            <a:spLocks noGrp="1"/>
+          </p:cNvSpPr>
+          <p:nvPr>
+            <p:ph type="title"/>
+          </p:nvPr>
+        </p:nvSpPr>
+        <p:spPr>
+          <a:xfrm>
+            <a:off x="311700" y="445025"/>
+            <a:ext cx="8520600" cy="707400"/>
+          </a:xfrm>
+          <a:prstGeom prst="rect">
+            <a:avLst/>
+          </a:prstGeom>
+        </p:spPr>
+        <p:txBody>
+          <a:bodyPr spcFirstLastPara="1" wrap="square" lIns="91425" tIns="91425" rIns="91425" bIns="91425" anchor="t" anchorCtr="0">
+            <a:normAutofit fontScale="90000"/>
+          </a:bodyPr>
+          <a:lstStyle/>
+          <a:p>
+            <a:pPr marL="0" lvl="0" indent="0" algn="l" rtl="0">
+              <a:spcBef>
+                <a:spcPts val="0"/>
+              </a:spcBef>
+              <a:spcAft>
+                <a:spcPts val="0"/>
+              </a:spcAft>
+              <a:buNone/>
+            </a:pPr>
+            <a:r>
+              <a:rPr lang="it" dirty="0"/>
+              <a:t>INDIRIZZO IP e DNS (Domain Name System)</a:t>
+            </a:r>
+            <a:endParaRPr/>
+          </a:p>
+        </p:txBody>
+      </p:sp>
+      <p:sp>
+        <p:nvSpPr>
+          <p:cNvPr id="101" name="Google Shape;101;p18"/>
+          <p:cNvSpPr txBox="1">
+            <a:spLocks noGrp="1"/>
+          </p:cNvSpPr>
+          <p:nvPr>
+            <p:ph type="body" idx="1"/>
+          </p:nvPr>
+        </p:nvSpPr>
+        <p:spPr>
+          <a:xfrm>
+            <a:off x="311700" y="1266325"/>
+            <a:ext cx="8520600" cy="3302700"/>
+          </a:xfrm>
+          <a:prstGeom prst="rect">
+            <a:avLst/>
+          </a:prstGeom>
+        </p:spPr>
+        <p:txBody>
+          <a:bodyPr spcFirstLastPara="1" wrap="square" lIns="91425" tIns="91425" rIns="91425" bIns="91425" anchor="t" anchorCtr="0">
+            <a:normAutofit lnSpcReduction="10000"/>
+          </a:bodyPr>
+          <a:lstStyle/>
+          <a:p>
+            <a:pPr marL="0" lvl="0" indent="0" algn="just">
+              <a:buNone/>
+            </a:pPr>
+            <a:r>
+              <a:rPr lang="it-IT" dirty="0"/>
+              <a:t>Il </a:t>
+            </a:r>
+            <a:r>
+              <a:rPr lang="it-IT" b="1" dirty="0"/>
+              <a:t>DNS </a:t>
+            </a:r>
+            <a:r>
+              <a:rPr lang="it-IT" dirty="0"/>
+              <a:t>è la "guida telefonica" di Internet. Le persone accedono alle informazioni online tramite dei nomi di dominio, come ad esempio netflix.com o </a:t>
+            </a:r>
+            <a:r>
+              <a:rPr lang="it-IT" dirty="0" err="1"/>
+              <a:t>wikipedia.org</a:t>
+            </a:r>
+            <a:r>
+              <a:rPr lang="it-IT" dirty="0"/>
+              <a:t>, ma i Browser per poter raggiungere le destinazioni desiderate hanno bisogno di conoscerne gli indirizzi </a:t>
+            </a:r>
+            <a:r>
+              <a:rPr lang="it-IT" b="1" dirty="0"/>
+              <a:t>IP</a:t>
+            </a:r>
+            <a:r>
+              <a:rPr lang="it-IT" dirty="0"/>
+              <a:t>.</a:t>
+            </a:r>
+          </a:p>
+          <a:p>
+            <a:pPr marL="0" lvl="0" indent="0" algn="just">
+              <a:buNone/>
+            </a:pPr>
+            <a:r>
+              <a:rPr lang="it-IT" u="sng" dirty="0"/>
+              <a:t>Il DNS traduce i nomi di dominio in indirizzi IP</a:t>
+            </a:r>
+            <a:r>
+              <a:rPr lang="it-IT" dirty="0"/>
+              <a:t>, in modo che i browser possano caricare le risorse Internet.</a:t>
+            </a:r>
+          </a:p>
+          <a:p>
+            <a:pPr marL="0" indent="0" algn="just">
+              <a:buNone/>
+            </a:pPr>
+            <a:r>
+              <a:rPr lang="it" dirty="0"/>
+              <a:t>Esempio:</a:t>
+            </a:r>
+          </a:p>
+          <a:p>
+            <a:pPr marL="342900" algn="just">
+              <a:buAutoNum type="arabicParenR"/>
+            </a:pPr>
+            <a:r>
+              <a:rPr lang="it" dirty="0"/>
+              <a:t>copia </a:t>
+            </a:r>
+            <a:r>
+              <a:rPr lang="it" b="1" dirty="0"/>
+              <a:t>l’URL</a:t>
+            </a:r>
+            <a:r>
+              <a:rPr lang="it" dirty="0"/>
+              <a:t> (</a:t>
+            </a:r>
+            <a:r>
+              <a:rPr lang="it-IT" dirty="0" err="1"/>
+              <a:t>Uniform</a:t>
+            </a:r>
+            <a:r>
+              <a:rPr lang="it-IT" dirty="0"/>
+              <a:t> </a:t>
+            </a:r>
+            <a:r>
+              <a:rPr lang="it-IT" dirty="0" err="1"/>
+              <a:t>Resource</a:t>
+            </a:r>
+            <a:r>
+              <a:rPr lang="it-IT" dirty="0"/>
+              <a:t> </a:t>
+            </a:r>
+            <a:r>
+              <a:rPr lang="it-IT" dirty="0" err="1"/>
+              <a:t>Locator</a:t>
+            </a:r>
+            <a:r>
+              <a:rPr lang="it-IT" dirty="0"/>
+              <a:t>) del sito della scuola</a:t>
+            </a:r>
+          </a:p>
+          <a:p>
+            <a:pPr marL="342900" algn="just">
+              <a:buAutoNum type="arabicParenR"/>
+            </a:pPr>
+            <a:r>
+              <a:rPr lang="it-IT" dirty="0"/>
+              <a:t>Vai sul sito: </a:t>
+            </a:r>
+            <a:r>
+              <a:rPr lang="it-IT" dirty="0">
+                <a:hlinkClick r:id="rId3"/>
+              </a:rPr>
+              <a:t>https://www.whatismyip.com/</a:t>
+            </a:r>
+            <a:endParaRPr lang="it-IT" dirty="0"/>
+          </a:p>
+          <a:p>
+            <a:pPr marL="342900" algn="just">
+              <a:buAutoNum type="arabicParenR"/>
+            </a:pPr>
+            <a:r>
+              <a:rPr lang="it-IT" dirty="0"/>
+              <a:t>Trova l’IP del sito e analizza le informazioni che si possono ottenere</a:t>
+            </a:r>
+            <a:endParaRPr sz="2300" b="1"/>
+          </a:p>
+          <a:p>
+            <a:pPr marL="0" lvl="0" indent="0" algn="just" rtl="0">
+              <a:spcBef>
+                <a:spcPts val="1200"/>
+              </a:spcBef>
+              <a:spcAft>
+                <a:spcPts val="1200"/>
+              </a:spcAft>
+              <a:buNone/>
+            </a:pPr>
+            <a:endParaRPr/>
+          </a:p>
+        </p:txBody>
+      </p:sp>
+    </p:spTree>
+  </p:cSld>
+  <p:clrMapOvr>
+    <a:masterClrMapping/>
+  </p:clrMapOvr>
+</p:sld>
+</file>
+
+<file path=ppt/slides/slide15.xml><?xml version="1.0" encoding="utf-8"?>
+<p:sld xmlns:a="http://schemas.openxmlformats.org/drawingml/2006/main" xmlns:r="http://schemas.openxmlformats.org/officeDocument/2006/relationships" xmlns:p="http://schemas.openxmlformats.org/presentationml/2006/main">
+  <p:cSld>
+    <p:spTree>
+      <p:nvGrpSpPr>
+        <p:cNvPr id="1" name="Shape 111"/>
+        <p:cNvGrpSpPr/>
+        <p:nvPr/>
+      </p:nvGrpSpPr>
+      <p:grpSpPr>
+        <a:xfrm>
+          <a:off x="0" y="0"/>
+          <a:ext cx="0" cy="0"/>
+          <a:chOff x="0" y="0"/>
+          <a:chExt cx="0" cy="0"/>
+        </a:xfrm>
+      </p:grpSpPr>
+      <p:sp>
+        <p:nvSpPr>
+          <p:cNvPr id="112" name="Google Shape;112;p20"/>
+          <p:cNvSpPr txBox="1">
+            <a:spLocks noGrp="1"/>
+          </p:cNvSpPr>
+          <p:nvPr>
+            <p:ph type="title"/>
+          </p:nvPr>
+        </p:nvSpPr>
+        <p:spPr>
+          <a:xfrm>
+            <a:off x="265500" y="0"/>
+            <a:ext cx="4045200" cy="1675800"/>
+          </a:xfrm>
+          <a:prstGeom prst="rect">
+            <a:avLst/>
+          </a:prstGeom>
+        </p:spPr>
+        <p:txBody>
+          <a:bodyPr spcFirstLastPara="1" wrap="square" lIns="91425" tIns="91425" rIns="91425" bIns="91425" anchor="b" anchorCtr="0">
+            <a:normAutofit/>
+          </a:bodyPr>
+          <a:lstStyle/>
+          <a:p>
+            <a:pPr marL="0" lvl="0" indent="0" algn="l" rtl="0">
+              <a:spcBef>
+                <a:spcPts val="0"/>
+              </a:spcBef>
+              <a:spcAft>
+                <a:spcPts val="0"/>
+              </a:spcAft>
+              <a:buNone/>
+            </a:pPr>
+            <a:r>
+              <a:rPr lang="it" sz="2900"/>
+              <a:t>DISPOSITIVI DI RETE:</a:t>
+            </a:r>
+            <a:endParaRPr sz="2900"/>
+          </a:p>
+          <a:p>
+            <a:pPr marL="0" lvl="0" indent="0" algn="l" rtl="0">
+              <a:spcBef>
+                <a:spcPts val="0"/>
+              </a:spcBef>
+              <a:spcAft>
+                <a:spcPts val="0"/>
+              </a:spcAft>
+              <a:buNone/>
+            </a:pPr>
+            <a:r>
+              <a:rPr lang="it" sz="2900"/>
+              <a:t>HUB &amp; BRIDGE</a:t>
+            </a:r>
+            <a:endParaRPr sz="2900"/>
+          </a:p>
+        </p:txBody>
+      </p:sp>
+      <p:sp>
+        <p:nvSpPr>
+          <p:cNvPr id="113" name="Google Shape;113;p20"/>
+          <p:cNvSpPr txBox="1">
+            <a:spLocks noGrp="1"/>
+          </p:cNvSpPr>
+          <p:nvPr>
+            <p:ph type="subTitle" idx="1"/>
+          </p:nvPr>
+        </p:nvSpPr>
+        <p:spPr>
+          <a:xfrm>
+            <a:off x="265500" y="1675800"/>
+            <a:ext cx="4045200" cy="3467700"/>
+          </a:xfrm>
+          <a:prstGeom prst="rect">
+            <a:avLst/>
+          </a:prstGeom>
+        </p:spPr>
+        <p:txBody>
+          <a:bodyPr spcFirstLastPara="1" wrap="square" lIns="91425" tIns="91425" rIns="91425" bIns="91425" anchor="t" anchorCtr="0">
+            <a:normAutofit lnSpcReduction="10000"/>
+          </a:bodyPr>
+          <a:lstStyle/>
+          <a:p>
+            <a:pPr marL="0" lvl="0" indent="0" algn="l" rtl="0">
+              <a:lnSpc>
+                <a:spcPct val="115000"/>
+              </a:lnSpc>
+              <a:spcBef>
+                <a:spcPts val="0"/>
+              </a:spcBef>
+              <a:spcAft>
+                <a:spcPts val="0"/>
+              </a:spcAft>
+              <a:buNone/>
+            </a:pPr>
+            <a:r>
+              <a:rPr lang="it" sz="1800"/>
+              <a:t>L'</a:t>
+            </a:r>
+            <a:r>
+              <a:rPr lang="it" sz="1800" b="1"/>
+              <a:t>hub</a:t>
+            </a:r>
+            <a:r>
+              <a:rPr lang="it" sz="1800"/>
+              <a:t> non indirizza in maniera precisa la comunicazione al dispositivo destinatario, ma lo inoltra a tutti i dispositivi ad esso collegati.</a:t>
+            </a:r>
+            <a:endParaRPr sz="1800"/>
+          </a:p>
+          <a:p>
+            <a:pPr marL="0" lvl="0" indent="0" algn="l" rtl="0">
+              <a:lnSpc>
+                <a:spcPct val="115000"/>
+              </a:lnSpc>
+              <a:spcBef>
+                <a:spcPts val="1200"/>
+              </a:spcBef>
+              <a:spcAft>
+                <a:spcPts val="1200"/>
+              </a:spcAft>
+              <a:buNone/>
+            </a:pPr>
+            <a:r>
+              <a:rPr lang="it" sz="1800"/>
+              <a:t>Il </a:t>
+            </a:r>
+            <a:r>
+              <a:rPr lang="it" sz="1800" b="1"/>
+              <a:t>bridge</a:t>
+            </a:r>
+            <a:r>
+              <a:rPr lang="it" sz="1800"/>
+              <a:t>, serve a fare da ponte tra due reti differenti che possono essere fisiche o semplicemente logiche, come due classi di indirizzi IP differenti.</a:t>
+            </a:r>
+            <a:endParaRPr/>
+          </a:p>
+        </p:txBody>
+      </p:sp>
+      <p:pic>
+        <p:nvPicPr>
+          <p:cNvPr id="114" name="Google Shape;114;p20"/>
+          <p:cNvPicPr preferRelativeResize="0"/>
+          <p:nvPr/>
+        </p:nvPicPr>
+        <p:blipFill>
+          <a:blip r:embed="rId3">
+            <a:alphaModFix/>
+          </a:blip>
+          <a:stretch>
+            <a:fillRect/>
+          </a:stretch>
+        </p:blipFill>
+        <p:spPr>
+          <a:xfrm>
+            <a:off x="5005800" y="2203499"/>
+            <a:ext cx="3063650" cy="2750400"/>
+          </a:xfrm>
+          <a:prstGeom prst="rect">
+            <a:avLst/>
+          </a:prstGeom>
+          <a:noFill/>
+          <a:ln>
+            <a:noFill/>
+          </a:ln>
+        </p:spPr>
+      </p:pic>
+      <p:pic>
+        <p:nvPicPr>
+          <p:cNvPr id="115" name="Google Shape;115;p20"/>
+          <p:cNvPicPr preferRelativeResize="0"/>
+          <p:nvPr/>
+        </p:nvPicPr>
+        <p:blipFill>
+          <a:blip r:embed="rId4">
+            <a:alphaModFix/>
+          </a:blip>
+          <a:stretch>
+            <a:fillRect/>
+          </a:stretch>
+        </p:blipFill>
+        <p:spPr>
+          <a:xfrm>
+            <a:off x="5683375" y="250247"/>
+            <a:ext cx="3063650" cy="1714028"/>
+          </a:xfrm>
+          <a:prstGeom prst="rect">
+            <a:avLst/>
+          </a:prstGeom>
+          <a:noFill/>
+          <a:ln>
+            <a:noFill/>
+          </a:ln>
+        </p:spPr>
+      </p:pic>
+    </p:spTree>
+  </p:cSld>
+  <p:clrMapOvr>
+    <a:masterClrMapping/>
+  </p:clrMapOvr>
+</p:sld>
+</file>
+
+<file path=ppt/slides/slide16.xml><?xml version="1.0" encoding="utf-8"?>
 <p:sld xmlns:a="http://schemas.openxmlformats.org/drawingml/2006/main" xmlns:r="http://schemas.openxmlformats.org/officeDocument/2006/relationships" xmlns:p="http://schemas.openxmlformats.org/presentationml/2006/main">
   <p:cSld>
     <p:spTree>
@@ -8094,7 +11729,7 @@
 </p:sld>
 </file>
 
-<file path=ppt/slides/slide11.xml><?xml version="1.0" encoding="utf-8"?>
+<file path=ppt/slides/slide17.xml><?xml version="1.0" encoding="utf-8"?>
 <p:sld xmlns:a="http://schemas.openxmlformats.org/drawingml/2006/main" xmlns:r="http://schemas.openxmlformats.org/officeDocument/2006/relationships" xmlns:p="http://schemas.openxmlformats.org/presentationml/2006/main">
   <p:cSld>
     <p:spTree>
@@ -8287,7 +11922,7 @@
 </p:sld>
 </file>
 
-<file path=ppt/slides/slide12.xml><?xml version="1.0" encoding="utf-8"?>
+<file path=ppt/slides/slide18.xml><?xml version="1.0" encoding="utf-8"?>
 <p:sld xmlns:a="http://schemas.openxmlformats.org/drawingml/2006/main" xmlns:r="http://schemas.openxmlformats.org/officeDocument/2006/relationships" xmlns:p="http://schemas.openxmlformats.org/presentationml/2006/main">
   <p:cSld>
     <p:spTree>
@@ -8499,7 +12134,7 @@
 </p:sld>
 </file>
 
-<file path=ppt/slides/slide13.xml><?xml version="1.0" encoding="utf-8"?>
+<file path=ppt/slides/slide19.xml><?xml version="1.0" encoding="utf-8"?>
 <p:sld xmlns:a="http://schemas.openxmlformats.org/drawingml/2006/main" xmlns:r="http://schemas.openxmlformats.org/officeDocument/2006/relationships" xmlns:p="http://schemas.openxmlformats.org/presentationml/2006/main">
   <p:cSld>
     <p:spTree>
@@ -8699,7 +12334,222 @@
 </p:sld>
 </file>
 
-<file path=ppt/slides/slide14.xml><?xml version="1.0" encoding="utf-8"?>
+<file path=ppt/slides/slide2.xml><?xml version="1.0" encoding="utf-8"?>
+<p:sld xmlns:a="http://schemas.openxmlformats.org/drawingml/2006/main" xmlns:r="http://schemas.openxmlformats.org/officeDocument/2006/relationships" xmlns:p="http://schemas.openxmlformats.org/presentationml/2006/main">
+  <p:cSld>
+    <p:spTree>
+      <p:nvGrpSpPr>
+        <p:cNvPr id="1" name="Shape 71"/>
+        <p:cNvGrpSpPr/>
+        <p:nvPr/>
+      </p:nvGrpSpPr>
+      <p:grpSpPr>
+        <a:xfrm>
+          <a:off x="0" y="0"/>
+          <a:ext cx="0" cy="0"/>
+          <a:chOff x="0" y="0"/>
+          <a:chExt cx="0" cy="0"/>
+        </a:xfrm>
+      </p:grpSpPr>
+      <p:sp>
+        <p:nvSpPr>
+          <p:cNvPr id="72" name="Google Shape;72;p14"/>
+          <p:cNvSpPr txBox="1">
+            <a:spLocks noGrp="1"/>
+          </p:cNvSpPr>
+          <p:nvPr>
+            <p:ph type="title"/>
+          </p:nvPr>
+        </p:nvSpPr>
+        <p:spPr>
+          <a:xfrm>
+            <a:off x="311700" y="445025"/>
+            <a:ext cx="8520600" cy="707400"/>
+          </a:xfrm>
+          <a:prstGeom prst="rect">
+            <a:avLst/>
+          </a:prstGeom>
+        </p:spPr>
+        <p:txBody>
+          <a:bodyPr spcFirstLastPara="1" wrap="square" lIns="91425" tIns="91425" rIns="91425" bIns="91425" anchor="t" anchorCtr="0">
+            <a:normAutofit fontScale="90000"/>
+          </a:bodyPr>
+          <a:lstStyle/>
+          <a:p>
+            <a:pPr marL="0" lvl="0" indent="0" algn="l" rtl="0">
+              <a:spcBef>
+                <a:spcPts val="0"/>
+              </a:spcBef>
+              <a:spcAft>
+                <a:spcPts val="0"/>
+              </a:spcAft>
+              <a:buNone/>
+            </a:pPr>
+            <a:r>
+              <a:rPr lang="it" dirty="0"/>
+              <a:t>DEFINIZIONE</a:t>
+            </a:r>
+            <a:endParaRPr dirty="0"/>
+          </a:p>
+        </p:txBody>
+      </p:sp>
+      <p:sp>
+        <p:nvSpPr>
+          <p:cNvPr id="73" name="Google Shape;73;p14"/>
+          <p:cNvSpPr txBox="1">
+            <a:spLocks noGrp="1"/>
+          </p:cNvSpPr>
+          <p:nvPr>
+            <p:ph type="body" idx="1"/>
+          </p:nvPr>
+        </p:nvSpPr>
+        <p:spPr>
+          <a:xfrm>
+            <a:off x="311700" y="1266325"/>
+            <a:ext cx="8520600" cy="3302700"/>
+          </a:xfrm>
+          <a:prstGeom prst="rect">
+            <a:avLst/>
+          </a:prstGeom>
+        </p:spPr>
+        <p:txBody>
+          <a:bodyPr spcFirstLastPara="1" wrap="square" lIns="91425" tIns="91425" rIns="91425" bIns="91425" anchor="t" anchorCtr="0">
+            <a:normAutofit/>
+          </a:bodyPr>
+          <a:lstStyle/>
+          <a:p>
+            <a:pPr marL="0" lvl="0" indent="0" algn="just" rtl="0">
+              <a:spcBef>
+                <a:spcPts val="0"/>
+              </a:spcBef>
+              <a:spcAft>
+                <a:spcPts val="0"/>
+              </a:spcAft>
+              <a:buNone/>
+            </a:pPr>
+            <a:r>
+              <a:rPr lang="it-IT" dirty="0"/>
+              <a:t>Una </a:t>
+            </a:r>
+            <a:r>
+              <a:rPr lang="it-IT" b="1" dirty="0"/>
+              <a:t>rete informatica</a:t>
+            </a:r>
+            <a:r>
+              <a:rPr lang="it-IT" dirty="0"/>
+              <a:t> è un insieme di dispositivi (come computer, smartphone, tv, stampanti, ecc.) connessi tra loro per condividere risorse e informazioni. La comunicazione tra questi dispositivi avviene attraverso </a:t>
+            </a:r>
+            <a:r>
+              <a:rPr lang="it-IT" b="1" dirty="0"/>
+              <a:t>protocolli di rete</a:t>
+            </a:r>
+            <a:r>
+              <a:rPr lang="it-IT" dirty="0"/>
+              <a:t>, che stabiliscono le regole per il </a:t>
+            </a:r>
+            <a:r>
+              <a:rPr lang="it-IT" b="1" dirty="0"/>
+              <a:t>trasferimento dei dati</a:t>
+            </a:r>
+            <a:r>
+              <a:rPr lang="it-IT" dirty="0"/>
+              <a:t>.</a:t>
+            </a:r>
+          </a:p>
+          <a:p>
+            <a:pPr marL="0" lvl="0" indent="0" algn="just" rtl="0">
+              <a:spcBef>
+                <a:spcPts val="0"/>
+              </a:spcBef>
+              <a:spcAft>
+                <a:spcPts val="0"/>
+              </a:spcAft>
+              <a:buNone/>
+            </a:pPr>
+            <a:endParaRPr lang="it-IT" dirty="0"/>
+          </a:p>
+          <a:p>
+            <a:pPr marL="0" lvl="0" indent="0" algn="just" rtl="0">
+              <a:spcBef>
+                <a:spcPts val="0"/>
+              </a:spcBef>
+              <a:spcAft>
+                <a:spcPts val="0"/>
+              </a:spcAft>
+              <a:buNone/>
+            </a:pPr>
+            <a:r>
+              <a:rPr lang="it" dirty="0"/>
+              <a:t>In una rete informatica i dispositivi che inviano, ricevono o instradano dati vengono definiti </a:t>
+            </a:r>
+            <a:r>
+              <a:rPr lang="it" b="1" dirty="0"/>
+              <a:t>nodi </a:t>
+            </a:r>
+            <a:r>
+              <a:rPr lang="it" dirty="0"/>
+              <a:t>della rete. </a:t>
+            </a:r>
+            <a:r>
+              <a:rPr lang="it-IT" dirty="0"/>
+              <a:t>Un nodo rappresenta quindi un'unità funzionale che partecipa attivamente alla comunicazione all'interno della rete.</a:t>
+            </a:r>
+          </a:p>
+          <a:p>
+            <a:pPr marL="0" lvl="0" indent="0" algn="just" rtl="0">
+              <a:spcBef>
+                <a:spcPts val="0"/>
+              </a:spcBef>
+              <a:spcAft>
+                <a:spcPts val="0"/>
+              </a:spcAft>
+              <a:buNone/>
+            </a:pPr>
+            <a:r>
+              <a:rPr lang="it-IT" dirty="0"/>
+              <a:t>I nodi possono essere </a:t>
+            </a:r>
+            <a:r>
+              <a:rPr lang="it-IT" b="1" dirty="0"/>
+              <a:t>dispositivi terminali</a:t>
+            </a:r>
+            <a:r>
+              <a:rPr lang="it-IT" dirty="0"/>
+              <a:t> o </a:t>
+            </a:r>
+            <a:r>
+              <a:rPr lang="it-IT" b="1" dirty="0"/>
+              <a:t>dispositivi di rete</a:t>
+            </a:r>
+            <a:r>
+              <a:rPr lang="it-IT" dirty="0"/>
+              <a:t>.</a:t>
+            </a:r>
+            <a:endParaRPr dirty="0"/>
+          </a:p>
+          <a:p>
+            <a:pPr marL="0" lvl="0" indent="0" algn="just" rtl="0">
+              <a:spcBef>
+                <a:spcPts val="1200"/>
+              </a:spcBef>
+              <a:spcAft>
+                <a:spcPts val="1200"/>
+              </a:spcAft>
+              <a:buNone/>
+            </a:pPr>
+            <a:endParaRPr dirty="0"/>
+          </a:p>
+        </p:txBody>
+      </p:sp>
+    </p:spTree>
+  </p:cSld>
+  <p:clrMapOvr>
+    <a:masterClrMapping/>
+  </p:clrMapOvr>
+</p:sld>
+</file>
+
+<file path=ppt/slides/slide20.xml><?xml version="1.0" encoding="utf-8"?>
 <p:sld xmlns:a="http://schemas.openxmlformats.org/drawingml/2006/main" xmlns:r="http://schemas.openxmlformats.org/officeDocument/2006/relationships" xmlns:p="http://schemas.openxmlformats.org/presentationml/2006/main">
   <p:cSld>
     <p:spTree>
@@ -8850,166 +12700,6 @@
 </p:sld>
 </file>
 
-<file path=ppt/slides/slide2.xml><?xml version="1.0" encoding="utf-8"?>
-<p:sld xmlns:a="http://schemas.openxmlformats.org/drawingml/2006/main" xmlns:r="http://schemas.openxmlformats.org/officeDocument/2006/relationships" xmlns:p="http://schemas.openxmlformats.org/presentationml/2006/main">
-  <p:cSld>
-    <p:spTree>
-      <p:nvGrpSpPr>
-        <p:cNvPr id="1" name="Shape 71"/>
-        <p:cNvGrpSpPr/>
-        <p:nvPr/>
-      </p:nvGrpSpPr>
-      <p:grpSpPr>
-        <a:xfrm>
-          <a:off x="0" y="0"/>
-          <a:ext cx="0" cy="0"/>
-          <a:chOff x="0" y="0"/>
-          <a:chExt cx="0" cy="0"/>
-        </a:xfrm>
-      </p:grpSpPr>
-      <p:sp>
-        <p:nvSpPr>
-          <p:cNvPr id="72" name="Google Shape;72;p14"/>
-          <p:cNvSpPr txBox="1">
-            <a:spLocks noGrp="1"/>
-          </p:cNvSpPr>
-          <p:nvPr>
-            <p:ph type="title"/>
-          </p:nvPr>
-        </p:nvSpPr>
-        <p:spPr>
-          <a:xfrm>
-            <a:off x="311700" y="445025"/>
-            <a:ext cx="8520600" cy="707400"/>
-          </a:xfrm>
-          <a:prstGeom prst="rect">
-            <a:avLst/>
-          </a:prstGeom>
-        </p:spPr>
-        <p:txBody>
-          <a:bodyPr spcFirstLastPara="1" wrap="square" lIns="91425" tIns="91425" rIns="91425" bIns="91425" anchor="t" anchorCtr="0">
-            <a:normAutofit fontScale="90000"/>
-          </a:bodyPr>
-          <a:lstStyle/>
-          <a:p>
-            <a:pPr marL="0" lvl="0" indent="0" algn="l" rtl="0">
-              <a:spcBef>
-                <a:spcPts val="0"/>
-              </a:spcBef>
-              <a:spcAft>
-                <a:spcPts val="0"/>
-              </a:spcAft>
-              <a:buNone/>
-            </a:pPr>
-            <a:r>
-              <a:rPr lang="it"/>
-              <a:t>DEFINIZIONE</a:t>
-            </a:r>
-            <a:endParaRPr/>
-          </a:p>
-        </p:txBody>
-      </p:sp>
-      <p:sp>
-        <p:nvSpPr>
-          <p:cNvPr id="73" name="Google Shape;73;p14"/>
-          <p:cNvSpPr txBox="1">
-            <a:spLocks noGrp="1"/>
-          </p:cNvSpPr>
-          <p:nvPr>
-            <p:ph type="body" idx="1"/>
-          </p:nvPr>
-        </p:nvSpPr>
-        <p:spPr>
-          <a:xfrm>
-            <a:off x="311700" y="1266325"/>
-            <a:ext cx="8520600" cy="3302700"/>
-          </a:xfrm>
-          <a:prstGeom prst="rect">
-            <a:avLst/>
-          </a:prstGeom>
-        </p:spPr>
-        <p:txBody>
-          <a:bodyPr spcFirstLastPara="1" wrap="square" lIns="91425" tIns="91425" rIns="91425" bIns="91425" anchor="t" anchorCtr="0">
-            <a:normAutofit/>
-          </a:bodyPr>
-          <a:lstStyle/>
-          <a:p>
-            <a:pPr marL="0" lvl="0" indent="0" algn="just" rtl="0">
-              <a:spcBef>
-                <a:spcPts val="0"/>
-              </a:spcBef>
-              <a:spcAft>
-                <a:spcPts val="0"/>
-              </a:spcAft>
-              <a:buNone/>
-            </a:pPr>
-            <a:r>
-              <a:rPr lang="it"/>
-              <a:t>Una </a:t>
-            </a:r>
-            <a:r>
-              <a:rPr lang="it" b="1"/>
-              <a:t>rete informatica</a:t>
-            </a:r>
-            <a:r>
-              <a:rPr lang="it"/>
-              <a:t> è un insieme di dispositivi collegati l’un l’altro che, attraverso appositi canali di comunicazione, permettono di scambiarsi risorse, dati o informazioni.</a:t>
-            </a:r>
-            <a:endParaRPr/>
-          </a:p>
-          <a:p>
-            <a:pPr marL="0" lvl="0" indent="0" algn="just" rtl="0">
-              <a:spcBef>
-                <a:spcPts val="1200"/>
-              </a:spcBef>
-              <a:spcAft>
-                <a:spcPts val="0"/>
-              </a:spcAft>
-              <a:buNone/>
-            </a:pPr>
-            <a:r>
-              <a:rPr lang="it"/>
-              <a:t>In una rete di computer i dispositivi che generano, instradano e terminano i dati sono chiamati </a:t>
-            </a:r>
-            <a:r>
-              <a:rPr lang="it" b="1"/>
-              <a:t>nodi </a:t>
-            </a:r>
-            <a:r>
-              <a:rPr lang="it"/>
-              <a:t>della rete</a:t>
-            </a:r>
-            <a:endParaRPr/>
-          </a:p>
-          <a:p>
-            <a:pPr marL="0" lvl="0" indent="0" algn="just" rtl="0">
-              <a:spcBef>
-                <a:spcPts val="1200"/>
-              </a:spcBef>
-              <a:spcAft>
-                <a:spcPts val="1200"/>
-              </a:spcAft>
-              <a:buNone/>
-            </a:pPr>
-            <a:endParaRPr/>
-          </a:p>
-        </p:txBody>
-      </p:sp>
-    </p:spTree>
-  </p:cSld>
-  <p:clrMapOvr>
-    <a:masterClrMapping/>
-  </p:clrMapOvr>
-  <p:timing>
-    <p:tnLst>
-      <p:par>
-        <p:cTn id="1" dur="indefinite" restart="never" nodeType="tmRoot"/>
-      </p:par>
-    </p:tnLst>
-  </p:timing>
-</p:sld>
-</file>
-
 <file path=ppt/slides/slide3.xml><?xml version="1.0" encoding="utf-8"?>
 <p:sld xmlns:a="http://schemas.openxmlformats.org/drawingml/2006/main" xmlns:r="http://schemas.openxmlformats.org/officeDocument/2006/relationships" xmlns:p="http://schemas.openxmlformats.org/presentationml/2006/main">
   <p:cSld>
@@ -9062,10 +12752,10 @@
               <a:buNone/>
             </a:pPr>
             <a:r>
-              <a:rPr lang="it"/>
+              <a:rPr lang="it" dirty="0"/>
               <a:t>TIPOLOGIE DI RETE</a:t>
             </a:r>
-            <a:endParaRPr/>
+            <a:endParaRPr dirty="0"/>
           </a:p>
         </p:txBody>
       </p:sp>
@@ -9104,67 +12794,186 @@
               <a:buNone/>
             </a:pPr>
             <a:r>
-              <a:rPr lang="it"/>
-              <a:t>LAN vs WAN</a:t>
+              <a:rPr lang="it" dirty="0"/>
+              <a:t>PAN, LAN, WLAN, MAN, WAN, GAN.</a:t>
             </a:r>
-            <a:endParaRPr/>
+            <a:endParaRPr dirty="0"/>
           </a:p>
         </p:txBody>
       </p:sp>
       <p:pic>
         <p:nvPicPr>
-          <p:cNvPr id="80" name="Google Shape;80;p15"/>
-          <p:cNvPicPr preferRelativeResize="0"/>
+          <p:cNvPr id="2" name="Immagine 1" descr="Immagine che contiene oscurità, nero, bianco e nero, notte&#10;&#10;Descrizione generata automaticamente">
+            <a:extLst>
+              <a:ext uri="{FF2B5EF4-FFF2-40B4-BE49-F238E27FC236}">
+                <a16:creationId xmlns:a16="http://schemas.microsoft.com/office/drawing/2014/main" id="{8CBB26B0-53E9-C770-E63C-2E626F6EF1E6}"/>
+              </a:ext>
+            </a:extLst>
+          </p:cNvPr>
+          <p:cNvPicPr>
+            <a:picLocks noChangeAspect="1"/>
+          </p:cNvPicPr>
           <p:nvPr/>
         </p:nvPicPr>
         <p:blipFill>
-          <a:blip r:embed="rId3">
-            <a:alphaModFix/>
-          </a:blip>
+          <a:blip r:embed="rId3"/>
+          <a:srcRect l="37060" t="27499" r="36433" b="28503"/>
+          <a:stretch/>
+        </p:blipFill>
+        <p:spPr>
+          <a:xfrm>
+            <a:off x="4729449" y="0"/>
+            <a:ext cx="1623479" cy="1515760"/>
+          </a:xfrm>
+          <a:prstGeom prst="rect">
+            <a:avLst/>
+          </a:prstGeom>
+        </p:spPr>
+      </p:pic>
+      <p:pic>
+        <p:nvPicPr>
+          <p:cNvPr id="3" name="Immagine 2" descr="Immagine che contiene nero, oscurità&#10;&#10;Descrizione generata automaticamente">
+            <a:extLst>
+              <a:ext uri="{FF2B5EF4-FFF2-40B4-BE49-F238E27FC236}">
+                <a16:creationId xmlns:a16="http://schemas.microsoft.com/office/drawing/2014/main" id="{0F86F614-E097-82D4-C071-EC310C7B2AC7}"/>
+              </a:ext>
+            </a:extLst>
+          </p:cNvPr>
+          <p:cNvPicPr>
+            <a:picLocks noChangeAspect="1"/>
+          </p:cNvPicPr>
+          <p:nvPr/>
+        </p:nvPicPr>
+        <p:blipFill>
+          <a:blip r:embed="rId4"/>
+          <a:srcRect l="32840" t="24011" r="32469" b="24008"/>
+          <a:stretch/>
+        </p:blipFill>
+        <p:spPr>
+          <a:xfrm>
+            <a:off x="6981549" y="107818"/>
+            <a:ext cx="1988300" cy="1675800"/>
+          </a:xfrm>
+          <a:prstGeom prst="rect">
+            <a:avLst/>
+          </a:prstGeom>
+        </p:spPr>
+      </p:pic>
+      <p:pic>
+        <p:nvPicPr>
+          <p:cNvPr id="4" name="Immagine 3" descr="Immagine che contiene oscurità, nero, luna, notte&#10;&#10;Descrizione generata automaticamente">
+            <a:extLst>
+              <a:ext uri="{FF2B5EF4-FFF2-40B4-BE49-F238E27FC236}">
+                <a16:creationId xmlns:a16="http://schemas.microsoft.com/office/drawing/2014/main" id="{0F96E047-1816-D038-2135-9FA6DA66E53A}"/>
+              </a:ext>
+            </a:extLst>
+          </p:cNvPr>
+          <p:cNvPicPr>
+            <a:picLocks noChangeAspect="1"/>
+          </p:cNvPicPr>
+          <p:nvPr/>
+        </p:nvPicPr>
+        <p:blipFill>
+          <a:blip r:embed="rId5"/>
+          <a:srcRect l="31481" t="14047" r="31358" b="15062"/>
+          <a:stretch/>
+        </p:blipFill>
+        <p:spPr>
+          <a:xfrm>
+            <a:off x="5906601" y="945718"/>
+            <a:ext cx="1776114" cy="1905930"/>
+          </a:xfrm>
+          <a:prstGeom prst="rect">
+            <a:avLst/>
+          </a:prstGeom>
+        </p:spPr>
+      </p:pic>
+      <p:pic>
+        <p:nvPicPr>
+          <p:cNvPr id="5" name="Immagine 4" descr="Immagine che contiene nero, schermata, design&#10;&#10;Descrizione generata automaticamente">
+            <a:extLst>
+              <a:ext uri="{FF2B5EF4-FFF2-40B4-BE49-F238E27FC236}">
+                <a16:creationId xmlns:a16="http://schemas.microsoft.com/office/drawing/2014/main" id="{A113304A-C81D-081E-9753-4ABF2F7CA8B9}"/>
+              </a:ext>
+            </a:extLst>
+          </p:cNvPr>
+          <p:cNvPicPr>
+            <a:picLocks noChangeAspect="1"/>
+          </p:cNvPicPr>
+          <p:nvPr/>
+        </p:nvPicPr>
+        <p:blipFill>
+          <a:blip r:embed="rId6"/>
+          <a:srcRect l="24197" t="5926" r="23827" b="6282"/>
+          <a:stretch/>
+        </p:blipFill>
+        <p:spPr>
+          <a:xfrm>
+            <a:off x="4973103" y="1662345"/>
+            <a:ext cx="1029498" cy="978146"/>
+          </a:xfrm>
+          <a:prstGeom prst="rect">
+            <a:avLst/>
+          </a:prstGeom>
+        </p:spPr>
+      </p:pic>
+      <p:pic>
+        <p:nvPicPr>
+          <p:cNvPr id="6" name="Immagine 5" descr="Immagine che contiene nero, oscurità&#10;&#10;Descrizione generata automaticamente">
+            <a:extLst>
+              <a:ext uri="{FF2B5EF4-FFF2-40B4-BE49-F238E27FC236}">
+                <a16:creationId xmlns:a16="http://schemas.microsoft.com/office/drawing/2014/main" id="{AAB8717D-EE95-6F7A-8F02-A9CBD642309B}"/>
+              </a:ext>
+            </a:extLst>
+          </p:cNvPr>
+          <p:cNvPicPr>
+            <a:picLocks noChangeAspect="1"/>
+          </p:cNvPicPr>
+          <p:nvPr/>
+        </p:nvPicPr>
+        <p:blipFill>
+          <a:blip r:embed="rId7"/>
+          <a:srcRect l="25062" t="3951" r="24814" b="2991"/>
+          <a:stretch/>
+        </p:blipFill>
+        <p:spPr>
+          <a:xfrm>
+            <a:off x="7826878" y="1500932"/>
+            <a:ext cx="1317122" cy="1375517"/>
+          </a:xfrm>
+          <a:prstGeom prst="rect">
+            <a:avLst/>
+          </a:prstGeom>
+        </p:spPr>
+      </p:pic>
+      <p:pic>
+        <p:nvPicPr>
+          <p:cNvPr id="7" name="Immagine 6" descr="Immagine che contiene schermata, nero, oscurità&#10;&#10;Descrizione generata automaticamente">
+            <a:extLst>
+              <a:ext uri="{FF2B5EF4-FFF2-40B4-BE49-F238E27FC236}">
+                <a16:creationId xmlns:a16="http://schemas.microsoft.com/office/drawing/2014/main" id="{0607FB7F-40D1-ED4D-E8B6-E000C7DB3AC0}"/>
+              </a:ext>
+            </a:extLst>
+          </p:cNvPr>
+          <p:cNvPicPr>
+            <a:picLocks noChangeAspect="1"/>
+          </p:cNvPicPr>
+          <p:nvPr/>
+        </p:nvPicPr>
+        <p:blipFill>
+          <a:blip r:embed="rId8"/>
           <a:stretch>
             <a:fillRect/>
           </a:stretch>
         </p:blipFill>
         <p:spPr>
           <a:xfrm>
-            <a:off x="5045450" y="966200"/>
-            <a:ext cx="1838800" cy="1429675"/>
+            <a:off x="5120905" y="2708597"/>
+            <a:ext cx="4093287" cy="2302474"/>
           </a:xfrm>
           <a:prstGeom prst="rect">
             <a:avLst/>
           </a:prstGeom>
-          <a:noFill/>
-          <a:ln>
-            <a:noFill/>
-          </a:ln>
-        </p:spPr>
-      </p:pic>
-      <p:pic>
-        <p:nvPicPr>
-          <p:cNvPr id="81" name="Google Shape;81;p15"/>
-          <p:cNvPicPr preferRelativeResize="0"/>
-          <p:nvPr/>
-        </p:nvPicPr>
-        <p:blipFill>
-          <a:blip r:embed="rId4">
-            <a:alphaModFix/>
-          </a:blip>
-          <a:stretch>
-            <a:fillRect/>
-          </a:stretch>
-        </p:blipFill>
-        <p:spPr>
-          <a:xfrm>
-            <a:off x="6285025" y="2110501"/>
-            <a:ext cx="2403800" cy="2095824"/>
-          </a:xfrm>
-          <a:prstGeom prst="rect">
-            <a:avLst/>
-          </a:prstGeom>
-          <a:noFill/>
-          <a:ln>
-            <a:noFill/>
-          </a:ln>
         </p:spPr>
       </p:pic>
     </p:spTree>
@@ -9204,8 +13013,8 @@
         </p:nvSpPr>
         <p:spPr>
           <a:xfrm>
-            <a:off x="265500" y="1039675"/>
-            <a:ext cx="4045200" cy="1675800"/>
+            <a:off x="263400" y="474133"/>
+            <a:ext cx="4045200" cy="760813"/>
           </a:xfrm>
           <a:prstGeom prst="rect">
             <a:avLst/>
@@ -9227,22 +13036,14 @@
               <a:buNone/>
             </a:pPr>
             <a:r>
-              <a:rPr lang="it" sz="3600"/>
-              <a:t>RETE LOCALE (LAN)</a:t>
+              <a:rPr lang="it" sz="3600" dirty="0"/>
+              <a:t>PAN </a:t>
             </a:r>
-            <a:endParaRPr sz="3600"/>
-          </a:p>
-          <a:p>
-            <a:pPr marL="0" lvl="0" indent="0" algn="ctr" rtl="0">
-              <a:spcBef>
-                <a:spcPts val="0"/>
-              </a:spcBef>
-              <a:spcAft>
-                <a:spcPts val="0"/>
-              </a:spcAft>
-              <a:buNone/>
-            </a:pPr>
-            <a:endParaRPr/>
+            <a:r>
+              <a:rPr lang="it" sz="2400" dirty="0"/>
+              <a:t>(Personal Area Network)</a:t>
+            </a:r>
+            <a:endParaRPr sz="2400" dirty="0"/>
           </a:p>
         </p:txBody>
       </p:sp>
@@ -9258,8 +13059,8 @@
         </p:nvSpPr>
         <p:spPr>
           <a:xfrm>
-            <a:off x="265500" y="2273525"/>
-            <a:ext cx="4045200" cy="2253900"/>
+            <a:off x="349956" y="1234946"/>
+            <a:ext cx="3958644" cy="3434421"/>
           </a:xfrm>
           <a:prstGeom prst="rect">
             <a:avLst/>
@@ -9284,50 +13085,56 @@
               <a:buNone/>
             </a:pPr>
             <a:r>
-              <a:rPr lang="it" sz="1800"/>
-              <a:t>Una </a:t>
+              <a:rPr lang="it-IT" sz="1800" dirty="0"/>
+              <a:t>Rete personale che collega dispositivi entro una distanza molto limitata (circa 10 metri). Tali dispositivi possono scambiarsi informazioni in modo sincronizzato (esempio tramite </a:t>
             </a:r>
             <a:r>
-              <a:rPr lang="it" sz="1800" b="1"/>
-              <a:t>Local Area Network</a:t>
+              <a:rPr lang="it-IT" sz="1800" b="1" dirty="0"/>
+              <a:t>Bluetooth</a:t>
             </a:r>
             <a:r>
-              <a:rPr lang="it" sz="1800"/>
-              <a:t> (LAN) indica una rete informatica di collegamento tra più dispositivi che copre un'area limitata, come un'abitazione, una scuola, un'azienda o un complesso di edifici adiacenti.</a:t>
+              <a:rPr lang="it-IT" sz="1800" dirty="0"/>
+              <a:t>) o condividere la connessione alla rete internet.</a:t>
             </a:r>
-            <a:endParaRPr/>
+            <a:endParaRPr sz="1800" dirty="0"/>
           </a:p>
         </p:txBody>
       </p:sp>
       <p:pic>
         <p:nvPicPr>
-          <p:cNvPr id="88" name="Google Shape;88;p16"/>
-          <p:cNvPicPr preferRelativeResize="0"/>
+          <p:cNvPr id="5" name="Immagine 4" descr="Immagine che contiene oscurità, nero, bianco e nero, notte&#10;&#10;Descrizione generata automaticamente">
+            <a:extLst>
+              <a:ext uri="{FF2B5EF4-FFF2-40B4-BE49-F238E27FC236}">
+                <a16:creationId xmlns:a16="http://schemas.microsoft.com/office/drawing/2014/main" id="{4C00749F-FB53-52A2-CFE6-A5887F7DD8DC}"/>
+              </a:ext>
+            </a:extLst>
+          </p:cNvPr>
+          <p:cNvPicPr>
+            <a:picLocks noChangeAspect="1"/>
+          </p:cNvPicPr>
           <p:nvPr/>
         </p:nvPicPr>
         <p:blipFill>
-          <a:blip r:embed="rId3">
-            <a:alphaModFix/>
-          </a:blip>
-          <a:stretch>
-            <a:fillRect/>
-          </a:stretch>
+          <a:blip r:embed="rId3"/>
+          <a:srcRect l="37060" t="27499" r="36433" b="28503"/>
+          <a:stretch/>
         </p:blipFill>
         <p:spPr>
           <a:xfrm>
-            <a:off x="5045449" y="966200"/>
-            <a:ext cx="3691100" cy="2869850"/>
+            <a:off x="4572000" y="227383"/>
+            <a:ext cx="4572000" cy="4268644"/>
           </a:xfrm>
           <a:prstGeom prst="rect">
             <a:avLst/>
           </a:prstGeom>
-          <a:noFill/>
-          <a:ln>
-            <a:noFill/>
-          </a:ln>
         </p:spPr>
       </p:pic>
     </p:spTree>
+    <p:extLst>
+      <p:ext uri="{BB962C8B-B14F-4D97-AF65-F5344CB8AC3E}">
+        <p14:creationId xmlns:p14="http://schemas.microsoft.com/office/powerpoint/2010/main" val="1688286599"/>
+      </p:ext>
+    </p:extLst>
   </p:cSld>
   <p:clrMapOvr>
     <a:masterClrMapping/>
@@ -9340,7 +13147,7 @@
   <p:cSld>
     <p:spTree>
       <p:nvGrpSpPr>
-        <p:cNvPr id="1" name="Shape 92"/>
+        <p:cNvPr id="1" name="Shape 85"/>
         <p:cNvGrpSpPr/>
         <p:nvPr/>
       </p:nvGrpSpPr>
@@ -9354,7 +13161,7 @@
       </p:grpSpPr>
       <p:sp>
         <p:nvSpPr>
-          <p:cNvPr id="93" name="Google Shape;93;p17"/>
+          <p:cNvPr id="86" name="Google Shape;86;p16"/>
           <p:cNvSpPr txBox="1">
             <a:spLocks noGrp="1"/>
           </p:cNvSpPr>
@@ -9364,8 +13171,8 @@
         </p:nvSpPr>
         <p:spPr>
           <a:xfrm>
-            <a:off x="265500" y="1039675"/>
-            <a:ext cx="4045200" cy="1675800"/>
+            <a:off x="263400" y="474133"/>
+            <a:ext cx="4045200" cy="760813"/>
           </a:xfrm>
           <a:prstGeom prst="rect">
             <a:avLst/>
@@ -9387,28 +13194,20 @@
               <a:buNone/>
             </a:pPr>
             <a:r>
-              <a:rPr lang="it" sz="3600"/>
-              <a:t>RETE GLOBALE (WAN)</a:t>
+              <a:rPr lang="it" sz="3600" dirty="0"/>
+              <a:t>LAN </a:t>
             </a:r>
-            <a:endParaRPr sz="3600"/>
-          </a:p>
-          <a:p>
-            <a:pPr marL="0" lvl="0" indent="0" algn="ctr" rtl="0">
-              <a:spcBef>
-                <a:spcPts val="0"/>
-              </a:spcBef>
-              <a:spcAft>
-                <a:spcPts val="0"/>
-              </a:spcAft>
-              <a:buNone/>
-            </a:pPr>
-            <a:endParaRPr sz="3600"/>
+            <a:r>
+              <a:rPr lang="it" sz="2400" dirty="0"/>
+              <a:t>(Local Area Network)</a:t>
+            </a:r>
+            <a:endParaRPr sz="2400" dirty="0"/>
           </a:p>
         </p:txBody>
       </p:sp>
       <p:sp>
         <p:nvSpPr>
-          <p:cNvPr id="94" name="Google Shape;94;p17"/>
+          <p:cNvPr id="87" name="Google Shape;87;p16"/>
           <p:cNvSpPr txBox="1">
             <a:spLocks noGrp="1"/>
           </p:cNvSpPr>
@@ -9418,8 +13217,8 @@
         </p:nvSpPr>
         <p:spPr>
           <a:xfrm>
-            <a:off x="265500" y="2286175"/>
-            <a:ext cx="4045200" cy="2272200"/>
+            <a:off x="349956" y="1234946"/>
+            <a:ext cx="3958644" cy="3434421"/>
           </a:xfrm>
           <a:prstGeom prst="rect">
             <a:avLst/>
@@ -9427,7 +13226,7 @@
         </p:spPr>
         <p:txBody>
           <a:bodyPr spcFirstLastPara="1" wrap="square" lIns="91425" tIns="91425" rIns="91425" bIns="91425" anchor="t" anchorCtr="0">
-            <a:normAutofit fontScale="92500" lnSpcReduction="10000"/>
+            <a:normAutofit/>
           </a:bodyPr>
           <a:lstStyle/>
           <a:p>
@@ -9444,58 +13243,48 @@
               <a:buNone/>
             </a:pPr>
             <a:r>
-              <a:rPr lang="it" sz="1800"/>
-              <a:t>Una </a:t>
+              <a:rPr lang="it-IT" sz="1800" dirty="0"/>
+              <a:t>Rete che copre un'area ristretta, come una casa, un ufficio o un edificio (esempio una scuola). I nodi di rete sono connessi tra loro in vari modi che possono essere doppini telefonici, cavi a fibra ottica o cavi coassiali detti anche cavi LAN.</a:t>
             </a:r>
-            <a:r>
-              <a:rPr lang="it" sz="1800" b="1"/>
-              <a:t>Wide Area Network</a:t>
-            </a:r>
-            <a:r>
-              <a:rPr lang="it" sz="1800"/>
-              <a:t> (WAN) è una rete informatica che si estende su una grande distanza geografica. Per definizione, la WAN è una rete che attraversa regioni, paesi o addirittura il mondo. </a:t>
-            </a:r>
-            <a:r>
-              <a:rPr lang="it" sz="1800" b="1"/>
-              <a:t>Internet</a:t>
-            </a:r>
-            <a:r>
-              <a:rPr lang="it" sz="1800"/>
-              <a:t> è l’esempio di WAN più estesa e conosciuta al mondo.</a:t>
-            </a:r>
-            <a:endParaRPr sz="1800"/>
+            <a:endParaRPr sz="1800" dirty="0"/>
           </a:p>
         </p:txBody>
       </p:sp>
       <p:pic>
         <p:nvPicPr>
-          <p:cNvPr id="95" name="Google Shape;95;p17"/>
-          <p:cNvPicPr preferRelativeResize="0"/>
+          <p:cNvPr id="3" name="Immagine 2" descr="Immagine che contiene nero, oscurità&#10;&#10;Descrizione generata automaticamente">
+            <a:extLst>
+              <a:ext uri="{FF2B5EF4-FFF2-40B4-BE49-F238E27FC236}">
+                <a16:creationId xmlns:a16="http://schemas.microsoft.com/office/drawing/2014/main" id="{54F7383C-298D-78B9-4356-61EFB556EE09}"/>
+              </a:ext>
+            </a:extLst>
+          </p:cNvPr>
+          <p:cNvPicPr>
+            <a:picLocks noChangeAspect="1"/>
+          </p:cNvPicPr>
           <p:nvPr/>
         </p:nvPicPr>
         <p:blipFill>
-          <a:blip r:embed="rId3">
-            <a:alphaModFix/>
-          </a:blip>
-          <a:stretch>
-            <a:fillRect/>
-          </a:stretch>
+          <a:blip r:embed="rId3"/>
+          <a:srcRect l="32840" t="24011" r="32469" b="24008"/>
+          <a:stretch/>
         </p:blipFill>
         <p:spPr>
           <a:xfrm>
-            <a:off x="4960900" y="783802"/>
-            <a:ext cx="3721300" cy="3244525"/>
+            <a:off x="4572000" y="474132"/>
+            <a:ext cx="4572000" cy="3853421"/>
           </a:xfrm>
           <a:prstGeom prst="rect">
             <a:avLst/>
           </a:prstGeom>
-          <a:noFill/>
-          <a:ln>
-            <a:noFill/>
-          </a:ln>
         </p:spPr>
       </p:pic>
     </p:spTree>
+    <p:extLst>
+      <p:ext uri="{BB962C8B-B14F-4D97-AF65-F5344CB8AC3E}">
+        <p14:creationId xmlns:p14="http://schemas.microsoft.com/office/powerpoint/2010/main" val="2532446285"/>
+      </p:ext>
+    </p:extLst>
   </p:cSld>
   <p:clrMapOvr>
     <a:masterClrMapping/>
@@ -9508,7 +13297,7 @@
   <p:cSld>
     <p:spTree>
       <p:nvGrpSpPr>
-        <p:cNvPr id="1" name="Shape 99"/>
+        <p:cNvPr id="1" name="Shape 85"/>
         <p:cNvGrpSpPr/>
         <p:nvPr/>
       </p:nvGrpSpPr>
@@ -9522,7 +13311,7 @@
       </p:grpSpPr>
       <p:sp>
         <p:nvSpPr>
-          <p:cNvPr id="100" name="Google Shape;100;p18"/>
+          <p:cNvPr id="86" name="Google Shape;86;p16"/>
           <p:cNvSpPr txBox="1">
             <a:spLocks noGrp="1"/>
           </p:cNvSpPr>
@@ -9532,15 +13321,15 @@
         </p:nvSpPr>
         <p:spPr>
           <a:xfrm>
-            <a:off x="311700" y="445025"/>
-            <a:ext cx="8520600" cy="707400"/>
+            <a:off x="0" y="474133"/>
+            <a:ext cx="4572000" cy="760813"/>
           </a:xfrm>
           <a:prstGeom prst="rect">
             <a:avLst/>
           </a:prstGeom>
         </p:spPr>
         <p:txBody>
-          <a:bodyPr spcFirstLastPara="1" wrap="square" lIns="91425" tIns="91425" rIns="91425" bIns="91425" anchor="t" anchorCtr="0">
+          <a:bodyPr spcFirstLastPara="1" wrap="square" lIns="91425" tIns="91425" rIns="91425" bIns="91425" anchor="b" anchorCtr="0">
             <a:normAutofit fontScale="90000"/>
           </a:bodyPr>
           <a:lstStyle/>
@@ -9555,27 +13344,35 @@
               <a:buNone/>
             </a:pPr>
             <a:r>
-              <a:rPr lang="it"/>
-              <a:t>INDIRIZZO IP (Internet Protocol Address)</a:t>
+              <a:rPr lang="it" sz="4000" dirty="0"/>
+              <a:t>WLAN</a:t>
             </a:r>
-            <a:endParaRPr/>
+            <a:r>
+              <a:rPr lang="it" sz="3600" dirty="0"/>
+              <a:t> </a:t>
+            </a:r>
+            <a:r>
+              <a:rPr lang="it" sz="2700" dirty="0"/>
+              <a:t>(Wireless Local Area Network)</a:t>
+            </a:r>
+            <a:endParaRPr sz="2700" dirty="0"/>
           </a:p>
         </p:txBody>
       </p:sp>
       <p:sp>
         <p:nvSpPr>
-          <p:cNvPr id="101" name="Google Shape;101;p18"/>
+          <p:cNvPr id="87" name="Google Shape;87;p16"/>
           <p:cNvSpPr txBox="1">
             <a:spLocks noGrp="1"/>
           </p:cNvSpPr>
           <p:nvPr>
-            <p:ph type="body" idx="1"/>
+            <p:ph type="subTitle" idx="1"/>
           </p:nvPr>
         </p:nvSpPr>
         <p:spPr>
           <a:xfrm>
-            <a:off x="311700" y="1266325"/>
-            <a:ext cx="8520600" cy="3302700"/>
+            <a:off x="349956" y="1234946"/>
+            <a:ext cx="3958644" cy="3434421"/>
           </a:xfrm>
           <a:prstGeom prst="rect">
             <a:avLst/>
@@ -9588,87 +13385,162 @@
           <a:lstStyle/>
           <a:p>
             <a:pPr marL="0" lvl="0" indent="0" algn="just" rtl="0">
-              <a:spcBef>
-                <a:spcPts val="0"/>
-              </a:spcBef>
-              <a:spcAft>
-                <a:spcPts val="0"/>
+              <a:lnSpc>
+                <a:spcPct val="115000"/>
+              </a:lnSpc>
+              <a:spcBef>
+                <a:spcPts val="0"/>
+              </a:spcBef>
+              <a:spcAft>
+                <a:spcPts val="1200"/>
               </a:spcAft>
               <a:buNone/>
             </a:pPr>
             <a:r>
-              <a:rPr lang="it"/>
-              <a:t>Un </a:t>
+              <a:rPr lang="it-IT" sz="1800" dirty="0"/>
+              <a:t>Rete locale molto diffusa, spesso identificata come </a:t>
             </a:r>
             <a:r>
-              <a:rPr lang="it" b="1"/>
-              <a:t>indirizzo IP</a:t>
+              <a:rPr lang="it-IT" sz="1800" b="1" dirty="0"/>
+              <a:t>variante della LAN</a:t>
             </a:r>
             <a:r>
-              <a:rPr lang="it"/>
-              <a:t> è un numero che identifica univocamente ogni dispositivo (host),</a:t>
+              <a:rPr lang="it-IT" sz="1800" dirty="0"/>
+              <a:t>, caratterizzata dall’assenza di cavi di collegamento. Tra i nodi la connessione avviene infatti tramite canali </a:t>
             </a:r>
             <a:r>
-              <a:rPr lang="it" b="1"/>
-              <a:t> </a:t>
+              <a:rPr lang="it-IT" sz="1800" b="1" dirty="0"/>
+              <a:t>wireless</a:t>
             </a:r>
             <a:r>
-              <a:rPr lang="it"/>
-              <a:t>collegato a una rete informatica. L’indirizzo IP viene assegnato ad ogni host di rete che può essere un personal computer, un tablet, uno smartphone, un router o anche un elettrodomestico.</a:t>
-            </a:r>
-            <a:endParaRPr/>
-          </a:p>
-          <a:p>
-            <a:pPr marL="0" lvl="0" indent="0" algn="just" rtl="0">
-              <a:spcBef>
-                <a:spcPts val="1200"/>
-              </a:spcBef>
-              <a:spcAft>
-                <a:spcPts val="0"/>
-              </a:spcAft>
-              <a:buNone/>
-            </a:pPr>
-            <a:r>
-              <a:rPr lang="it"/>
-              <a:t>L’indirizzo IP è formato da 4 cifre comprese tra 0 e 255 separate da un punto.</a:t>
-            </a:r>
-            <a:endParaRPr/>
-          </a:p>
-          <a:p>
-            <a:pPr marL="0" lvl="0" indent="0" algn="just" rtl="0">
-              <a:spcBef>
-                <a:spcPts val="1200"/>
-              </a:spcBef>
-              <a:spcAft>
-                <a:spcPts val="0"/>
-              </a:spcAft>
-              <a:buNone/>
-            </a:pPr>
-            <a:r>
-              <a:rPr lang="it"/>
-              <a:t>Esempio: </a:t>
+              <a:rPr lang="it-IT" sz="1800" dirty="0"/>
+              <a:t> (come ad esempio </a:t>
             </a:r>
             <a:r>
-              <a:rPr lang="it" sz="2300" b="1"/>
-              <a:t>97.24.1.89</a:t>
+              <a:rPr lang="it-IT" sz="1800" b="1" dirty="0"/>
+              <a:t>Wi-Fi</a:t>
             </a:r>
-            <a:endParaRPr sz="2300" b="1"/>
+            <a:r>
+              <a:rPr lang="it-IT" sz="1800" dirty="0"/>
+              <a:t>.)</a:t>
+            </a:r>
+            <a:endParaRPr sz="1800" dirty="0"/>
           </a:p>
+        </p:txBody>
+      </p:sp>
+      <p:pic>
+        <p:nvPicPr>
+          <p:cNvPr id="4" name="Immagine 3" descr="Immagine che contiene oscurità, nero, luna, notte&#10;&#10;Descrizione generata automaticamente">
+            <a:extLst>
+              <a:ext uri="{FF2B5EF4-FFF2-40B4-BE49-F238E27FC236}">
+                <a16:creationId xmlns:a16="http://schemas.microsoft.com/office/drawing/2014/main" id="{AAD39892-D676-1971-E2C5-5AF5BCC5BA4E}"/>
+              </a:ext>
+            </a:extLst>
+          </p:cNvPr>
+          <p:cNvPicPr>
+            <a:picLocks noChangeAspect="1"/>
+          </p:cNvPicPr>
+          <p:nvPr/>
+        </p:nvPicPr>
+        <p:blipFill>
+          <a:blip r:embed="rId3"/>
+          <a:srcRect l="31481" t="14047" r="31358" b="15062"/>
+          <a:stretch/>
+        </p:blipFill>
+        <p:spPr>
+          <a:xfrm>
+            <a:off x="4835402" y="198477"/>
+            <a:ext cx="4176890" cy="4482179"/>
+          </a:xfrm>
+          <a:prstGeom prst="rect">
+            <a:avLst/>
+          </a:prstGeom>
+        </p:spPr>
+      </p:pic>
+      <p:sp>
+        <p:nvSpPr>
+          <p:cNvPr id="5" name="CasellaDiTesto 4">
+            <a:extLst>
+              <a:ext uri="{FF2B5EF4-FFF2-40B4-BE49-F238E27FC236}">
+                <a16:creationId xmlns:a16="http://schemas.microsoft.com/office/drawing/2014/main" id="{52675878-C2C8-1F7E-99F7-87E7A1BDAFE5}"/>
+              </a:ext>
+            </a:extLst>
+          </p:cNvPr>
+          <p:cNvSpPr txBox="1"/>
+          <p:nvPr/>
+        </p:nvSpPr>
+        <p:spPr>
+          <a:xfrm>
+            <a:off x="7518399" y="1081057"/>
+            <a:ext cx="553357" cy="307777"/>
+          </a:xfrm>
+          <a:prstGeom prst="rect">
+            <a:avLst/>
+          </a:prstGeom>
+          <a:noFill/>
+        </p:spPr>
+        <p:txBody>
+          <a:bodyPr wrap="none" rtlCol="0">
+            <a:spAutoFit/>
+          </a:bodyPr>
+          <a:lstStyle/>
           <a:p>
-            <a:pPr marL="0" lvl="0" indent="0" algn="just" rtl="0">
-              <a:spcBef>
-                <a:spcPts val="1200"/>
-              </a:spcBef>
-              <a:spcAft>
-                <a:spcPts val="1200"/>
-              </a:spcAft>
-              <a:buNone/>
-            </a:pPr>
-            <a:endParaRPr/>
+            <a:r>
+              <a:rPr lang="it-IT" b="1" dirty="0">
+                <a:solidFill>
+                  <a:srgbClr val="FF0000"/>
+                </a:solidFill>
+              </a:rPr>
+              <a:t>LAN</a:t>
+            </a:r>
+          </a:p>
+        </p:txBody>
+      </p:sp>
+      <p:sp>
+        <p:nvSpPr>
+          <p:cNvPr id="6" name="CasellaDiTesto 5">
+            <a:extLst>
+              <a:ext uri="{FF2B5EF4-FFF2-40B4-BE49-F238E27FC236}">
+                <a16:creationId xmlns:a16="http://schemas.microsoft.com/office/drawing/2014/main" id="{4E491F1C-35ED-85B3-70BB-ACBFA0F266A0}"/>
+              </a:ext>
+            </a:extLst>
+          </p:cNvPr>
+          <p:cNvSpPr txBox="1"/>
+          <p:nvPr/>
+        </p:nvSpPr>
+        <p:spPr>
+          <a:xfrm>
+            <a:off x="6795124" y="3039679"/>
+            <a:ext cx="723275" cy="307777"/>
+          </a:xfrm>
+          <a:prstGeom prst="rect">
+            <a:avLst/>
+          </a:prstGeom>
+          <a:noFill/>
+        </p:spPr>
+        <p:txBody>
+          <a:bodyPr wrap="none" rtlCol="0">
+            <a:spAutoFit/>
+          </a:bodyPr>
+          <a:lstStyle/>
+          <a:p>
+            <a:r>
+              <a:rPr lang="it-IT" b="1" dirty="0">
+                <a:solidFill>
+                  <a:srgbClr val="FF0000"/>
+                </a:solidFill>
+              </a:rPr>
+              <a:t>WLAN</a:t>
+            </a:r>
           </a:p>
         </p:txBody>
       </p:sp>
     </p:spTree>
+    <p:extLst>
+      <p:ext uri="{BB962C8B-B14F-4D97-AF65-F5344CB8AC3E}">
+        <p14:creationId xmlns:p14="http://schemas.microsoft.com/office/powerpoint/2010/main" val="3746563901"/>
+      </p:ext>
+    </p:extLst>
   </p:cSld>
   <p:clrMapOvr>
     <a:masterClrMapping/>
@@ -9681,7 +13553,7 @@
   <p:cSld>
     <p:spTree>
       <p:nvGrpSpPr>
-        <p:cNvPr id="1" name="Shape 99"/>
+        <p:cNvPr id="1" name="Shape 85"/>
         <p:cNvGrpSpPr/>
         <p:nvPr/>
       </p:nvGrpSpPr>
@@ -9695,7 +13567,7 @@
       </p:grpSpPr>
       <p:sp>
         <p:nvSpPr>
-          <p:cNvPr id="100" name="Google Shape;100;p18"/>
+          <p:cNvPr id="86" name="Google Shape;86;p16"/>
           <p:cNvSpPr txBox="1">
             <a:spLocks noGrp="1"/>
           </p:cNvSpPr>
@@ -9705,15 +13577,15 @@
         </p:nvSpPr>
         <p:spPr>
           <a:xfrm>
-            <a:off x="311700" y="445025"/>
-            <a:ext cx="8520600" cy="707400"/>
+            <a:off x="0" y="474133"/>
+            <a:ext cx="4572000" cy="760813"/>
           </a:xfrm>
           <a:prstGeom prst="rect">
             <a:avLst/>
           </a:prstGeom>
         </p:spPr>
         <p:txBody>
-          <a:bodyPr spcFirstLastPara="1" wrap="square" lIns="91425" tIns="91425" rIns="91425" bIns="91425" anchor="t" anchorCtr="0">
+          <a:bodyPr spcFirstLastPara="1" wrap="square" lIns="91425" tIns="91425" rIns="91425" bIns="91425" anchor="b" anchorCtr="0">
             <a:normAutofit fontScale="90000"/>
           </a:bodyPr>
           <a:lstStyle/>
@@ -9728,31 +13600,35 @@
               <a:buNone/>
             </a:pPr>
             <a:r>
-              <a:rPr lang="it" dirty="0"/>
-              <a:t>INDIRIZZO IP </a:t>
+              <a:rPr lang="it" sz="3900" dirty="0"/>
+              <a:t>MAN</a:t>
             </a:r>
             <a:r>
-              <a:rPr lang="it" dirty="0" smtClean="0"/>
-              <a:t>e DNS (Domain Name System)</a:t>
+              <a:rPr lang="it" sz="3600" dirty="0"/>
+              <a:t> </a:t>
             </a:r>
-            <a:endParaRPr/>
+            <a:r>
+              <a:rPr lang="it" sz="2400" dirty="0"/>
+              <a:t>(Metropolitan Local Area Network)</a:t>
+            </a:r>
+            <a:endParaRPr sz="2400" dirty="0"/>
           </a:p>
         </p:txBody>
       </p:sp>
       <p:sp>
         <p:nvSpPr>
-          <p:cNvPr id="101" name="Google Shape;101;p18"/>
+          <p:cNvPr id="87" name="Google Shape;87;p16"/>
           <p:cNvSpPr txBox="1">
             <a:spLocks noGrp="1"/>
           </p:cNvSpPr>
           <p:nvPr>
-            <p:ph type="body" idx="1"/>
+            <p:ph type="subTitle" idx="1"/>
           </p:nvPr>
         </p:nvSpPr>
         <p:spPr>
           <a:xfrm>
-            <a:off x="311700" y="1266325"/>
-            <a:ext cx="8520600" cy="3302700"/>
+            <a:off x="349956" y="1234946"/>
+            <a:ext cx="3958644" cy="3434421"/>
           </a:xfrm>
           <a:prstGeom prst="rect">
             <a:avLst/>
@@ -9760,179 +13636,69 @@
         </p:spPr>
         <p:txBody>
           <a:bodyPr spcFirstLastPara="1" wrap="square" lIns="91425" tIns="91425" rIns="91425" bIns="91425" anchor="t" anchorCtr="0">
-            <a:normAutofit lnSpcReduction="10000"/>
+            <a:normAutofit/>
           </a:bodyPr>
           <a:lstStyle/>
           <a:p>
-            <a:pPr marL="0" lvl="0" indent="0" algn="just">
+            <a:pPr marL="0" lvl="0" indent="0" algn="just" rtl="0">
+              <a:lnSpc>
+                <a:spcPct val="115000"/>
+              </a:lnSpc>
+              <a:spcBef>
+                <a:spcPts val="0"/>
+              </a:spcBef>
+              <a:spcAft>
+                <a:spcPts val="1200"/>
+              </a:spcAft>
               <a:buNone/>
             </a:pPr>
             <a:r>
-              <a:rPr lang="it-IT" dirty="0" smtClean="0"/>
-              <a:t>Il </a:t>
+              <a:rPr lang="it-IT" sz="1800" dirty="0"/>
+              <a:t>Rete geografica metropolitana che copre un’area urbana o una città. Ad esempio la rete che collega in un’università diversi uffici, facoltà e dipartimenti dislocati nella stessa città, ma in zone differenti.</a:t>
             </a:r>
-            <a:r>
-              <a:rPr lang="it-IT" b="1" dirty="0" smtClean="0"/>
-              <a:t>DNS </a:t>
-            </a:r>
-            <a:r>
-              <a:rPr lang="it-IT" dirty="0" smtClean="0"/>
-              <a:t>è </a:t>
-            </a:r>
-            <a:r>
-              <a:rPr lang="it-IT" dirty="0" smtClean="0"/>
-              <a:t>la "guida telefonica" di Internet. Le persone accedono alle informazioni online tramite dei nomi di dominio, come ad esempio </a:t>
-            </a:r>
-            <a:r>
-              <a:rPr lang="it-IT" dirty="0" smtClean="0"/>
-              <a:t>netflix.com o </a:t>
-            </a:r>
-            <a:r>
-              <a:rPr lang="it-IT" dirty="0" err="1" smtClean="0"/>
-              <a:t>wikipedia.org</a:t>
-            </a:r>
-            <a:r>
-              <a:rPr lang="it-IT" dirty="0" smtClean="0"/>
-              <a:t>, ma i Browser per poter raggiungere le destinazioni desiderate hanno bisogno di conoscerne gli indirizzi </a:t>
-            </a:r>
-            <a:r>
-              <a:rPr lang="it-IT" b="1" dirty="0" smtClean="0"/>
-              <a:t>IP</a:t>
-            </a:r>
-            <a:r>
-              <a:rPr lang="it-IT" dirty="0" smtClean="0"/>
-              <a:t>.</a:t>
-            </a:r>
-          </a:p>
-          <a:p>
-            <a:pPr marL="0" lvl="0" indent="0" algn="just">
-              <a:buNone/>
-            </a:pPr>
-            <a:r>
-              <a:rPr lang="it-IT" u="sng" dirty="0" smtClean="0"/>
-              <a:t>Il </a:t>
-            </a:r>
-            <a:r>
-              <a:rPr lang="it-IT" u="sng" dirty="0" smtClean="0"/>
-              <a:t>DNS traduce i nomi di dominio in indirizzi IP</a:t>
-            </a:r>
-            <a:r>
-              <a:rPr lang="it-IT" dirty="0" smtClean="0"/>
-              <a:t>, in modo che i browser possano caricare le risorse Internet</a:t>
-            </a:r>
-            <a:r>
-              <a:rPr lang="it-IT" dirty="0" smtClean="0"/>
-              <a:t>.</a:t>
-            </a:r>
-          </a:p>
-          <a:p>
-            <a:pPr marL="0" indent="0" algn="just">
-              <a:buNone/>
-            </a:pPr>
-            <a:r>
-              <a:rPr lang="it" dirty="0" smtClean="0"/>
-              <a:t>Esempio:</a:t>
-            </a:r>
-          </a:p>
-          <a:p>
-            <a:pPr marL="342900" algn="just">
-              <a:buAutoNum type="arabicParenR"/>
-            </a:pPr>
-            <a:r>
-              <a:rPr lang="it" dirty="0" smtClean="0"/>
-              <a:t>copia </a:t>
-            </a:r>
-            <a:r>
-              <a:rPr lang="it" b="1" dirty="0" smtClean="0"/>
-              <a:t>l’URL</a:t>
-            </a:r>
-            <a:r>
-              <a:rPr lang="it" dirty="0" smtClean="0"/>
-              <a:t> (</a:t>
-            </a:r>
-            <a:r>
-              <a:rPr lang="it-IT" dirty="0" err="1" smtClean="0"/>
-              <a:t>Uniform</a:t>
-            </a:r>
-            <a:r>
-              <a:rPr lang="it-IT" dirty="0" smtClean="0"/>
-              <a:t> </a:t>
-            </a:r>
-            <a:r>
-              <a:rPr lang="it-IT" dirty="0" err="1" smtClean="0"/>
-              <a:t>Resource</a:t>
-            </a:r>
-            <a:r>
-              <a:rPr lang="it-IT" dirty="0" smtClean="0"/>
-              <a:t> </a:t>
-            </a:r>
-            <a:r>
-              <a:rPr lang="it-IT" dirty="0" err="1" smtClean="0"/>
-              <a:t>Locator</a:t>
-            </a:r>
-            <a:r>
-              <a:rPr lang="it-IT" dirty="0" smtClean="0"/>
-              <a:t>) del sito della scuola</a:t>
-            </a:r>
-          </a:p>
-          <a:p>
-            <a:pPr marL="342900" algn="just">
-              <a:buAutoNum type="arabicParenR"/>
-            </a:pPr>
-            <a:r>
-              <a:rPr lang="it-IT" dirty="0" smtClean="0"/>
-              <a:t>Vai sul sito: </a:t>
-            </a:r>
-            <a:r>
-              <a:rPr lang="it-IT" dirty="0" smtClean="0">
-                <a:hlinkClick r:id="rId3"/>
-              </a:rPr>
-              <a:t>https://www.whatismyip.com</a:t>
-            </a:r>
-            <a:r>
-              <a:rPr lang="it-IT" dirty="0" smtClean="0">
-                <a:hlinkClick r:id="rId3"/>
-              </a:rPr>
-              <a:t>/</a:t>
-            </a:r>
-            <a:endParaRPr lang="it-IT" dirty="0" smtClean="0"/>
-          </a:p>
-          <a:p>
-            <a:pPr marL="342900" algn="just">
-              <a:buAutoNum type="arabicParenR"/>
-            </a:pPr>
-            <a:r>
-              <a:rPr lang="it-IT" dirty="0" smtClean="0"/>
-              <a:t>Trova l’IP del sito e analizza le informazioni che si possono ottenere</a:t>
-            </a:r>
-            <a:endParaRPr sz="2300" b="1"/>
-          </a:p>
-          <a:p>
-            <a:pPr marL="0" lvl="0" indent="0" algn="just" rtl="0">
-              <a:spcBef>
-                <a:spcPts val="1200"/>
-              </a:spcBef>
-              <a:spcAft>
-                <a:spcPts val="1200"/>
-              </a:spcAft>
-              <a:buNone/>
-            </a:pPr>
-            <a:endParaRPr/>
+            <a:endParaRPr sz="1800" dirty="0"/>
           </a:p>
         </p:txBody>
       </p:sp>
+      <p:pic>
+        <p:nvPicPr>
+          <p:cNvPr id="3" name="Immagine 2" descr="Immagine che contiene nero, schermata, design&#10;&#10;Descrizione generata automaticamente">
+            <a:extLst>
+              <a:ext uri="{FF2B5EF4-FFF2-40B4-BE49-F238E27FC236}">
+                <a16:creationId xmlns:a16="http://schemas.microsoft.com/office/drawing/2014/main" id="{F1EB9633-FC33-4F3A-9A86-4729CDE4028E}"/>
+              </a:ext>
+            </a:extLst>
+          </p:cNvPr>
+          <p:cNvPicPr>
+            <a:picLocks noChangeAspect="1"/>
+          </p:cNvPicPr>
+          <p:nvPr/>
+        </p:nvPicPr>
+        <p:blipFill>
+          <a:blip r:embed="rId3"/>
+          <a:srcRect l="24197" t="5926" r="23827" b="6282"/>
+          <a:stretch/>
+        </p:blipFill>
+        <p:spPr>
+          <a:xfrm>
+            <a:off x="4492978" y="0"/>
+            <a:ext cx="4752622" cy="4515556"/>
+          </a:xfrm>
+          <a:prstGeom prst="rect">
+            <a:avLst/>
+          </a:prstGeom>
+        </p:spPr>
+      </p:pic>
     </p:spTree>
+    <p:extLst>
+      <p:ext uri="{BB962C8B-B14F-4D97-AF65-F5344CB8AC3E}">
+        <p14:creationId xmlns:p14="http://schemas.microsoft.com/office/powerpoint/2010/main" val="1446072573"/>
+      </p:ext>
+    </p:extLst>
   </p:cSld>
   <p:clrMapOvr>
     <a:masterClrMapping/>
   </p:clrMapOvr>
-  <p:timing>
-    <p:tnLst>
-      <p:par>
-        <p:cTn id="1" dur="indefinite" restart="never" nodeType="tmRoot"/>
-      </p:par>
-    </p:tnLst>
-  </p:timing>
 </p:sld>
 </file>
 
@@ -9941,7 +13707,7 @@
   <p:cSld>
     <p:spTree>
       <p:nvGrpSpPr>
-        <p:cNvPr id="1" name="Shape 105"/>
+        <p:cNvPr id="1" name="Shape 85"/>
         <p:cNvGrpSpPr/>
         <p:nvPr/>
       </p:nvGrpSpPr>
@@ -9955,7 +13721,7 @@
       </p:grpSpPr>
       <p:sp>
         <p:nvSpPr>
-          <p:cNvPr id="106" name="Google Shape;106;p19"/>
+          <p:cNvPr id="86" name="Google Shape;86;p16"/>
           <p:cNvSpPr txBox="1">
             <a:spLocks noGrp="1"/>
           </p:cNvSpPr>
@@ -9965,16 +13731,16 @@
         </p:nvSpPr>
         <p:spPr>
           <a:xfrm>
-            <a:off x="311700" y="445025"/>
-            <a:ext cx="8520600" cy="707400"/>
+            <a:off x="263400" y="474133"/>
+            <a:ext cx="4045200" cy="760813"/>
           </a:xfrm>
           <a:prstGeom prst="rect">
             <a:avLst/>
           </a:prstGeom>
         </p:spPr>
         <p:txBody>
-          <a:bodyPr spcFirstLastPara="1" wrap="square" lIns="91425" tIns="91425" rIns="91425" bIns="91425" anchor="t" anchorCtr="0">
-            <a:normAutofit fontScale="90000"/>
+          <a:bodyPr spcFirstLastPara="1" wrap="square" lIns="91425" tIns="91425" rIns="91425" bIns="91425" anchor="b" anchorCtr="0">
+            <a:normAutofit/>
           </a:bodyPr>
           <a:lstStyle/>
           <a:p>
@@ -9988,815 +13754,101 @@
               <a:buNone/>
             </a:pPr>
             <a:r>
-              <a:rPr lang="it"/>
-              <a:t>CLASSIFICA MEZZI DI TRASMISSIONE DATI</a:t>
+              <a:rPr lang="it" sz="3600" dirty="0"/>
+              <a:t>WAN </a:t>
             </a:r>
-            <a:endParaRPr/>
+            <a:r>
+              <a:rPr lang="it" sz="2400" dirty="0"/>
+              <a:t>(Wide Area Network)</a:t>
+            </a:r>
+            <a:endParaRPr sz="2400" dirty="0"/>
           </a:p>
         </p:txBody>
       </p:sp>
-      <p:graphicFrame>
-        <p:nvGraphicFramePr>
-          <p:cNvPr id="107" name="Google Shape;107;p19"/>
-          <p:cNvGraphicFramePr/>
+      <p:sp>
+        <p:nvSpPr>
+          <p:cNvPr id="87" name="Google Shape;87;p16"/>
+          <p:cNvSpPr txBox="1">
+            <a:spLocks noGrp="1"/>
+          </p:cNvSpPr>
+          <p:nvPr>
+            <p:ph type="subTitle" idx="1"/>
+          </p:nvPr>
+        </p:nvSpPr>
+        <p:spPr>
+          <a:xfrm>
+            <a:off x="349956" y="1234946"/>
+            <a:ext cx="3958644" cy="3434421"/>
+          </a:xfrm>
+          <a:prstGeom prst="rect">
+            <a:avLst/>
+          </a:prstGeom>
+        </p:spPr>
+        <p:txBody>
+          <a:bodyPr spcFirstLastPara="1" wrap="square" lIns="91425" tIns="91425" rIns="91425" bIns="91425" anchor="t" anchorCtr="0">
+            <a:normAutofit/>
+          </a:bodyPr>
+          <a:lstStyle/>
+          <a:p>
+            <a:pPr marL="0" lvl="0" indent="0" algn="just" rtl="0">
+              <a:lnSpc>
+                <a:spcPct val="115000"/>
+              </a:lnSpc>
+              <a:spcBef>
+                <a:spcPts val="0"/>
+              </a:spcBef>
+              <a:spcAft>
+                <a:spcPts val="1200"/>
+              </a:spcAft>
+              <a:buNone/>
+            </a:pPr>
+            <a:r>
+              <a:rPr lang="it-IT" sz="1800" dirty="0"/>
+              <a:t>Rete di estensione superiore alla rete MAN urbana, che solitamente è utilizzata per il collegamento di molteplici MAN differenti. In questo modo si rende possibile la comunicazione tra nodi di rete appartenenti a centri urbani differenti (esempio la rete di una intera regione o un interno paese).</a:t>
+            </a:r>
+            <a:endParaRPr sz="1800" dirty="0"/>
+          </a:p>
+        </p:txBody>
+      </p:sp>
+      <p:pic>
+        <p:nvPicPr>
+          <p:cNvPr id="7" name="Immagine 6" descr="Immagine che contiene nero, oscurità&#10;&#10;Descrizione generata automaticamente">
+            <a:extLst>
+              <a:ext uri="{FF2B5EF4-FFF2-40B4-BE49-F238E27FC236}">
+                <a16:creationId xmlns:a16="http://schemas.microsoft.com/office/drawing/2014/main" id="{D6FDE001-672F-2A5C-85B5-5BF5B30147FF}"/>
+              </a:ext>
+            </a:extLst>
+          </p:cNvPr>
+          <p:cNvPicPr>
+            <a:picLocks noChangeAspect="1"/>
+          </p:cNvPicPr>
           <p:nvPr/>
-        </p:nvGraphicFramePr>
-        <p:xfrm>
-          <a:off x="895775" y="1466450"/>
-          <a:ext cx="7352450" cy="2798100"/>
-        </p:xfrm>
-        <a:graphic>
-          <a:graphicData uri="http://schemas.openxmlformats.org/drawingml/2006/table">
-            <a:tbl>
-              <a:tblPr>
-                <a:noFill/>
-                <a:tableStyleId>{9CBC91D6-0A62-4E6E-9AE3-0F439D63BB96}</a:tableStyleId>
-              </a:tblPr>
-              <a:tblGrid>
-                <a:gridCol w="2885600"/>
-                <a:gridCol w="2022725"/>
-                <a:gridCol w="2444125"/>
-              </a:tblGrid>
-              <a:tr h="699525">
-                <a:tc>
-                  <a:txBody>
-                    <a:bodyPr/>
-                    <a:lstStyle/>
-                    <a:p>
-                      <a:pPr marL="0" lvl="0" indent="0" algn="ctr" rtl="0">
-                        <a:lnSpc>
-                          <a:spcPct val="115000"/>
-                        </a:lnSpc>
-                        <a:spcBef>
-                          <a:spcPts val="1200"/>
-                        </a:spcBef>
-                        <a:spcAft>
-                          <a:spcPts val="1200"/>
-                        </a:spcAft>
-                        <a:buNone/>
-                      </a:pPr>
-                      <a:r>
-                        <a:rPr lang="it" sz="1200" b="1"/>
-                        <a:t>Mezzi trasmissivi tipici</a:t>
-                      </a:r>
-                      <a:endParaRPr sz="1200" b="1"/>
-                    </a:p>
-                  </a:txBody>
-                  <a:tcPr marL="91425" marR="91425" marT="91425" marB="91425">
-                    <a:lnL w="9525" cap="flat" cmpd="sng">
-                      <a:solidFill>
-                        <a:srgbClr val="808080"/>
-                      </a:solidFill>
-                      <a:prstDash val="solid"/>
-                      <a:round/>
-                      <a:headEnd type="none" w="sm" len="sm"/>
-                      <a:tailEnd type="none" w="sm" len="sm"/>
-                    </a:lnL>
-                    <a:lnR w="9525" cap="flat" cmpd="sng">
-                      <a:solidFill>
-                        <a:srgbClr val="808080"/>
-                      </a:solidFill>
-                      <a:prstDash val="solid"/>
-                      <a:round/>
-                      <a:headEnd type="none" w="sm" len="sm"/>
-                      <a:tailEnd type="none" w="sm" len="sm"/>
-                    </a:lnR>
-                    <a:lnT w="9525" cap="flat" cmpd="sng">
-                      <a:solidFill>
-                        <a:srgbClr val="808080"/>
-                      </a:solidFill>
-                      <a:prstDash val="solid"/>
-                      <a:round/>
-                      <a:headEnd type="none" w="sm" len="sm"/>
-                      <a:tailEnd type="none" w="sm" len="sm"/>
-                    </a:lnT>
-                    <a:lnB w="9525" cap="flat" cmpd="sng">
-                      <a:solidFill>
-                        <a:srgbClr val="808080"/>
-                      </a:solidFill>
-                      <a:prstDash val="solid"/>
-                      <a:round/>
-                      <a:headEnd type="none" w="sm" len="sm"/>
-                      <a:tailEnd type="none" w="sm" len="sm"/>
-                    </a:lnB>
-                  </a:tcPr>
-                </a:tc>
-                <a:tc>
-                  <a:txBody>
-                    <a:bodyPr/>
-                    <a:lstStyle/>
-                    <a:p>
-                      <a:pPr marL="0" lvl="0" indent="0" algn="ctr" rtl="0">
-                        <a:lnSpc>
-                          <a:spcPct val="115000"/>
-                        </a:lnSpc>
-                        <a:spcBef>
-                          <a:spcPts val="1200"/>
-                        </a:spcBef>
-                        <a:spcAft>
-                          <a:spcPts val="1200"/>
-                        </a:spcAft>
-                        <a:buNone/>
-                      </a:pPr>
-                      <a:r>
-                        <a:rPr lang="it" sz="1200" b="1"/>
-                        <a:t>Larghezza di banda</a:t>
-                      </a:r>
-                      <a:endParaRPr sz="1200" b="1"/>
-                    </a:p>
-                  </a:txBody>
-                  <a:tcPr marL="91425" marR="91425" marT="91425" marB="91425">
-                    <a:lnL w="9525" cap="flat" cmpd="sng">
-                      <a:solidFill>
-                        <a:srgbClr val="808080"/>
-                      </a:solidFill>
-                      <a:prstDash val="solid"/>
-                      <a:round/>
-                      <a:headEnd type="none" w="sm" len="sm"/>
-                      <a:tailEnd type="none" w="sm" len="sm"/>
-                    </a:lnL>
-                    <a:lnR w="9525" cap="flat" cmpd="sng">
-                      <a:solidFill>
-                        <a:srgbClr val="808080"/>
-                      </a:solidFill>
-                      <a:prstDash val="solid"/>
-                      <a:round/>
-                      <a:headEnd type="none" w="sm" len="sm"/>
-                      <a:tailEnd type="none" w="sm" len="sm"/>
-                    </a:lnR>
-                    <a:lnT w="9525" cap="flat" cmpd="sng">
-                      <a:solidFill>
-                        <a:srgbClr val="808080"/>
-                      </a:solidFill>
-                      <a:prstDash val="solid"/>
-                      <a:round/>
-                      <a:headEnd type="none" w="sm" len="sm"/>
-                      <a:tailEnd type="none" w="sm" len="sm"/>
-                    </a:lnT>
-                    <a:lnB w="9525" cap="flat" cmpd="sng">
-                      <a:solidFill>
-                        <a:srgbClr val="808080"/>
-                      </a:solidFill>
-                      <a:prstDash val="solid"/>
-                      <a:round/>
-                      <a:headEnd type="none" w="sm" len="sm"/>
-                      <a:tailEnd type="none" w="sm" len="sm"/>
-                    </a:lnB>
-                  </a:tcPr>
-                </a:tc>
-                <a:tc>
-                  <a:txBody>
-                    <a:bodyPr/>
-                    <a:lstStyle/>
-                    <a:p>
-                      <a:pPr marL="0" lvl="0" indent="0" algn="ctr" rtl="0">
-                        <a:lnSpc>
-                          <a:spcPct val="115000"/>
-                        </a:lnSpc>
-                        <a:spcBef>
-                          <a:spcPts val="1200"/>
-                        </a:spcBef>
-                        <a:spcAft>
-                          <a:spcPts val="1200"/>
-                        </a:spcAft>
-                        <a:buNone/>
-                      </a:pPr>
-                      <a:r>
-                        <a:rPr lang="it" sz="1200" b="1"/>
-                        <a:t>Massima distanza fisica</a:t>
-                      </a:r>
-                      <a:endParaRPr sz="1200" b="1"/>
-                    </a:p>
-                  </a:txBody>
-                  <a:tcPr marL="91425" marR="91425" marT="91425" marB="91425">
-                    <a:lnL w="9525" cap="flat" cmpd="sng">
-                      <a:solidFill>
-                        <a:srgbClr val="808080"/>
-                      </a:solidFill>
-                      <a:prstDash val="solid"/>
-                      <a:round/>
-                      <a:headEnd type="none" w="sm" len="sm"/>
-                      <a:tailEnd type="none" w="sm" len="sm"/>
-                    </a:lnL>
-                    <a:lnR w="9525" cap="flat" cmpd="sng">
-                      <a:solidFill>
-                        <a:srgbClr val="808080"/>
-                      </a:solidFill>
-                      <a:prstDash val="solid"/>
-                      <a:round/>
-                      <a:headEnd type="none" w="sm" len="sm"/>
-                      <a:tailEnd type="none" w="sm" len="sm"/>
-                    </a:lnR>
-                    <a:lnT w="9525" cap="flat" cmpd="sng">
-                      <a:solidFill>
-                        <a:srgbClr val="808080"/>
-                      </a:solidFill>
-                      <a:prstDash val="solid"/>
-                      <a:round/>
-                      <a:headEnd type="none" w="sm" len="sm"/>
-                      <a:tailEnd type="none" w="sm" len="sm"/>
-                    </a:lnT>
-                    <a:lnB w="9525" cap="flat" cmpd="sng">
-                      <a:solidFill>
-                        <a:srgbClr val="808080"/>
-                      </a:solidFill>
-                      <a:prstDash val="solid"/>
-                      <a:round/>
-                      <a:headEnd type="none" w="sm" len="sm"/>
-                      <a:tailEnd type="none" w="sm" len="sm"/>
-                    </a:lnB>
-                  </a:tcPr>
-                </a:tc>
-              </a:tr>
-              <a:tr h="699525">
-                <a:tc>
-                  <a:txBody>
-                    <a:bodyPr/>
-                    <a:lstStyle/>
-                    <a:p>
-                      <a:pPr marL="0" lvl="0" indent="0" algn="ctr" rtl="0">
-                        <a:lnSpc>
-                          <a:spcPct val="115000"/>
-                        </a:lnSpc>
-                        <a:spcBef>
-                          <a:spcPts val="1200"/>
-                        </a:spcBef>
-                        <a:spcAft>
-                          <a:spcPts val="1200"/>
-                        </a:spcAft>
-                        <a:buNone/>
-                      </a:pPr>
-                      <a:r>
-                        <a:rPr lang="it" sz="1200"/>
-                        <a:t>Cavo ethernet (LAN)</a:t>
-                      </a:r>
-                      <a:endParaRPr sz="1200"/>
-                    </a:p>
-                  </a:txBody>
-                  <a:tcPr marL="91425" marR="91425" marT="91425" marB="91425">
-                    <a:lnL w="9525" cap="flat" cmpd="sng">
-                      <a:solidFill>
-                        <a:srgbClr val="808080"/>
-                      </a:solidFill>
-                      <a:prstDash val="solid"/>
-                      <a:round/>
-                      <a:headEnd type="none" w="sm" len="sm"/>
-                      <a:tailEnd type="none" w="sm" len="sm"/>
-                    </a:lnL>
-                    <a:lnR w="9525" cap="flat" cmpd="sng">
-                      <a:solidFill>
-                        <a:srgbClr val="808080"/>
-                      </a:solidFill>
-                      <a:prstDash val="solid"/>
-                      <a:round/>
-                      <a:headEnd type="none" w="sm" len="sm"/>
-                      <a:tailEnd type="none" w="sm" len="sm"/>
-                    </a:lnR>
-                    <a:lnT w="9525" cap="flat" cmpd="sng">
-                      <a:solidFill>
-                        <a:srgbClr val="808080"/>
-                      </a:solidFill>
-                      <a:prstDash val="solid"/>
-                      <a:round/>
-                      <a:headEnd type="none" w="sm" len="sm"/>
-                      <a:tailEnd type="none" w="sm" len="sm"/>
-                    </a:lnT>
-                    <a:lnB w="9525" cap="flat" cmpd="sng">
-                      <a:solidFill>
-                        <a:srgbClr val="808080"/>
-                      </a:solidFill>
-                      <a:prstDash val="solid"/>
-                      <a:round/>
-                      <a:headEnd type="none" w="sm" len="sm"/>
-                      <a:tailEnd type="none" w="sm" len="sm"/>
-                    </a:lnB>
-                  </a:tcPr>
-                </a:tc>
-                <a:tc>
-                  <a:txBody>
-                    <a:bodyPr/>
-                    <a:lstStyle/>
-                    <a:p>
-                      <a:pPr marL="0" lvl="0" indent="0" algn="ctr" rtl="0">
-                        <a:lnSpc>
-                          <a:spcPct val="115000"/>
-                        </a:lnSpc>
-                        <a:spcBef>
-                          <a:spcPts val="1200"/>
-                        </a:spcBef>
-                        <a:spcAft>
-                          <a:spcPts val="1200"/>
-                        </a:spcAft>
-                        <a:buNone/>
-                      </a:pPr>
-                      <a:r>
-                        <a:rPr lang="it" sz="1200"/>
-                        <a:t>10 - 100 Mbps</a:t>
-                      </a:r>
-                      <a:endParaRPr sz="1200"/>
-                    </a:p>
-                  </a:txBody>
-                  <a:tcPr marL="91425" marR="91425" marT="91425" marB="91425">
-                    <a:lnL w="9525" cap="flat" cmpd="sng">
-                      <a:solidFill>
-                        <a:srgbClr val="808080"/>
-                      </a:solidFill>
-                      <a:prstDash val="solid"/>
-                      <a:round/>
-                      <a:headEnd type="none" w="sm" len="sm"/>
-                      <a:tailEnd type="none" w="sm" len="sm"/>
-                    </a:lnL>
-                    <a:lnR w="9525" cap="flat" cmpd="sng">
-                      <a:solidFill>
-                        <a:srgbClr val="808080"/>
-                      </a:solidFill>
-                      <a:prstDash val="solid"/>
-                      <a:round/>
-                      <a:headEnd type="none" w="sm" len="sm"/>
-                      <a:tailEnd type="none" w="sm" len="sm"/>
-                    </a:lnR>
-                    <a:lnT w="9525" cap="flat" cmpd="sng">
-                      <a:solidFill>
-                        <a:srgbClr val="808080"/>
-                      </a:solidFill>
-                      <a:prstDash val="solid"/>
-                      <a:round/>
-                      <a:headEnd type="none" w="sm" len="sm"/>
-                      <a:tailEnd type="none" w="sm" len="sm"/>
-                    </a:lnT>
-                    <a:lnB w="9525" cap="flat" cmpd="sng">
-                      <a:solidFill>
-                        <a:srgbClr val="808080"/>
-                      </a:solidFill>
-                      <a:prstDash val="solid"/>
-                      <a:round/>
-                      <a:headEnd type="none" w="sm" len="sm"/>
-                      <a:tailEnd type="none" w="sm" len="sm"/>
-                    </a:lnB>
-                  </a:tcPr>
-                </a:tc>
-                <a:tc>
-                  <a:txBody>
-                    <a:bodyPr/>
-                    <a:lstStyle/>
-                    <a:p>
-                      <a:pPr marL="0" lvl="0" indent="0" algn="ctr" rtl="0">
-                        <a:lnSpc>
-                          <a:spcPct val="115000"/>
-                        </a:lnSpc>
-                        <a:spcBef>
-                          <a:spcPts val="1200"/>
-                        </a:spcBef>
-                        <a:spcAft>
-                          <a:spcPts val="1200"/>
-                        </a:spcAft>
-                        <a:buNone/>
-                      </a:pPr>
-                      <a:r>
-                        <a:rPr lang="it" sz="1200"/>
-                        <a:t>185 m</a:t>
-                      </a:r>
-                      <a:endParaRPr sz="1200"/>
-                    </a:p>
-                  </a:txBody>
-                  <a:tcPr marL="91425" marR="91425" marT="91425" marB="91425">
-                    <a:lnL w="9525" cap="flat" cmpd="sng">
-                      <a:solidFill>
-                        <a:srgbClr val="808080"/>
-                      </a:solidFill>
-                      <a:prstDash val="solid"/>
-                      <a:round/>
-                      <a:headEnd type="none" w="sm" len="sm"/>
-                      <a:tailEnd type="none" w="sm" len="sm"/>
-                    </a:lnL>
-                    <a:lnR w="9525" cap="flat" cmpd="sng">
-                      <a:solidFill>
-                        <a:srgbClr val="808080"/>
-                      </a:solidFill>
-                      <a:prstDash val="solid"/>
-                      <a:round/>
-                      <a:headEnd type="none" w="sm" len="sm"/>
-                      <a:tailEnd type="none" w="sm" len="sm"/>
-                    </a:lnR>
-                    <a:lnT w="9525" cap="flat" cmpd="sng">
-                      <a:solidFill>
-                        <a:srgbClr val="808080"/>
-                      </a:solidFill>
-                      <a:prstDash val="solid"/>
-                      <a:round/>
-                      <a:headEnd type="none" w="sm" len="sm"/>
-                      <a:tailEnd type="none" w="sm" len="sm"/>
-                    </a:lnT>
-                    <a:lnB w="9525" cap="flat" cmpd="sng">
-                      <a:solidFill>
-                        <a:srgbClr val="808080"/>
-                      </a:solidFill>
-                      <a:prstDash val="solid"/>
-                      <a:round/>
-                      <a:headEnd type="none" w="sm" len="sm"/>
-                      <a:tailEnd type="none" w="sm" len="sm"/>
-                    </a:lnB>
-                  </a:tcPr>
-                </a:tc>
-              </a:tr>
-              <a:tr h="699525">
-                <a:tc>
-                  <a:txBody>
-                    <a:bodyPr/>
-                    <a:lstStyle/>
-                    <a:p>
-                      <a:pPr marL="0" lvl="0" indent="0" algn="ctr" rtl="0">
-                        <a:lnSpc>
-                          <a:spcPct val="115000"/>
-                        </a:lnSpc>
-                        <a:spcBef>
-                          <a:spcPts val="1200"/>
-                        </a:spcBef>
-                        <a:spcAft>
-                          <a:spcPts val="1200"/>
-                        </a:spcAft>
-                        <a:buNone/>
-                      </a:pPr>
-                      <a:r>
-                        <a:rPr lang="it" sz="1200"/>
-                        <a:t>Wireless (Wi-Fi)</a:t>
-                      </a:r>
-                      <a:endParaRPr sz="1200"/>
-                    </a:p>
-                  </a:txBody>
-                  <a:tcPr marL="91425" marR="91425" marT="91425" marB="91425">
-                    <a:lnL w="9525" cap="flat" cmpd="sng">
-                      <a:solidFill>
-                        <a:srgbClr val="808080"/>
-                      </a:solidFill>
-                      <a:prstDash val="solid"/>
-                      <a:round/>
-                      <a:headEnd type="none" w="sm" len="sm"/>
-                      <a:tailEnd type="none" w="sm" len="sm"/>
-                    </a:lnL>
-                    <a:lnR w="9525" cap="flat" cmpd="sng">
-                      <a:solidFill>
-                        <a:srgbClr val="808080"/>
-                      </a:solidFill>
-                      <a:prstDash val="solid"/>
-                      <a:round/>
-                      <a:headEnd type="none" w="sm" len="sm"/>
-                      <a:tailEnd type="none" w="sm" len="sm"/>
-                    </a:lnR>
-                    <a:lnT w="9525" cap="flat" cmpd="sng">
-                      <a:solidFill>
-                        <a:srgbClr val="808080"/>
-                      </a:solidFill>
-                      <a:prstDash val="solid"/>
-                      <a:round/>
-                      <a:headEnd type="none" w="sm" len="sm"/>
-                      <a:tailEnd type="none" w="sm" len="sm"/>
-                    </a:lnT>
-                    <a:lnB w="9525" cap="flat" cmpd="sng">
-                      <a:solidFill>
-                        <a:srgbClr val="808080"/>
-                      </a:solidFill>
-                      <a:prstDash val="solid"/>
-                      <a:round/>
-                      <a:headEnd type="none" w="sm" len="sm"/>
-                      <a:tailEnd type="none" w="sm" len="sm"/>
-                    </a:lnB>
-                  </a:tcPr>
-                </a:tc>
-                <a:tc>
-                  <a:txBody>
-                    <a:bodyPr/>
-                    <a:lstStyle/>
-                    <a:p>
-                      <a:pPr marL="0" lvl="0" indent="0" algn="ctr" rtl="0">
-                        <a:lnSpc>
-                          <a:spcPct val="115000"/>
-                        </a:lnSpc>
-                        <a:spcBef>
-                          <a:spcPts val="1200"/>
-                        </a:spcBef>
-                        <a:spcAft>
-                          <a:spcPts val="1200"/>
-                        </a:spcAft>
-                        <a:buNone/>
-                      </a:pPr>
-                      <a:r>
-                        <a:rPr lang="it" sz="1200"/>
-                        <a:t>11 Mbps</a:t>
-                      </a:r>
-                      <a:endParaRPr sz="1200"/>
-                    </a:p>
-                  </a:txBody>
-                  <a:tcPr marL="91425" marR="91425" marT="91425" marB="91425">
-                    <a:lnL w="9525" cap="flat" cmpd="sng">
-                      <a:solidFill>
-                        <a:srgbClr val="808080"/>
-                      </a:solidFill>
-                      <a:prstDash val="solid"/>
-                      <a:round/>
-                      <a:headEnd type="none" w="sm" len="sm"/>
-                      <a:tailEnd type="none" w="sm" len="sm"/>
-                    </a:lnL>
-                    <a:lnR w="9525" cap="flat" cmpd="sng">
-                      <a:solidFill>
-                        <a:srgbClr val="808080"/>
-                      </a:solidFill>
-                      <a:prstDash val="solid"/>
-                      <a:round/>
-                      <a:headEnd type="none" w="sm" len="sm"/>
-                      <a:tailEnd type="none" w="sm" len="sm"/>
-                    </a:lnR>
-                    <a:lnT w="9525" cap="flat" cmpd="sng">
-                      <a:solidFill>
-                        <a:srgbClr val="808080"/>
-                      </a:solidFill>
-                      <a:prstDash val="solid"/>
-                      <a:round/>
-                      <a:headEnd type="none" w="sm" len="sm"/>
-                      <a:tailEnd type="none" w="sm" len="sm"/>
-                    </a:lnT>
-                    <a:lnB w="9525" cap="flat" cmpd="sng">
-                      <a:solidFill>
-                        <a:srgbClr val="808080"/>
-                      </a:solidFill>
-                      <a:prstDash val="solid"/>
-                      <a:round/>
-                      <a:headEnd type="none" w="sm" len="sm"/>
-                      <a:tailEnd type="none" w="sm" len="sm"/>
-                    </a:lnB>
-                  </a:tcPr>
-                </a:tc>
-                <a:tc>
-                  <a:txBody>
-                    <a:bodyPr/>
-                    <a:lstStyle/>
-                    <a:p>
-                      <a:pPr marL="0" lvl="0" indent="0" algn="ctr" rtl="0">
-                        <a:lnSpc>
-                          <a:spcPct val="115000"/>
-                        </a:lnSpc>
-                        <a:spcBef>
-                          <a:spcPts val="1200"/>
-                        </a:spcBef>
-                        <a:spcAft>
-                          <a:spcPts val="1200"/>
-                        </a:spcAft>
-                        <a:buNone/>
-                      </a:pPr>
-                      <a:r>
-                        <a:rPr lang="it" sz="1200"/>
-                        <a:t>100-500 m</a:t>
-                      </a:r>
-                      <a:endParaRPr sz="1200"/>
-                    </a:p>
-                  </a:txBody>
-                  <a:tcPr marL="91425" marR="91425" marT="91425" marB="91425">
-                    <a:lnL w="9525" cap="flat" cmpd="sng">
-                      <a:solidFill>
-                        <a:srgbClr val="808080"/>
-                      </a:solidFill>
-                      <a:prstDash val="solid"/>
-                      <a:round/>
-                      <a:headEnd type="none" w="sm" len="sm"/>
-                      <a:tailEnd type="none" w="sm" len="sm"/>
-                    </a:lnL>
-                    <a:lnR w="9525" cap="flat" cmpd="sng">
-                      <a:solidFill>
-                        <a:srgbClr val="808080"/>
-                      </a:solidFill>
-                      <a:prstDash val="solid"/>
-                      <a:round/>
-                      <a:headEnd type="none" w="sm" len="sm"/>
-                      <a:tailEnd type="none" w="sm" len="sm"/>
-                    </a:lnR>
-                    <a:lnT w="9525" cap="flat" cmpd="sng">
-                      <a:solidFill>
-                        <a:srgbClr val="808080"/>
-                      </a:solidFill>
-                      <a:prstDash val="solid"/>
-                      <a:round/>
-                      <a:headEnd type="none" w="sm" len="sm"/>
-                      <a:tailEnd type="none" w="sm" len="sm"/>
-                    </a:lnT>
-                    <a:lnB w="9525" cap="flat" cmpd="sng">
-                      <a:solidFill>
-                        <a:srgbClr val="808080"/>
-                      </a:solidFill>
-                      <a:prstDash val="solid"/>
-                      <a:round/>
-                      <a:headEnd type="none" w="sm" len="sm"/>
-                      <a:tailEnd type="none" w="sm" len="sm"/>
-                    </a:lnB>
-                  </a:tcPr>
-                </a:tc>
-              </a:tr>
-              <a:tr h="699525">
-                <a:tc>
-                  <a:txBody>
-                    <a:bodyPr/>
-                    <a:lstStyle/>
-                    <a:p>
-                      <a:pPr marL="0" lvl="0" indent="0" algn="ctr" rtl="0">
-                        <a:lnSpc>
-                          <a:spcPct val="115000"/>
-                        </a:lnSpc>
-                        <a:spcBef>
-                          <a:spcPts val="1200"/>
-                        </a:spcBef>
-                        <a:spcAft>
-                          <a:spcPts val="1200"/>
-                        </a:spcAft>
-                        <a:buNone/>
-                      </a:pPr>
-                      <a:r>
-                        <a:rPr lang="it" sz="1200"/>
-                        <a:t>Fibra ottica</a:t>
-                      </a:r>
-                      <a:endParaRPr sz="1200"/>
-                    </a:p>
-                  </a:txBody>
-                  <a:tcPr marL="91425" marR="91425" marT="91425" marB="91425">
-                    <a:lnL w="9525" cap="flat" cmpd="sng">
-                      <a:solidFill>
-                        <a:srgbClr val="808080"/>
-                      </a:solidFill>
-                      <a:prstDash val="solid"/>
-                      <a:round/>
-                      <a:headEnd type="none" w="sm" len="sm"/>
-                      <a:tailEnd type="none" w="sm" len="sm"/>
-                    </a:lnL>
-                    <a:lnR w="9525" cap="flat" cmpd="sng">
-                      <a:solidFill>
-                        <a:srgbClr val="808080"/>
-                      </a:solidFill>
-                      <a:prstDash val="solid"/>
-                      <a:round/>
-                      <a:headEnd type="none" w="sm" len="sm"/>
-                      <a:tailEnd type="none" w="sm" len="sm"/>
-                    </a:lnR>
-                    <a:lnT w="9525" cap="flat" cmpd="sng">
-                      <a:solidFill>
-                        <a:srgbClr val="808080"/>
-                      </a:solidFill>
-                      <a:prstDash val="solid"/>
-                      <a:round/>
-                      <a:headEnd type="none" w="sm" len="sm"/>
-                      <a:tailEnd type="none" w="sm" len="sm"/>
-                    </a:lnT>
-                    <a:lnB w="9525" cap="flat" cmpd="sng">
-                      <a:solidFill>
-                        <a:srgbClr val="808080"/>
-                      </a:solidFill>
-                      <a:prstDash val="solid"/>
-                      <a:round/>
-                      <a:headEnd type="none" w="sm" len="sm"/>
-                      <a:tailEnd type="none" w="sm" len="sm"/>
-                    </a:lnB>
-                  </a:tcPr>
-                </a:tc>
-                <a:tc>
-                  <a:txBody>
-                    <a:bodyPr/>
-                    <a:lstStyle/>
-                    <a:p>
-                      <a:pPr marL="0" lvl="0" indent="0" algn="ctr" rtl="0">
-                        <a:lnSpc>
-                          <a:spcPct val="115000"/>
-                        </a:lnSpc>
-                        <a:spcBef>
-                          <a:spcPts val="1200"/>
-                        </a:spcBef>
-                        <a:spcAft>
-                          <a:spcPts val="1200"/>
-                        </a:spcAft>
-                        <a:buNone/>
-                      </a:pPr>
-                      <a:r>
-                        <a:rPr lang="it" sz="1200"/>
-                        <a:t>1000 Mbps</a:t>
-                      </a:r>
-                      <a:endParaRPr sz="1200"/>
-                    </a:p>
-                  </a:txBody>
-                  <a:tcPr marL="91425" marR="91425" marT="91425" marB="91425">
-                    <a:lnL w="9525" cap="flat" cmpd="sng">
-                      <a:solidFill>
-                        <a:srgbClr val="808080"/>
-                      </a:solidFill>
-                      <a:prstDash val="solid"/>
-                      <a:round/>
-                      <a:headEnd type="none" w="sm" len="sm"/>
-                      <a:tailEnd type="none" w="sm" len="sm"/>
-                    </a:lnL>
-                    <a:lnR w="9525" cap="flat" cmpd="sng">
-                      <a:solidFill>
-                        <a:srgbClr val="808080"/>
-                      </a:solidFill>
-                      <a:prstDash val="solid"/>
-                      <a:round/>
-                      <a:headEnd type="none" w="sm" len="sm"/>
-                      <a:tailEnd type="none" w="sm" len="sm"/>
-                    </a:lnR>
-                    <a:lnT w="9525" cap="flat" cmpd="sng">
-                      <a:solidFill>
-                        <a:srgbClr val="808080"/>
-                      </a:solidFill>
-                      <a:prstDash val="solid"/>
-                      <a:round/>
-                      <a:headEnd type="none" w="sm" len="sm"/>
-                      <a:tailEnd type="none" w="sm" len="sm"/>
-                    </a:lnT>
-                    <a:lnB w="9525" cap="flat" cmpd="sng">
-                      <a:solidFill>
-                        <a:srgbClr val="808080"/>
-                      </a:solidFill>
-                      <a:prstDash val="solid"/>
-                      <a:round/>
-                      <a:headEnd type="none" w="sm" len="sm"/>
-                      <a:tailEnd type="none" w="sm" len="sm"/>
-                    </a:lnB>
-                  </a:tcPr>
-                </a:tc>
-                <a:tc>
-                  <a:txBody>
-                    <a:bodyPr/>
-                    <a:lstStyle/>
-                    <a:p>
-                      <a:pPr marL="0" lvl="0" indent="0" algn="ctr" rtl="0">
-                        <a:lnSpc>
-                          <a:spcPct val="115000"/>
-                        </a:lnSpc>
-                        <a:spcBef>
-                          <a:spcPts val="1200"/>
-                        </a:spcBef>
-                        <a:spcAft>
-                          <a:spcPts val="1200"/>
-                        </a:spcAft>
-                        <a:buNone/>
-                      </a:pPr>
-                      <a:r>
-                        <a:rPr lang="it" sz="1200"/>
-                        <a:t>3000 m</a:t>
-                      </a:r>
-                      <a:endParaRPr sz="1200"/>
-                    </a:p>
-                  </a:txBody>
-                  <a:tcPr marL="91425" marR="91425" marT="91425" marB="91425">
-                    <a:lnL w="9525" cap="flat" cmpd="sng">
-                      <a:solidFill>
-                        <a:srgbClr val="808080"/>
-                      </a:solidFill>
-                      <a:prstDash val="solid"/>
-                      <a:round/>
-                      <a:headEnd type="none" w="sm" len="sm"/>
-                      <a:tailEnd type="none" w="sm" len="sm"/>
-                    </a:lnL>
-                    <a:lnR w="9525" cap="flat" cmpd="sng">
-                      <a:solidFill>
-                        <a:srgbClr val="808080"/>
-                      </a:solidFill>
-                      <a:prstDash val="solid"/>
-                      <a:round/>
-                      <a:headEnd type="none" w="sm" len="sm"/>
-                      <a:tailEnd type="none" w="sm" len="sm"/>
-                    </a:lnR>
-                    <a:lnT w="9525" cap="flat" cmpd="sng">
-                      <a:solidFill>
-                        <a:srgbClr val="808080"/>
-                      </a:solidFill>
-                      <a:prstDash val="solid"/>
-                      <a:round/>
-                      <a:headEnd type="none" w="sm" len="sm"/>
-                      <a:tailEnd type="none" w="sm" len="sm"/>
-                    </a:lnT>
-                    <a:lnB w="9525" cap="flat" cmpd="sng">
-                      <a:solidFill>
-                        <a:srgbClr val="808080"/>
-                      </a:solidFill>
-                      <a:prstDash val="solid"/>
-                      <a:round/>
-                      <a:headEnd type="none" w="sm" len="sm"/>
-                      <a:tailEnd type="none" w="sm" len="sm"/>
-                    </a:lnB>
-                  </a:tcPr>
-                </a:tc>
-              </a:tr>
-            </a:tbl>
-          </a:graphicData>
-        </a:graphic>
-      </p:graphicFrame>
+        </p:nvPicPr>
+        <p:blipFill>
+          <a:blip r:embed="rId3"/>
+          <a:srcRect l="25062" t="3951" r="24814" b="2991"/>
+          <a:stretch/>
+        </p:blipFill>
+        <p:spPr>
+          <a:xfrm>
+            <a:off x="5034844" y="460727"/>
+            <a:ext cx="3958644" cy="4134150"/>
+          </a:xfrm>
+          <a:prstGeom prst="rect">
+            <a:avLst/>
+          </a:prstGeom>
+        </p:spPr>
+      </p:pic>
     </p:spTree>
+    <p:extLst>
+      <p:ext uri="{BB962C8B-B14F-4D97-AF65-F5344CB8AC3E}">
+        <p14:creationId xmlns:p14="http://schemas.microsoft.com/office/powerpoint/2010/main" val="813432352"/>
+      </p:ext>
+    </p:extLst>
   </p:cSld>
   <p:clrMapOvr>
     <a:masterClrMapping/>
   </p:clrMapOvr>
-  <p:timing>
-    <p:tnLst>
-      <p:par>
-        <p:cTn id="1" dur="indefinite" restart="never" nodeType="tmRoot"/>
-      </p:par>
-    </p:tnLst>
-  </p:timing>
 </p:sld>
 </file>
 
@@ -10805,7 +13857,7 @@
   <p:cSld>
     <p:spTree>
       <p:nvGrpSpPr>
-        <p:cNvPr id="1" name="Shape 111"/>
+        <p:cNvPr id="1" name="Shape 85"/>
         <p:cNvGrpSpPr/>
         <p:nvPr/>
       </p:nvGrpSpPr>
@@ -10819,7 +13871,7 @@
       </p:grpSpPr>
       <p:sp>
         <p:nvSpPr>
-          <p:cNvPr id="112" name="Google Shape;112;p20"/>
+          <p:cNvPr id="86" name="Google Shape;86;p16"/>
           <p:cNvSpPr txBox="1">
             <a:spLocks noGrp="1"/>
           </p:cNvSpPr>
@@ -10829,8 +13881,8 @@
         </p:nvSpPr>
         <p:spPr>
           <a:xfrm>
-            <a:off x="265500" y="0"/>
-            <a:ext cx="4045200" cy="1675800"/>
+            <a:off x="263400" y="474133"/>
+            <a:ext cx="4045200" cy="760813"/>
           </a:xfrm>
           <a:prstGeom prst="rect">
             <a:avLst/>
@@ -10852,32 +13904,20 @@
               <a:buNone/>
             </a:pPr>
             <a:r>
-              <a:rPr lang="it" sz="2900"/>
-              <a:t>DISPOSITIVI DI RETE:</a:t>
+              <a:rPr lang="it" sz="3600" dirty="0"/>
+              <a:t>GAN </a:t>
             </a:r>
-            <a:endParaRPr sz="2900"/>
-          </a:p>
-          <a:p>
-            <a:pPr marL="0" lvl="0" indent="0" algn="l" rtl="0">
-              <a:spcBef>
-                <a:spcPts val="0"/>
-              </a:spcBef>
-              <a:spcAft>
-                <a:spcPts val="0"/>
-              </a:spcAft>
-              <a:buNone/>
-            </a:pPr>
             <a:r>
-              <a:rPr lang="it" sz="2900"/>
-              <a:t>HUB &amp; BRIDGE</a:t>
+              <a:rPr lang="it" sz="2400" dirty="0"/>
+              <a:t>(Global Area Network)</a:t>
             </a:r>
-            <a:endParaRPr sz="2900"/>
+            <a:endParaRPr sz="2400" dirty="0"/>
           </a:p>
         </p:txBody>
       </p:sp>
       <p:sp>
         <p:nvSpPr>
-          <p:cNvPr id="113" name="Google Shape;113;p20"/>
+          <p:cNvPr id="87" name="Google Shape;87;p16"/>
           <p:cNvSpPr txBox="1">
             <a:spLocks noGrp="1"/>
           </p:cNvSpPr>
@@ -10887,8 +13927,8 @@
         </p:nvSpPr>
         <p:spPr>
           <a:xfrm>
-            <a:off x="265500" y="1675800"/>
-            <a:ext cx="4045200" cy="3467700"/>
+            <a:off x="349956" y="1234946"/>
+            <a:ext cx="3958644" cy="3434421"/>
           </a:xfrm>
           <a:prstGeom prst="rect">
             <a:avLst/>
@@ -10900,7 +13940,7 @@
           </a:bodyPr>
           <a:lstStyle/>
           <a:p>
-            <a:pPr marL="0" lvl="0" indent="0" algn="l" rtl="0">
+            <a:pPr marL="0" lvl="0" indent="0" algn="just" rtl="0">
               <a:lnSpc>
                 <a:spcPct val="115000"/>
               </a:lnSpc>
@@ -10908,110 +13948,74 @@
                 <a:spcPts val="0"/>
               </a:spcBef>
               <a:spcAft>
-                <a:spcPts val="0"/>
+                <a:spcPts val="1200"/>
               </a:spcAft>
               <a:buNone/>
             </a:pPr>
             <a:r>
-              <a:rPr lang="it" sz="1800"/>
-              <a:t>L'</a:t>
+              <a:rPr lang="it-IT" sz="1800" dirty="0"/>
+              <a:t>Rete globale che collega diverse reti di dimensione minore, come WAN e MAN, e i cui nodi sono dislocati in tutti i continenti del pianeta. La trasmissione dei dati può avvenire con differenti modalità, sia </a:t>
             </a:r>
             <a:r>
-              <a:rPr lang="it" sz="1800" b="1"/>
-              <a:t>hub</a:t>
+              <a:rPr lang="it-IT" sz="1800" b="1" dirty="0"/>
+              <a:t>wired</a:t>
             </a:r>
             <a:r>
-              <a:rPr lang="it" sz="1800"/>
-              <a:t> non indirizza in maniera precisa la comunicazione al dispositivo destinatario, ma lo inoltra a tutti i dispositivi ad esso collegati.</a:t>
-            </a:r>
-            <a:endParaRPr sz="1800"/>
-          </a:p>
-          <a:p>
-            <a:pPr marL="0" lvl="0" indent="0" algn="l" rtl="0">
-              <a:lnSpc>
-                <a:spcPct val="115000"/>
-              </a:lnSpc>
-              <a:spcBef>
-                <a:spcPts val="1200"/>
-              </a:spcBef>
-              <a:spcAft>
-                <a:spcPts val="1200"/>
-              </a:spcAft>
-              <a:buNone/>
-            </a:pPr>
-            <a:r>
-              <a:rPr lang="it" sz="1800"/>
-              <a:t>Il </a:t>
+              <a:rPr lang="it-IT" sz="1800" dirty="0"/>
+              <a:t> che </a:t>
             </a:r>
             <a:r>
-              <a:rPr lang="it" sz="1800" b="1"/>
-              <a:t>bridge</a:t>
+              <a:rPr lang="it-IT" sz="1800" b="1" dirty="0"/>
+              <a:t>wireless</a:t>
             </a:r>
             <a:r>
-              <a:rPr lang="it" sz="1800"/>
-              <a:t>, serve a fare da ponte tra due reti differenti che possono essere fisiche o semplicemente logiche, come due classi di indirizzi IP differenti.</a:t>
+              <a:rPr lang="it-IT" sz="1800" dirty="0"/>
+              <a:t>. L’esempio più famoso di rete GAN è </a:t>
             </a:r>
-            <a:endParaRPr/>
+            <a:r>
+              <a:rPr lang="it-IT" sz="1800" b="1" dirty="0"/>
+              <a:t>Internet</a:t>
+            </a:r>
+            <a:endParaRPr sz="1800" b="1" dirty="0"/>
           </a:p>
         </p:txBody>
       </p:sp>
       <p:pic>
         <p:nvPicPr>
-          <p:cNvPr id="114" name="Google Shape;114;p20"/>
-          <p:cNvPicPr preferRelativeResize="0"/>
+          <p:cNvPr id="3" name="Immagine 2" descr="Immagine che contiene schermata, nero, oscurità&#10;&#10;Descrizione generata automaticamente">
+            <a:extLst>
+              <a:ext uri="{FF2B5EF4-FFF2-40B4-BE49-F238E27FC236}">
+                <a16:creationId xmlns:a16="http://schemas.microsoft.com/office/drawing/2014/main" id="{021B21A1-D5F0-3EFB-7C10-12562E341490}"/>
+              </a:ext>
+            </a:extLst>
+          </p:cNvPr>
+          <p:cNvPicPr>
+            <a:picLocks noChangeAspect="1"/>
+          </p:cNvPicPr>
           <p:nvPr/>
         </p:nvPicPr>
         <p:blipFill>
-          <a:blip r:embed="rId3">
-            <a:alphaModFix/>
-          </a:blip>
+          <a:blip r:embed="rId3"/>
           <a:stretch>
             <a:fillRect/>
           </a:stretch>
         </p:blipFill>
         <p:spPr>
           <a:xfrm>
-            <a:off x="5005800" y="2203499"/>
-            <a:ext cx="3063650" cy="2750400"/>
+            <a:off x="4461817" y="1254886"/>
+            <a:ext cx="4813358" cy="2707514"/>
           </a:xfrm>
           <a:prstGeom prst="rect">
             <a:avLst/>
           </a:prstGeom>
-          <a:noFill/>
-          <a:ln>
-            <a:noFill/>
-          </a:ln>
-        </p:spPr>
-      </p:pic>
-      <p:pic>
-        <p:nvPicPr>
-          <p:cNvPr id="115" name="Google Shape;115;p20"/>
-          <p:cNvPicPr preferRelativeResize="0"/>
-          <p:nvPr/>
-        </p:nvPicPr>
-        <p:blipFill>
-          <a:blip r:embed="rId4">
-            <a:alphaModFix/>
-          </a:blip>
-          <a:stretch>
-            <a:fillRect/>
-          </a:stretch>
-        </p:blipFill>
-        <p:spPr>
-          <a:xfrm>
-            <a:off x="5683375" y="250247"/>
-            <a:ext cx="3063650" cy="1714028"/>
-          </a:xfrm>
-          <a:prstGeom prst="rect">
-            <a:avLst/>
-          </a:prstGeom>
-          <a:noFill/>
-          <a:ln>
-            <a:noFill/>
-          </a:ln>
         </p:spPr>
       </p:pic>
     </p:spTree>
+    <p:extLst>
+      <p:ext uri="{BB962C8B-B14F-4D97-AF65-F5344CB8AC3E}">
+        <p14:creationId xmlns:p14="http://schemas.microsoft.com/office/powerpoint/2010/main" val="2802884462"/>
+      </p:ext>
+    </p:extLst>
   </p:cSld>
   <p:clrMapOvr>
     <a:masterClrMapping/>

--- a/reti_informatiche/materiale/lezione_1_reti_introduzione.pptx
+++ b/reti_informatiche/materiale/lezione_1_reti_introduzione.pptx
@@ -5,7 +5,7 @@
     <p:sldMasterId id="2147483659" r:id="rId1"/>
   </p:sldMasterIdLst>
   <p:notesMasterIdLst>
-    <p:notesMasterId r:id="rId22"/>
+    <p:notesMasterId r:id="rId23"/>
   </p:notesMasterIdLst>
   <p:sldIdLst>
     <p:sldId id="256" r:id="rId2"/>
@@ -22,27 +22,28 @@
     <p:sldId id="279" r:id="rId13"/>
     <p:sldId id="261" r:id="rId14"/>
     <p:sldId id="269" r:id="rId15"/>
-    <p:sldId id="263" r:id="rId16"/>
-    <p:sldId id="264" r:id="rId17"/>
-    <p:sldId id="265" r:id="rId18"/>
-    <p:sldId id="266" r:id="rId19"/>
-    <p:sldId id="267" r:id="rId20"/>
-    <p:sldId id="268" r:id="rId21"/>
+    <p:sldId id="281" r:id="rId16"/>
+    <p:sldId id="263" r:id="rId17"/>
+    <p:sldId id="264" r:id="rId18"/>
+    <p:sldId id="265" r:id="rId19"/>
+    <p:sldId id="266" r:id="rId20"/>
+    <p:sldId id="267" r:id="rId21"/>
+    <p:sldId id="268" r:id="rId22"/>
   </p:sldIdLst>
   <p:sldSz cx="9144000" cy="5143500" type="screen16x9"/>
   <p:notesSz cx="6858000" cy="9144000"/>
   <p:embeddedFontLst>
     <p:embeddedFont>
       <p:font typeface="Open Sans" panose="020B0606030504020204" pitchFamily="34" charset="0"/>
-      <p:regular r:id="rId23"/>
-      <p:bold r:id="rId24"/>
-      <p:italic r:id="rId25"/>
-      <p:boldItalic r:id="rId26"/>
+      <p:regular r:id="rId24"/>
+      <p:bold r:id="rId25"/>
+      <p:italic r:id="rId26"/>
+      <p:boldItalic r:id="rId27"/>
     </p:embeddedFont>
     <p:embeddedFont>
       <p:font typeface="PT Sans Narrow" panose="020B0506020203020204" pitchFamily="34" charset="0"/>
-      <p:regular r:id="rId27"/>
-      <p:bold r:id="rId28"/>
+      <p:regular r:id="rId28"/>
+      <p:bold r:id="rId29"/>
     </p:embeddedFont>
   </p:embeddedFontLst>
   <p:defaultTextStyle>
@@ -8762,7 +8763,7 @@
           <p:nvPr>
             <p:extLst>
               <p:ext uri="{D42A27DB-BD31-4B8C-83A1-F6EECF244321}">
-                <p14:modId xmlns:p14="http://schemas.microsoft.com/office/powerpoint/2010/main" val="211527398"/>
+                <p14:modId xmlns:p14="http://schemas.microsoft.com/office/powerpoint/2010/main" val="3030465853"/>
               </p:ext>
             </p:extLst>
           </p:nvPr>
@@ -10125,7 +10126,7 @@
                         <a:buNone/>
                       </a:pPr>
                       <a:r>
-                        <a:rPr lang="it-IT" sz="1400" b="0" dirty="0">
+                        <a:rPr lang="it-IT" sz="1400" b="1" u="sng" dirty="0">
                           <a:solidFill>
                             <a:schemeClr val="bg2">
                               <a:lumMod val="50000"/>
@@ -10134,7 +10135,7 @@
                         </a:rPr>
                         <a:t>100 Mbps – 300 Mbps</a:t>
                       </a:r>
-                      <a:endParaRPr sz="1400" b="0" dirty="0">
+                      <a:endParaRPr sz="1400" b="1" u="sng" dirty="0">
                         <a:solidFill>
                           <a:schemeClr val="bg2">
                             <a:lumMod val="50000"/>
@@ -10449,7 +10450,7 @@
                         <a:defRPr/>
                       </a:pPr>
                       <a:r>
-                        <a:rPr lang="it-IT" sz="1400" b="0" dirty="0">
+                        <a:rPr lang="it-IT" sz="1400" b="1" u="sng" dirty="0">
                           <a:solidFill>
                             <a:schemeClr val="bg2">
                               <a:lumMod val="50000"/>
@@ -10950,10 +10951,10 @@
               <a:buNone/>
             </a:pPr>
             <a:r>
-              <a:rPr lang="it"/>
+              <a:rPr lang="it" dirty="0"/>
               <a:t>INDIRIZZO IP (Internet Protocol Address)</a:t>
             </a:r>
-            <a:endParaRPr/>
+            <a:endParaRPr dirty="0"/>
           </a:p>
         </p:txBody>
       </p:sp>
@@ -10978,9 +10979,64 @@
         </p:spPr>
         <p:txBody>
           <a:bodyPr spcFirstLastPara="1" wrap="square" lIns="91425" tIns="91425" rIns="91425" bIns="91425" anchor="t" anchorCtr="0">
-            <a:normAutofit/>
+            <a:normAutofit fontScale="92500" lnSpcReduction="20000"/>
           </a:bodyPr>
           <a:lstStyle/>
+          <a:p>
+            <a:pPr marL="0" lvl="0" indent="0" algn="just" rtl="0">
+              <a:spcBef>
+                <a:spcPts val="0"/>
+              </a:spcBef>
+              <a:spcAft>
+                <a:spcPts val="0"/>
+              </a:spcAft>
+              <a:buNone/>
+            </a:pPr>
+            <a:r>
+              <a:rPr lang="it-IT" dirty="0"/>
+              <a:t>L’</a:t>
+            </a:r>
+            <a:r>
+              <a:rPr lang="it-IT" b="1" dirty="0"/>
+              <a:t>Internet </a:t>
+            </a:r>
+            <a:r>
+              <a:rPr lang="it-IT" b="1" dirty="0" err="1"/>
+              <a:t>Protocol</a:t>
+            </a:r>
+            <a:r>
+              <a:rPr lang="it-IT" dirty="0"/>
+              <a:t> è il protocollo di rete responsabile del trasporto di pacchetti di dati da una sorgente (identificata da un </a:t>
+            </a:r>
+            <a:r>
+              <a:rPr lang="it-IT" b="1" dirty="0"/>
+              <a:t>indirizzo IP</a:t>
+            </a:r>
+            <a:r>
+              <a:rPr lang="it-IT" dirty="0"/>
+              <a:t>) ad una destinazione (identificata da un altro </a:t>
+            </a:r>
+            <a:r>
+              <a:rPr lang="it-IT" b="1" dirty="0"/>
+              <a:t>indirizzo IP</a:t>
+            </a:r>
+            <a:r>
+              <a:rPr lang="it-IT" dirty="0"/>
+              <a:t>).</a:t>
+            </a:r>
+          </a:p>
+          <a:p>
+            <a:pPr marL="0" lvl="0" indent="0" algn="just" rtl="0">
+              <a:spcBef>
+                <a:spcPts val="0"/>
+              </a:spcBef>
+              <a:spcAft>
+                <a:spcPts val="0"/>
+              </a:spcAft>
+              <a:buNone/>
+            </a:pPr>
+            <a:endParaRPr lang="it" dirty="0"/>
+          </a:p>
           <a:p>
             <a:pPr marL="0" lvl="0" indent="0" algn="just" rtl="0">
               <a:spcBef>
@@ -11001,22 +11057,25 @@
             </a:r>
             <a:r>
               <a:rPr lang="it" dirty="0"/>
-              <a:t> è un numero che identifica univocamente ogni dispositivo (host),</a:t>
+              <a:t> è un numero che identifica univocamente ogni dispositivo collegato a una rete informatica.</a:t>
             </a:r>
-            <a:r>
-              <a:rPr lang="it" b="1" dirty="0"/>
-              <a:t> </a:t>
-            </a:r>
-            <a:r>
-              <a:rPr lang="it" dirty="0"/>
-              <a:t>collegato a una rete informatica. L’indirizzo IP viene assegnato ad ogni host di rete che può essere un personal computer, un tablet, uno smartphone, un router o anche un elettrodomestico.</a:t>
-            </a:r>
-            <a:endParaRPr dirty="0"/>
           </a:p>
           <a:p>
             <a:pPr marL="0" lvl="0" indent="0" algn="just" rtl="0">
               <a:spcBef>
-                <a:spcPts val="1200"/>
+                <a:spcPts val="0"/>
+              </a:spcBef>
+              <a:spcAft>
+                <a:spcPts val="0"/>
+              </a:spcAft>
+              <a:buNone/>
+            </a:pPr>
+            <a:endParaRPr lang="it" dirty="0"/>
+          </a:p>
+          <a:p>
+            <a:pPr marL="0" lvl="0" indent="0" algn="just" rtl="0">
+              <a:spcBef>
+                <a:spcPts val="0"/>
               </a:spcBef>
               <a:spcAft>
                 <a:spcPts val="0"/>
@@ -11033,14 +11092,43 @@
             </a:r>
             <a:r>
               <a:rPr lang="it" dirty="0"/>
-              <a:t> è formato da 4 cifre comprese tra 0 e 255 separate da un punto.</a:t>
+              <a:t> è formato da 4 numeri decimali compresi tra 0 e 255 e separati da un punto, esempio: </a:t>
             </a:r>
-            <a:endParaRPr dirty="0"/>
+            <a:r>
+              <a:rPr lang="it" b="1" dirty="0"/>
+              <a:t>192.168.0.1 </a:t>
+            </a:r>
+            <a:r>
+              <a:rPr lang="it" dirty="0"/>
+              <a:t>(</a:t>
+            </a:r>
+            <a:r>
+              <a:rPr lang="it" dirty="0">
+                <a:hlinkClick r:id="rId3"/>
+              </a:rPr>
+              <a:t>problema della saturazione di IPv4</a:t>
+            </a:r>
+            <a:r>
+              <a:rPr lang="it" dirty="0"/>
+              <a:t>)</a:t>
+            </a:r>
           </a:p>
           <a:p>
             <a:pPr marL="0" lvl="0" indent="0" algn="just" rtl="0">
               <a:spcBef>
-                <a:spcPts val="1200"/>
+                <a:spcPts val="0"/>
+              </a:spcBef>
+              <a:spcAft>
+                <a:spcPts val="0"/>
+              </a:spcAft>
+              <a:buNone/>
+            </a:pPr>
+            <a:endParaRPr lang="it" b="1" dirty="0"/>
+          </a:p>
+          <a:p>
+            <a:pPr marL="0" lvl="0" indent="0" algn="just" rtl="0">
+              <a:spcBef>
+                <a:spcPts val="0"/>
               </a:spcBef>
               <a:spcAft>
                 <a:spcPts val="0"/>
@@ -11049,25 +11137,29 @@
             </a:pPr>
             <a:r>
               <a:rPr lang="it" dirty="0"/>
-              <a:t>Esempio: </a:t>
+              <a:t>L’indirizzo</a:t>
             </a:r>
             <a:r>
-              <a:rPr lang="it" sz="2300" b="1" dirty="0"/>
-              <a:t>97.24.1.89</a:t>
+              <a:rPr lang="it" b="1" dirty="0"/>
+              <a:t> IPv6 </a:t>
             </a:r>
-            <a:endParaRPr sz="2300" b="1" dirty="0"/>
-          </a:p>
-          <a:p>
-            <a:pPr marL="0" lvl="0" indent="0" algn="just" rtl="0">
-              <a:spcBef>
-                <a:spcPts val="1200"/>
-              </a:spcBef>
-              <a:spcAft>
-                <a:spcPts val="1200"/>
-              </a:spcAft>
-              <a:buNone/>
-            </a:pPr>
-            <a:endParaRPr dirty="0"/>
+            <a:r>
+              <a:rPr lang="it-IT" dirty="0"/>
+              <a:t>è formato da 8 numeri esadecimali compresi tra 0 e </a:t>
+            </a:r>
+            <a:r>
+              <a:rPr lang="it-IT" dirty="0" err="1"/>
+              <a:t>ffff</a:t>
+            </a:r>
+            <a:r>
+              <a:rPr lang="it-IT" dirty="0"/>
+              <a:t> e separati da due punti, esempio: </a:t>
+            </a:r>
+            <a:r>
+              <a:rPr lang="it-IT" b="1" dirty="0"/>
+              <a:t>2001:0db8:85a3:0000:1319:8a2e:0370:7344</a:t>
+            </a:r>
+            <a:endParaRPr b="1" dirty="0"/>
           </a:p>
         </p:txBody>
       </p:sp>
@@ -11159,7 +11251,7 @@
         </p:spPr>
         <p:txBody>
           <a:bodyPr spcFirstLastPara="1" wrap="square" lIns="91425" tIns="91425" rIns="91425" bIns="91425" anchor="t" anchorCtr="0">
-            <a:normAutofit lnSpcReduction="10000"/>
+            <a:normAutofit/>
           </a:bodyPr>
           <a:lstStyle/>
           <a:p>
@@ -11172,27 +11264,27 @@
             </a:r>
             <a:r>
               <a:rPr lang="it-IT" b="1" dirty="0"/>
-              <a:t>DNS </a:t>
+              <a:t>Domain Name System </a:t>
             </a:r>
             <a:r>
               <a:rPr lang="it-IT" dirty="0"/>
-              <a:t>è la "guida telefonica" di Internet. Le persone accedono alle informazioni online tramite dei nomi di dominio, come ad esempio netflix.com o </a:t>
+              <a:t>è un protocollo di rete utilizzato per assegnare nomi testuali ai nodi della rete. L'operazione di conversione da nome a indirizzo IP è detta "</a:t>
             </a:r>
             <a:r>
-              <a:rPr lang="it-IT" dirty="0" err="1"/>
-              <a:t>wikipedia.org</a:t>
+              <a:rPr lang="it-IT" b="1" dirty="0"/>
+              <a:t>risoluzione DNS</a:t>
             </a:r>
             <a:r>
               <a:rPr lang="it-IT" dirty="0"/>
-              <a:t>, ma i Browser per poter raggiungere le destinazioni desiderate hanno bisogno di conoscerne gli indirizzi </a:t>
+              <a:t>"; la conversione da indirizzo IP a nome testuale è detta "</a:t>
             </a:r>
             <a:r>
               <a:rPr lang="it-IT" b="1" dirty="0"/>
-              <a:t>IP</a:t>
+              <a:t>risoluzione inversa</a:t>
             </a:r>
             <a:r>
               <a:rPr lang="it-IT" dirty="0"/>
-              <a:t>.</a:t>
+              <a:t>". I nomi testuali sono utilizzabili al posto degli indirizzi IP originali per facilitare la navigazione in rete da parte dell’utente.</a:t>
             </a:r>
           </a:p>
           <a:p>
@@ -11200,21 +11292,8 @@
               <a:buNone/>
             </a:pPr>
             <a:r>
-              <a:rPr lang="it-IT" u="sng" dirty="0"/>
-              <a:t>Il DNS traduce i nomi di dominio in indirizzi IP</a:t>
-            </a:r>
-            <a:r>
               <a:rPr lang="it-IT" dirty="0"/>
-              <a:t>, in modo che i browser possano caricare le risorse Internet.</a:t>
-            </a:r>
-          </a:p>
-          <a:p>
-            <a:pPr marL="0" indent="0" algn="just">
-              <a:buNone/>
-            </a:pPr>
-            <a:r>
-              <a:rPr lang="it" dirty="0"/>
-              <a:t>Esempio:</a:t>
+              <a:t>ESERCIZIO:</a:t>
             </a:r>
           </a:p>
           <a:p>
@@ -11222,15 +11301,15 @@
               <a:buAutoNum type="arabicParenR"/>
             </a:pPr>
             <a:r>
-              <a:rPr lang="it" dirty="0"/>
+              <a:rPr lang="it-IT" dirty="0"/>
               <a:t>copia </a:t>
             </a:r>
             <a:r>
-              <a:rPr lang="it" b="1" dirty="0"/>
+              <a:rPr lang="it-IT" b="1" dirty="0"/>
               <a:t>l’URL</a:t>
             </a:r>
             <a:r>
-              <a:rPr lang="it" dirty="0"/>
+              <a:rPr lang="it-IT" dirty="0"/>
               <a:t> (</a:t>
             </a:r>
             <a:r>
@@ -11239,23 +11318,7 @@
             </a:r>
             <a:r>
               <a:rPr lang="it-IT" dirty="0"/>
-              <a:t> </a:t>
-            </a:r>
-            <a:r>
-              <a:rPr lang="it-IT" dirty="0" err="1"/>
-              <a:t>Resource</a:t>
-            </a:r>
-            <a:r>
-              <a:rPr lang="it-IT" dirty="0"/>
-              <a:t> </a:t>
-            </a:r>
-            <a:r>
-              <a:rPr lang="it-IT" dirty="0" err="1"/>
-              <a:t>Locator</a:t>
-            </a:r>
-            <a:r>
-              <a:rPr lang="it-IT" dirty="0"/>
-              <a:t>) del sito della scuola</a:t>
+              <a:t> Resource Locator) del sito della scuola</a:t>
             </a:r>
           </a:p>
           <a:p>
@@ -11280,9 +11343,17 @@
             </a:pPr>
             <a:r>
               <a:rPr lang="it-IT" dirty="0"/>
-              <a:t>Trova l’IP del sito e analizza le informazioni che si possono ottenere</a:t>
+              <a:t>Trova l’</a:t>
             </a:r>
-            <a:endParaRPr sz="2300" b="1"/>
+            <a:r>
+              <a:rPr lang="it-IT" b="1" dirty="0"/>
+              <a:t>IP</a:t>
+            </a:r>
+            <a:r>
+              <a:rPr lang="it-IT" dirty="0"/>
+              <a:t> del sito e analizza le informazioni che si possono ottenere</a:t>
+            </a:r>
+            <a:endParaRPr lang="it-IT" sz="2300" b="1" dirty="0"/>
           </a:p>
           <a:p>
             <a:pPr marL="0" lvl="0" indent="0" algn="just" rtl="0">
@@ -11294,7 +11365,7 @@
               </a:spcAft>
               <a:buNone/>
             </a:pPr>
-            <a:endParaRPr/>
+            <a:endParaRPr dirty="0"/>
           </a:p>
         </p:txBody>
       </p:sp>
@@ -11307,6 +11378,123 @@
 </file>
 
 <file path=ppt/slides/slide15.xml><?xml version="1.0" encoding="utf-8"?>
+<p:sld xmlns:a="http://schemas.openxmlformats.org/drawingml/2006/main" xmlns:r="http://schemas.openxmlformats.org/officeDocument/2006/relationships" xmlns:p="http://schemas.openxmlformats.org/presentationml/2006/main">
+  <p:cSld>
+    <p:spTree>
+      <p:nvGrpSpPr>
+        <p:cNvPr id="1" name=""/>
+        <p:cNvGrpSpPr/>
+        <p:nvPr/>
+      </p:nvGrpSpPr>
+      <p:grpSpPr>
+        <a:xfrm>
+          <a:off x="0" y="0"/>
+          <a:ext cx="0" cy="0"/>
+          <a:chOff x="0" y="0"/>
+          <a:chExt cx="0" cy="0"/>
+        </a:xfrm>
+      </p:grpSpPr>
+      <p:sp>
+        <p:nvSpPr>
+          <p:cNvPr id="2" name="Titolo 1">
+            <a:extLst>
+              <a:ext uri="{FF2B5EF4-FFF2-40B4-BE49-F238E27FC236}">
+                <a16:creationId xmlns:a16="http://schemas.microsoft.com/office/drawing/2014/main" id="{0C576A6A-8D93-42D6-9EAE-C003CF95E63D}"/>
+              </a:ext>
+            </a:extLst>
+          </p:cNvPr>
+          <p:cNvSpPr>
+            <a:spLocks noGrp="1"/>
+          </p:cNvSpPr>
+          <p:nvPr>
+            <p:ph type="title"/>
+          </p:nvPr>
+        </p:nvSpPr>
+        <p:spPr/>
+        <p:txBody>
+          <a:bodyPr anchor="b"/>
+          <a:lstStyle/>
+          <a:p>
+            <a:r>
+              <a:rPr lang="it-IT" dirty="0"/>
+              <a:t>RECORD DNS</a:t>
+            </a:r>
+          </a:p>
+        </p:txBody>
+      </p:sp>
+      <p:sp>
+        <p:nvSpPr>
+          <p:cNvPr id="3" name="Sottotitolo 2">
+            <a:extLst>
+              <a:ext uri="{FF2B5EF4-FFF2-40B4-BE49-F238E27FC236}">
+                <a16:creationId xmlns:a16="http://schemas.microsoft.com/office/drawing/2014/main" id="{BAB05295-A20F-5352-7E78-B8090A722031}"/>
+              </a:ext>
+            </a:extLst>
+          </p:cNvPr>
+          <p:cNvSpPr>
+            <a:spLocks noGrp="1"/>
+          </p:cNvSpPr>
+          <p:nvPr>
+            <p:ph type="subTitle" idx="1"/>
+          </p:nvPr>
+        </p:nvSpPr>
+        <p:spPr/>
+        <p:txBody>
+          <a:bodyPr/>
+          <a:lstStyle/>
+          <a:p>
+            <a:r>
+              <a:rPr lang="it-IT" dirty="0" err="1"/>
+              <a:t>nslookup</a:t>
+            </a:r>
+            <a:endParaRPr lang="it-IT" dirty="0"/>
+          </a:p>
+        </p:txBody>
+      </p:sp>
+      <p:pic>
+        <p:nvPicPr>
+          <p:cNvPr id="5" name="Immagine 4">
+            <a:extLst>
+              <a:ext uri="{FF2B5EF4-FFF2-40B4-BE49-F238E27FC236}">
+                <a16:creationId xmlns:a16="http://schemas.microsoft.com/office/drawing/2014/main" id="{41F643BE-423A-6B7C-17A3-CE4267BD4DF0}"/>
+              </a:ext>
+            </a:extLst>
+          </p:cNvPr>
+          <p:cNvPicPr>
+            <a:picLocks noChangeAspect="1"/>
+          </p:cNvPicPr>
+          <p:nvPr/>
+        </p:nvPicPr>
+        <p:blipFill>
+          <a:blip r:embed="rId2"/>
+          <a:stretch>
+            <a:fillRect/>
+          </a:stretch>
+        </p:blipFill>
+        <p:spPr>
+          <a:xfrm>
+            <a:off x="4572000" y="1613956"/>
+            <a:ext cx="4580064" cy="1915587"/>
+          </a:xfrm>
+          <a:prstGeom prst="rect">
+            <a:avLst/>
+          </a:prstGeom>
+        </p:spPr>
+      </p:pic>
+    </p:spTree>
+    <p:extLst>
+      <p:ext uri="{BB962C8B-B14F-4D97-AF65-F5344CB8AC3E}">
+        <p14:creationId xmlns:p14="http://schemas.microsoft.com/office/powerpoint/2010/main" val="3124554265"/>
+      </p:ext>
+    </p:extLst>
+  </p:cSld>
+  <p:clrMapOvr>
+    <a:masterClrMapping/>
+  </p:clrMapOvr>
+</p:sld>
+</file>
+
+<file path=ppt/slides/slide16.xml><?xml version="1.0" encoding="utf-8"?>
 <p:sld xmlns:a="http://schemas.openxmlformats.org/drawingml/2006/main" xmlns:r="http://schemas.openxmlformats.org/officeDocument/2006/relationships" xmlns:p="http://schemas.openxmlformats.org/presentationml/2006/main">
   <p:cSld>
     <p:spTree>
@@ -11525,7 +11713,7 @@
 </p:sld>
 </file>
 
-<file path=ppt/slides/slide16.xml><?xml version="1.0" encoding="utf-8"?>
+<file path=ppt/slides/slide17.xml><?xml version="1.0" encoding="utf-8"?>
 <p:sld xmlns:a="http://schemas.openxmlformats.org/drawingml/2006/main" xmlns:r="http://schemas.openxmlformats.org/officeDocument/2006/relationships" xmlns:p="http://schemas.openxmlformats.org/presentationml/2006/main">
   <p:cSld>
     <p:spTree>
@@ -11729,7 +11917,7 @@
 </p:sld>
 </file>
 
-<file path=ppt/slides/slide17.xml><?xml version="1.0" encoding="utf-8"?>
+<file path=ppt/slides/slide18.xml><?xml version="1.0" encoding="utf-8"?>
 <p:sld xmlns:a="http://schemas.openxmlformats.org/drawingml/2006/main" xmlns:r="http://schemas.openxmlformats.org/officeDocument/2006/relationships" xmlns:p="http://schemas.openxmlformats.org/presentationml/2006/main">
   <p:cSld>
     <p:spTree>
@@ -11922,7 +12110,7 @@
 </p:sld>
 </file>
 
-<file path=ppt/slides/slide18.xml><?xml version="1.0" encoding="utf-8"?>
+<file path=ppt/slides/slide19.xml><?xml version="1.0" encoding="utf-8"?>
 <p:sld xmlns:a="http://schemas.openxmlformats.org/drawingml/2006/main" xmlns:r="http://schemas.openxmlformats.org/officeDocument/2006/relationships" xmlns:p="http://schemas.openxmlformats.org/presentationml/2006/main">
   <p:cSld>
     <p:spTree>
@@ -12116,206 +12304,6 @@
           <a:xfrm>
             <a:off x="4939425" y="1274250"/>
             <a:ext cx="3826700" cy="2071725"/>
-          </a:xfrm>
-          <a:prstGeom prst="rect">
-            <a:avLst/>
-          </a:prstGeom>
-          <a:noFill/>
-          <a:ln>
-            <a:noFill/>
-          </a:ln>
-        </p:spPr>
-      </p:pic>
-    </p:spTree>
-  </p:cSld>
-  <p:clrMapOvr>
-    <a:masterClrMapping/>
-  </p:clrMapOvr>
-</p:sld>
-</file>
-
-<file path=ppt/slides/slide19.xml><?xml version="1.0" encoding="utf-8"?>
-<p:sld xmlns:a="http://schemas.openxmlformats.org/drawingml/2006/main" xmlns:r="http://schemas.openxmlformats.org/officeDocument/2006/relationships" xmlns:p="http://schemas.openxmlformats.org/presentationml/2006/main">
-  <p:cSld>
-    <p:spTree>
-      <p:nvGrpSpPr>
-        <p:cNvPr id="1" name="Shape 143"/>
-        <p:cNvGrpSpPr/>
-        <p:nvPr/>
-      </p:nvGrpSpPr>
-      <p:grpSpPr>
-        <a:xfrm>
-          <a:off x="0" y="0"/>
-          <a:ext cx="0" cy="0"/>
-          <a:chOff x="0" y="0"/>
-          <a:chExt cx="0" cy="0"/>
-        </a:xfrm>
-      </p:grpSpPr>
-      <p:sp>
-        <p:nvSpPr>
-          <p:cNvPr id="144" name="Google Shape;144;p24"/>
-          <p:cNvSpPr txBox="1">
-            <a:spLocks noGrp="1"/>
-          </p:cNvSpPr>
-          <p:nvPr>
-            <p:ph type="title"/>
-          </p:nvPr>
-        </p:nvSpPr>
-        <p:spPr>
-          <a:xfrm>
-            <a:off x="265500" y="0"/>
-            <a:ext cx="4045200" cy="1675800"/>
-          </a:xfrm>
-          <a:prstGeom prst="rect">
-            <a:avLst/>
-          </a:prstGeom>
-        </p:spPr>
-        <p:txBody>
-          <a:bodyPr spcFirstLastPara="1" wrap="square" lIns="91425" tIns="91425" rIns="91425" bIns="91425" anchor="b" anchorCtr="0">
-            <a:normAutofit/>
-          </a:bodyPr>
-          <a:lstStyle/>
-          <a:p>
-            <a:pPr marL="0" lvl="0" indent="0" algn="ctr" rtl="0">
-              <a:spcBef>
-                <a:spcPts val="0"/>
-              </a:spcBef>
-              <a:spcAft>
-                <a:spcPts val="0"/>
-              </a:spcAft>
-              <a:buNone/>
-            </a:pPr>
-            <a:r>
-              <a:rPr lang="it"/>
-              <a:t>TOPOLOGIA A STELLA</a:t>
-            </a:r>
-            <a:endParaRPr/>
-          </a:p>
-        </p:txBody>
-      </p:sp>
-      <p:sp>
-        <p:nvSpPr>
-          <p:cNvPr id="145" name="Google Shape;145;p24"/>
-          <p:cNvSpPr txBox="1">
-            <a:spLocks noGrp="1"/>
-          </p:cNvSpPr>
-          <p:nvPr>
-            <p:ph type="subTitle" idx="1"/>
-          </p:nvPr>
-        </p:nvSpPr>
-        <p:spPr>
-          <a:xfrm>
-            <a:off x="265500" y="1675800"/>
-            <a:ext cx="4045200" cy="3467700"/>
-          </a:xfrm>
-          <a:prstGeom prst="rect">
-            <a:avLst/>
-          </a:prstGeom>
-        </p:spPr>
-        <p:txBody>
-          <a:bodyPr spcFirstLastPara="1" wrap="square" lIns="91425" tIns="91425" rIns="91425" bIns="91425" anchor="t" anchorCtr="0">
-            <a:normAutofit fontScale="70000" lnSpcReduction="20000"/>
-          </a:bodyPr>
-          <a:lstStyle/>
-          <a:p>
-            <a:pPr marL="0" lvl="0" indent="0" algn="just" rtl="0">
-              <a:spcBef>
-                <a:spcPts val="0"/>
-              </a:spcBef>
-              <a:spcAft>
-                <a:spcPts val="0"/>
-              </a:spcAft>
-              <a:buNone/>
-            </a:pPr>
-            <a:r>
-              <a:rPr lang="it"/>
-              <a:t>Nella topologia di rete a stella ci sono tanti nodi figli, tutti connessi a un nodo padre che si trova appunto al centro della stella e che può essere:</a:t>
-            </a:r>
-            <a:endParaRPr/>
-          </a:p>
-          <a:p>
-            <a:pPr marL="0" lvl="0" indent="0" algn="just" rtl="0">
-              <a:spcBef>
-                <a:spcPts val="0"/>
-              </a:spcBef>
-              <a:spcAft>
-                <a:spcPts val="0"/>
-              </a:spcAft>
-              <a:buNone/>
-            </a:pPr>
-            <a:endParaRPr/>
-          </a:p>
-          <a:p>
-            <a:pPr marL="457200" lvl="0" indent="-321945" algn="just" rtl="0">
-              <a:spcBef>
-                <a:spcPts val="0"/>
-              </a:spcBef>
-              <a:spcAft>
-                <a:spcPts val="0"/>
-              </a:spcAft>
-              <a:buSzPct val="100000"/>
-              <a:buChar char="●"/>
-            </a:pPr>
-            <a:r>
-              <a:rPr lang="it"/>
-              <a:t>un hub cioè un sistema hardware centrale che si limita a inviare lungo tutti i collegamenti un duplicato di ciascun pacchetto, in maniera indistinta.</a:t>
-            </a:r>
-            <a:endParaRPr/>
-          </a:p>
-          <a:p>
-            <a:pPr marL="457200" lvl="0" indent="-321945" algn="just" rtl="0">
-              <a:spcBef>
-                <a:spcPts val="0"/>
-              </a:spcBef>
-              <a:spcAft>
-                <a:spcPts val="0"/>
-              </a:spcAft>
-              <a:buSzPct val="100000"/>
-              <a:buChar char="●"/>
-            </a:pPr>
-            <a:r>
-              <a:rPr lang="it"/>
-              <a:t>uno switch, cioè un dispositivo che assicura la comunicazione tra i diversi nodi e conosce i collegamenti dei singoli computer.</a:t>
-            </a:r>
-            <a:endParaRPr/>
-          </a:p>
-          <a:p>
-            <a:pPr marL="457200" lvl="0" indent="-321945" algn="just" rtl="0">
-              <a:spcBef>
-                <a:spcPts val="0"/>
-              </a:spcBef>
-              <a:spcAft>
-                <a:spcPts val="0"/>
-              </a:spcAft>
-              <a:buSzPct val="100000"/>
-              <a:buChar char="●"/>
-            </a:pPr>
-            <a:r>
-              <a:rPr lang="it"/>
-              <a:t>un pc o nodo stesso della rete che processa i vari messaggi e li indirizza al corretto destinatario.</a:t>
-            </a:r>
-            <a:endParaRPr/>
-          </a:p>
-        </p:txBody>
-      </p:sp>
-      <p:pic>
-        <p:nvPicPr>
-          <p:cNvPr id="146" name="Google Shape;146;p24"/>
-          <p:cNvPicPr preferRelativeResize="0"/>
-          <p:nvPr/>
-        </p:nvPicPr>
-        <p:blipFill>
-          <a:blip r:embed="rId3">
-            <a:alphaModFix/>
-          </a:blip>
-          <a:stretch>
-            <a:fillRect/>
-          </a:stretch>
-        </p:blipFill>
-        <p:spPr>
-          <a:xfrm>
-            <a:off x="4808200" y="1466750"/>
-            <a:ext cx="4147500" cy="1898850"/>
           </a:xfrm>
           <a:prstGeom prst="rect">
             <a:avLst/>
@@ -12550,6 +12538,206 @@
 </file>
 
 <file path=ppt/slides/slide20.xml><?xml version="1.0" encoding="utf-8"?>
+<p:sld xmlns:a="http://schemas.openxmlformats.org/drawingml/2006/main" xmlns:r="http://schemas.openxmlformats.org/officeDocument/2006/relationships" xmlns:p="http://schemas.openxmlformats.org/presentationml/2006/main">
+  <p:cSld>
+    <p:spTree>
+      <p:nvGrpSpPr>
+        <p:cNvPr id="1" name="Shape 143"/>
+        <p:cNvGrpSpPr/>
+        <p:nvPr/>
+      </p:nvGrpSpPr>
+      <p:grpSpPr>
+        <a:xfrm>
+          <a:off x="0" y="0"/>
+          <a:ext cx="0" cy="0"/>
+          <a:chOff x="0" y="0"/>
+          <a:chExt cx="0" cy="0"/>
+        </a:xfrm>
+      </p:grpSpPr>
+      <p:sp>
+        <p:nvSpPr>
+          <p:cNvPr id="144" name="Google Shape;144;p24"/>
+          <p:cNvSpPr txBox="1">
+            <a:spLocks noGrp="1"/>
+          </p:cNvSpPr>
+          <p:nvPr>
+            <p:ph type="title"/>
+          </p:nvPr>
+        </p:nvSpPr>
+        <p:spPr>
+          <a:xfrm>
+            <a:off x="265500" y="0"/>
+            <a:ext cx="4045200" cy="1675800"/>
+          </a:xfrm>
+          <a:prstGeom prst="rect">
+            <a:avLst/>
+          </a:prstGeom>
+        </p:spPr>
+        <p:txBody>
+          <a:bodyPr spcFirstLastPara="1" wrap="square" lIns="91425" tIns="91425" rIns="91425" bIns="91425" anchor="b" anchorCtr="0">
+            <a:normAutofit/>
+          </a:bodyPr>
+          <a:lstStyle/>
+          <a:p>
+            <a:pPr marL="0" lvl="0" indent="0" algn="ctr" rtl="0">
+              <a:spcBef>
+                <a:spcPts val="0"/>
+              </a:spcBef>
+              <a:spcAft>
+                <a:spcPts val="0"/>
+              </a:spcAft>
+              <a:buNone/>
+            </a:pPr>
+            <a:r>
+              <a:rPr lang="it"/>
+              <a:t>TOPOLOGIA A STELLA</a:t>
+            </a:r>
+            <a:endParaRPr/>
+          </a:p>
+        </p:txBody>
+      </p:sp>
+      <p:sp>
+        <p:nvSpPr>
+          <p:cNvPr id="145" name="Google Shape;145;p24"/>
+          <p:cNvSpPr txBox="1">
+            <a:spLocks noGrp="1"/>
+          </p:cNvSpPr>
+          <p:nvPr>
+            <p:ph type="subTitle" idx="1"/>
+          </p:nvPr>
+        </p:nvSpPr>
+        <p:spPr>
+          <a:xfrm>
+            <a:off x="265500" y="1675800"/>
+            <a:ext cx="4045200" cy="3467700"/>
+          </a:xfrm>
+          <a:prstGeom prst="rect">
+            <a:avLst/>
+          </a:prstGeom>
+        </p:spPr>
+        <p:txBody>
+          <a:bodyPr spcFirstLastPara="1" wrap="square" lIns="91425" tIns="91425" rIns="91425" bIns="91425" anchor="t" anchorCtr="0">
+            <a:normAutofit fontScale="70000" lnSpcReduction="20000"/>
+          </a:bodyPr>
+          <a:lstStyle/>
+          <a:p>
+            <a:pPr marL="0" lvl="0" indent="0" algn="just" rtl="0">
+              <a:spcBef>
+                <a:spcPts val="0"/>
+              </a:spcBef>
+              <a:spcAft>
+                <a:spcPts val="0"/>
+              </a:spcAft>
+              <a:buNone/>
+            </a:pPr>
+            <a:r>
+              <a:rPr lang="it"/>
+              <a:t>Nella topologia di rete a stella ci sono tanti nodi figli, tutti connessi a un nodo padre che si trova appunto al centro della stella e che può essere:</a:t>
+            </a:r>
+            <a:endParaRPr/>
+          </a:p>
+          <a:p>
+            <a:pPr marL="0" lvl="0" indent="0" algn="just" rtl="0">
+              <a:spcBef>
+                <a:spcPts val="0"/>
+              </a:spcBef>
+              <a:spcAft>
+                <a:spcPts val="0"/>
+              </a:spcAft>
+              <a:buNone/>
+            </a:pPr>
+            <a:endParaRPr/>
+          </a:p>
+          <a:p>
+            <a:pPr marL="457200" lvl="0" indent="-321945" algn="just" rtl="0">
+              <a:spcBef>
+                <a:spcPts val="0"/>
+              </a:spcBef>
+              <a:spcAft>
+                <a:spcPts val="0"/>
+              </a:spcAft>
+              <a:buSzPct val="100000"/>
+              <a:buChar char="●"/>
+            </a:pPr>
+            <a:r>
+              <a:rPr lang="it"/>
+              <a:t>un hub cioè un sistema hardware centrale che si limita a inviare lungo tutti i collegamenti un duplicato di ciascun pacchetto, in maniera indistinta.</a:t>
+            </a:r>
+            <a:endParaRPr/>
+          </a:p>
+          <a:p>
+            <a:pPr marL="457200" lvl="0" indent="-321945" algn="just" rtl="0">
+              <a:spcBef>
+                <a:spcPts val="0"/>
+              </a:spcBef>
+              <a:spcAft>
+                <a:spcPts val="0"/>
+              </a:spcAft>
+              <a:buSzPct val="100000"/>
+              <a:buChar char="●"/>
+            </a:pPr>
+            <a:r>
+              <a:rPr lang="it"/>
+              <a:t>uno switch, cioè un dispositivo che assicura la comunicazione tra i diversi nodi e conosce i collegamenti dei singoli computer.</a:t>
+            </a:r>
+            <a:endParaRPr/>
+          </a:p>
+          <a:p>
+            <a:pPr marL="457200" lvl="0" indent="-321945" algn="just" rtl="0">
+              <a:spcBef>
+                <a:spcPts val="0"/>
+              </a:spcBef>
+              <a:spcAft>
+                <a:spcPts val="0"/>
+              </a:spcAft>
+              <a:buSzPct val="100000"/>
+              <a:buChar char="●"/>
+            </a:pPr>
+            <a:r>
+              <a:rPr lang="it"/>
+              <a:t>un pc o nodo stesso della rete che processa i vari messaggi e li indirizza al corretto destinatario.</a:t>
+            </a:r>
+            <a:endParaRPr/>
+          </a:p>
+        </p:txBody>
+      </p:sp>
+      <p:pic>
+        <p:nvPicPr>
+          <p:cNvPr id="146" name="Google Shape;146;p24"/>
+          <p:cNvPicPr preferRelativeResize="0"/>
+          <p:nvPr/>
+        </p:nvPicPr>
+        <p:blipFill>
+          <a:blip r:embed="rId3">
+            <a:alphaModFix/>
+          </a:blip>
+          <a:stretch>
+            <a:fillRect/>
+          </a:stretch>
+        </p:blipFill>
+        <p:spPr>
+          <a:xfrm>
+            <a:off x="4808200" y="1466750"/>
+            <a:ext cx="4147500" cy="1898850"/>
+          </a:xfrm>
+          <a:prstGeom prst="rect">
+            <a:avLst/>
+          </a:prstGeom>
+          <a:noFill/>
+          <a:ln>
+            <a:noFill/>
+          </a:ln>
+        </p:spPr>
+      </p:pic>
+    </p:spTree>
+  </p:cSld>
+  <p:clrMapOvr>
+    <a:masterClrMapping/>
+  </p:clrMapOvr>
+</p:sld>
+</file>
+
+<file path=ppt/slides/slide21.xml><?xml version="1.0" encoding="utf-8"?>
 <p:sld xmlns:a="http://schemas.openxmlformats.org/drawingml/2006/main" xmlns:r="http://schemas.openxmlformats.org/officeDocument/2006/relationships" xmlns:p="http://schemas.openxmlformats.org/presentationml/2006/main">
   <p:cSld>
     <p:spTree>

--- a/reti_informatiche/materiale/lezione_1_reti_introduzione.pptx
+++ b/reti_informatiche/materiale/lezione_1_reti_introduzione.pptx
@@ -5,7 +5,7 @@
     <p:sldMasterId id="2147483659" r:id="rId1"/>
   </p:sldMasterIdLst>
   <p:notesMasterIdLst>
-    <p:notesMasterId r:id="rId23"/>
+    <p:notesMasterId r:id="rId30"/>
   </p:notesMasterIdLst>
   <p:sldIdLst>
     <p:sldId id="256" r:id="rId2"/>
@@ -21,29 +21,36 @@
     <p:sldId id="262" r:id="rId12"/>
     <p:sldId id="279" r:id="rId13"/>
     <p:sldId id="261" r:id="rId14"/>
-    <p:sldId id="269" r:id="rId15"/>
-    <p:sldId id="281" r:id="rId16"/>
-    <p:sldId id="263" r:id="rId17"/>
-    <p:sldId id="264" r:id="rId18"/>
-    <p:sldId id="265" r:id="rId19"/>
-    <p:sldId id="266" r:id="rId20"/>
-    <p:sldId id="267" r:id="rId21"/>
-    <p:sldId id="268" r:id="rId22"/>
+    <p:sldId id="284" r:id="rId15"/>
+    <p:sldId id="285" r:id="rId16"/>
+    <p:sldId id="286" r:id="rId17"/>
+    <p:sldId id="269" r:id="rId18"/>
+    <p:sldId id="281" r:id="rId19"/>
+    <p:sldId id="287" r:id="rId20"/>
+    <p:sldId id="293" r:id="rId21"/>
+    <p:sldId id="295" r:id="rId22"/>
+    <p:sldId id="291" r:id="rId23"/>
+    <p:sldId id="288" r:id="rId24"/>
+    <p:sldId id="292" r:id="rId25"/>
+    <p:sldId id="265" r:id="rId26"/>
+    <p:sldId id="266" r:id="rId27"/>
+    <p:sldId id="267" r:id="rId28"/>
+    <p:sldId id="268" r:id="rId29"/>
   </p:sldIdLst>
   <p:sldSz cx="9144000" cy="5143500" type="screen16x9"/>
   <p:notesSz cx="6858000" cy="9144000"/>
   <p:embeddedFontLst>
     <p:embeddedFont>
       <p:font typeface="Open Sans" panose="020B0606030504020204" pitchFamily="34" charset="0"/>
-      <p:regular r:id="rId24"/>
-      <p:bold r:id="rId25"/>
-      <p:italic r:id="rId26"/>
-      <p:boldItalic r:id="rId27"/>
+      <p:regular r:id="rId31"/>
+      <p:bold r:id="rId32"/>
+      <p:italic r:id="rId33"/>
+      <p:boldItalic r:id="rId34"/>
     </p:embeddedFont>
     <p:embeddedFont>
       <p:font typeface="PT Sans Narrow" panose="020B0506020203020204" pitchFamily="34" charset="0"/>
-      <p:regular r:id="rId28"/>
-      <p:bold r:id="rId29"/>
+      <p:regular r:id="rId35"/>
+      <p:bold r:id="rId36"/>
     </p:embeddedFont>
   </p:embeddedFontLst>
   <p:defaultTextStyle>
@@ -1362,6 +1369,11 @@
         </p:txBody>
       </p:sp>
     </p:spTree>
+    <p:extLst>
+      <p:ext uri="{BB962C8B-B14F-4D97-AF65-F5344CB8AC3E}">
+        <p14:creationId xmlns:p14="http://schemas.microsoft.com/office/powerpoint/2010/main" val="3039172494"/>
+      </p:ext>
+    </p:extLst>
   </p:cSld>
   <p:clrMapOvr>
     <a:masterClrMapping/>
@@ -1374,7 +1386,7 @@
   <p:cSld>
     <p:spTree>
       <p:nvGrpSpPr>
-        <p:cNvPr id="1" name="Shape 108"/>
+        <p:cNvPr id="1" name="Shape 96"/>
         <p:cNvGrpSpPr/>
         <p:nvPr/>
       </p:nvGrpSpPr>
@@ -1388,7 +1400,7 @@
       </p:grpSpPr>
       <p:sp>
         <p:nvSpPr>
-          <p:cNvPr id="109" name="Google Shape;109;g1696a3a717b_0_33:notes"/>
+          <p:cNvPr id="97" name="Google Shape;97;g161796e86f2_0_76:notes"/>
           <p:cNvSpPr>
             <a:spLocks noGrp="1" noRot="1" noChangeAspect="1"/>
           </p:cNvSpPr>
@@ -1429,7 +1441,7 @@
       </p:sp>
       <p:sp>
         <p:nvSpPr>
-          <p:cNvPr id="110" name="Google Shape;110;g1696a3a717b_0_33:notes"/>
+          <p:cNvPr id="98" name="Google Shape;98;g161796e86f2_0_76:notes"/>
           <p:cNvSpPr txBox="1">
             <a:spLocks noGrp="1"/>
           </p:cNvSpPr>
@@ -1478,7 +1490,7 @@
   <p:cSld>
     <p:spTree>
       <p:nvGrpSpPr>
-        <p:cNvPr id="1" name="Shape 116"/>
+        <p:cNvPr id="1" name="Shape 74"/>
         <p:cNvGrpSpPr/>
         <p:nvPr/>
       </p:nvGrpSpPr>
@@ -1492,7 +1504,7 @@
       </p:grpSpPr>
       <p:sp>
         <p:nvSpPr>
-          <p:cNvPr id="117" name="Google Shape;117;g1696a3a717b_0_23:notes"/>
+          <p:cNvPr id="75" name="Google Shape;75;g169263f8374_0_35:notes"/>
           <p:cNvSpPr>
             <a:spLocks noGrp="1" noRot="1" noChangeAspect="1"/>
           </p:cNvSpPr>
@@ -1502,7 +1514,7 @@
         </p:nvSpPr>
         <p:spPr>
           <a:xfrm>
-            <a:off x="381300" y="685800"/>
+            <a:off x="381000" y="685800"/>
             <a:ext cx="6096000" cy="3429000"/>
           </a:xfrm>
           <a:custGeom>
@@ -1533,7 +1545,7 @@
       </p:sp>
       <p:sp>
         <p:nvSpPr>
-          <p:cNvPr id="118" name="Google Shape;118;g1696a3a717b_0_23:notes"/>
+          <p:cNvPr id="76" name="Google Shape;76;g169263f8374_0_35:notes"/>
           <p:cNvSpPr txBox="1">
             <a:spLocks noGrp="1"/>
           </p:cNvSpPr>
@@ -1570,6 +1582,11 @@
         </p:txBody>
       </p:sp>
     </p:spTree>
+    <p:extLst>
+      <p:ext uri="{BB962C8B-B14F-4D97-AF65-F5344CB8AC3E}">
+        <p14:creationId xmlns:p14="http://schemas.microsoft.com/office/powerpoint/2010/main" val="3786199427"/>
+      </p:ext>
+    </p:extLst>
   </p:cSld>
   <p:clrMapOvr>
     <a:masterClrMapping/>
@@ -1578,6 +1595,138 @@
 </file>
 
 <file path=ppt/notesSlides/notesSlide17.xml><?xml version="1.0" encoding="utf-8"?>
+<p:notes xmlns:a="http://schemas.openxmlformats.org/drawingml/2006/main" xmlns:r="http://schemas.openxmlformats.org/officeDocument/2006/relationships" xmlns:p="http://schemas.openxmlformats.org/presentationml/2006/main">
+  <p:cSld>
+    <p:spTree>
+      <p:nvGrpSpPr>
+        <p:cNvPr id="1" name=""/>
+        <p:cNvGrpSpPr/>
+        <p:nvPr/>
+      </p:nvGrpSpPr>
+      <p:grpSpPr>
+        <a:xfrm>
+          <a:off x="0" y="0"/>
+          <a:ext cx="0" cy="0"/>
+          <a:chOff x="0" y="0"/>
+          <a:chExt cx="0" cy="0"/>
+        </a:xfrm>
+      </p:grpSpPr>
+      <p:sp>
+        <p:nvSpPr>
+          <p:cNvPr id="2" name="Segnaposto immagine diapositiva 1"/>
+          <p:cNvSpPr>
+            <a:spLocks noGrp="1" noRot="1" noChangeAspect="1"/>
+          </p:cNvSpPr>
+          <p:nvPr>
+            <p:ph type="sldImg"/>
+          </p:nvPr>
+        </p:nvSpPr>
+        <p:spPr>
+          <a:xfrm>
+            <a:off x="381000" y="685800"/>
+            <a:ext cx="6096000" cy="3429000"/>
+          </a:xfrm>
+        </p:spPr>
+      </p:sp>
+      <p:sp>
+        <p:nvSpPr>
+          <p:cNvPr id="3" name="Segnaposto note 2"/>
+          <p:cNvSpPr>
+            <a:spLocks noGrp="1"/>
+          </p:cNvSpPr>
+          <p:nvPr>
+            <p:ph type="body" idx="1"/>
+          </p:nvPr>
+        </p:nvSpPr>
+        <p:spPr/>
+        <p:txBody>
+          <a:bodyPr/>
+          <a:lstStyle/>
+          <a:p>
+            <a:endParaRPr lang="it-IT" dirty="0"/>
+          </a:p>
+        </p:txBody>
+      </p:sp>
+    </p:spTree>
+    <p:extLst>
+      <p:ext uri="{BB962C8B-B14F-4D97-AF65-F5344CB8AC3E}">
+        <p14:creationId xmlns:p14="http://schemas.microsoft.com/office/powerpoint/2010/main" val="1563879427"/>
+      </p:ext>
+    </p:extLst>
+  </p:cSld>
+  <p:clrMapOvr>
+    <a:masterClrMapping/>
+  </p:clrMapOvr>
+</p:notes>
+</file>
+
+<file path=ppt/notesSlides/notesSlide18.xml><?xml version="1.0" encoding="utf-8"?>
+<p:notes xmlns:a="http://schemas.openxmlformats.org/drawingml/2006/main" xmlns:r="http://schemas.openxmlformats.org/officeDocument/2006/relationships" xmlns:p="http://schemas.openxmlformats.org/presentationml/2006/main">
+  <p:cSld>
+    <p:spTree>
+      <p:nvGrpSpPr>
+        <p:cNvPr id="1" name=""/>
+        <p:cNvGrpSpPr/>
+        <p:nvPr/>
+      </p:nvGrpSpPr>
+      <p:grpSpPr>
+        <a:xfrm>
+          <a:off x="0" y="0"/>
+          <a:ext cx="0" cy="0"/>
+          <a:chOff x="0" y="0"/>
+          <a:chExt cx="0" cy="0"/>
+        </a:xfrm>
+      </p:grpSpPr>
+      <p:sp>
+        <p:nvSpPr>
+          <p:cNvPr id="2" name="Segnaposto immagine diapositiva 1"/>
+          <p:cNvSpPr>
+            <a:spLocks noGrp="1" noRot="1" noChangeAspect="1"/>
+          </p:cNvSpPr>
+          <p:nvPr>
+            <p:ph type="sldImg"/>
+          </p:nvPr>
+        </p:nvSpPr>
+        <p:spPr>
+          <a:xfrm>
+            <a:off x="381000" y="685800"/>
+            <a:ext cx="6096000" cy="3429000"/>
+          </a:xfrm>
+        </p:spPr>
+      </p:sp>
+      <p:sp>
+        <p:nvSpPr>
+          <p:cNvPr id="3" name="Segnaposto note 2"/>
+          <p:cNvSpPr>
+            <a:spLocks noGrp="1"/>
+          </p:cNvSpPr>
+          <p:nvPr>
+            <p:ph type="body" idx="1"/>
+          </p:nvPr>
+        </p:nvSpPr>
+        <p:spPr/>
+        <p:txBody>
+          <a:bodyPr/>
+          <a:lstStyle/>
+          <a:p>
+            <a:endParaRPr lang="it-IT" dirty="0"/>
+          </a:p>
+        </p:txBody>
+      </p:sp>
+    </p:spTree>
+    <p:extLst>
+      <p:ext uri="{BB962C8B-B14F-4D97-AF65-F5344CB8AC3E}">
+        <p14:creationId xmlns:p14="http://schemas.microsoft.com/office/powerpoint/2010/main" val="3709310723"/>
+      </p:ext>
+    </p:extLst>
+  </p:cSld>
+  <p:clrMapOvr>
+    <a:masterClrMapping/>
+  </p:clrMapOvr>
+</p:notes>
+</file>
+
+<file path=ppt/notesSlides/notesSlide19.xml><?xml version="1.0" encoding="utf-8"?>
 <p:notes xmlns:a="http://schemas.openxmlformats.org/drawingml/2006/main" xmlns:r="http://schemas.openxmlformats.org/officeDocument/2006/relationships" xmlns:p="http://schemas.openxmlformats.org/presentationml/2006/main" showMasterSp="0" showMasterPhAnim="0">
   <p:cSld>
     <p:spTree>
@@ -1638,214 +1787,6 @@
       <p:sp>
         <p:nvSpPr>
           <p:cNvPr id="126" name="Google Shape;126;g169263f8374_0_43:notes"/>
-          <p:cNvSpPr txBox="1">
-            <a:spLocks noGrp="1"/>
-          </p:cNvSpPr>
-          <p:nvPr>
-            <p:ph type="body" idx="1"/>
-          </p:nvPr>
-        </p:nvSpPr>
-        <p:spPr>
-          <a:xfrm>
-            <a:off x="685800" y="4343400"/>
-            <a:ext cx="5486400" cy="4114800"/>
-          </a:xfrm>
-          <a:prstGeom prst="rect">
-            <a:avLst/>
-          </a:prstGeom>
-        </p:spPr>
-        <p:txBody>
-          <a:bodyPr spcFirstLastPara="1" wrap="square" lIns="91425" tIns="91425" rIns="91425" bIns="91425" anchor="t" anchorCtr="0">
-            <a:noAutofit/>
-          </a:bodyPr>
-          <a:lstStyle/>
-          <a:p>
-            <a:pPr marL="0" lvl="0" indent="0" algn="l" rtl="0">
-              <a:spcBef>
-                <a:spcPts val="0"/>
-              </a:spcBef>
-              <a:spcAft>
-                <a:spcPts val="0"/>
-              </a:spcAft>
-              <a:buNone/>
-            </a:pPr>
-            <a:endParaRPr/>
-          </a:p>
-        </p:txBody>
-      </p:sp>
-    </p:spTree>
-  </p:cSld>
-  <p:clrMapOvr>
-    <a:masterClrMapping/>
-  </p:clrMapOvr>
-</p:notes>
-</file>
-
-<file path=ppt/notesSlides/notesSlide18.xml><?xml version="1.0" encoding="utf-8"?>
-<p:notes xmlns:a="http://schemas.openxmlformats.org/drawingml/2006/main" xmlns:r="http://schemas.openxmlformats.org/officeDocument/2006/relationships" xmlns:p="http://schemas.openxmlformats.org/presentationml/2006/main" showMasterSp="0" showMasterPhAnim="0">
-  <p:cSld>
-    <p:spTree>
-      <p:nvGrpSpPr>
-        <p:cNvPr id="1" name="Shape 133"/>
-        <p:cNvGrpSpPr/>
-        <p:nvPr/>
-      </p:nvGrpSpPr>
-      <p:grpSpPr>
-        <a:xfrm>
-          <a:off x="0" y="0"/>
-          <a:ext cx="0" cy="0"/>
-          <a:chOff x="0" y="0"/>
-          <a:chExt cx="0" cy="0"/>
-        </a:xfrm>
-      </p:grpSpPr>
-      <p:sp>
-        <p:nvSpPr>
-          <p:cNvPr id="134" name="Google Shape;134;g169263f8374_0_50:notes"/>
-          <p:cNvSpPr>
-            <a:spLocks noGrp="1" noRot="1" noChangeAspect="1"/>
-          </p:cNvSpPr>
-          <p:nvPr>
-            <p:ph type="sldImg" idx="2"/>
-          </p:nvPr>
-        </p:nvSpPr>
-        <p:spPr>
-          <a:xfrm>
-            <a:off x="381300" y="685800"/>
-            <a:ext cx="6096000" cy="3429000"/>
-          </a:xfrm>
-          <a:custGeom>
-            <a:avLst/>
-            <a:gdLst/>
-            <a:ahLst/>
-            <a:cxnLst/>
-            <a:rect l="l" t="t" r="r" b="b"/>
-            <a:pathLst>
-              <a:path w="120000" h="120000" extrusionOk="0">
-                <a:moveTo>
-                  <a:pt x="0" y="0"/>
-                </a:moveTo>
-                <a:lnTo>
-                  <a:pt x="120000" y="0"/>
-                </a:lnTo>
-                <a:lnTo>
-                  <a:pt x="120000" y="120000"/>
-                </a:lnTo>
-                <a:lnTo>
-                  <a:pt x="0" y="120000"/>
-                </a:lnTo>
-                <a:close/>
-              </a:path>
-            </a:pathLst>
-          </a:custGeom>
-        </p:spPr>
-      </p:sp>
-      <p:sp>
-        <p:nvSpPr>
-          <p:cNvPr id="135" name="Google Shape;135;g169263f8374_0_50:notes"/>
-          <p:cNvSpPr txBox="1">
-            <a:spLocks noGrp="1"/>
-          </p:cNvSpPr>
-          <p:nvPr>
-            <p:ph type="body" idx="1"/>
-          </p:nvPr>
-        </p:nvSpPr>
-        <p:spPr>
-          <a:xfrm>
-            <a:off x="685800" y="4343400"/>
-            <a:ext cx="5486400" cy="4114800"/>
-          </a:xfrm>
-          <a:prstGeom prst="rect">
-            <a:avLst/>
-          </a:prstGeom>
-        </p:spPr>
-        <p:txBody>
-          <a:bodyPr spcFirstLastPara="1" wrap="square" lIns="91425" tIns="91425" rIns="91425" bIns="91425" anchor="t" anchorCtr="0">
-            <a:noAutofit/>
-          </a:bodyPr>
-          <a:lstStyle/>
-          <a:p>
-            <a:pPr marL="0" lvl="0" indent="0" algn="l" rtl="0">
-              <a:spcBef>
-                <a:spcPts val="0"/>
-              </a:spcBef>
-              <a:spcAft>
-                <a:spcPts val="0"/>
-              </a:spcAft>
-              <a:buNone/>
-            </a:pPr>
-            <a:endParaRPr/>
-          </a:p>
-        </p:txBody>
-      </p:sp>
-    </p:spTree>
-  </p:cSld>
-  <p:clrMapOvr>
-    <a:masterClrMapping/>
-  </p:clrMapOvr>
-</p:notes>
-</file>
-
-<file path=ppt/notesSlides/notesSlide19.xml><?xml version="1.0" encoding="utf-8"?>
-<p:notes xmlns:a="http://schemas.openxmlformats.org/drawingml/2006/main" xmlns:r="http://schemas.openxmlformats.org/officeDocument/2006/relationships" xmlns:p="http://schemas.openxmlformats.org/presentationml/2006/main" showMasterSp="0" showMasterPhAnim="0">
-  <p:cSld>
-    <p:spTree>
-      <p:nvGrpSpPr>
-        <p:cNvPr id="1" name="Shape 140"/>
-        <p:cNvGrpSpPr/>
-        <p:nvPr/>
-      </p:nvGrpSpPr>
-      <p:grpSpPr>
-        <a:xfrm>
-          <a:off x="0" y="0"/>
-          <a:ext cx="0" cy="0"/>
-          <a:chOff x="0" y="0"/>
-          <a:chExt cx="0" cy="0"/>
-        </a:xfrm>
-      </p:grpSpPr>
-      <p:sp>
-        <p:nvSpPr>
-          <p:cNvPr id="141" name="Google Shape;141;g169263f8374_0_58:notes"/>
-          <p:cNvSpPr>
-            <a:spLocks noGrp="1" noRot="1" noChangeAspect="1"/>
-          </p:cNvSpPr>
-          <p:nvPr>
-            <p:ph type="sldImg" idx="2"/>
-          </p:nvPr>
-        </p:nvSpPr>
-        <p:spPr>
-          <a:xfrm>
-            <a:off x="381300" y="685800"/>
-            <a:ext cx="6096000" cy="3429000"/>
-          </a:xfrm>
-          <a:custGeom>
-            <a:avLst/>
-            <a:gdLst/>
-            <a:ahLst/>
-            <a:cxnLst/>
-            <a:rect l="l" t="t" r="r" b="b"/>
-            <a:pathLst>
-              <a:path w="120000" h="120000" extrusionOk="0">
-                <a:moveTo>
-                  <a:pt x="0" y="0"/>
-                </a:moveTo>
-                <a:lnTo>
-                  <a:pt x="120000" y="0"/>
-                </a:lnTo>
-                <a:lnTo>
-                  <a:pt x="120000" y="120000"/>
-                </a:lnTo>
-                <a:lnTo>
-                  <a:pt x="0" y="120000"/>
-                </a:lnTo>
-                <a:close/>
-              </a:path>
-            </a:pathLst>
-          </a:custGeom>
-        </p:spPr>
-      </p:sp>
-      <p:sp>
-        <p:nvSpPr>
-          <p:cNvPr id="142" name="Google Shape;142;g169263f8374_0_58:notes"/>
           <p:cNvSpPr txBox="1">
             <a:spLocks noGrp="1"/>
           </p:cNvSpPr>
@@ -1994,6 +1935,214 @@
 </file>
 
 <file path=ppt/notesSlides/notesSlide20.xml><?xml version="1.0" encoding="utf-8"?>
+<p:notes xmlns:a="http://schemas.openxmlformats.org/drawingml/2006/main" xmlns:r="http://schemas.openxmlformats.org/officeDocument/2006/relationships" xmlns:p="http://schemas.openxmlformats.org/presentationml/2006/main" showMasterSp="0" showMasterPhAnim="0">
+  <p:cSld>
+    <p:spTree>
+      <p:nvGrpSpPr>
+        <p:cNvPr id="1" name="Shape 133"/>
+        <p:cNvGrpSpPr/>
+        <p:nvPr/>
+      </p:nvGrpSpPr>
+      <p:grpSpPr>
+        <a:xfrm>
+          <a:off x="0" y="0"/>
+          <a:ext cx="0" cy="0"/>
+          <a:chOff x="0" y="0"/>
+          <a:chExt cx="0" cy="0"/>
+        </a:xfrm>
+      </p:grpSpPr>
+      <p:sp>
+        <p:nvSpPr>
+          <p:cNvPr id="134" name="Google Shape;134;g169263f8374_0_50:notes"/>
+          <p:cNvSpPr>
+            <a:spLocks noGrp="1" noRot="1" noChangeAspect="1"/>
+          </p:cNvSpPr>
+          <p:nvPr>
+            <p:ph type="sldImg" idx="2"/>
+          </p:nvPr>
+        </p:nvSpPr>
+        <p:spPr>
+          <a:xfrm>
+            <a:off x="381300" y="685800"/>
+            <a:ext cx="6096000" cy="3429000"/>
+          </a:xfrm>
+          <a:custGeom>
+            <a:avLst/>
+            <a:gdLst/>
+            <a:ahLst/>
+            <a:cxnLst/>
+            <a:rect l="l" t="t" r="r" b="b"/>
+            <a:pathLst>
+              <a:path w="120000" h="120000" extrusionOk="0">
+                <a:moveTo>
+                  <a:pt x="0" y="0"/>
+                </a:moveTo>
+                <a:lnTo>
+                  <a:pt x="120000" y="0"/>
+                </a:lnTo>
+                <a:lnTo>
+                  <a:pt x="120000" y="120000"/>
+                </a:lnTo>
+                <a:lnTo>
+                  <a:pt x="0" y="120000"/>
+                </a:lnTo>
+                <a:close/>
+              </a:path>
+            </a:pathLst>
+          </a:custGeom>
+        </p:spPr>
+      </p:sp>
+      <p:sp>
+        <p:nvSpPr>
+          <p:cNvPr id="135" name="Google Shape;135;g169263f8374_0_50:notes"/>
+          <p:cNvSpPr txBox="1">
+            <a:spLocks noGrp="1"/>
+          </p:cNvSpPr>
+          <p:nvPr>
+            <p:ph type="body" idx="1"/>
+          </p:nvPr>
+        </p:nvSpPr>
+        <p:spPr>
+          <a:xfrm>
+            <a:off x="685800" y="4343400"/>
+            <a:ext cx="5486400" cy="4114800"/>
+          </a:xfrm>
+          <a:prstGeom prst="rect">
+            <a:avLst/>
+          </a:prstGeom>
+        </p:spPr>
+        <p:txBody>
+          <a:bodyPr spcFirstLastPara="1" wrap="square" lIns="91425" tIns="91425" rIns="91425" bIns="91425" anchor="t" anchorCtr="0">
+            <a:noAutofit/>
+          </a:bodyPr>
+          <a:lstStyle/>
+          <a:p>
+            <a:pPr marL="0" lvl="0" indent="0" algn="l" rtl="0">
+              <a:spcBef>
+                <a:spcPts val="0"/>
+              </a:spcBef>
+              <a:spcAft>
+                <a:spcPts val="0"/>
+              </a:spcAft>
+              <a:buNone/>
+            </a:pPr>
+            <a:endParaRPr/>
+          </a:p>
+        </p:txBody>
+      </p:sp>
+    </p:spTree>
+  </p:cSld>
+  <p:clrMapOvr>
+    <a:masterClrMapping/>
+  </p:clrMapOvr>
+</p:notes>
+</file>
+
+<file path=ppt/notesSlides/notesSlide21.xml><?xml version="1.0" encoding="utf-8"?>
+<p:notes xmlns:a="http://schemas.openxmlformats.org/drawingml/2006/main" xmlns:r="http://schemas.openxmlformats.org/officeDocument/2006/relationships" xmlns:p="http://schemas.openxmlformats.org/presentationml/2006/main" showMasterSp="0" showMasterPhAnim="0">
+  <p:cSld>
+    <p:spTree>
+      <p:nvGrpSpPr>
+        <p:cNvPr id="1" name="Shape 140"/>
+        <p:cNvGrpSpPr/>
+        <p:nvPr/>
+      </p:nvGrpSpPr>
+      <p:grpSpPr>
+        <a:xfrm>
+          <a:off x="0" y="0"/>
+          <a:ext cx="0" cy="0"/>
+          <a:chOff x="0" y="0"/>
+          <a:chExt cx="0" cy="0"/>
+        </a:xfrm>
+      </p:grpSpPr>
+      <p:sp>
+        <p:nvSpPr>
+          <p:cNvPr id="141" name="Google Shape;141;g169263f8374_0_58:notes"/>
+          <p:cNvSpPr>
+            <a:spLocks noGrp="1" noRot="1" noChangeAspect="1"/>
+          </p:cNvSpPr>
+          <p:nvPr>
+            <p:ph type="sldImg" idx="2"/>
+          </p:nvPr>
+        </p:nvSpPr>
+        <p:spPr>
+          <a:xfrm>
+            <a:off x="381300" y="685800"/>
+            <a:ext cx="6096000" cy="3429000"/>
+          </a:xfrm>
+          <a:custGeom>
+            <a:avLst/>
+            <a:gdLst/>
+            <a:ahLst/>
+            <a:cxnLst/>
+            <a:rect l="l" t="t" r="r" b="b"/>
+            <a:pathLst>
+              <a:path w="120000" h="120000" extrusionOk="0">
+                <a:moveTo>
+                  <a:pt x="0" y="0"/>
+                </a:moveTo>
+                <a:lnTo>
+                  <a:pt x="120000" y="0"/>
+                </a:lnTo>
+                <a:lnTo>
+                  <a:pt x="120000" y="120000"/>
+                </a:lnTo>
+                <a:lnTo>
+                  <a:pt x="0" y="120000"/>
+                </a:lnTo>
+                <a:close/>
+              </a:path>
+            </a:pathLst>
+          </a:custGeom>
+        </p:spPr>
+      </p:sp>
+      <p:sp>
+        <p:nvSpPr>
+          <p:cNvPr id="142" name="Google Shape;142;g169263f8374_0_58:notes"/>
+          <p:cNvSpPr txBox="1">
+            <a:spLocks noGrp="1"/>
+          </p:cNvSpPr>
+          <p:nvPr>
+            <p:ph type="body" idx="1"/>
+          </p:nvPr>
+        </p:nvSpPr>
+        <p:spPr>
+          <a:xfrm>
+            <a:off x="685800" y="4343400"/>
+            <a:ext cx="5486400" cy="4114800"/>
+          </a:xfrm>
+          <a:prstGeom prst="rect">
+            <a:avLst/>
+          </a:prstGeom>
+        </p:spPr>
+        <p:txBody>
+          <a:bodyPr spcFirstLastPara="1" wrap="square" lIns="91425" tIns="91425" rIns="91425" bIns="91425" anchor="t" anchorCtr="0">
+            <a:noAutofit/>
+          </a:bodyPr>
+          <a:lstStyle/>
+          <a:p>
+            <a:pPr marL="0" lvl="0" indent="0" algn="l" rtl="0">
+              <a:spcBef>
+                <a:spcPts val="0"/>
+              </a:spcBef>
+              <a:spcAft>
+                <a:spcPts val="0"/>
+              </a:spcAft>
+              <a:buNone/>
+            </a:pPr>
+            <a:endParaRPr/>
+          </a:p>
+        </p:txBody>
+      </p:sp>
+    </p:spTree>
+  </p:cSld>
+  <p:clrMapOvr>
+    <a:masterClrMapping/>
+  </p:clrMapOvr>
+</p:notes>
+</file>
+
+<file path=ppt/notesSlides/notesSlide22.xml><?xml version="1.0" encoding="utf-8"?>
 <p:notes xmlns:a="http://schemas.openxmlformats.org/drawingml/2006/main" xmlns:r="http://schemas.openxmlformats.org/officeDocument/2006/relationships" xmlns:p="http://schemas.openxmlformats.org/presentationml/2006/main" showMasterSp="0" showMasterPhAnim="0">
   <p:cSld>
     <p:spTree>
@@ -11176,6 +11325,696 @@
   <p:cSld>
     <p:spTree>
       <p:nvGrpSpPr>
+        <p:cNvPr id="1" name=""/>
+        <p:cNvGrpSpPr/>
+        <p:nvPr/>
+      </p:nvGrpSpPr>
+      <p:grpSpPr>
+        <a:xfrm>
+          <a:off x="0" y="0"/>
+          <a:ext cx="0" cy="0"/>
+          <a:chOff x="0" y="0"/>
+          <a:chExt cx="0" cy="0"/>
+        </a:xfrm>
+      </p:grpSpPr>
+      <p:sp>
+        <p:nvSpPr>
+          <p:cNvPr id="2" name="Titolo 1">
+            <a:extLst>
+              <a:ext uri="{FF2B5EF4-FFF2-40B4-BE49-F238E27FC236}">
+                <a16:creationId xmlns:a16="http://schemas.microsoft.com/office/drawing/2014/main" id="{B4767D1A-3AC4-8EC1-8AFF-A97D98BDD9F7}"/>
+              </a:ext>
+            </a:extLst>
+          </p:cNvPr>
+          <p:cNvSpPr>
+            <a:spLocks noGrp="1"/>
+          </p:cNvSpPr>
+          <p:nvPr>
+            <p:ph type="title"/>
+          </p:nvPr>
+        </p:nvSpPr>
+        <p:spPr/>
+        <p:txBody>
+          <a:bodyPr>
+            <a:normAutofit fontScale="90000"/>
+          </a:bodyPr>
+          <a:lstStyle/>
+          <a:p>
+            <a:r>
+              <a:rPr lang="it" dirty="0"/>
+              <a:t>INDIRIZZI IP PUBBLICI vs PRIVATI</a:t>
+            </a:r>
+            <a:endParaRPr lang="it-IT" dirty="0"/>
+          </a:p>
+        </p:txBody>
+      </p:sp>
+      <p:sp>
+        <p:nvSpPr>
+          <p:cNvPr id="3" name="Segnaposto testo 2">
+            <a:extLst>
+              <a:ext uri="{FF2B5EF4-FFF2-40B4-BE49-F238E27FC236}">
+                <a16:creationId xmlns:a16="http://schemas.microsoft.com/office/drawing/2014/main" id="{DBBA2E40-7053-6B06-358F-565ED39C0AD1}"/>
+              </a:ext>
+            </a:extLst>
+          </p:cNvPr>
+          <p:cNvSpPr>
+            <a:spLocks noGrp="1"/>
+          </p:cNvSpPr>
+          <p:nvPr>
+            <p:ph type="body" idx="1"/>
+          </p:nvPr>
+        </p:nvSpPr>
+        <p:spPr>
+          <a:xfrm>
+            <a:off x="311700" y="1783643"/>
+            <a:ext cx="3999900" cy="2914832"/>
+          </a:xfrm>
+        </p:spPr>
+        <p:txBody>
+          <a:bodyPr>
+            <a:normAutofit fontScale="92500" lnSpcReduction="10000"/>
+          </a:bodyPr>
+          <a:lstStyle/>
+          <a:p>
+            <a:pPr marL="139700" indent="0" algn="just">
+              <a:buNone/>
+            </a:pPr>
+            <a:r>
+              <a:rPr lang="it-IT" b="1" dirty="0"/>
+              <a:t>DEFINIZIONE</a:t>
+            </a:r>
+            <a:r>
+              <a:rPr lang="it-IT" dirty="0"/>
+              <a:t>: Accessibile a tutti tramite Internet. Viene assegnato dal tuo fornitore di servizi Internet (ISP).</a:t>
+            </a:r>
+          </a:p>
+          <a:p>
+            <a:pPr marL="139700" indent="0" algn="just">
+              <a:buNone/>
+            </a:pPr>
+            <a:endParaRPr lang="it-IT" b="1" dirty="0"/>
+          </a:p>
+          <a:p>
+            <a:pPr marL="139700" indent="0" algn="just">
+              <a:buNone/>
+            </a:pPr>
+            <a:r>
+              <a:rPr lang="it-IT" b="1" dirty="0"/>
+              <a:t>SCOPO</a:t>
+            </a:r>
+            <a:r>
+              <a:rPr lang="it-IT" dirty="0"/>
+              <a:t>: Identifica un dispositivo o una rete sulla rete globale di Internet.</a:t>
+            </a:r>
+          </a:p>
+          <a:p>
+            <a:pPr marL="139700" indent="0" algn="just">
+              <a:buNone/>
+            </a:pPr>
+            <a:endParaRPr lang="it-IT" b="1" dirty="0"/>
+          </a:p>
+          <a:p>
+            <a:pPr marL="139700" indent="0" algn="just">
+              <a:buNone/>
+            </a:pPr>
+            <a:r>
+              <a:rPr lang="it-IT" b="1" dirty="0"/>
+              <a:t>VISIBILITÀ</a:t>
+            </a:r>
+            <a:r>
+              <a:rPr lang="it-IT" dirty="0"/>
+              <a:t>: Accessibile da qualsiasi dispositivo connesso a Internet.</a:t>
+            </a:r>
+          </a:p>
+          <a:p>
+            <a:pPr marL="139700" indent="0" algn="just">
+              <a:buNone/>
+            </a:pPr>
+            <a:endParaRPr lang="it-IT" dirty="0"/>
+          </a:p>
+          <a:p>
+            <a:pPr marL="139700" indent="0" algn="just">
+              <a:buNone/>
+            </a:pPr>
+            <a:r>
+              <a:rPr lang="it-IT" b="1" dirty="0"/>
+              <a:t>UTILIZZO</a:t>
+            </a:r>
+            <a:r>
+              <a:rPr lang="it-IT" dirty="0"/>
+              <a:t>: Server Web, router, servizi che devono essere accessibili pubblicamente (es. siti web, server FTP).</a:t>
+            </a:r>
+          </a:p>
+        </p:txBody>
+      </p:sp>
+      <p:sp>
+        <p:nvSpPr>
+          <p:cNvPr id="4" name="Segnaposto testo 3">
+            <a:extLst>
+              <a:ext uri="{FF2B5EF4-FFF2-40B4-BE49-F238E27FC236}">
+                <a16:creationId xmlns:a16="http://schemas.microsoft.com/office/drawing/2014/main" id="{DCCF435B-8F9D-DF1D-E0EE-22445180F75B}"/>
+              </a:ext>
+            </a:extLst>
+          </p:cNvPr>
+          <p:cNvSpPr>
+            <a:spLocks noGrp="1"/>
+          </p:cNvSpPr>
+          <p:nvPr>
+            <p:ph type="body" idx="2"/>
+          </p:nvPr>
+        </p:nvSpPr>
+        <p:spPr>
+          <a:xfrm>
+            <a:off x="4832400" y="1783643"/>
+            <a:ext cx="3999900" cy="2914832"/>
+          </a:xfrm>
+        </p:spPr>
+        <p:txBody>
+          <a:bodyPr>
+            <a:normAutofit fontScale="92500"/>
+          </a:bodyPr>
+          <a:lstStyle/>
+          <a:p>
+            <a:pPr marL="139700" indent="0" algn="just">
+              <a:buNone/>
+            </a:pPr>
+            <a:r>
+              <a:rPr lang="it-IT" b="1" dirty="0"/>
+              <a:t>DEFINIZIONE</a:t>
+            </a:r>
+            <a:r>
+              <a:rPr lang="it-IT" dirty="0"/>
+              <a:t>: Utilizzato all'interno di reti locali (LAN) e non visibile all'esterno di tali reti.</a:t>
+            </a:r>
+          </a:p>
+          <a:p>
+            <a:pPr marL="139700" indent="0" algn="just">
+              <a:buNone/>
+            </a:pPr>
+            <a:endParaRPr lang="it-IT" b="1" dirty="0"/>
+          </a:p>
+          <a:p>
+            <a:pPr marL="139700" indent="0" algn="just">
+              <a:buNone/>
+            </a:pPr>
+            <a:r>
+              <a:rPr lang="it-IT" b="1" dirty="0"/>
+              <a:t>SCOPO</a:t>
+            </a:r>
+            <a:r>
+              <a:rPr lang="it-IT" dirty="0"/>
+              <a:t>: Identifica dispositivi all'interno di una rete privata come quella domestica.</a:t>
+            </a:r>
+          </a:p>
+          <a:p>
+            <a:pPr marL="139700" indent="0" algn="just">
+              <a:buNone/>
+            </a:pPr>
+            <a:endParaRPr lang="it-IT" b="1" dirty="0"/>
+          </a:p>
+          <a:p>
+            <a:pPr marL="139700" indent="0" algn="just">
+              <a:buNone/>
+            </a:pPr>
+            <a:r>
+              <a:rPr lang="it-IT" b="1" dirty="0"/>
+              <a:t>VISIBILITÀ</a:t>
+            </a:r>
+            <a:r>
+              <a:rPr lang="it-IT" dirty="0"/>
+              <a:t>: Non accessibile direttamente dall’esterno della rete locale.</a:t>
+            </a:r>
+          </a:p>
+          <a:p>
+            <a:pPr marL="139700" indent="0" algn="just">
+              <a:buNone/>
+            </a:pPr>
+            <a:endParaRPr lang="it-IT" dirty="0"/>
+          </a:p>
+          <a:p>
+            <a:pPr marL="139700" indent="0" algn="just">
+              <a:buNone/>
+            </a:pPr>
+            <a:r>
+              <a:rPr lang="it-IT" b="1" dirty="0"/>
+              <a:t>UTILIZZO</a:t>
+            </a:r>
+            <a:r>
+              <a:rPr lang="it-IT" dirty="0"/>
+              <a:t>: Dispositivi domestici (computer, smartphone, stampanti), reti aziendali interne.</a:t>
+            </a:r>
+          </a:p>
+        </p:txBody>
+      </p:sp>
+      <p:sp>
+        <p:nvSpPr>
+          <p:cNvPr id="5" name="CasellaDiTesto 4">
+            <a:extLst>
+              <a:ext uri="{FF2B5EF4-FFF2-40B4-BE49-F238E27FC236}">
+                <a16:creationId xmlns:a16="http://schemas.microsoft.com/office/drawing/2014/main" id="{10333232-D4DD-10F0-A925-AA23B7CC9E60}"/>
+              </a:ext>
+            </a:extLst>
+          </p:cNvPr>
+          <p:cNvSpPr txBox="1"/>
+          <p:nvPr/>
+        </p:nvSpPr>
+        <p:spPr>
+          <a:xfrm>
+            <a:off x="311701" y="1241778"/>
+            <a:ext cx="3999900" cy="338554"/>
+          </a:xfrm>
+          <a:prstGeom prst="rect">
+            <a:avLst/>
+          </a:prstGeom>
+          <a:noFill/>
+        </p:spPr>
+        <p:txBody>
+          <a:bodyPr wrap="square" rtlCol="0">
+            <a:spAutoFit/>
+          </a:bodyPr>
+          <a:lstStyle/>
+          <a:p>
+            <a:pPr algn="ctr"/>
+            <a:r>
+              <a:rPr lang="it-IT" sz="1600" b="1" dirty="0"/>
+              <a:t>IP PUBBLICO</a:t>
+            </a:r>
+          </a:p>
+        </p:txBody>
+      </p:sp>
+      <p:sp>
+        <p:nvSpPr>
+          <p:cNvPr id="6" name="CasellaDiTesto 5">
+            <a:extLst>
+              <a:ext uri="{FF2B5EF4-FFF2-40B4-BE49-F238E27FC236}">
+                <a16:creationId xmlns:a16="http://schemas.microsoft.com/office/drawing/2014/main" id="{B70D8DFF-B066-5A6E-AA85-904CDDCB954E}"/>
+              </a:ext>
+            </a:extLst>
+          </p:cNvPr>
+          <p:cNvSpPr txBox="1"/>
+          <p:nvPr/>
+        </p:nvSpPr>
+        <p:spPr>
+          <a:xfrm>
+            <a:off x="4832399" y="1241778"/>
+            <a:ext cx="3999900" cy="338554"/>
+          </a:xfrm>
+          <a:prstGeom prst="rect">
+            <a:avLst/>
+          </a:prstGeom>
+          <a:noFill/>
+        </p:spPr>
+        <p:txBody>
+          <a:bodyPr wrap="square" rtlCol="0">
+            <a:spAutoFit/>
+          </a:bodyPr>
+          <a:lstStyle/>
+          <a:p>
+            <a:pPr algn="ctr"/>
+            <a:r>
+              <a:rPr lang="it-IT" sz="1600" b="1" dirty="0"/>
+              <a:t>IP PRIVATO</a:t>
+            </a:r>
+          </a:p>
+        </p:txBody>
+      </p:sp>
+    </p:spTree>
+    <p:extLst>
+      <p:ext uri="{BB962C8B-B14F-4D97-AF65-F5344CB8AC3E}">
+        <p14:creationId xmlns:p14="http://schemas.microsoft.com/office/powerpoint/2010/main" val="3097980785"/>
+      </p:ext>
+    </p:extLst>
+  </p:cSld>
+  <p:clrMapOvr>
+    <a:masterClrMapping/>
+  </p:clrMapOvr>
+</p:sld>
+</file>
+
+<file path=ppt/slides/slide15.xml><?xml version="1.0" encoding="utf-8"?>
+<p:sld xmlns:a="http://schemas.openxmlformats.org/drawingml/2006/main" xmlns:r="http://schemas.openxmlformats.org/officeDocument/2006/relationships" xmlns:p="http://schemas.openxmlformats.org/presentationml/2006/main">
+  <p:cSld>
+    <p:spTree>
+      <p:nvGrpSpPr>
+        <p:cNvPr id="1" name=""/>
+        <p:cNvGrpSpPr/>
+        <p:nvPr/>
+      </p:nvGrpSpPr>
+      <p:grpSpPr>
+        <a:xfrm>
+          <a:off x="0" y="0"/>
+          <a:ext cx="0" cy="0"/>
+          <a:chOff x="0" y="0"/>
+          <a:chExt cx="0" cy="0"/>
+        </a:xfrm>
+      </p:grpSpPr>
+      <p:sp>
+        <p:nvSpPr>
+          <p:cNvPr id="2" name="Titolo 1">
+            <a:extLst>
+              <a:ext uri="{FF2B5EF4-FFF2-40B4-BE49-F238E27FC236}">
+                <a16:creationId xmlns:a16="http://schemas.microsoft.com/office/drawing/2014/main" id="{B4767D1A-3AC4-8EC1-8AFF-A97D98BDD9F7}"/>
+              </a:ext>
+            </a:extLst>
+          </p:cNvPr>
+          <p:cNvSpPr>
+            <a:spLocks noGrp="1"/>
+          </p:cNvSpPr>
+          <p:nvPr>
+            <p:ph type="title"/>
+          </p:nvPr>
+        </p:nvSpPr>
+        <p:spPr/>
+        <p:txBody>
+          <a:bodyPr>
+            <a:normAutofit fontScale="90000"/>
+          </a:bodyPr>
+          <a:lstStyle/>
+          <a:p>
+            <a:r>
+              <a:rPr lang="it" dirty="0"/>
+              <a:t>INDIRIZZI IP STATICI vs DINAMICI</a:t>
+            </a:r>
+            <a:endParaRPr lang="it-IT" dirty="0"/>
+          </a:p>
+        </p:txBody>
+      </p:sp>
+      <p:sp>
+        <p:nvSpPr>
+          <p:cNvPr id="3" name="Segnaposto testo 2">
+            <a:extLst>
+              <a:ext uri="{FF2B5EF4-FFF2-40B4-BE49-F238E27FC236}">
+                <a16:creationId xmlns:a16="http://schemas.microsoft.com/office/drawing/2014/main" id="{DBBA2E40-7053-6B06-358F-565ED39C0AD1}"/>
+              </a:ext>
+            </a:extLst>
+          </p:cNvPr>
+          <p:cNvSpPr>
+            <a:spLocks noGrp="1"/>
+          </p:cNvSpPr>
+          <p:nvPr>
+            <p:ph type="body" idx="1"/>
+          </p:nvPr>
+        </p:nvSpPr>
+        <p:spPr>
+          <a:xfrm>
+            <a:off x="311700" y="1783643"/>
+            <a:ext cx="3999900" cy="2914832"/>
+          </a:xfrm>
+        </p:spPr>
+        <p:txBody>
+          <a:bodyPr>
+            <a:normAutofit fontScale="92500" lnSpcReduction="10000"/>
+          </a:bodyPr>
+          <a:lstStyle/>
+          <a:p>
+            <a:pPr marL="139700" indent="0" algn="just">
+              <a:buNone/>
+            </a:pPr>
+            <a:r>
+              <a:rPr lang="it-IT" b="1" dirty="0"/>
+              <a:t>DEFINIZIONE</a:t>
+            </a:r>
+            <a:r>
+              <a:rPr lang="it-IT" dirty="0"/>
+              <a:t>: Assegnato manualmente a un dispositivo che ne sarà associato fino a quando non verrà modificato manualmente.</a:t>
+            </a:r>
+          </a:p>
+          <a:p>
+            <a:pPr marL="139700" indent="0" algn="just">
+              <a:buNone/>
+            </a:pPr>
+            <a:endParaRPr lang="it-IT" b="1" dirty="0"/>
+          </a:p>
+          <a:p>
+            <a:pPr marL="139700" indent="0" algn="just">
+              <a:buNone/>
+            </a:pPr>
+            <a:r>
+              <a:rPr lang="it-IT" b="1" dirty="0"/>
+              <a:t>CARATTERISITICHE</a:t>
+            </a:r>
+            <a:r>
+              <a:rPr lang="it-IT" dirty="0"/>
+              <a:t>: Non cambia mai, anche dopo il riavvio del dispositivo o della rete.</a:t>
+            </a:r>
+          </a:p>
+          <a:p>
+            <a:pPr marL="139700" indent="0" algn="just">
+              <a:buNone/>
+            </a:pPr>
+            <a:endParaRPr lang="it-IT" b="1" dirty="0"/>
+          </a:p>
+          <a:p>
+            <a:pPr marL="139700" indent="0" algn="just">
+              <a:buNone/>
+            </a:pPr>
+            <a:r>
+              <a:rPr lang="it-IT" b="1" dirty="0"/>
+              <a:t>VANTAGGI</a:t>
+            </a:r>
+            <a:r>
+              <a:rPr lang="it-IT" dirty="0"/>
+              <a:t>: Connessioni stabili per servizi che richiedono raggiungibilità continua.</a:t>
+            </a:r>
+          </a:p>
+          <a:p>
+            <a:pPr marL="139700" indent="0" algn="just">
+              <a:buNone/>
+            </a:pPr>
+            <a:endParaRPr lang="it-IT" dirty="0"/>
+          </a:p>
+          <a:p>
+            <a:pPr marL="139700" indent="0" algn="just">
+              <a:buNone/>
+            </a:pPr>
+            <a:r>
+              <a:rPr lang="it-IT" b="1" dirty="0"/>
+              <a:t>SVANTAGGI</a:t>
+            </a:r>
+            <a:r>
+              <a:rPr lang="it-IT" dirty="0"/>
+              <a:t>: Potrebbe esporre maggiormente a rischi di sicurezza.</a:t>
+            </a:r>
+          </a:p>
+        </p:txBody>
+      </p:sp>
+      <p:sp>
+        <p:nvSpPr>
+          <p:cNvPr id="4" name="Segnaposto testo 3">
+            <a:extLst>
+              <a:ext uri="{FF2B5EF4-FFF2-40B4-BE49-F238E27FC236}">
+                <a16:creationId xmlns:a16="http://schemas.microsoft.com/office/drawing/2014/main" id="{DCCF435B-8F9D-DF1D-E0EE-22445180F75B}"/>
+              </a:ext>
+            </a:extLst>
+          </p:cNvPr>
+          <p:cNvSpPr>
+            <a:spLocks noGrp="1"/>
+          </p:cNvSpPr>
+          <p:nvPr>
+            <p:ph type="body" idx="2"/>
+          </p:nvPr>
+        </p:nvSpPr>
+        <p:spPr>
+          <a:xfrm>
+            <a:off x="4832400" y="1783643"/>
+            <a:ext cx="3999900" cy="2914832"/>
+          </a:xfrm>
+        </p:spPr>
+        <p:txBody>
+          <a:bodyPr>
+            <a:normAutofit fontScale="92500" lnSpcReduction="10000"/>
+          </a:bodyPr>
+          <a:lstStyle/>
+          <a:p>
+            <a:pPr marL="139700" indent="0" algn="just">
+              <a:buNone/>
+            </a:pPr>
+            <a:r>
+              <a:rPr lang="it-IT" b="1" dirty="0"/>
+              <a:t>DEFINIZIONE</a:t>
+            </a:r>
+            <a:r>
+              <a:rPr lang="it-IT" dirty="0"/>
+              <a:t>: Assegnato automaticamente a un dispositivo dalla rete utilizzando il protocollo </a:t>
+            </a:r>
+            <a:r>
+              <a:rPr lang="it-IT" b="1" dirty="0">
+                <a:solidFill>
+                  <a:srgbClr val="FF0000"/>
+                </a:solidFill>
+              </a:rPr>
+              <a:t>DHCP</a:t>
+            </a:r>
+            <a:r>
+              <a:rPr lang="it-IT" dirty="0"/>
+              <a:t> (Dynamic Host </a:t>
+            </a:r>
+            <a:r>
+              <a:rPr lang="it-IT" dirty="0" err="1"/>
+              <a:t>Configuration</a:t>
+            </a:r>
+            <a:r>
+              <a:rPr lang="it-IT" dirty="0"/>
+              <a:t> </a:t>
+            </a:r>
+            <a:r>
+              <a:rPr lang="it-IT" dirty="0" err="1"/>
+              <a:t>Protocol</a:t>
+            </a:r>
+            <a:r>
+              <a:rPr lang="it-IT" dirty="0"/>
+              <a:t>).</a:t>
+            </a:r>
+          </a:p>
+          <a:p>
+            <a:pPr marL="139700" indent="0" algn="just">
+              <a:buNone/>
+            </a:pPr>
+            <a:endParaRPr lang="it-IT" b="1" dirty="0"/>
+          </a:p>
+          <a:p>
+            <a:pPr marL="139700" indent="0" algn="just">
+              <a:buNone/>
+            </a:pPr>
+            <a:r>
+              <a:rPr lang="it-IT" b="1" dirty="0"/>
+              <a:t>CARATTERISITCHE: </a:t>
+            </a:r>
+            <a:r>
+              <a:rPr lang="it-IT" dirty="0"/>
+              <a:t>Cambia periodicamente o dopo il riavvio del dispositivo.</a:t>
+            </a:r>
+          </a:p>
+          <a:p>
+            <a:pPr marL="139700" indent="0" algn="just">
+              <a:buNone/>
+            </a:pPr>
+            <a:endParaRPr lang="it-IT" b="1" dirty="0"/>
+          </a:p>
+          <a:p>
+            <a:pPr marL="139700" indent="0" algn="just">
+              <a:buNone/>
+            </a:pPr>
+            <a:r>
+              <a:rPr lang="it-IT" b="1" dirty="0"/>
+              <a:t>VANTAGGI</a:t>
+            </a:r>
+            <a:r>
+              <a:rPr lang="it-IT" dirty="0"/>
+              <a:t>: Non richiede configurazione manuale, gestito dal server DHCP. </a:t>
+            </a:r>
+          </a:p>
+          <a:p>
+            <a:pPr marL="139700" indent="0" algn="just">
+              <a:buNone/>
+            </a:pPr>
+            <a:endParaRPr lang="it-IT" b="1" dirty="0"/>
+          </a:p>
+          <a:p>
+            <a:pPr marL="139700" indent="0" algn="just">
+              <a:buNone/>
+            </a:pPr>
+            <a:r>
+              <a:rPr lang="it-IT" b="1" dirty="0"/>
+              <a:t>SVANTAGGI</a:t>
+            </a:r>
+            <a:r>
+              <a:rPr lang="it-IT" dirty="0"/>
+              <a:t>: Può cambiare nel tempo, quindi meno adatto a servizi che richiedono indirizzi fissi.</a:t>
+            </a:r>
+          </a:p>
+        </p:txBody>
+      </p:sp>
+      <p:sp>
+        <p:nvSpPr>
+          <p:cNvPr id="5" name="CasellaDiTesto 4">
+            <a:extLst>
+              <a:ext uri="{FF2B5EF4-FFF2-40B4-BE49-F238E27FC236}">
+                <a16:creationId xmlns:a16="http://schemas.microsoft.com/office/drawing/2014/main" id="{10333232-D4DD-10F0-A925-AA23B7CC9E60}"/>
+              </a:ext>
+            </a:extLst>
+          </p:cNvPr>
+          <p:cNvSpPr txBox="1"/>
+          <p:nvPr/>
+        </p:nvSpPr>
+        <p:spPr>
+          <a:xfrm>
+            <a:off x="311701" y="1241778"/>
+            <a:ext cx="3999900" cy="338554"/>
+          </a:xfrm>
+          <a:prstGeom prst="rect">
+            <a:avLst/>
+          </a:prstGeom>
+          <a:noFill/>
+        </p:spPr>
+        <p:txBody>
+          <a:bodyPr wrap="square" rtlCol="0">
+            <a:spAutoFit/>
+          </a:bodyPr>
+          <a:lstStyle/>
+          <a:p>
+            <a:pPr algn="ctr"/>
+            <a:r>
+              <a:rPr lang="it-IT" sz="1600" b="1" dirty="0"/>
+              <a:t>IP STATICO</a:t>
+            </a:r>
+          </a:p>
+        </p:txBody>
+      </p:sp>
+      <p:sp>
+        <p:nvSpPr>
+          <p:cNvPr id="6" name="CasellaDiTesto 5">
+            <a:extLst>
+              <a:ext uri="{FF2B5EF4-FFF2-40B4-BE49-F238E27FC236}">
+                <a16:creationId xmlns:a16="http://schemas.microsoft.com/office/drawing/2014/main" id="{B70D8DFF-B066-5A6E-AA85-904CDDCB954E}"/>
+              </a:ext>
+            </a:extLst>
+          </p:cNvPr>
+          <p:cNvSpPr txBox="1"/>
+          <p:nvPr/>
+        </p:nvSpPr>
+        <p:spPr>
+          <a:xfrm>
+            <a:off x="4832399" y="1241778"/>
+            <a:ext cx="3999900" cy="338554"/>
+          </a:xfrm>
+          <a:prstGeom prst="rect">
+            <a:avLst/>
+          </a:prstGeom>
+          <a:noFill/>
+        </p:spPr>
+        <p:txBody>
+          <a:bodyPr wrap="square" rtlCol="0">
+            <a:spAutoFit/>
+          </a:bodyPr>
+          <a:lstStyle/>
+          <a:p>
+            <a:pPr algn="ctr"/>
+            <a:r>
+              <a:rPr lang="it-IT" sz="1600" b="1" dirty="0"/>
+              <a:t>IP DINAMICO</a:t>
+            </a:r>
+          </a:p>
+        </p:txBody>
+      </p:sp>
+    </p:spTree>
+    <p:extLst>
+      <p:ext uri="{BB962C8B-B14F-4D97-AF65-F5344CB8AC3E}">
+        <p14:creationId xmlns:p14="http://schemas.microsoft.com/office/powerpoint/2010/main" val="1624700627"/>
+      </p:ext>
+    </p:extLst>
+  </p:cSld>
+  <p:clrMapOvr>
+    <a:masterClrMapping/>
+  </p:clrMapOvr>
+</p:sld>
+</file>
+
+<file path=ppt/slides/slide16.xml><?xml version="1.0" encoding="utf-8"?>
+<p:sld xmlns:a="http://schemas.openxmlformats.org/drawingml/2006/main" xmlns:r="http://schemas.openxmlformats.org/officeDocument/2006/relationships" xmlns:p="http://schemas.openxmlformats.org/presentationml/2006/main">
+  <p:cSld>
+    <p:spTree>
+      <p:nvGrpSpPr>
         <p:cNvPr id="1" name="Shape 99"/>
         <p:cNvGrpSpPr/>
         <p:nvPr/>
@@ -11209,7 +12048,7 @@
         </p:spPr>
         <p:txBody>
           <a:bodyPr spcFirstLastPara="1" wrap="square" lIns="91425" tIns="91425" rIns="91425" bIns="91425" anchor="t" anchorCtr="0">
-            <a:normAutofit fontScale="90000"/>
+            <a:noAutofit/>
           </a:bodyPr>
           <a:lstStyle/>
           <a:p>
@@ -11223,10 +12062,30 @@
               <a:buNone/>
             </a:pPr>
             <a:r>
-              <a:rPr lang="it" dirty="0"/>
-              <a:t>INDIRIZZO IP e DNS (Domain Name System)</a:t>
-            </a:r>
-            <a:endParaRPr/>
+              <a:rPr lang="it" sz="3200" dirty="0"/>
+              <a:t>DHCP (</a:t>
+            </a:r>
+            <a:r>
+              <a:rPr lang="it-IT" sz="3200" dirty="0"/>
+              <a:t>Dynamic Host </a:t>
+            </a:r>
+            <a:r>
+              <a:rPr lang="it-IT" sz="3200" dirty="0" err="1"/>
+              <a:t>Configuration</a:t>
+            </a:r>
+            <a:r>
+              <a:rPr lang="it-IT" sz="3200" dirty="0"/>
+              <a:t> </a:t>
+            </a:r>
+            <a:r>
+              <a:rPr lang="it-IT" sz="3200" dirty="0" err="1"/>
+              <a:t>Protocol</a:t>
+            </a:r>
+            <a:r>
+              <a:rPr lang="it" sz="3200" dirty="0"/>
+              <a:t>)</a:t>
+            </a:r>
+            <a:endParaRPr sz="3200" dirty="0"/>
           </a:p>
         </p:txBody>
       </p:sp>
@@ -11255,6 +12114,189 @@
           </a:bodyPr>
           <a:lstStyle/>
           <a:p>
+            <a:pPr marL="0" lvl="0" indent="0" algn="just" rtl="0">
+              <a:spcBef>
+                <a:spcPts val="0"/>
+              </a:spcBef>
+              <a:spcAft>
+                <a:spcPts val="0"/>
+              </a:spcAft>
+              <a:buNone/>
+            </a:pPr>
+            <a:r>
+              <a:rPr lang="it-IT" dirty="0"/>
+              <a:t>Il </a:t>
+            </a:r>
+            <a:r>
+              <a:rPr lang="it-IT" b="1" dirty="0"/>
+              <a:t>DHCP</a:t>
+            </a:r>
+            <a:r>
+              <a:rPr lang="it-IT" dirty="0"/>
+              <a:t> è un protocollo di rete che automatizza l'assegnazione degli indirizzi IP a dispositivi su una rete.</a:t>
+            </a:r>
+          </a:p>
+          <a:p>
+            <a:pPr marL="342900" lvl="0" algn="just" rtl="0">
+              <a:spcBef>
+                <a:spcPts val="0"/>
+              </a:spcBef>
+              <a:spcAft>
+                <a:spcPts val="0"/>
+              </a:spcAft>
+              <a:buAutoNum type="arabicParenR"/>
+            </a:pPr>
+            <a:r>
+              <a:rPr lang="it-IT" dirty="0"/>
+              <a:t>Un dispositivo (client) si connette alla rete e invia una richiesta DHCP.</a:t>
+            </a:r>
+          </a:p>
+          <a:p>
+            <a:pPr marL="342900" lvl="0" algn="just" rtl="0">
+              <a:spcBef>
+                <a:spcPts val="0"/>
+              </a:spcBef>
+              <a:spcAft>
+                <a:spcPts val="0"/>
+              </a:spcAft>
+              <a:buAutoNum type="arabicParenR"/>
+            </a:pPr>
+            <a:r>
+              <a:rPr lang="it-IT" dirty="0"/>
+              <a:t>Il server DHCP risponde con un indirizzo IP dinamico disponibile, insieme ad altre informazioni (es. </a:t>
+            </a:r>
+            <a:r>
+              <a:rPr lang="it-IT" b="1" dirty="0"/>
+              <a:t>gateway</a:t>
+            </a:r>
+            <a:r>
+              <a:rPr lang="it-IT" dirty="0"/>
+              <a:t>, DNS).</a:t>
+            </a:r>
+          </a:p>
+          <a:p>
+            <a:pPr marL="342900" lvl="0" algn="just" rtl="0">
+              <a:spcBef>
+                <a:spcPts val="0"/>
+              </a:spcBef>
+              <a:spcAft>
+                <a:spcPts val="0"/>
+              </a:spcAft>
+              <a:buAutoNum type="arabicParenR"/>
+            </a:pPr>
+            <a:r>
+              <a:rPr lang="it-IT" dirty="0"/>
+              <a:t>Il dispositivo utilizza l'indirizzo IP per un periodo limitato e lo rilascia quando non è più in uso.</a:t>
+            </a:r>
+          </a:p>
+          <a:p>
+            <a:pPr marL="0" indent="0" algn="just">
+              <a:buNone/>
+            </a:pPr>
+            <a:r>
+              <a:rPr lang="it-IT" dirty="0"/>
+              <a:t>Il protocollo quindi automatizza la configurazione di rete, riducendo errori e semplificando la gestione di reti con molti dispositivi.</a:t>
+            </a:r>
+          </a:p>
+        </p:txBody>
+      </p:sp>
+    </p:spTree>
+    <p:extLst>
+      <p:ext uri="{BB962C8B-B14F-4D97-AF65-F5344CB8AC3E}">
+        <p14:creationId xmlns:p14="http://schemas.microsoft.com/office/powerpoint/2010/main" val="1467531445"/>
+      </p:ext>
+    </p:extLst>
+  </p:cSld>
+  <p:clrMapOvr>
+    <a:masterClrMapping/>
+  </p:clrMapOvr>
+</p:sld>
+</file>
+
+<file path=ppt/slides/slide17.xml><?xml version="1.0" encoding="utf-8"?>
+<p:sld xmlns:a="http://schemas.openxmlformats.org/drawingml/2006/main" xmlns:r="http://schemas.openxmlformats.org/officeDocument/2006/relationships" xmlns:p="http://schemas.openxmlformats.org/presentationml/2006/main">
+  <p:cSld>
+    <p:spTree>
+      <p:nvGrpSpPr>
+        <p:cNvPr id="1" name="Shape 99"/>
+        <p:cNvGrpSpPr/>
+        <p:nvPr/>
+      </p:nvGrpSpPr>
+      <p:grpSpPr>
+        <a:xfrm>
+          <a:off x="0" y="0"/>
+          <a:ext cx="0" cy="0"/>
+          <a:chOff x="0" y="0"/>
+          <a:chExt cx="0" cy="0"/>
+        </a:xfrm>
+      </p:grpSpPr>
+      <p:sp>
+        <p:nvSpPr>
+          <p:cNvPr id="100" name="Google Shape;100;p18"/>
+          <p:cNvSpPr txBox="1">
+            <a:spLocks noGrp="1"/>
+          </p:cNvSpPr>
+          <p:nvPr>
+            <p:ph type="title"/>
+          </p:nvPr>
+        </p:nvSpPr>
+        <p:spPr>
+          <a:xfrm>
+            <a:off x="311700" y="445025"/>
+            <a:ext cx="8520600" cy="707400"/>
+          </a:xfrm>
+          <a:prstGeom prst="rect">
+            <a:avLst/>
+          </a:prstGeom>
+        </p:spPr>
+        <p:txBody>
+          <a:bodyPr spcFirstLastPara="1" wrap="square" lIns="91425" tIns="91425" rIns="91425" bIns="91425" anchor="t" anchorCtr="0">
+            <a:normAutofit fontScale="90000"/>
+          </a:bodyPr>
+          <a:lstStyle/>
+          <a:p>
+            <a:pPr marL="0" lvl="0" indent="0" algn="l" rtl="0">
+              <a:spcBef>
+                <a:spcPts val="0"/>
+              </a:spcBef>
+              <a:spcAft>
+                <a:spcPts val="0"/>
+              </a:spcAft>
+              <a:buNone/>
+            </a:pPr>
+            <a:r>
+              <a:rPr lang="it" dirty="0"/>
+              <a:t>DNS (Domain Name System)</a:t>
+            </a:r>
+            <a:endParaRPr dirty="0"/>
+          </a:p>
+        </p:txBody>
+      </p:sp>
+      <p:sp>
+        <p:nvSpPr>
+          <p:cNvPr id="101" name="Google Shape;101;p18"/>
+          <p:cNvSpPr txBox="1">
+            <a:spLocks noGrp="1"/>
+          </p:cNvSpPr>
+          <p:nvPr>
+            <p:ph type="body" idx="1"/>
+          </p:nvPr>
+        </p:nvSpPr>
+        <p:spPr>
+          <a:xfrm>
+            <a:off x="311700" y="1266325"/>
+            <a:ext cx="8520600" cy="3302700"/>
+          </a:xfrm>
+          <a:prstGeom prst="rect">
+            <a:avLst/>
+          </a:prstGeom>
+        </p:spPr>
+        <p:txBody>
+          <a:bodyPr spcFirstLastPara="1" wrap="square" lIns="91425" tIns="91425" rIns="91425" bIns="91425" anchor="t" anchorCtr="0">
+            <a:normAutofit/>
+          </a:bodyPr>
+          <a:lstStyle/>
+          <a:p>
             <a:pPr marL="0" lvl="0" indent="0" algn="just">
               <a:buNone/>
             </a:pPr>
@@ -11377,7 +12419,7 @@
 </p:sld>
 </file>
 
-<file path=ppt/slides/slide15.xml><?xml version="1.0" encoding="utf-8"?>
+<file path=ppt/slides/slide18.xml><?xml version="1.0" encoding="utf-8"?>
 <p:sld xmlns:a="http://schemas.openxmlformats.org/drawingml/2006/main" xmlns:r="http://schemas.openxmlformats.org/officeDocument/2006/relationships" xmlns:p="http://schemas.openxmlformats.org/presentationml/2006/main">
   <p:cSld>
     <p:spTree>
@@ -11494,12 +12536,12 @@
 </p:sld>
 </file>
 
-<file path=ppt/slides/slide16.xml><?xml version="1.0" encoding="utf-8"?>
+<file path=ppt/slides/slide19.xml><?xml version="1.0" encoding="utf-8"?>
 <p:sld xmlns:a="http://schemas.openxmlformats.org/drawingml/2006/main" xmlns:r="http://schemas.openxmlformats.org/officeDocument/2006/relationships" xmlns:p="http://schemas.openxmlformats.org/presentationml/2006/main">
   <p:cSld>
     <p:spTree>
       <p:nvGrpSpPr>
-        <p:cNvPr id="1" name="Shape 111"/>
+        <p:cNvPr id="1" name="Shape 77"/>
         <p:cNvGrpSpPr/>
         <p:nvPr/>
       </p:nvGrpSpPr>
@@ -11513,7 +12555,7 @@
       </p:grpSpPr>
       <p:sp>
         <p:nvSpPr>
-          <p:cNvPr id="112" name="Google Shape;112;p20"/>
+          <p:cNvPr id="78" name="Google Shape;78;p15"/>
           <p:cNvSpPr txBox="1">
             <a:spLocks noGrp="1"/>
           </p:cNvSpPr>
@@ -11523,7 +12565,7 @@
         </p:nvSpPr>
         <p:spPr>
           <a:xfrm>
-            <a:off x="265500" y="0"/>
+            <a:off x="265500" y="1039675"/>
             <a:ext cx="4045200" cy="1675800"/>
           </a:xfrm>
           <a:prstGeom prst="rect">
@@ -11536,7 +12578,7 @@
           </a:bodyPr>
           <a:lstStyle/>
           <a:p>
-            <a:pPr marL="0" lvl="0" indent="0" algn="l" rtl="0">
+            <a:pPr marL="0" lvl="0" indent="0" algn="ctr" rtl="0">
               <a:spcBef>
                 <a:spcPts val="0"/>
               </a:spcBef>
@@ -11546,32 +12588,16 @@
               <a:buNone/>
             </a:pPr>
             <a:r>
-              <a:rPr lang="it" sz="2900"/>
-              <a:t>DISPOSITIVI DI RETE:</a:t>
-            </a:r>
-            <a:endParaRPr sz="2900"/>
-          </a:p>
-          <a:p>
-            <a:pPr marL="0" lvl="0" indent="0" algn="l" rtl="0">
-              <a:spcBef>
-                <a:spcPts val="0"/>
-              </a:spcBef>
-              <a:spcAft>
-                <a:spcPts val="0"/>
-              </a:spcAft>
-              <a:buNone/>
-            </a:pPr>
-            <a:r>
-              <a:rPr lang="it" sz="2900"/>
-              <a:t>HUB &amp; BRIDGE</a:t>
-            </a:r>
-            <a:endParaRPr sz="2900"/>
+              <a:rPr lang="it" dirty="0"/>
+              <a:t>DISPOSITIVI DI RETE</a:t>
+            </a:r>
+            <a:endParaRPr dirty="0"/>
           </a:p>
         </p:txBody>
       </p:sp>
       <p:sp>
         <p:nvSpPr>
-          <p:cNvPr id="113" name="Google Shape;113;p20"/>
+          <p:cNvPr id="79" name="Google Shape;79;p15"/>
           <p:cNvSpPr txBox="1">
             <a:spLocks noGrp="1"/>
           </p:cNvSpPr>
@@ -11581,212 +12607,8 @@
         </p:nvSpPr>
         <p:spPr>
           <a:xfrm>
-            <a:off x="265500" y="1675800"/>
-            <a:ext cx="4045200" cy="3467700"/>
-          </a:xfrm>
-          <a:prstGeom prst="rect">
-            <a:avLst/>
-          </a:prstGeom>
-        </p:spPr>
-        <p:txBody>
-          <a:bodyPr spcFirstLastPara="1" wrap="square" lIns="91425" tIns="91425" rIns="91425" bIns="91425" anchor="t" anchorCtr="0">
-            <a:normAutofit lnSpcReduction="10000"/>
-          </a:bodyPr>
-          <a:lstStyle/>
-          <a:p>
-            <a:pPr marL="0" lvl="0" indent="0" algn="l" rtl="0">
-              <a:lnSpc>
-                <a:spcPct val="115000"/>
-              </a:lnSpc>
-              <a:spcBef>
-                <a:spcPts val="0"/>
-              </a:spcBef>
-              <a:spcAft>
-                <a:spcPts val="0"/>
-              </a:spcAft>
-              <a:buNone/>
-            </a:pPr>
-            <a:r>
-              <a:rPr lang="it" sz="1800"/>
-              <a:t>L'</a:t>
-            </a:r>
-            <a:r>
-              <a:rPr lang="it" sz="1800" b="1"/>
-              <a:t>hub</a:t>
-            </a:r>
-            <a:r>
-              <a:rPr lang="it" sz="1800"/>
-              <a:t> non indirizza in maniera precisa la comunicazione al dispositivo destinatario, ma lo inoltra a tutti i dispositivi ad esso collegati.</a:t>
-            </a:r>
-            <a:endParaRPr sz="1800"/>
-          </a:p>
-          <a:p>
-            <a:pPr marL="0" lvl="0" indent="0" algn="l" rtl="0">
-              <a:lnSpc>
-                <a:spcPct val="115000"/>
-              </a:lnSpc>
-              <a:spcBef>
-                <a:spcPts val="1200"/>
-              </a:spcBef>
-              <a:spcAft>
-                <a:spcPts val="1200"/>
-              </a:spcAft>
-              <a:buNone/>
-            </a:pPr>
-            <a:r>
-              <a:rPr lang="it" sz="1800"/>
-              <a:t>Il </a:t>
-            </a:r>
-            <a:r>
-              <a:rPr lang="it" sz="1800" b="1"/>
-              <a:t>bridge</a:t>
-            </a:r>
-            <a:r>
-              <a:rPr lang="it" sz="1800"/>
-              <a:t>, serve a fare da ponte tra due reti differenti che possono essere fisiche o semplicemente logiche, come due classi di indirizzi IP differenti.</a:t>
-            </a:r>
-            <a:endParaRPr/>
-          </a:p>
-        </p:txBody>
-      </p:sp>
-      <p:pic>
-        <p:nvPicPr>
-          <p:cNvPr id="114" name="Google Shape;114;p20"/>
-          <p:cNvPicPr preferRelativeResize="0"/>
-          <p:nvPr/>
-        </p:nvPicPr>
-        <p:blipFill>
-          <a:blip r:embed="rId3">
-            <a:alphaModFix/>
-          </a:blip>
-          <a:stretch>
-            <a:fillRect/>
-          </a:stretch>
-        </p:blipFill>
-        <p:spPr>
-          <a:xfrm>
-            <a:off x="5005800" y="2203499"/>
-            <a:ext cx="3063650" cy="2750400"/>
-          </a:xfrm>
-          <a:prstGeom prst="rect">
-            <a:avLst/>
-          </a:prstGeom>
-          <a:noFill/>
-          <a:ln>
-            <a:noFill/>
-          </a:ln>
-        </p:spPr>
-      </p:pic>
-      <p:pic>
-        <p:nvPicPr>
-          <p:cNvPr id="115" name="Google Shape;115;p20"/>
-          <p:cNvPicPr preferRelativeResize="0"/>
-          <p:nvPr/>
-        </p:nvPicPr>
-        <p:blipFill>
-          <a:blip r:embed="rId4">
-            <a:alphaModFix/>
-          </a:blip>
-          <a:stretch>
-            <a:fillRect/>
-          </a:stretch>
-        </p:blipFill>
-        <p:spPr>
-          <a:xfrm>
-            <a:off x="5683375" y="250247"/>
-            <a:ext cx="3063650" cy="1714028"/>
-          </a:xfrm>
-          <a:prstGeom prst="rect">
-            <a:avLst/>
-          </a:prstGeom>
-          <a:noFill/>
-          <a:ln>
-            <a:noFill/>
-          </a:ln>
-        </p:spPr>
-      </p:pic>
-    </p:spTree>
-  </p:cSld>
-  <p:clrMapOvr>
-    <a:masterClrMapping/>
-  </p:clrMapOvr>
-</p:sld>
-</file>
-
-<file path=ppt/slides/slide17.xml><?xml version="1.0" encoding="utf-8"?>
-<p:sld xmlns:a="http://schemas.openxmlformats.org/drawingml/2006/main" xmlns:r="http://schemas.openxmlformats.org/officeDocument/2006/relationships" xmlns:p="http://schemas.openxmlformats.org/presentationml/2006/main">
-  <p:cSld>
-    <p:spTree>
-      <p:nvGrpSpPr>
-        <p:cNvPr id="1" name="Shape 119"/>
-        <p:cNvGrpSpPr/>
-        <p:nvPr/>
-      </p:nvGrpSpPr>
-      <p:grpSpPr>
-        <a:xfrm>
-          <a:off x="0" y="0"/>
-          <a:ext cx="0" cy="0"/>
-          <a:chOff x="0" y="0"/>
-          <a:chExt cx="0" cy="0"/>
-        </a:xfrm>
-      </p:grpSpPr>
-      <p:sp>
-        <p:nvSpPr>
-          <p:cNvPr id="120" name="Google Shape;120;p21"/>
-          <p:cNvSpPr txBox="1">
-            <a:spLocks noGrp="1"/>
-          </p:cNvSpPr>
-          <p:nvPr>
-            <p:ph type="title"/>
-          </p:nvPr>
-        </p:nvSpPr>
-        <p:spPr>
-          <a:xfrm>
-            <a:off x="265500" y="0"/>
-            <a:ext cx="4045200" cy="1675800"/>
-          </a:xfrm>
-          <a:prstGeom prst="rect">
-            <a:avLst/>
-          </a:prstGeom>
-        </p:spPr>
-        <p:txBody>
-          <a:bodyPr spcFirstLastPara="1" wrap="square" lIns="91425" tIns="91425" rIns="91425" bIns="91425" anchor="b" anchorCtr="0">
-            <a:normAutofit/>
-          </a:bodyPr>
-          <a:lstStyle/>
-          <a:p>
-            <a:pPr marL="0" lvl="0" indent="0" algn="l" rtl="0">
-              <a:spcBef>
-                <a:spcPts val="0"/>
-              </a:spcBef>
-              <a:spcAft>
-                <a:spcPts val="0"/>
-              </a:spcAft>
-              <a:buSzPts val="990"/>
-              <a:buNone/>
-            </a:pPr>
-            <a:r>
-              <a:rPr lang="it" sz="2940"/>
-              <a:t>DISPOSITIVI DI RETE: SWITCH &amp; ROUTER/MODEM</a:t>
-            </a:r>
-            <a:endParaRPr sz="3480"/>
-          </a:p>
-        </p:txBody>
-      </p:sp>
-      <p:sp>
-        <p:nvSpPr>
-          <p:cNvPr id="121" name="Google Shape;121;p21"/>
-          <p:cNvSpPr txBox="1">
-            <a:spLocks noGrp="1"/>
-          </p:cNvSpPr>
-          <p:nvPr>
-            <p:ph type="subTitle" idx="1"/>
-          </p:nvPr>
-        </p:nvSpPr>
-        <p:spPr>
-          <a:xfrm>
-            <a:off x="265500" y="1675800"/>
-            <a:ext cx="4045200" cy="3467700"/>
+            <a:off x="265500" y="2726875"/>
+            <a:ext cx="4045200" cy="1235100"/>
           </a:xfrm>
           <a:prstGeom prst="rect">
             <a:avLst/>
@@ -11798,10 +12620,7 @@
           </a:bodyPr>
           <a:lstStyle/>
           <a:p>
-            <a:pPr marL="0" lvl="0" indent="0" algn="l" rtl="0">
-              <a:lnSpc>
-                <a:spcPct val="115000"/>
-              </a:lnSpc>
+            <a:pPr marL="0" lvl="0" indent="0" algn="ctr" rtl="0">
               <a:spcBef>
                 <a:spcPts val="0"/>
               </a:spcBef>
@@ -11811,510 +12630,48 @@
               <a:buNone/>
             </a:pPr>
             <a:r>
-              <a:rPr lang="it" sz="1800"/>
-              <a:t>Lo </a:t>
-            </a:r>
-            <a:r>
-              <a:rPr lang="it" sz="1800" b="1"/>
-              <a:t>switch </a:t>
-            </a:r>
-            <a:r>
-              <a:rPr lang="it" sz="1800"/>
-              <a:t>indirizza la comunicazione solo al dispositivo destinatario.</a:t>
-            </a:r>
-            <a:endParaRPr sz="1800"/>
-          </a:p>
-          <a:p>
-            <a:pPr marL="0" lvl="0" indent="0" algn="l" rtl="0">
-              <a:lnSpc>
-                <a:spcPct val="115000"/>
-              </a:lnSpc>
-              <a:spcBef>
-                <a:spcPts val="1200"/>
-              </a:spcBef>
-              <a:spcAft>
-                <a:spcPts val="1200"/>
-              </a:spcAft>
-              <a:buNone/>
-            </a:pPr>
-            <a:r>
-              <a:rPr lang="it" sz="1800"/>
-              <a:t>Il </a:t>
-            </a:r>
-            <a:r>
-              <a:rPr lang="it" sz="1800" b="1"/>
-              <a:t>router/modem</a:t>
-            </a:r>
-            <a:r>
-              <a:rPr lang="it" sz="1800"/>
-              <a:t> è un dispositivo che serve ad installare una comunicazione di rete, in particolare internet.</a:t>
-            </a:r>
-            <a:endParaRPr/>
+              <a:rPr lang="it" dirty="0"/>
+              <a:t>Hub, Bridge, Switch, Router, Modem,  </a:t>
+            </a:r>
+            <a:endParaRPr dirty="0"/>
           </a:p>
         </p:txBody>
       </p:sp>
       <p:pic>
         <p:nvPicPr>
-          <p:cNvPr id="122" name="Google Shape;122;p21"/>
-          <p:cNvPicPr preferRelativeResize="0"/>
+          <p:cNvPr id="9" name="Immagine 8" descr="Immagine che contiene nero, oscurità&#10;&#10;Descrizione generata automaticamente">
+            <a:extLst>
+              <a:ext uri="{FF2B5EF4-FFF2-40B4-BE49-F238E27FC236}">
+                <a16:creationId xmlns:a16="http://schemas.microsoft.com/office/drawing/2014/main" id="{69DBF855-1C63-4DCC-0F1B-CE8DC6D57304}"/>
+              </a:ext>
+            </a:extLst>
+          </p:cNvPr>
+          <p:cNvPicPr>
+            <a:picLocks noChangeAspect="1"/>
+          </p:cNvPicPr>
           <p:nvPr/>
         </p:nvPicPr>
         <p:blipFill>
-          <a:blip r:embed="rId3">
-            <a:alphaModFix/>
-          </a:blip>
-          <a:stretch>
-            <a:fillRect/>
-          </a:stretch>
+          <a:blip r:embed="rId3"/>
+          <a:srcRect l="29061" t="21180" r="29423" b="20096"/>
+          <a:stretch/>
         </p:blipFill>
         <p:spPr>
           <a:xfrm>
-            <a:off x="5079150" y="2990903"/>
-            <a:ext cx="3565225" cy="1922450"/>
+            <a:off x="5006410" y="876206"/>
+            <a:ext cx="3872090" cy="3080837"/>
           </a:xfrm>
           <a:prstGeom prst="rect">
             <a:avLst/>
           </a:prstGeom>
-          <a:noFill/>
-          <a:ln>
-            <a:noFill/>
-          </a:ln>
-        </p:spPr>
-      </p:pic>
-      <p:pic>
-        <p:nvPicPr>
-          <p:cNvPr id="123" name="Google Shape;123;p21"/>
-          <p:cNvPicPr preferRelativeResize="0"/>
-          <p:nvPr/>
-        </p:nvPicPr>
-        <p:blipFill>
-          <a:blip r:embed="rId4">
-            <a:alphaModFix/>
-          </a:blip>
-          <a:stretch>
-            <a:fillRect/>
-          </a:stretch>
-        </p:blipFill>
-        <p:spPr>
-          <a:xfrm>
-            <a:off x="5273125" y="128151"/>
-            <a:ext cx="3371250" cy="2623250"/>
-          </a:xfrm>
-          <a:prstGeom prst="rect">
-            <a:avLst/>
-          </a:prstGeom>
-          <a:noFill/>
-          <a:ln>
-            <a:noFill/>
-          </a:ln>
         </p:spPr>
       </p:pic>
     </p:spTree>
-  </p:cSld>
-  <p:clrMapOvr>
-    <a:masterClrMapping/>
-  </p:clrMapOvr>
-</p:sld>
-</file>
-
-<file path=ppt/slides/slide18.xml><?xml version="1.0" encoding="utf-8"?>
-<p:sld xmlns:a="http://schemas.openxmlformats.org/drawingml/2006/main" xmlns:r="http://schemas.openxmlformats.org/officeDocument/2006/relationships" xmlns:p="http://schemas.openxmlformats.org/presentationml/2006/main">
-  <p:cSld>
-    <p:spTree>
-      <p:nvGrpSpPr>
-        <p:cNvPr id="1" name="Shape 127"/>
-        <p:cNvGrpSpPr/>
-        <p:nvPr/>
-      </p:nvGrpSpPr>
-      <p:grpSpPr>
-        <a:xfrm>
-          <a:off x="0" y="0"/>
-          <a:ext cx="0" cy="0"/>
-          <a:chOff x="0" y="0"/>
-          <a:chExt cx="0" cy="0"/>
-        </a:xfrm>
-      </p:grpSpPr>
-      <p:sp>
-        <p:nvSpPr>
-          <p:cNvPr id="128" name="Google Shape;128;p22"/>
-          <p:cNvSpPr txBox="1">
-            <a:spLocks noGrp="1"/>
-          </p:cNvSpPr>
-          <p:nvPr>
-            <p:ph type="title"/>
-          </p:nvPr>
-        </p:nvSpPr>
-        <p:spPr>
-          <a:xfrm>
-            <a:off x="265500" y="1039675"/>
-            <a:ext cx="4045200" cy="1675800"/>
-          </a:xfrm>
-          <a:prstGeom prst="rect">
-            <a:avLst/>
-          </a:prstGeom>
-        </p:spPr>
-        <p:txBody>
-          <a:bodyPr spcFirstLastPara="1" wrap="square" lIns="91425" tIns="91425" rIns="91425" bIns="91425" anchor="b" anchorCtr="0">
-            <a:normAutofit/>
-          </a:bodyPr>
-          <a:lstStyle/>
-          <a:p>
-            <a:pPr marL="0" lvl="0" indent="0" algn="ctr" rtl="0">
-              <a:spcBef>
-                <a:spcPts val="0"/>
-              </a:spcBef>
-              <a:spcAft>
-                <a:spcPts val="0"/>
-              </a:spcAft>
-              <a:buNone/>
-            </a:pPr>
-            <a:r>
-              <a:rPr lang="it"/>
-              <a:t>TOPOLOGIE DI RETE</a:t>
-            </a:r>
-            <a:endParaRPr/>
-          </a:p>
-        </p:txBody>
-      </p:sp>
-      <p:sp>
-        <p:nvSpPr>
-          <p:cNvPr id="129" name="Google Shape;129;p22"/>
-          <p:cNvSpPr txBox="1">
-            <a:spLocks noGrp="1"/>
-          </p:cNvSpPr>
-          <p:nvPr>
-            <p:ph type="subTitle" idx="1"/>
-          </p:nvPr>
-        </p:nvSpPr>
-        <p:spPr>
-          <a:xfrm>
-            <a:off x="265500" y="2726875"/>
-            <a:ext cx="4045200" cy="1235100"/>
-          </a:xfrm>
-          <a:prstGeom prst="rect">
-            <a:avLst/>
-          </a:prstGeom>
-        </p:spPr>
-        <p:txBody>
-          <a:bodyPr spcFirstLastPara="1" wrap="square" lIns="91425" tIns="91425" rIns="91425" bIns="91425" anchor="t" anchorCtr="0">
-            <a:normAutofit/>
-          </a:bodyPr>
-          <a:lstStyle/>
-          <a:p>
-            <a:pPr marL="0" lvl="0" indent="0" algn="ctr" rtl="0">
-              <a:spcBef>
-                <a:spcPts val="0"/>
-              </a:spcBef>
-              <a:spcAft>
-                <a:spcPts val="0"/>
-              </a:spcAft>
-              <a:buNone/>
-            </a:pPr>
-            <a:r>
-              <a:rPr lang="it"/>
-              <a:t>ANELLO vs STELLA vs BUS</a:t>
-            </a:r>
-            <a:endParaRPr/>
-          </a:p>
-        </p:txBody>
-      </p:sp>
-      <p:pic>
-        <p:nvPicPr>
-          <p:cNvPr id="130" name="Google Shape;130;p22"/>
-          <p:cNvPicPr preferRelativeResize="0"/>
-          <p:nvPr/>
-        </p:nvPicPr>
-        <p:blipFill>
-          <a:blip r:embed="rId3">
-            <a:alphaModFix/>
-          </a:blip>
-          <a:stretch>
-            <a:fillRect/>
-          </a:stretch>
-        </p:blipFill>
-        <p:spPr>
-          <a:xfrm>
-            <a:off x="4794813" y="221450"/>
-            <a:ext cx="2615047" cy="1415750"/>
-          </a:xfrm>
-          <a:prstGeom prst="rect">
-            <a:avLst/>
-          </a:prstGeom>
-          <a:noFill/>
-          <a:ln>
-            <a:noFill/>
-          </a:ln>
-        </p:spPr>
-      </p:pic>
-      <p:pic>
-        <p:nvPicPr>
-          <p:cNvPr id="131" name="Google Shape;131;p22"/>
-          <p:cNvPicPr preferRelativeResize="0"/>
-          <p:nvPr/>
-        </p:nvPicPr>
-        <p:blipFill>
-          <a:blip r:embed="rId4">
-            <a:alphaModFix/>
-          </a:blip>
-          <a:stretch>
-            <a:fillRect/>
-          </a:stretch>
-        </p:blipFill>
-        <p:spPr>
-          <a:xfrm>
-            <a:off x="5701375" y="1853688"/>
-            <a:ext cx="3092305" cy="1415750"/>
-          </a:xfrm>
-          <a:prstGeom prst="rect">
-            <a:avLst/>
-          </a:prstGeom>
-          <a:noFill/>
-          <a:ln>
-            <a:noFill/>
-          </a:ln>
-        </p:spPr>
-      </p:pic>
-      <p:pic>
-        <p:nvPicPr>
-          <p:cNvPr id="132" name="Google Shape;132;p22"/>
-          <p:cNvPicPr preferRelativeResize="0"/>
-          <p:nvPr/>
-        </p:nvPicPr>
-        <p:blipFill>
-          <a:blip r:embed="rId5">
-            <a:alphaModFix/>
-          </a:blip>
-          <a:stretch>
-            <a:fillRect/>
-          </a:stretch>
-        </p:blipFill>
-        <p:spPr>
-          <a:xfrm>
-            <a:off x="4794825" y="3485927"/>
-            <a:ext cx="2381425" cy="1415750"/>
-          </a:xfrm>
-          <a:prstGeom prst="rect">
-            <a:avLst/>
-          </a:prstGeom>
-          <a:noFill/>
-          <a:ln>
-            <a:noFill/>
-          </a:ln>
-        </p:spPr>
-      </p:pic>
-    </p:spTree>
-  </p:cSld>
-  <p:clrMapOvr>
-    <a:masterClrMapping/>
-  </p:clrMapOvr>
-</p:sld>
-</file>
-
-<file path=ppt/slides/slide19.xml><?xml version="1.0" encoding="utf-8"?>
-<p:sld xmlns:a="http://schemas.openxmlformats.org/drawingml/2006/main" xmlns:r="http://schemas.openxmlformats.org/officeDocument/2006/relationships" xmlns:p="http://schemas.openxmlformats.org/presentationml/2006/main">
-  <p:cSld>
-    <p:spTree>
-      <p:nvGrpSpPr>
-        <p:cNvPr id="1" name="Shape 136"/>
-        <p:cNvGrpSpPr/>
-        <p:nvPr/>
-      </p:nvGrpSpPr>
-      <p:grpSpPr>
-        <a:xfrm>
-          <a:off x="0" y="0"/>
-          <a:ext cx="0" cy="0"/>
-          <a:chOff x="0" y="0"/>
-          <a:chExt cx="0" cy="0"/>
-        </a:xfrm>
-      </p:grpSpPr>
-      <p:sp>
-        <p:nvSpPr>
-          <p:cNvPr id="137" name="Google Shape;137;p23"/>
-          <p:cNvSpPr txBox="1">
-            <a:spLocks noGrp="1"/>
-          </p:cNvSpPr>
-          <p:nvPr>
-            <p:ph type="title"/>
-          </p:nvPr>
-        </p:nvSpPr>
-        <p:spPr>
-          <a:xfrm>
-            <a:off x="265500" y="0"/>
-            <a:ext cx="4045200" cy="1675800"/>
-          </a:xfrm>
-          <a:prstGeom prst="rect">
-            <a:avLst/>
-          </a:prstGeom>
-        </p:spPr>
-        <p:txBody>
-          <a:bodyPr spcFirstLastPara="1" wrap="square" lIns="91425" tIns="91425" rIns="91425" bIns="91425" anchor="b" anchorCtr="0">
-            <a:normAutofit/>
-          </a:bodyPr>
-          <a:lstStyle/>
-          <a:p>
-            <a:pPr marL="0" lvl="0" indent="0" algn="ctr" rtl="0">
-              <a:spcBef>
-                <a:spcPts val="0"/>
-              </a:spcBef>
-              <a:spcAft>
-                <a:spcPts val="0"/>
-              </a:spcAft>
-              <a:buNone/>
-            </a:pPr>
-            <a:r>
-              <a:rPr lang="it"/>
-              <a:t>TOPOLOGIA AD ANELLO</a:t>
-            </a:r>
-            <a:endParaRPr/>
-          </a:p>
-        </p:txBody>
-      </p:sp>
-      <p:sp>
-        <p:nvSpPr>
-          <p:cNvPr id="138" name="Google Shape;138;p23"/>
-          <p:cNvSpPr txBox="1">
-            <a:spLocks noGrp="1"/>
-          </p:cNvSpPr>
-          <p:nvPr>
-            <p:ph type="subTitle" idx="1"/>
-          </p:nvPr>
-        </p:nvSpPr>
-        <p:spPr>
-          <a:xfrm>
-            <a:off x="265500" y="1675800"/>
-            <a:ext cx="4045200" cy="3467700"/>
-          </a:xfrm>
-          <a:prstGeom prst="rect">
-            <a:avLst/>
-          </a:prstGeom>
-        </p:spPr>
-        <p:txBody>
-          <a:bodyPr spcFirstLastPara="1" wrap="square" lIns="91425" tIns="91425" rIns="91425" bIns="91425" anchor="t" anchorCtr="0">
-            <a:noAutofit/>
-          </a:bodyPr>
-          <a:lstStyle/>
-          <a:p>
-            <a:pPr marL="0" lvl="0" indent="0" algn="just" rtl="0">
-              <a:lnSpc>
-                <a:spcPct val="80000"/>
-              </a:lnSpc>
-              <a:spcBef>
-                <a:spcPts val="0"/>
-              </a:spcBef>
-              <a:spcAft>
-                <a:spcPts val="0"/>
-              </a:spcAft>
-              <a:buSzPts val="523"/>
-              <a:buNone/>
-            </a:pPr>
-            <a:r>
-              <a:rPr lang="it" sz="1500"/>
-              <a:t>La rete ad anello è un sistema dove i nodi sono disposti a cerchio, creando appunto un anello. Ciascun nodo esamina il messaggio che riceve per decidere se deve acquisirlo o passarlo a sua volta. Il segnale dei dati ricevuti e la trasmissione termina quando il messaggio fa un intero giro e ritorna al nodo trasmittente. Il percorso può avvenire in maniera:</a:t>
-            </a:r>
-            <a:endParaRPr sz="1500"/>
-          </a:p>
-          <a:p>
-            <a:pPr marL="0" lvl="0" indent="0" algn="just" rtl="0">
-              <a:lnSpc>
-                <a:spcPct val="80000"/>
-              </a:lnSpc>
-              <a:spcBef>
-                <a:spcPts val="0"/>
-              </a:spcBef>
-              <a:spcAft>
-                <a:spcPts val="0"/>
-              </a:spcAft>
-              <a:buSzPts val="523"/>
-              <a:buNone/>
-            </a:pPr>
-            <a:endParaRPr sz="1500"/>
-          </a:p>
-          <a:p>
-            <a:pPr marL="457200" lvl="0" indent="-323850" algn="just" rtl="0">
-              <a:lnSpc>
-                <a:spcPct val="80000"/>
-              </a:lnSpc>
-              <a:spcBef>
-                <a:spcPts val="0"/>
-              </a:spcBef>
-              <a:spcAft>
-                <a:spcPts val="0"/>
-              </a:spcAft>
-              <a:buSzPts val="1500"/>
-              <a:buChar char="●"/>
-            </a:pPr>
-            <a:r>
-              <a:rPr lang="it" sz="1500"/>
-              <a:t>Unidirezionale: in senso orario o antiorario</a:t>
-            </a:r>
-            <a:endParaRPr sz="1500"/>
-          </a:p>
-          <a:p>
-            <a:pPr marL="457200" lvl="0" indent="0" algn="just" rtl="0">
-              <a:lnSpc>
-                <a:spcPct val="80000"/>
-              </a:lnSpc>
-              <a:spcBef>
-                <a:spcPts val="0"/>
-              </a:spcBef>
-              <a:spcAft>
-                <a:spcPts val="0"/>
-              </a:spcAft>
-              <a:buNone/>
-            </a:pPr>
-            <a:endParaRPr sz="1500"/>
-          </a:p>
-          <a:p>
-            <a:pPr marL="457200" lvl="0" indent="-323850" algn="just" rtl="0">
-              <a:lnSpc>
-                <a:spcPct val="80000"/>
-              </a:lnSpc>
-              <a:spcBef>
-                <a:spcPts val="0"/>
-              </a:spcBef>
-              <a:spcAft>
-                <a:spcPts val="0"/>
-              </a:spcAft>
-              <a:buSzPts val="1500"/>
-              <a:buChar char="●"/>
-            </a:pPr>
-            <a:r>
-              <a:rPr lang="it" sz="1500"/>
-              <a:t>Bidirezionale: ciascun nodo può inviare il messaggio sia al nodo precedente che a quello successivo.</a:t>
-            </a:r>
-            <a:endParaRPr sz="1500"/>
-          </a:p>
-        </p:txBody>
-      </p:sp>
-      <p:pic>
-        <p:nvPicPr>
-          <p:cNvPr id="139" name="Google Shape;139;p23"/>
-          <p:cNvPicPr preferRelativeResize="0"/>
-          <p:nvPr/>
-        </p:nvPicPr>
-        <p:blipFill>
-          <a:blip r:embed="rId3">
-            <a:alphaModFix/>
-          </a:blip>
-          <a:stretch>
-            <a:fillRect/>
-          </a:stretch>
-        </p:blipFill>
-        <p:spPr>
-          <a:xfrm>
-            <a:off x="4939425" y="1274250"/>
-            <a:ext cx="3826700" cy="2071725"/>
-          </a:xfrm>
-          <a:prstGeom prst="rect">
-            <a:avLst/>
-          </a:prstGeom>
-          <a:noFill/>
-          <a:ln>
-            <a:noFill/>
-          </a:ln>
-        </p:spPr>
-      </p:pic>
-    </p:spTree>
+    <p:extLst>
+      <p:ext uri="{BB962C8B-B14F-4D97-AF65-F5344CB8AC3E}">
+        <p14:creationId xmlns:p14="http://schemas.microsoft.com/office/powerpoint/2010/main" val="21434662"/>
+      </p:ext>
+    </p:extLst>
   </p:cSld>
   <p:clrMapOvr>
     <a:masterClrMapping/>
@@ -12542,6 +12899,1223 @@
   <p:cSld>
     <p:spTree>
       <p:nvGrpSpPr>
+        <p:cNvPr id="1" name=""/>
+        <p:cNvGrpSpPr/>
+        <p:nvPr/>
+      </p:nvGrpSpPr>
+      <p:grpSpPr>
+        <a:xfrm>
+          <a:off x="0" y="0"/>
+          <a:ext cx="0" cy="0"/>
+          <a:chOff x="0" y="0"/>
+          <a:chExt cx="0" cy="0"/>
+        </a:xfrm>
+      </p:grpSpPr>
+      <p:sp>
+        <p:nvSpPr>
+          <p:cNvPr id="2" name="Titolo 1">
+            <a:extLst>
+              <a:ext uri="{FF2B5EF4-FFF2-40B4-BE49-F238E27FC236}">
+                <a16:creationId xmlns:a16="http://schemas.microsoft.com/office/drawing/2014/main" id="{77697C6B-92BD-FA06-9335-5C16F6E59296}"/>
+              </a:ext>
+            </a:extLst>
+          </p:cNvPr>
+          <p:cNvSpPr>
+            <a:spLocks noGrp="1"/>
+          </p:cNvSpPr>
+          <p:nvPr>
+            <p:ph type="title"/>
+          </p:nvPr>
+        </p:nvSpPr>
+        <p:spPr/>
+        <p:txBody>
+          <a:bodyPr/>
+          <a:lstStyle/>
+          <a:p>
+            <a:r>
+              <a:rPr lang="it-IT" dirty="0"/>
+              <a:t>HUB</a:t>
+            </a:r>
+          </a:p>
+        </p:txBody>
+      </p:sp>
+      <p:pic>
+        <p:nvPicPr>
+          <p:cNvPr id="4098" name="Picture 2" descr="undefined">
+            <a:extLst>
+              <a:ext uri="{FF2B5EF4-FFF2-40B4-BE49-F238E27FC236}">
+                <a16:creationId xmlns:a16="http://schemas.microsoft.com/office/drawing/2014/main" id="{99254E17-941C-9159-BEBF-9CAABD61B6EA}"/>
+              </a:ext>
+            </a:extLst>
+          </p:cNvPr>
+          <p:cNvPicPr>
+            <a:picLocks noChangeAspect="1" noChangeArrowheads="1"/>
+          </p:cNvPicPr>
+          <p:nvPr/>
+        </p:nvPicPr>
+        <p:blipFill>
+          <a:blip r:embed="rId2">
+            <a:extLst>
+              <a:ext uri="{28A0092B-C50C-407E-A947-70E740481C1C}">
+                <a14:useLocalDpi xmlns:a14="http://schemas.microsoft.com/office/drawing/2010/main" val="0"/>
+              </a:ext>
+            </a:extLst>
+          </a:blip>
+          <a:srcRect/>
+          <a:stretch>
+            <a:fillRect/>
+          </a:stretch>
+        </p:blipFill>
+        <p:spPr bwMode="auto">
+          <a:xfrm>
+            <a:off x="4943120" y="1486455"/>
+            <a:ext cx="3858827" cy="2170590"/>
+          </a:xfrm>
+          <a:prstGeom prst="rect">
+            <a:avLst/>
+          </a:prstGeom>
+          <a:noFill/>
+          <a:extLst>
+            <a:ext uri="{909E8E84-426E-40DD-AFC4-6F175D3DCCD1}">
+              <a14:hiddenFill xmlns:a14="http://schemas.microsoft.com/office/drawing/2010/main">
+                <a:solidFill>
+                  <a:srgbClr val="FFFFFF"/>
+                </a:solidFill>
+              </a14:hiddenFill>
+            </a:ext>
+          </a:extLst>
+        </p:spPr>
+      </p:pic>
+      <p:sp>
+        <p:nvSpPr>
+          <p:cNvPr id="5" name="CasellaDiTesto 4">
+            <a:extLst>
+              <a:ext uri="{FF2B5EF4-FFF2-40B4-BE49-F238E27FC236}">
+                <a16:creationId xmlns:a16="http://schemas.microsoft.com/office/drawing/2014/main" id="{8ECD3670-AA52-07A6-58CA-A391E3A8E733}"/>
+              </a:ext>
+            </a:extLst>
+          </p:cNvPr>
+          <p:cNvSpPr txBox="1"/>
+          <p:nvPr/>
+        </p:nvSpPr>
+        <p:spPr>
+          <a:xfrm>
+            <a:off x="265500" y="2715475"/>
+            <a:ext cx="4045199" cy="1384995"/>
+          </a:xfrm>
+          <a:prstGeom prst="rect">
+            <a:avLst/>
+          </a:prstGeom>
+          <a:noFill/>
+        </p:spPr>
+        <p:txBody>
+          <a:bodyPr wrap="square" rtlCol="0">
+            <a:spAutoFit/>
+          </a:bodyPr>
+          <a:lstStyle/>
+          <a:p>
+            <a:pPr algn="just"/>
+            <a:r>
+              <a:rPr lang="it-IT" sz="2100" dirty="0">
+                <a:solidFill>
+                  <a:schemeClr val="bg2"/>
+                </a:solidFill>
+                <a:latin typeface="Open Sans" panose="020B0606030504020204" pitchFamily="34" charset="0"/>
+                <a:ea typeface="Open Sans" panose="020B0606030504020204" pitchFamily="34" charset="0"/>
+                <a:cs typeface="Open Sans" panose="020B0606030504020204" pitchFamily="34" charset="0"/>
+              </a:rPr>
+              <a:t>Dispositivo che trasmette i dati a tutti i dispositivi connessi, senza considerare l'indirizzo del destinatario.</a:t>
+            </a:r>
+          </a:p>
+        </p:txBody>
+      </p:sp>
+    </p:spTree>
+    <p:extLst>
+      <p:ext uri="{BB962C8B-B14F-4D97-AF65-F5344CB8AC3E}">
+        <p14:creationId xmlns:p14="http://schemas.microsoft.com/office/powerpoint/2010/main" val="1480696467"/>
+      </p:ext>
+    </p:extLst>
+  </p:cSld>
+  <p:clrMapOvr>
+    <a:masterClrMapping/>
+  </p:clrMapOvr>
+</p:sld>
+</file>
+
+<file path=ppt/slides/slide21.xml><?xml version="1.0" encoding="utf-8"?>
+<p:sld xmlns:a="http://schemas.openxmlformats.org/drawingml/2006/main" xmlns:r="http://schemas.openxmlformats.org/officeDocument/2006/relationships" xmlns:p="http://schemas.openxmlformats.org/presentationml/2006/main">
+  <p:cSld>
+    <p:spTree>
+      <p:nvGrpSpPr>
+        <p:cNvPr id="1" name=""/>
+        <p:cNvGrpSpPr/>
+        <p:nvPr/>
+      </p:nvGrpSpPr>
+      <p:grpSpPr>
+        <a:xfrm>
+          <a:off x="0" y="0"/>
+          <a:ext cx="0" cy="0"/>
+          <a:chOff x="0" y="0"/>
+          <a:chExt cx="0" cy="0"/>
+        </a:xfrm>
+      </p:grpSpPr>
+      <p:sp>
+        <p:nvSpPr>
+          <p:cNvPr id="2" name="Titolo 1">
+            <a:extLst>
+              <a:ext uri="{FF2B5EF4-FFF2-40B4-BE49-F238E27FC236}">
+                <a16:creationId xmlns:a16="http://schemas.microsoft.com/office/drawing/2014/main" id="{77697C6B-92BD-FA06-9335-5C16F6E59296}"/>
+              </a:ext>
+            </a:extLst>
+          </p:cNvPr>
+          <p:cNvSpPr>
+            <a:spLocks noGrp="1"/>
+          </p:cNvSpPr>
+          <p:nvPr>
+            <p:ph type="title"/>
+          </p:nvPr>
+        </p:nvSpPr>
+        <p:spPr/>
+        <p:txBody>
+          <a:bodyPr/>
+          <a:lstStyle/>
+          <a:p>
+            <a:r>
+              <a:rPr lang="it-IT" dirty="0"/>
+              <a:t>BRIDGE</a:t>
+            </a:r>
+          </a:p>
+        </p:txBody>
+      </p:sp>
+      <p:pic>
+        <p:nvPicPr>
+          <p:cNvPr id="8194" name="Picture 2" descr="undefined">
+            <a:extLst>
+              <a:ext uri="{FF2B5EF4-FFF2-40B4-BE49-F238E27FC236}">
+                <a16:creationId xmlns:a16="http://schemas.microsoft.com/office/drawing/2014/main" id="{44CBBB0A-76A2-2AE9-351F-E5A55AF35537}"/>
+              </a:ext>
+            </a:extLst>
+          </p:cNvPr>
+          <p:cNvPicPr>
+            <a:picLocks noChangeAspect="1" noChangeArrowheads="1"/>
+          </p:cNvPicPr>
+          <p:nvPr/>
+        </p:nvPicPr>
+        <p:blipFill>
+          <a:blip r:embed="rId3">
+            <a:extLst>
+              <a:ext uri="{28A0092B-C50C-407E-A947-70E740481C1C}">
+                <a14:useLocalDpi xmlns:a14="http://schemas.microsoft.com/office/drawing/2010/main" val="0"/>
+              </a:ext>
+            </a:extLst>
+          </a:blip>
+          <a:srcRect/>
+          <a:stretch>
+            <a:fillRect/>
+          </a:stretch>
+        </p:blipFill>
+        <p:spPr bwMode="auto">
+          <a:xfrm>
+            <a:off x="4945523" y="1404228"/>
+            <a:ext cx="3856425" cy="2335043"/>
+          </a:xfrm>
+          <a:prstGeom prst="rect">
+            <a:avLst/>
+          </a:prstGeom>
+          <a:noFill/>
+          <a:extLst>
+            <a:ext uri="{909E8E84-426E-40DD-AFC4-6F175D3DCCD1}">
+              <a14:hiddenFill xmlns:a14="http://schemas.microsoft.com/office/drawing/2010/main">
+                <a:solidFill>
+                  <a:srgbClr val="FFFFFF"/>
+                </a:solidFill>
+              </a14:hiddenFill>
+            </a:ext>
+          </a:extLst>
+        </p:spPr>
+      </p:pic>
+      <p:sp>
+        <p:nvSpPr>
+          <p:cNvPr id="4" name="CasellaDiTesto 3">
+            <a:extLst>
+              <a:ext uri="{FF2B5EF4-FFF2-40B4-BE49-F238E27FC236}">
+                <a16:creationId xmlns:a16="http://schemas.microsoft.com/office/drawing/2014/main" id="{B42C3DE6-3DDB-8F93-7FDB-B4733DC731BB}"/>
+              </a:ext>
+            </a:extLst>
+          </p:cNvPr>
+          <p:cNvSpPr txBox="1"/>
+          <p:nvPr/>
+        </p:nvSpPr>
+        <p:spPr>
+          <a:xfrm>
+            <a:off x="5318661" y="1039675"/>
+            <a:ext cx="3110147" cy="307777"/>
+          </a:xfrm>
+          <a:prstGeom prst="rect">
+            <a:avLst/>
+          </a:prstGeom>
+          <a:noFill/>
+        </p:spPr>
+        <p:txBody>
+          <a:bodyPr wrap="none" rtlCol="0">
+            <a:spAutoFit/>
+          </a:bodyPr>
+          <a:lstStyle/>
+          <a:p>
+            <a:r>
+              <a:rPr lang="it-IT" b="1" dirty="0"/>
+              <a:t>OSI</a:t>
+            </a:r>
+            <a:r>
+              <a:rPr lang="it-IT" dirty="0"/>
+              <a:t> (</a:t>
+            </a:r>
+            <a:r>
+              <a:rPr lang="it-IT" b="0" i="1" dirty="0">
+                <a:solidFill>
+                  <a:srgbClr val="202122"/>
+                </a:solidFill>
+                <a:effectLst/>
+                <a:latin typeface="Arial" panose="020B0604020202020204" pitchFamily="34" charset="0"/>
+                <a:hlinkClick r:id="rId4"/>
+              </a:rPr>
+              <a:t>Open Systems </a:t>
+            </a:r>
+            <a:r>
+              <a:rPr lang="it-IT" b="0" i="1" dirty="0" err="1">
+                <a:solidFill>
+                  <a:srgbClr val="202122"/>
+                </a:solidFill>
+                <a:effectLst/>
+                <a:latin typeface="Arial" panose="020B0604020202020204" pitchFamily="34" charset="0"/>
+                <a:hlinkClick r:id="rId4"/>
+              </a:rPr>
+              <a:t>Interconnection</a:t>
+            </a:r>
+            <a:r>
+              <a:rPr lang="it-IT" b="0" i="1" dirty="0">
+                <a:solidFill>
+                  <a:srgbClr val="202122"/>
+                </a:solidFill>
+                <a:effectLst/>
+                <a:latin typeface="Arial" panose="020B0604020202020204" pitchFamily="34" charset="0"/>
+              </a:rPr>
+              <a:t>)</a:t>
+            </a:r>
+            <a:endParaRPr lang="it-IT" dirty="0"/>
+          </a:p>
+        </p:txBody>
+      </p:sp>
+      <p:sp>
+        <p:nvSpPr>
+          <p:cNvPr id="5" name="CasellaDiTesto 4">
+            <a:extLst>
+              <a:ext uri="{FF2B5EF4-FFF2-40B4-BE49-F238E27FC236}">
+                <a16:creationId xmlns:a16="http://schemas.microsoft.com/office/drawing/2014/main" id="{D5EA9E61-6109-4C3E-53EC-8965B3FED2BB}"/>
+              </a:ext>
+            </a:extLst>
+          </p:cNvPr>
+          <p:cNvSpPr txBox="1"/>
+          <p:nvPr/>
+        </p:nvSpPr>
+        <p:spPr>
+          <a:xfrm>
+            <a:off x="265500" y="2715475"/>
+            <a:ext cx="4045199" cy="2031325"/>
+          </a:xfrm>
+          <a:prstGeom prst="rect">
+            <a:avLst/>
+          </a:prstGeom>
+          <a:noFill/>
+        </p:spPr>
+        <p:txBody>
+          <a:bodyPr wrap="square" rtlCol="0">
+            <a:spAutoFit/>
+          </a:bodyPr>
+          <a:lstStyle/>
+          <a:p>
+            <a:pPr algn="just"/>
+            <a:r>
+              <a:rPr lang="it-IT" sz="2100" dirty="0">
+                <a:solidFill>
+                  <a:schemeClr val="bg2"/>
+                </a:solidFill>
+                <a:latin typeface="Open Sans" panose="020B0606030504020204" pitchFamily="34" charset="0"/>
+                <a:ea typeface="Open Sans" panose="020B0606030504020204" pitchFamily="34" charset="0"/>
+                <a:cs typeface="Open Sans" panose="020B0606030504020204" pitchFamily="34" charset="0"/>
+              </a:rPr>
+              <a:t>Dispositivo che collega due segmenti di rete, permettendo loro di funzionare come un'unica rete. Filtra e riduce il traffico di rete migliorandone l’efficienza.</a:t>
+            </a:r>
+          </a:p>
+        </p:txBody>
+      </p:sp>
+    </p:spTree>
+    <p:extLst>
+      <p:ext uri="{BB962C8B-B14F-4D97-AF65-F5344CB8AC3E}">
+        <p14:creationId xmlns:p14="http://schemas.microsoft.com/office/powerpoint/2010/main" val="3977098260"/>
+      </p:ext>
+    </p:extLst>
+  </p:cSld>
+  <p:clrMapOvr>
+    <a:masterClrMapping/>
+  </p:clrMapOvr>
+</p:sld>
+</file>
+
+<file path=ppt/slides/slide22.xml><?xml version="1.0" encoding="utf-8"?>
+<p:sld xmlns:a="http://schemas.openxmlformats.org/drawingml/2006/main" xmlns:r="http://schemas.openxmlformats.org/officeDocument/2006/relationships" xmlns:p="http://schemas.openxmlformats.org/presentationml/2006/main">
+  <p:cSld>
+    <p:spTree>
+      <p:nvGrpSpPr>
+        <p:cNvPr id="1" name=""/>
+        <p:cNvGrpSpPr/>
+        <p:nvPr/>
+      </p:nvGrpSpPr>
+      <p:grpSpPr>
+        <a:xfrm>
+          <a:off x="0" y="0"/>
+          <a:ext cx="0" cy="0"/>
+          <a:chOff x="0" y="0"/>
+          <a:chExt cx="0" cy="0"/>
+        </a:xfrm>
+      </p:grpSpPr>
+      <p:sp>
+        <p:nvSpPr>
+          <p:cNvPr id="2" name="Titolo 1">
+            <a:extLst>
+              <a:ext uri="{FF2B5EF4-FFF2-40B4-BE49-F238E27FC236}">
+                <a16:creationId xmlns:a16="http://schemas.microsoft.com/office/drawing/2014/main" id="{77697C6B-92BD-FA06-9335-5C16F6E59296}"/>
+              </a:ext>
+            </a:extLst>
+          </p:cNvPr>
+          <p:cNvSpPr>
+            <a:spLocks noGrp="1"/>
+          </p:cNvSpPr>
+          <p:nvPr>
+            <p:ph type="title"/>
+          </p:nvPr>
+        </p:nvSpPr>
+        <p:spPr/>
+        <p:txBody>
+          <a:bodyPr/>
+          <a:lstStyle/>
+          <a:p>
+            <a:r>
+              <a:rPr lang="it-IT" dirty="0"/>
+              <a:t>SWITCH</a:t>
+            </a:r>
+          </a:p>
+        </p:txBody>
+      </p:sp>
+      <p:pic>
+        <p:nvPicPr>
+          <p:cNvPr id="2050" name="Picture 2" descr="undefined">
+            <a:extLst>
+              <a:ext uri="{FF2B5EF4-FFF2-40B4-BE49-F238E27FC236}">
+                <a16:creationId xmlns:a16="http://schemas.microsoft.com/office/drawing/2014/main" id="{70E81BA4-E2BF-A7E6-2FBA-5C1B4393E9BF}"/>
+              </a:ext>
+            </a:extLst>
+          </p:cNvPr>
+          <p:cNvPicPr>
+            <a:picLocks noChangeAspect="1" noChangeArrowheads="1"/>
+          </p:cNvPicPr>
+          <p:nvPr/>
+        </p:nvPicPr>
+        <p:blipFill>
+          <a:blip r:embed="rId3">
+            <a:extLst>
+              <a:ext uri="{28A0092B-C50C-407E-A947-70E740481C1C}">
+                <a14:useLocalDpi xmlns:a14="http://schemas.microsoft.com/office/drawing/2010/main" val="0"/>
+              </a:ext>
+            </a:extLst>
+          </a:blip>
+          <a:srcRect/>
+          <a:stretch>
+            <a:fillRect/>
+          </a:stretch>
+        </p:blipFill>
+        <p:spPr bwMode="auto">
+          <a:xfrm>
+            <a:off x="4943121" y="1288690"/>
+            <a:ext cx="3858827" cy="2566120"/>
+          </a:xfrm>
+          <a:prstGeom prst="rect">
+            <a:avLst/>
+          </a:prstGeom>
+          <a:noFill/>
+          <a:extLst>
+            <a:ext uri="{909E8E84-426E-40DD-AFC4-6F175D3DCCD1}">
+              <a14:hiddenFill xmlns:a14="http://schemas.microsoft.com/office/drawing/2010/main">
+                <a:solidFill>
+                  <a:srgbClr val="FFFFFF"/>
+                </a:solidFill>
+              </a14:hiddenFill>
+            </a:ext>
+          </a:extLst>
+        </p:spPr>
+      </p:pic>
+      <p:sp>
+        <p:nvSpPr>
+          <p:cNvPr id="7" name="CasellaDiTesto 6">
+            <a:extLst>
+              <a:ext uri="{FF2B5EF4-FFF2-40B4-BE49-F238E27FC236}">
+                <a16:creationId xmlns:a16="http://schemas.microsoft.com/office/drawing/2014/main" id="{13E55B11-1DAA-A1A2-6D6E-1D914052226D}"/>
+              </a:ext>
+            </a:extLst>
+          </p:cNvPr>
+          <p:cNvSpPr txBox="1"/>
+          <p:nvPr/>
+        </p:nvSpPr>
+        <p:spPr>
+          <a:xfrm>
+            <a:off x="265500" y="2715475"/>
+            <a:ext cx="4045199" cy="2031325"/>
+          </a:xfrm>
+          <a:prstGeom prst="rect">
+            <a:avLst/>
+          </a:prstGeom>
+          <a:noFill/>
+        </p:spPr>
+        <p:txBody>
+          <a:bodyPr wrap="square" rtlCol="0">
+            <a:spAutoFit/>
+          </a:bodyPr>
+          <a:lstStyle/>
+          <a:p>
+            <a:pPr algn="just"/>
+            <a:r>
+              <a:rPr lang="it-IT" sz="2100" dirty="0">
+                <a:solidFill>
+                  <a:schemeClr val="bg2"/>
+                </a:solidFill>
+                <a:latin typeface="Open Sans" panose="020B0606030504020204" pitchFamily="34" charset="0"/>
+                <a:ea typeface="Open Sans" panose="020B0606030504020204" pitchFamily="34" charset="0"/>
+                <a:cs typeface="Open Sans" panose="020B0606030504020204" pitchFamily="34" charset="0"/>
+              </a:rPr>
+              <a:t>Dispositivo che connette altri dispositivi all'interno della stessa rete locale permettendo lo scambio di dati tra di loro. Migliora l'efficienza della rete suddividendo il traffico.</a:t>
+            </a:r>
+          </a:p>
+        </p:txBody>
+      </p:sp>
+    </p:spTree>
+    <p:extLst>
+      <p:ext uri="{BB962C8B-B14F-4D97-AF65-F5344CB8AC3E}">
+        <p14:creationId xmlns:p14="http://schemas.microsoft.com/office/powerpoint/2010/main" val="1867668465"/>
+      </p:ext>
+    </p:extLst>
+  </p:cSld>
+  <p:clrMapOvr>
+    <a:masterClrMapping/>
+  </p:clrMapOvr>
+</p:sld>
+</file>
+
+<file path=ppt/slides/slide23.xml><?xml version="1.0" encoding="utf-8"?>
+<p:sld xmlns:a="http://schemas.openxmlformats.org/drawingml/2006/main" xmlns:r="http://schemas.openxmlformats.org/officeDocument/2006/relationships" xmlns:p="http://schemas.openxmlformats.org/presentationml/2006/main">
+  <p:cSld>
+    <p:spTree>
+      <p:nvGrpSpPr>
+        <p:cNvPr id="1" name=""/>
+        <p:cNvGrpSpPr/>
+        <p:nvPr/>
+      </p:nvGrpSpPr>
+      <p:grpSpPr>
+        <a:xfrm>
+          <a:off x="0" y="0"/>
+          <a:ext cx="0" cy="0"/>
+          <a:chOff x="0" y="0"/>
+          <a:chExt cx="0" cy="0"/>
+        </a:xfrm>
+      </p:grpSpPr>
+      <p:sp>
+        <p:nvSpPr>
+          <p:cNvPr id="2" name="Titolo 1">
+            <a:extLst>
+              <a:ext uri="{FF2B5EF4-FFF2-40B4-BE49-F238E27FC236}">
+                <a16:creationId xmlns:a16="http://schemas.microsoft.com/office/drawing/2014/main" id="{77697C6B-92BD-FA06-9335-5C16F6E59296}"/>
+              </a:ext>
+            </a:extLst>
+          </p:cNvPr>
+          <p:cNvSpPr>
+            <a:spLocks noGrp="1"/>
+          </p:cNvSpPr>
+          <p:nvPr>
+            <p:ph type="title"/>
+          </p:nvPr>
+        </p:nvSpPr>
+        <p:spPr/>
+        <p:txBody>
+          <a:bodyPr/>
+          <a:lstStyle/>
+          <a:p>
+            <a:r>
+              <a:rPr lang="it-IT" dirty="0"/>
+              <a:t>ROUTER</a:t>
+            </a:r>
+          </a:p>
+        </p:txBody>
+      </p:sp>
+      <p:pic>
+        <p:nvPicPr>
+          <p:cNvPr id="1026" name="Picture 2">
+            <a:extLst>
+              <a:ext uri="{FF2B5EF4-FFF2-40B4-BE49-F238E27FC236}">
+                <a16:creationId xmlns:a16="http://schemas.microsoft.com/office/drawing/2014/main" id="{5EAD3E73-734C-69A7-01DE-F6B7689660BF}"/>
+              </a:ext>
+            </a:extLst>
+          </p:cNvPr>
+          <p:cNvPicPr>
+            <a:picLocks noChangeAspect="1" noChangeArrowheads="1"/>
+          </p:cNvPicPr>
+          <p:nvPr/>
+        </p:nvPicPr>
+        <p:blipFill>
+          <a:blip r:embed="rId2">
+            <a:extLst>
+              <a:ext uri="{28A0092B-C50C-407E-A947-70E740481C1C}">
+                <a14:useLocalDpi xmlns:a14="http://schemas.microsoft.com/office/drawing/2010/main" val="0"/>
+              </a:ext>
+            </a:extLst>
+          </a:blip>
+          <a:srcRect/>
+          <a:stretch>
+            <a:fillRect/>
+          </a:stretch>
+        </p:blipFill>
+        <p:spPr bwMode="auto">
+          <a:xfrm>
+            <a:off x="4943121" y="977789"/>
+            <a:ext cx="3856357" cy="3187922"/>
+          </a:xfrm>
+          <a:prstGeom prst="rect">
+            <a:avLst/>
+          </a:prstGeom>
+          <a:noFill/>
+          <a:extLst>
+            <a:ext uri="{909E8E84-426E-40DD-AFC4-6F175D3DCCD1}">
+              <a14:hiddenFill xmlns:a14="http://schemas.microsoft.com/office/drawing/2010/main">
+                <a:solidFill>
+                  <a:srgbClr val="FFFFFF"/>
+                </a:solidFill>
+              </a14:hiddenFill>
+            </a:ext>
+          </a:extLst>
+        </p:spPr>
+      </p:pic>
+      <p:sp>
+        <p:nvSpPr>
+          <p:cNvPr id="7" name="CasellaDiTesto 6">
+            <a:extLst>
+              <a:ext uri="{FF2B5EF4-FFF2-40B4-BE49-F238E27FC236}">
+                <a16:creationId xmlns:a16="http://schemas.microsoft.com/office/drawing/2014/main" id="{2CD9181B-00F0-803E-CE66-2978F2AD31EE}"/>
+              </a:ext>
+            </a:extLst>
+          </p:cNvPr>
+          <p:cNvSpPr txBox="1"/>
+          <p:nvPr/>
+        </p:nvSpPr>
+        <p:spPr>
+          <a:xfrm>
+            <a:off x="265500" y="2715475"/>
+            <a:ext cx="4045199" cy="1708160"/>
+          </a:xfrm>
+          <a:prstGeom prst="rect">
+            <a:avLst/>
+          </a:prstGeom>
+          <a:noFill/>
+        </p:spPr>
+        <p:txBody>
+          <a:bodyPr wrap="square" rtlCol="0">
+            <a:spAutoFit/>
+          </a:bodyPr>
+          <a:lstStyle/>
+          <a:p>
+            <a:pPr algn="just"/>
+            <a:r>
+              <a:rPr lang="it-IT" sz="2100" dirty="0">
+                <a:solidFill>
+                  <a:schemeClr val="bg2"/>
+                </a:solidFill>
+                <a:latin typeface="Open Sans" panose="020B0606030504020204" pitchFamily="34" charset="0"/>
+                <a:ea typeface="Open Sans" panose="020B0606030504020204" pitchFamily="34" charset="0"/>
+                <a:cs typeface="Open Sans" panose="020B0606030504020204" pitchFamily="34" charset="0"/>
+              </a:rPr>
+              <a:t>Dispositivo che instrada il traffico tra diverse reti, come la rete locale (LAN) e Internet. Si occupa dell'instradamento dei pacchetti IP.</a:t>
+            </a:r>
+          </a:p>
+        </p:txBody>
+      </p:sp>
+    </p:spTree>
+    <p:extLst>
+      <p:ext uri="{BB962C8B-B14F-4D97-AF65-F5344CB8AC3E}">
+        <p14:creationId xmlns:p14="http://schemas.microsoft.com/office/powerpoint/2010/main" val="4116858674"/>
+      </p:ext>
+    </p:extLst>
+  </p:cSld>
+  <p:clrMapOvr>
+    <a:masterClrMapping/>
+  </p:clrMapOvr>
+</p:sld>
+</file>
+
+<file path=ppt/slides/slide24.xml><?xml version="1.0" encoding="utf-8"?>
+<p:sld xmlns:a="http://schemas.openxmlformats.org/drawingml/2006/main" xmlns:r="http://schemas.openxmlformats.org/officeDocument/2006/relationships" xmlns:p="http://schemas.openxmlformats.org/presentationml/2006/main">
+  <p:cSld>
+    <p:spTree>
+      <p:nvGrpSpPr>
+        <p:cNvPr id="1" name=""/>
+        <p:cNvGrpSpPr/>
+        <p:nvPr/>
+      </p:nvGrpSpPr>
+      <p:grpSpPr>
+        <a:xfrm>
+          <a:off x="0" y="0"/>
+          <a:ext cx="0" cy="0"/>
+          <a:chOff x="0" y="0"/>
+          <a:chExt cx="0" cy="0"/>
+        </a:xfrm>
+      </p:grpSpPr>
+      <p:sp>
+        <p:nvSpPr>
+          <p:cNvPr id="2" name="Titolo 1">
+            <a:extLst>
+              <a:ext uri="{FF2B5EF4-FFF2-40B4-BE49-F238E27FC236}">
+                <a16:creationId xmlns:a16="http://schemas.microsoft.com/office/drawing/2014/main" id="{77697C6B-92BD-FA06-9335-5C16F6E59296}"/>
+              </a:ext>
+            </a:extLst>
+          </p:cNvPr>
+          <p:cNvSpPr>
+            <a:spLocks noGrp="1"/>
+          </p:cNvSpPr>
+          <p:nvPr>
+            <p:ph type="title"/>
+          </p:nvPr>
+        </p:nvSpPr>
+        <p:spPr/>
+        <p:txBody>
+          <a:bodyPr/>
+          <a:lstStyle/>
+          <a:p>
+            <a:r>
+              <a:rPr lang="it-IT" dirty="0"/>
+              <a:t>MODEM</a:t>
+            </a:r>
+          </a:p>
+        </p:txBody>
+      </p:sp>
+      <p:pic>
+        <p:nvPicPr>
+          <p:cNvPr id="4" name="Picture 2" descr="undefined">
+            <a:extLst>
+              <a:ext uri="{FF2B5EF4-FFF2-40B4-BE49-F238E27FC236}">
+                <a16:creationId xmlns:a16="http://schemas.microsoft.com/office/drawing/2014/main" id="{43EAAF6C-5A37-9402-34BF-9C4E5CD31346}"/>
+              </a:ext>
+            </a:extLst>
+          </p:cNvPr>
+          <p:cNvPicPr>
+            <a:picLocks noChangeAspect="1" noChangeArrowheads="1"/>
+          </p:cNvPicPr>
+          <p:nvPr/>
+        </p:nvPicPr>
+        <p:blipFill>
+          <a:blip r:embed="rId2">
+            <a:extLst>
+              <a:ext uri="{28A0092B-C50C-407E-A947-70E740481C1C}">
+                <a14:useLocalDpi xmlns:a14="http://schemas.microsoft.com/office/drawing/2010/main" val="0"/>
+              </a:ext>
+            </a:extLst>
+          </a:blip>
+          <a:srcRect/>
+          <a:stretch>
+            <a:fillRect/>
+          </a:stretch>
+        </p:blipFill>
+        <p:spPr bwMode="auto">
+          <a:xfrm>
+            <a:off x="4943121" y="1286278"/>
+            <a:ext cx="3858827" cy="2570944"/>
+          </a:xfrm>
+          <a:prstGeom prst="rect">
+            <a:avLst/>
+          </a:prstGeom>
+          <a:noFill/>
+          <a:extLst>
+            <a:ext uri="{909E8E84-426E-40DD-AFC4-6F175D3DCCD1}">
+              <a14:hiddenFill xmlns:a14="http://schemas.microsoft.com/office/drawing/2010/main">
+                <a:solidFill>
+                  <a:srgbClr val="FFFFFF"/>
+                </a:solidFill>
+              </a14:hiddenFill>
+            </a:ext>
+          </a:extLst>
+        </p:spPr>
+      </p:pic>
+      <p:sp>
+        <p:nvSpPr>
+          <p:cNvPr id="8" name="CasellaDiTesto 7">
+            <a:extLst>
+              <a:ext uri="{FF2B5EF4-FFF2-40B4-BE49-F238E27FC236}">
+                <a16:creationId xmlns:a16="http://schemas.microsoft.com/office/drawing/2014/main" id="{DBA0D72B-8FDE-7CFE-B892-F5BDBA540A19}"/>
+              </a:ext>
+            </a:extLst>
+          </p:cNvPr>
+          <p:cNvSpPr txBox="1"/>
+          <p:nvPr/>
+        </p:nvSpPr>
+        <p:spPr>
+          <a:xfrm>
+            <a:off x="265500" y="2715475"/>
+            <a:ext cx="4045199" cy="1708160"/>
+          </a:xfrm>
+          <a:prstGeom prst="rect">
+            <a:avLst/>
+          </a:prstGeom>
+          <a:noFill/>
+        </p:spPr>
+        <p:txBody>
+          <a:bodyPr wrap="square" rtlCol="0">
+            <a:spAutoFit/>
+          </a:bodyPr>
+          <a:lstStyle/>
+          <a:p>
+            <a:pPr algn="just"/>
+            <a:r>
+              <a:rPr lang="it-IT" sz="2100" dirty="0">
+                <a:solidFill>
+                  <a:schemeClr val="bg2"/>
+                </a:solidFill>
+                <a:latin typeface="Open Sans" panose="020B0606030504020204" pitchFamily="34" charset="0"/>
+                <a:ea typeface="Open Sans" panose="020B0606030504020204" pitchFamily="34" charset="0"/>
+                <a:cs typeface="Open Sans" panose="020B0606030504020204" pitchFamily="34" charset="0"/>
+              </a:rPr>
+              <a:t>Dispositivo che converte i segnali digitali in analogici e viceversa, permettendo la connessione a Internet tramite linea telefonica o via cavo.</a:t>
+            </a:r>
+          </a:p>
+        </p:txBody>
+      </p:sp>
+    </p:spTree>
+    <p:extLst>
+      <p:ext uri="{BB962C8B-B14F-4D97-AF65-F5344CB8AC3E}">
+        <p14:creationId xmlns:p14="http://schemas.microsoft.com/office/powerpoint/2010/main" val="1976564306"/>
+      </p:ext>
+    </p:extLst>
+  </p:cSld>
+  <p:clrMapOvr>
+    <a:masterClrMapping/>
+  </p:clrMapOvr>
+</p:sld>
+</file>
+
+<file path=ppt/slides/slide25.xml><?xml version="1.0" encoding="utf-8"?>
+<p:sld xmlns:a="http://schemas.openxmlformats.org/drawingml/2006/main" xmlns:r="http://schemas.openxmlformats.org/officeDocument/2006/relationships" xmlns:p="http://schemas.openxmlformats.org/presentationml/2006/main">
+  <p:cSld>
+    <p:spTree>
+      <p:nvGrpSpPr>
+        <p:cNvPr id="1" name="Shape 127"/>
+        <p:cNvGrpSpPr/>
+        <p:nvPr/>
+      </p:nvGrpSpPr>
+      <p:grpSpPr>
+        <a:xfrm>
+          <a:off x="0" y="0"/>
+          <a:ext cx="0" cy="0"/>
+          <a:chOff x="0" y="0"/>
+          <a:chExt cx="0" cy="0"/>
+        </a:xfrm>
+      </p:grpSpPr>
+      <p:sp>
+        <p:nvSpPr>
+          <p:cNvPr id="128" name="Google Shape;128;p22"/>
+          <p:cNvSpPr txBox="1">
+            <a:spLocks noGrp="1"/>
+          </p:cNvSpPr>
+          <p:nvPr>
+            <p:ph type="title"/>
+          </p:nvPr>
+        </p:nvSpPr>
+        <p:spPr>
+          <a:xfrm>
+            <a:off x="265500" y="1039675"/>
+            <a:ext cx="4045200" cy="1675800"/>
+          </a:xfrm>
+          <a:prstGeom prst="rect">
+            <a:avLst/>
+          </a:prstGeom>
+        </p:spPr>
+        <p:txBody>
+          <a:bodyPr spcFirstLastPara="1" wrap="square" lIns="91425" tIns="91425" rIns="91425" bIns="91425" anchor="b" anchorCtr="0">
+            <a:normAutofit/>
+          </a:bodyPr>
+          <a:lstStyle/>
+          <a:p>
+            <a:pPr marL="0" lvl="0" indent="0" algn="ctr" rtl="0">
+              <a:spcBef>
+                <a:spcPts val="0"/>
+              </a:spcBef>
+              <a:spcAft>
+                <a:spcPts val="0"/>
+              </a:spcAft>
+              <a:buNone/>
+            </a:pPr>
+            <a:r>
+              <a:rPr lang="it"/>
+              <a:t>TOPOLOGIE DI RETE</a:t>
+            </a:r>
+            <a:endParaRPr/>
+          </a:p>
+        </p:txBody>
+      </p:sp>
+      <p:sp>
+        <p:nvSpPr>
+          <p:cNvPr id="129" name="Google Shape;129;p22"/>
+          <p:cNvSpPr txBox="1">
+            <a:spLocks noGrp="1"/>
+          </p:cNvSpPr>
+          <p:nvPr>
+            <p:ph type="subTitle" idx="1"/>
+          </p:nvPr>
+        </p:nvSpPr>
+        <p:spPr>
+          <a:xfrm>
+            <a:off x="265500" y="2726875"/>
+            <a:ext cx="4045200" cy="1235100"/>
+          </a:xfrm>
+          <a:prstGeom prst="rect">
+            <a:avLst/>
+          </a:prstGeom>
+        </p:spPr>
+        <p:txBody>
+          <a:bodyPr spcFirstLastPara="1" wrap="square" lIns="91425" tIns="91425" rIns="91425" bIns="91425" anchor="t" anchorCtr="0">
+            <a:normAutofit/>
+          </a:bodyPr>
+          <a:lstStyle/>
+          <a:p>
+            <a:pPr marL="0" lvl="0" indent="0" algn="ctr" rtl="0">
+              <a:spcBef>
+                <a:spcPts val="0"/>
+              </a:spcBef>
+              <a:spcAft>
+                <a:spcPts val="0"/>
+              </a:spcAft>
+              <a:buNone/>
+            </a:pPr>
+            <a:r>
+              <a:rPr lang="it"/>
+              <a:t>ANELLO vs STELLA vs BUS</a:t>
+            </a:r>
+            <a:endParaRPr/>
+          </a:p>
+        </p:txBody>
+      </p:sp>
+      <p:pic>
+        <p:nvPicPr>
+          <p:cNvPr id="130" name="Google Shape;130;p22"/>
+          <p:cNvPicPr preferRelativeResize="0"/>
+          <p:nvPr/>
+        </p:nvPicPr>
+        <p:blipFill>
+          <a:blip r:embed="rId3">
+            <a:alphaModFix/>
+          </a:blip>
+          <a:stretch>
+            <a:fillRect/>
+          </a:stretch>
+        </p:blipFill>
+        <p:spPr>
+          <a:xfrm>
+            <a:off x="4794813" y="221450"/>
+            <a:ext cx="2615047" cy="1415750"/>
+          </a:xfrm>
+          <a:prstGeom prst="rect">
+            <a:avLst/>
+          </a:prstGeom>
+          <a:noFill/>
+          <a:ln>
+            <a:noFill/>
+          </a:ln>
+        </p:spPr>
+      </p:pic>
+      <p:pic>
+        <p:nvPicPr>
+          <p:cNvPr id="131" name="Google Shape;131;p22"/>
+          <p:cNvPicPr preferRelativeResize="0"/>
+          <p:nvPr/>
+        </p:nvPicPr>
+        <p:blipFill>
+          <a:blip r:embed="rId4">
+            <a:alphaModFix/>
+          </a:blip>
+          <a:stretch>
+            <a:fillRect/>
+          </a:stretch>
+        </p:blipFill>
+        <p:spPr>
+          <a:xfrm>
+            <a:off x="5701375" y="1853688"/>
+            <a:ext cx="3092305" cy="1415750"/>
+          </a:xfrm>
+          <a:prstGeom prst="rect">
+            <a:avLst/>
+          </a:prstGeom>
+          <a:noFill/>
+          <a:ln>
+            <a:noFill/>
+          </a:ln>
+        </p:spPr>
+      </p:pic>
+      <p:pic>
+        <p:nvPicPr>
+          <p:cNvPr id="132" name="Google Shape;132;p22"/>
+          <p:cNvPicPr preferRelativeResize="0"/>
+          <p:nvPr/>
+        </p:nvPicPr>
+        <p:blipFill>
+          <a:blip r:embed="rId5">
+            <a:alphaModFix/>
+          </a:blip>
+          <a:stretch>
+            <a:fillRect/>
+          </a:stretch>
+        </p:blipFill>
+        <p:spPr>
+          <a:xfrm>
+            <a:off x="4794825" y="3485927"/>
+            <a:ext cx="2381425" cy="1415750"/>
+          </a:xfrm>
+          <a:prstGeom prst="rect">
+            <a:avLst/>
+          </a:prstGeom>
+          <a:noFill/>
+          <a:ln>
+            <a:noFill/>
+          </a:ln>
+        </p:spPr>
+      </p:pic>
+    </p:spTree>
+  </p:cSld>
+  <p:clrMapOvr>
+    <a:masterClrMapping/>
+  </p:clrMapOvr>
+</p:sld>
+</file>
+
+<file path=ppt/slides/slide26.xml><?xml version="1.0" encoding="utf-8"?>
+<p:sld xmlns:a="http://schemas.openxmlformats.org/drawingml/2006/main" xmlns:r="http://schemas.openxmlformats.org/officeDocument/2006/relationships" xmlns:p="http://schemas.openxmlformats.org/presentationml/2006/main">
+  <p:cSld>
+    <p:spTree>
+      <p:nvGrpSpPr>
+        <p:cNvPr id="1" name="Shape 136"/>
+        <p:cNvGrpSpPr/>
+        <p:nvPr/>
+      </p:nvGrpSpPr>
+      <p:grpSpPr>
+        <a:xfrm>
+          <a:off x="0" y="0"/>
+          <a:ext cx="0" cy="0"/>
+          <a:chOff x="0" y="0"/>
+          <a:chExt cx="0" cy="0"/>
+        </a:xfrm>
+      </p:grpSpPr>
+      <p:sp>
+        <p:nvSpPr>
+          <p:cNvPr id="137" name="Google Shape;137;p23"/>
+          <p:cNvSpPr txBox="1">
+            <a:spLocks noGrp="1"/>
+          </p:cNvSpPr>
+          <p:nvPr>
+            <p:ph type="title"/>
+          </p:nvPr>
+        </p:nvSpPr>
+        <p:spPr>
+          <a:xfrm>
+            <a:off x="265500" y="0"/>
+            <a:ext cx="4045200" cy="1675800"/>
+          </a:xfrm>
+          <a:prstGeom prst="rect">
+            <a:avLst/>
+          </a:prstGeom>
+        </p:spPr>
+        <p:txBody>
+          <a:bodyPr spcFirstLastPara="1" wrap="square" lIns="91425" tIns="91425" rIns="91425" bIns="91425" anchor="b" anchorCtr="0">
+            <a:normAutofit/>
+          </a:bodyPr>
+          <a:lstStyle/>
+          <a:p>
+            <a:pPr marL="0" lvl="0" indent="0" algn="ctr" rtl="0">
+              <a:spcBef>
+                <a:spcPts val="0"/>
+              </a:spcBef>
+              <a:spcAft>
+                <a:spcPts val="0"/>
+              </a:spcAft>
+              <a:buNone/>
+            </a:pPr>
+            <a:r>
+              <a:rPr lang="it"/>
+              <a:t>TOPOLOGIA AD ANELLO</a:t>
+            </a:r>
+            <a:endParaRPr/>
+          </a:p>
+        </p:txBody>
+      </p:sp>
+      <p:sp>
+        <p:nvSpPr>
+          <p:cNvPr id="138" name="Google Shape;138;p23"/>
+          <p:cNvSpPr txBox="1">
+            <a:spLocks noGrp="1"/>
+          </p:cNvSpPr>
+          <p:nvPr>
+            <p:ph type="subTitle" idx="1"/>
+          </p:nvPr>
+        </p:nvSpPr>
+        <p:spPr>
+          <a:xfrm>
+            <a:off x="265500" y="1675800"/>
+            <a:ext cx="4045200" cy="3467700"/>
+          </a:xfrm>
+          <a:prstGeom prst="rect">
+            <a:avLst/>
+          </a:prstGeom>
+        </p:spPr>
+        <p:txBody>
+          <a:bodyPr spcFirstLastPara="1" wrap="square" lIns="91425" tIns="91425" rIns="91425" bIns="91425" anchor="t" anchorCtr="0">
+            <a:noAutofit/>
+          </a:bodyPr>
+          <a:lstStyle/>
+          <a:p>
+            <a:pPr marL="0" lvl="0" indent="0" algn="just" rtl="0">
+              <a:lnSpc>
+                <a:spcPct val="80000"/>
+              </a:lnSpc>
+              <a:spcBef>
+                <a:spcPts val="0"/>
+              </a:spcBef>
+              <a:spcAft>
+                <a:spcPts val="0"/>
+              </a:spcAft>
+              <a:buSzPts val="523"/>
+              <a:buNone/>
+            </a:pPr>
+            <a:r>
+              <a:rPr lang="it" sz="1500"/>
+              <a:t>La rete ad anello è un sistema dove i nodi sono disposti a cerchio, creando appunto un anello. Ciascun nodo esamina il messaggio che riceve per decidere se deve acquisirlo o passarlo a sua volta. Il segnale dei dati ricevuti e la trasmissione termina quando il messaggio fa un intero giro e ritorna al nodo trasmittente. Il percorso può avvenire in maniera:</a:t>
+            </a:r>
+            <a:endParaRPr sz="1500"/>
+          </a:p>
+          <a:p>
+            <a:pPr marL="0" lvl="0" indent="0" algn="just" rtl="0">
+              <a:lnSpc>
+                <a:spcPct val="80000"/>
+              </a:lnSpc>
+              <a:spcBef>
+                <a:spcPts val="0"/>
+              </a:spcBef>
+              <a:spcAft>
+                <a:spcPts val="0"/>
+              </a:spcAft>
+              <a:buSzPts val="523"/>
+              <a:buNone/>
+            </a:pPr>
+            <a:endParaRPr sz="1500"/>
+          </a:p>
+          <a:p>
+            <a:pPr marL="457200" lvl="0" indent="-323850" algn="just" rtl="0">
+              <a:lnSpc>
+                <a:spcPct val="80000"/>
+              </a:lnSpc>
+              <a:spcBef>
+                <a:spcPts val="0"/>
+              </a:spcBef>
+              <a:spcAft>
+                <a:spcPts val="0"/>
+              </a:spcAft>
+              <a:buSzPts val="1500"/>
+              <a:buChar char="●"/>
+            </a:pPr>
+            <a:r>
+              <a:rPr lang="it" sz="1500"/>
+              <a:t>Unidirezionale: in senso orario o antiorario</a:t>
+            </a:r>
+            <a:endParaRPr sz="1500"/>
+          </a:p>
+          <a:p>
+            <a:pPr marL="457200" lvl="0" indent="0" algn="just" rtl="0">
+              <a:lnSpc>
+                <a:spcPct val="80000"/>
+              </a:lnSpc>
+              <a:spcBef>
+                <a:spcPts val="0"/>
+              </a:spcBef>
+              <a:spcAft>
+                <a:spcPts val="0"/>
+              </a:spcAft>
+              <a:buNone/>
+            </a:pPr>
+            <a:endParaRPr sz="1500"/>
+          </a:p>
+          <a:p>
+            <a:pPr marL="457200" lvl="0" indent="-323850" algn="just" rtl="0">
+              <a:lnSpc>
+                <a:spcPct val="80000"/>
+              </a:lnSpc>
+              <a:spcBef>
+                <a:spcPts val="0"/>
+              </a:spcBef>
+              <a:spcAft>
+                <a:spcPts val="0"/>
+              </a:spcAft>
+              <a:buSzPts val="1500"/>
+              <a:buChar char="●"/>
+            </a:pPr>
+            <a:r>
+              <a:rPr lang="it" sz="1500"/>
+              <a:t>Bidirezionale: ciascun nodo può inviare il messaggio sia al nodo precedente che a quello successivo.</a:t>
+            </a:r>
+            <a:endParaRPr sz="1500"/>
+          </a:p>
+        </p:txBody>
+      </p:sp>
+      <p:pic>
+        <p:nvPicPr>
+          <p:cNvPr id="139" name="Google Shape;139;p23"/>
+          <p:cNvPicPr preferRelativeResize="0"/>
+          <p:nvPr/>
+        </p:nvPicPr>
+        <p:blipFill>
+          <a:blip r:embed="rId3">
+            <a:alphaModFix/>
+          </a:blip>
+          <a:stretch>
+            <a:fillRect/>
+          </a:stretch>
+        </p:blipFill>
+        <p:spPr>
+          <a:xfrm>
+            <a:off x="4939425" y="1274250"/>
+            <a:ext cx="3826700" cy="2071725"/>
+          </a:xfrm>
+          <a:prstGeom prst="rect">
+            <a:avLst/>
+          </a:prstGeom>
+          <a:noFill/>
+          <a:ln>
+            <a:noFill/>
+          </a:ln>
+        </p:spPr>
+      </p:pic>
+    </p:spTree>
+  </p:cSld>
+  <p:clrMapOvr>
+    <a:masterClrMapping/>
+  </p:clrMapOvr>
+</p:sld>
+</file>
+
+<file path=ppt/slides/slide27.xml><?xml version="1.0" encoding="utf-8"?>
+<p:sld xmlns:a="http://schemas.openxmlformats.org/drawingml/2006/main" xmlns:r="http://schemas.openxmlformats.org/officeDocument/2006/relationships" xmlns:p="http://schemas.openxmlformats.org/presentationml/2006/main">
+  <p:cSld>
+    <p:spTree>
+      <p:nvGrpSpPr>
         <p:cNvPr id="1" name="Shape 143"/>
         <p:cNvGrpSpPr/>
         <p:nvPr/>
@@ -12737,7 +14311,7 @@
 </p:sld>
 </file>
 
-<file path=ppt/slides/slide21.xml><?xml version="1.0" encoding="utf-8"?>
+<file path=ppt/slides/slide28.xml><?xml version="1.0" encoding="utf-8"?>
 <p:sld xmlns:a="http://schemas.openxmlformats.org/drawingml/2006/main" xmlns:r="http://schemas.openxmlformats.org/officeDocument/2006/relationships" xmlns:p="http://schemas.openxmlformats.org/presentationml/2006/main">
   <p:cSld>
     <p:spTree>

--- a/reti_informatiche/materiale/lezione_1_reti_introduzione.pptx
+++ b/reti_informatiche/materiale/lezione_1_reti_introduzione.pptx
@@ -15348,7 +15348,7 @@
         </p:spPr>
         <p:txBody>
           <a:bodyPr spcFirstLastPara="1" wrap="square" lIns="91425" tIns="91425" rIns="91425" bIns="91425" anchor="b" anchorCtr="0">
-            <a:normAutofit fontScale="90000"/>
+            <a:normAutofit/>
           </a:bodyPr>
           <a:lstStyle/>
           <a:p>
@@ -15362,16 +15362,12 @@
               <a:buNone/>
             </a:pPr>
             <a:r>
-              <a:rPr lang="it" sz="3900" dirty="0"/>
+              <a:rPr lang="it" sz="3600" dirty="0"/>
               <a:t>MAN</a:t>
             </a:r>
             <a:r>
-              <a:rPr lang="it" sz="3600" dirty="0"/>
-              <a:t> </a:t>
-            </a:r>
-            <a:r>
               <a:rPr lang="it" sz="2400" dirty="0"/>
-              <a:t>(Metropolitan Local Area Network)</a:t>
+              <a:t> (Metropolitan Area Network)</a:t>
             </a:r>
             <a:endParaRPr sz="2400" dirty="0"/>
           </a:p>
